--- a/example_from_template.pptx
+++ b/example_from_template.pptx
@@ -6,6 +6,26 @@
   </p:sldMasterIdLst>
   <p:sldIdLst>
     <p:sldId id="257" r:id="rId2"/>
+    <p:sldId id="258" r:id="rId9"/>
+    <p:sldId id="259" r:id="rId10"/>
+    <p:sldId id="260" r:id="rId11"/>
+    <p:sldId id="261" r:id="rId12"/>
+    <p:sldId id="262" r:id="rId13"/>
+    <p:sldId id="263" r:id="rId14"/>
+    <p:sldId id="264" r:id="rId15"/>
+    <p:sldId id="265" r:id="rId16"/>
+    <p:sldId id="266" r:id="rId17"/>
+    <p:sldId id="267" r:id="rId18"/>
+    <p:sldId id="268" r:id="rId19"/>
+    <p:sldId id="269" r:id="rId20"/>
+    <p:sldId id="270" r:id="rId21"/>
+    <p:sldId id="271" r:id="rId22"/>
+    <p:sldId id="272" r:id="rId23"/>
+    <p:sldId id="273" r:id="rId24"/>
+    <p:sldId id="274" r:id="rId25"/>
+    <p:sldId id="275" r:id="rId26"/>
+    <p:sldId id="276" r:id="rId27"/>
+    <p:sldId id="277" r:id="rId28"/>
   </p:sldIdLst>
   <p:sldSz cx="10080625" cy="7559675"/>
   <p:notesSz cx="6858000" cy="9144000"/>
@@ -4374,6 +4394,1914 @@
 </p:sld>
 </file>
 
+<file path=ppt/slides/slide10.xml><?xml version="1.0" encoding="utf-8"?>
+<p:sld xmlns:a="http://schemas.openxmlformats.org/drawingml/2006/main" xmlns:p="http://schemas.openxmlformats.org/presentationml/2006/main" xmlns:r="http://schemas.openxmlformats.org/officeDocument/2006/relationships">
+  <p:cSld>
+    <p:spTree>
+      <p:nvGrpSpPr>
+        <p:cNvPr id="1" name=""/>
+        <p:cNvGrpSpPr/>
+        <p:nvPr/>
+      </p:nvGrpSpPr>
+      <p:grpSpPr/>
+      <p:sp>
+        <p:nvSpPr>
+          <p:cNvPr id="2" name="Title 1"/>
+          <p:cNvSpPr>
+            <a:spLocks noGrp="1"/>
+          </p:cNvSpPr>
+          <p:nvPr>
+            <p:ph type="title"/>
+          </p:nvPr>
+        </p:nvSpPr>
+        <p:spPr/>
+        <p:txBody>
+          <a:bodyPr/>
+          <a:lstStyle/>
+          <a:p>
+            <a:r>
+              <a:t>Confession</a:t>
+            </a:r>
+          </a:p>
+        </p:txBody>
+      </p:sp>
+      <p:sp>
+        <p:nvSpPr>
+          <p:cNvPr id="3" name="Content Placeholder 2"/>
+          <p:cNvSpPr>
+            <a:spLocks noGrp="1"/>
+          </p:cNvSpPr>
+          <p:nvPr>
+            <p:ph idx="10" sz="quarter"/>
+          </p:nvPr>
+        </p:nvSpPr>
+        <p:spPr/>
+        <p:txBody>
+          <a:bodyPr/>
+          <a:lstStyle/>
+          <a:p/>
+          <a:p>
+            <a:r>
+              <a:rPr sz="2800">
+                <a:solidFill>
+                  <a:srgbClr val="A12626"/>
+                </a:solidFill>
+              </a:rPr>
+              <a:t>All. </a:t>
+            </a:r>
+            <a:r>
+              <a:rPr sz="2800">
+                <a:solidFill>
+                  <a:srgbClr val="000000"/>
+                </a:solidFill>
+              </a:rPr>
+              <a:t>Almighty and most merciful Father, we have erred and strayed from your ways like lost sheep. We have followed too much the devices and desires of our own hearts. We have broken your holy laws. We have left undone what we ought to have done, and we have done what we ought not to have done.</a:t>
+            </a:r>
+          </a:p>
+        </p:txBody>
+      </p:sp>
+    </p:spTree>
+  </p:cSld>
+  <p:clrMapOvr>
+    <a:masterClrMapping/>
+  </p:clrMapOvr>
+</p:sld>
+</file>
+
+<file path=ppt/slides/slide11.xml><?xml version="1.0" encoding="utf-8"?>
+<p:sld xmlns:a="http://schemas.openxmlformats.org/drawingml/2006/main" xmlns:p="http://schemas.openxmlformats.org/presentationml/2006/main" xmlns:r="http://schemas.openxmlformats.org/officeDocument/2006/relationships">
+  <p:cSld>
+    <p:spTree>
+      <p:nvGrpSpPr>
+        <p:cNvPr id="1" name=""/>
+        <p:cNvGrpSpPr/>
+        <p:nvPr/>
+      </p:nvGrpSpPr>
+      <p:grpSpPr/>
+      <p:sp>
+        <p:nvSpPr>
+          <p:cNvPr id="2" name="Title 1"/>
+          <p:cNvSpPr>
+            <a:spLocks noGrp="1"/>
+          </p:cNvSpPr>
+          <p:nvPr>
+            <p:ph type="title"/>
+          </p:nvPr>
+        </p:nvSpPr>
+        <p:spPr/>
+        <p:txBody>
+          <a:bodyPr/>
+          <a:lstStyle/>
+          <a:p>
+            <a:r>
+              <a:t>Confession</a:t>
+            </a:r>
+          </a:p>
+        </p:txBody>
+      </p:sp>
+      <p:sp>
+        <p:nvSpPr>
+          <p:cNvPr id="3" name="Content Placeholder 2"/>
+          <p:cNvSpPr>
+            <a:spLocks noGrp="1"/>
+          </p:cNvSpPr>
+          <p:nvPr>
+            <p:ph idx="10" sz="quarter"/>
+          </p:nvPr>
+        </p:nvSpPr>
+        <p:spPr/>
+        <p:txBody>
+          <a:bodyPr/>
+          <a:lstStyle/>
+          <a:p/>
+          <a:p>
+            <a:r>
+              <a:rPr sz="2800">
+                <a:solidFill>
+                  <a:srgbClr val="A12626"/>
+                </a:solidFill>
+              </a:rPr>
+              <a:t>All. </a:t>
+            </a:r>
+            <a:r>
+              <a:rPr sz="2800">
+                <a:solidFill>
+                  <a:srgbClr val="000000"/>
+                </a:solidFill>
+              </a:rPr>
+              <a:t>O Lord, have mercy on us pitiful sinners.  Spare those, O God, who confess their faults. Restore those who truly repent, as you have promised through Jesus Christ our Lord. And grant, O merciful Father, for his sake, that we may live a godly, righteous and disciplined life, to the praise of your holy name. Amen.</a:t>
+            </a:r>
+          </a:p>
+        </p:txBody>
+      </p:sp>
+    </p:spTree>
+  </p:cSld>
+  <p:clrMapOvr>
+    <a:masterClrMapping/>
+  </p:clrMapOvr>
+</p:sld>
+</file>
+
+<file path=ppt/slides/slide12.xml><?xml version="1.0" encoding="utf-8"?>
+<p:sld xmlns:a="http://schemas.openxmlformats.org/drawingml/2006/main" xmlns:p="http://schemas.openxmlformats.org/presentationml/2006/main" xmlns:r="http://schemas.openxmlformats.org/officeDocument/2006/relationships">
+  <p:cSld>
+    <p:spTree>
+      <p:nvGrpSpPr>
+        <p:cNvPr id="1" name=""/>
+        <p:cNvGrpSpPr/>
+        <p:nvPr/>
+      </p:nvGrpSpPr>
+      <p:grpSpPr/>
+      <p:sp>
+        <p:nvSpPr>
+          <p:cNvPr id="2" name="Title 1"/>
+          <p:cNvSpPr>
+            <a:spLocks noGrp="1"/>
+          </p:cNvSpPr>
+          <p:nvPr>
+            <p:ph type="title"/>
+          </p:nvPr>
+        </p:nvSpPr>
+        <p:spPr/>
+        <p:txBody>
+          <a:bodyPr/>
+          <a:lstStyle/>
+          <a:p>
+            <a:r>
+              <a:t>Assurance of Pardon</a:t>
+            </a:r>
+          </a:p>
+        </p:txBody>
+      </p:sp>
+      <p:sp>
+        <p:nvSpPr>
+          <p:cNvPr id="3" name="Content Placeholder 2"/>
+          <p:cNvSpPr>
+            <a:spLocks noGrp="1"/>
+          </p:cNvSpPr>
+          <p:nvPr>
+            <p:ph idx="10" sz="quarter"/>
+          </p:nvPr>
+        </p:nvSpPr>
+        <p:spPr/>
+        <p:txBody>
+          <a:bodyPr/>
+          <a:lstStyle/>
+          <a:p/>
+          <a:p>
+            <a:r>
+              <a:rPr sz="2800">
+                <a:solidFill>
+                  <a:srgbClr val="A12626"/>
+                </a:solidFill>
+              </a:rPr>
+              <a:t>Minister. </a:t>
+            </a:r>
+            <a:r>
+              <a:rPr sz="2800">
+                <a:solidFill>
+                  <a:srgbClr val="000000"/>
+                </a:solidFill>
+              </a:rPr>
+              <a:t>Almighty God, the Father of our Lord Jesus Christ, does not desire the death of sinners but rather that they should turn from their wickedness and live. He has commanded and authorised his ministers to reassure his people that they will be forgiven when they repent of their sins. God pardons and forgives all who truly repent and sincerely believe his holy gospel.</a:t>
+            </a:r>
+          </a:p>
+        </p:txBody>
+      </p:sp>
+    </p:spTree>
+  </p:cSld>
+  <p:clrMapOvr>
+    <a:masterClrMapping/>
+  </p:clrMapOvr>
+</p:sld>
+</file>
+
+<file path=ppt/slides/slide13.xml><?xml version="1.0" encoding="utf-8"?>
+<p:sld xmlns:a="http://schemas.openxmlformats.org/drawingml/2006/main" xmlns:p="http://schemas.openxmlformats.org/presentationml/2006/main" xmlns:r="http://schemas.openxmlformats.org/officeDocument/2006/relationships">
+  <p:cSld>
+    <p:spTree>
+      <p:nvGrpSpPr>
+        <p:cNvPr id="1" name=""/>
+        <p:cNvGrpSpPr/>
+        <p:nvPr/>
+      </p:nvGrpSpPr>
+      <p:grpSpPr/>
+      <p:sp>
+        <p:nvSpPr>
+          <p:cNvPr id="2" name="Title 1"/>
+          <p:cNvSpPr>
+            <a:spLocks noGrp="1"/>
+          </p:cNvSpPr>
+          <p:nvPr>
+            <p:ph type="title"/>
+          </p:nvPr>
+        </p:nvSpPr>
+        <p:spPr/>
+        <p:txBody>
+          <a:bodyPr/>
+          <a:lstStyle/>
+          <a:p>
+            <a:r>
+              <a:t>Assurance of Pardon</a:t>
+            </a:r>
+          </a:p>
+        </p:txBody>
+      </p:sp>
+      <p:sp>
+        <p:nvSpPr>
+          <p:cNvPr id="3" name="Content Placeholder 2"/>
+          <p:cNvSpPr>
+            <a:spLocks noGrp="1"/>
+          </p:cNvSpPr>
+          <p:nvPr>
+            <p:ph idx="10" sz="quarter"/>
+          </p:nvPr>
+        </p:nvSpPr>
+        <p:spPr/>
+        <p:txBody>
+          <a:bodyPr/>
+          <a:lstStyle/>
+          <a:p/>
+          <a:p>
+            <a:r>
+              <a:rPr sz="2800">
+                <a:solidFill>
+                  <a:srgbClr val="A12626"/>
+                </a:solidFill>
+              </a:rPr>
+              <a:t>Minister. </a:t>
+            </a:r>
+            <a:r>
+              <a:rPr sz="2800">
+                <a:solidFill>
+                  <a:srgbClr val="000000"/>
+                </a:solidFill>
+              </a:rPr>
+              <a:t>Therefore let us beseech him to grant us true repentance and his Holy Spirit; so that what we do now may please him, that the rest of our lives may be pure and holy, and that finally we may come to his eternal joy; through Jesus Christ our Lord. Amen.</a:t>
+            </a:r>
+          </a:p>
+        </p:txBody>
+      </p:sp>
+    </p:spTree>
+  </p:cSld>
+  <p:clrMapOvr>
+    <a:masterClrMapping/>
+  </p:clrMapOvr>
+</p:sld>
+</file>
+
+<file path=ppt/slides/slide14.xml><?xml version="1.0" encoding="utf-8"?>
+<p:sld xmlns:a="http://schemas.openxmlformats.org/drawingml/2006/main" xmlns:p="http://schemas.openxmlformats.org/presentationml/2006/main" xmlns:r="http://schemas.openxmlformats.org/officeDocument/2006/relationships">
+  <p:cSld>
+    <p:spTree>
+      <p:nvGrpSpPr>
+        <p:cNvPr id="1" name=""/>
+        <p:cNvGrpSpPr/>
+        <p:nvPr/>
+      </p:nvGrpSpPr>
+      <p:grpSpPr/>
+      <p:sp>
+        <p:nvSpPr>
+          <p:cNvPr id="2" name="Title 1"/>
+          <p:cNvSpPr>
+            <a:spLocks noGrp="1"/>
+          </p:cNvSpPr>
+          <p:nvPr>
+            <p:ph type="title"/>
+          </p:nvPr>
+        </p:nvSpPr>
+        <p:spPr/>
+        <p:txBody>
+          <a:bodyPr/>
+          <a:lstStyle/>
+          <a:p>
+            <a:r>
+              <a:t>The Lord's Prayer</a:t>
+            </a:r>
+          </a:p>
+        </p:txBody>
+      </p:sp>
+      <p:sp>
+        <p:nvSpPr>
+          <p:cNvPr id="3" name="Content Placeholder 2"/>
+          <p:cNvSpPr>
+            <a:spLocks noGrp="1"/>
+          </p:cNvSpPr>
+          <p:nvPr>
+            <p:ph idx="10" sz="quarter"/>
+          </p:nvPr>
+        </p:nvSpPr>
+        <p:spPr/>
+        <p:txBody>
+          <a:bodyPr/>
+          <a:lstStyle/>
+          <a:p/>
+          <a:p>
+            <a:r>
+              <a:rPr sz="2800">
+                <a:solidFill>
+                  <a:srgbClr val="A12626"/>
+                </a:solidFill>
+              </a:rPr>
+              <a:t>All. </a:t>
+            </a:r>
+            <a:r>
+              <a:rPr sz="2800">
+                <a:solidFill>
+                  <a:srgbClr val="000000"/>
+                </a:solidFill>
+              </a:rPr>
+              <a:t>Our Father in heaven, hallowed be your name, your kingdom come, your will be done, on earth as it is in heaven.
+Give us today our daily bread.
+Forgive us our sins as we forgive those who sin against us.
+Lead us not into temptation but deliver us from evil.
+For yours is the kingdom, the power and the glory, now and for ever. Amen.</a:t>
+            </a:r>
+          </a:p>
+        </p:txBody>
+      </p:sp>
+    </p:spTree>
+  </p:cSld>
+  <p:clrMapOvr>
+    <a:masterClrMapping/>
+  </p:clrMapOvr>
+</p:sld>
+</file>
+
+<file path=ppt/slides/slide15.xml><?xml version="1.0" encoding="utf-8"?>
+<p:sld xmlns:a="http://schemas.openxmlformats.org/drawingml/2006/main" xmlns:p="http://schemas.openxmlformats.org/presentationml/2006/main" xmlns:r="http://schemas.openxmlformats.org/officeDocument/2006/relationships">
+  <p:cSld>
+    <p:spTree>
+      <p:nvGrpSpPr>
+        <p:cNvPr id="1" name=""/>
+        <p:cNvGrpSpPr/>
+        <p:nvPr/>
+      </p:nvGrpSpPr>
+      <p:grpSpPr/>
+      <p:sp>
+        <p:nvSpPr>
+          <p:cNvPr id="2" name="Title 1"/>
+          <p:cNvSpPr>
+            <a:spLocks noGrp="1"/>
+          </p:cNvSpPr>
+          <p:nvPr>
+            <p:ph type="title"/>
+          </p:nvPr>
+        </p:nvSpPr>
+        <p:spPr/>
+        <p:txBody>
+          <a:bodyPr/>
+          <a:lstStyle/>
+          <a:p/>
+        </p:txBody>
+      </p:sp>
+      <p:sp>
+        <p:nvSpPr>
+          <p:cNvPr id="3" name="Content Placeholder 2"/>
+          <p:cNvSpPr>
+            <a:spLocks noGrp="1"/>
+          </p:cNvSpPr>
+          <p:nvPr>
+            <p:ph idx="10" sz="quarter"/>
+          </p:nvPr>
+        </p:nvSpPr>
+        <p:spPr/>
+        <p:txBody>
+          <a:bodyPr/>
+          <a:lstStyle/>
+          <a:p/>
+        </p:txBody>
+      </p:sp>
+      <p:sp>
+        <p:nvSpPr>
+          <p:cNvPr id="4" name="Content Placeholder 3"/>
+          <p:cNvSpPr>
+            <a:spLocks noGrp="1"/>
+          </p:cNvSpPr>
+          <p:nvPr>
+            <p:ph idx="11" sz="quarter"/>
+          </p:nvPr>
+        </p:nvSpPr>
+        <p:spPr/>
+        <p:txBody>
+          <a:bodyPr/>
+          <a:lstStyle/>
+          <a:p/>
+        </p:txBody>
+      </p:sp>
+      <p:sp>
+        <p:nvSpPr>
+          <p:cNvPr id="5" name="Text Placeholder 4"/>
+          <p:cNvSpPr>
+            <a:spLocks noGrp="1"/>
+          </p:cNvSpPr>
+          <p:nvPr>
+            <p:ph type="body" idx="12" sz="quarter"/>
+          </p:nvPr>
+        </p:nvSpPr>
+        <p:spPr/>
+        <p:txBody>
+          <a:bodyPr/>
+          <a:lstStyle/>
+          <a:p/>
+        </p:txBody>
+      </p:sp>
+    </p:spTree>
+  </p:cSld>
+  <p:clrMapOvr>
+    <a:masterClrMapping/>
+  </p:clrMapOvr>
+</p:sld>
+</file>
+
+<file path=ppt/slides/slide16.xml><?xml version="1.0" encoding="utf-8"?>
+<p:sld xmlns:a="http://schemas.openxmlformats.org/drawingml/2006/main" xmlns:p="http://schemas.openxmlformats.org/presentationml/2006/main" xmlns:r="http://schemas.openxmlformats.org/officeDocument/2006/relationships">
+  <p:cSld>
+    <p:spTree>
+      <p:nvGrpSpPr>
+        <p:cNvPr id="1" name=""/>
+        <p:cNvGrpSpPr/>
+        <p:nvPr/>
+      </p:nvGrpSpPr>
+      <p:grpSpPr/>
+      <p:sp>
+        <p:nvSpPr>
+          <p:cNvPr id="2" name="Title 1"/>
+          <p:cNvSpPr>
+            <a:spLocks noGrp="1"/>
+          </p:cNvSpPr>
+          <p:nvPr>
+            <p:ph type="title"/>
+          </p:nvPr>
+        </p:nvSpPr>
+        <p:spPr/>
+        <p:txBody>
+          <a:bodyPr/>
+          <a:lstStyle/>
+          <a:p/>
+        </p:txBody>
+      </p:sp>
+      <p:sp>
+        <p:nvSpPr>
+          <p:cNvPr id="3" name="Content Placeholder 2"/>
+          <p:cNvSpPr>
+            <a:spLocks noGrp="1"/>
+          </p:cNvSpPr>
+          <p:nvPr>
+            <p:ph idx="10" sz="quarter"/>
+          </p:nvPr>
+        </p:nvSpPr>
+        <p:spPr/>
+        <p:txBody>
+          <a:bodyPr/>
+          <a:lstStyle/>
+          <a:p/>
+        </p:txBody>
+      </p:sp>
+      <p:sp>
+        <p:nvSpPr>
+          <p:cNvPr id="4" name="Content Placeholder 3"/>
+          <p:cNvSpPr>
+            <a:spLocks noGrp="1"/>
+          </p:cNvSpPr>
+          <p:nvPr>
+            <p:ph idx="11" sz="quarter"/>
+          </p:nvPr>
+        </p:nvSpPr>
+        <p:spPr/>
+        <p:txBody>
+          <a:bodyPr/>
+          <a:lstStyle/>
+          <a:p/>
+        </p:txBody>
+      </p:sp>
+    </p:spTree>
+  </p:cSld>
+  <p:clrMapOvr>
+    <a:masterClrMapping/>
+  </p:clrMapOvr>
+</p:sld>
+</file>
+
+<file path=ppt/slides/slide17.xml><?xml version="1.0" encoding="utf-8"?>
+<p:sld xmlns:a="http://schemas.openxmlformats.org/drawingml/2006/main" xmlns:p="http://schemas.openxmlformats.org/presentationml/2006/main" xmlns:r="http://schemas.openxmlformats.org/officeDocument/2006/relationships">
+  <p:cSld>
+    <p:spTree>
+      <p:nvGrpSpPr>
+        <p:cNvPr id="1" name=""/>
+        <p:cNvGrpSpPr/>
+        <p:nvPr/>
+      </p:nvGrpSpPr>
+      <p:grpSpPr/>
+      <p:sp>
+        <p:nvSpPr>
+          <p:cNvPr id="2" name="Title 1"/>
+          <p:cNvSpPr>
+            <a:spLocks noGrp="1"/>
+          </p:cNvSpPr>
+          <p:nvPr>
+            <p:ph type="title"/>
+          </p:nvPr>
+        </p:nvSpPr>
+        <p:spPr/>
+        <p:txBody>
+          <a:bodyPr/>
+          <a:lstStyle/>
+          <a:p>
+            <a:r>
+              <a:t>10 10 10 10</a:t>
+            </a:r>
+          </a:p>
+        </p:txBody>
+      </p:sp>
+      <p:sp>
+        <p:nvSpPr>
+          <p:cNvPr id="3" name="Content Placeholder 2"/>
+          <p:cNvSpPr>
+            <a:spLocks noGrp="1"/>
+          </p:cNvSpPr>
+          <p:nvPr>
+            <p:ph idx="10" sz="quarter"/>
+          </p:nvPr>
+        </p:nvSpPr>
+        <p:spPr/>
+        <p:txBody>
+          <a:bodyPr/>
+          <a:lstStyle/>
+          <a:p>
+            <a:r>
+              <a:t>Not in Public Domain</a:t>
+            </a:r>
+          </a:p>
+        </p:txBody>
+      </p:sp>
+      <p:sp>
+        <p:nvSpPr>
+          <p:cNvPr id="4" name="Content Placeholder 3"/>
+          <p:cNvSpPr>
+            <a:spLocks noGrp="1"/>
+          </p:cNvSpPr>
+          <p:nvPr>
+            <p:ph idx="11" sz="quarter"/>
+          </p:nvPr>
+        </p:nvSpPr>
+        <p:spPr/>
+        <p:txBody>
+          <a:bodyPr/>
+          <a:lstStyle/>
+          <a:p>
+            <a:r>
+              <a:t>Error</a:t>
+            </a:r>
+          </a:p>
+        </p:txBody>
+      </p:sp>
+    </p:spTree>
+  </p:cSld>
+  <p:clrMapOvr>
+    <a:masterClrMapping/>
+  </p:clrMapOvr>
+</p:sld>
+</file>
+
+<file path=ppt/slides/slide18.xml><?xml version="1.0" encoding="utf-8"?>
+<p:sld xmlns:a="http://schemas.openxmlformats.org/drawingml/2006/main" xmlns:p="http://schemas.openxmlformats.org/presentationml/2006/main" xmlns:r="http://schemas.openxmlformats.org/officeDocument/2006/relationships">
+  <p:cSld>
+    <p:spTree>
+      <p:nvGrpSpPr>
+        <p:cNvPr id="1" name=""/>
+        <p:cNvGrpSpPr/>
+        <p:nvPr/>
+      </p:nvGrpSpPr>
+      <p:grpSpPr/>
+      <p:sp>
+        <p:nvSpPr>
+          <p:cNvPr id="2" name="Title 1"/>
+          <p:cNvSpPr>
+            <a:spLocks noGrp="1"/>
+          </p:cNvSpPr>
+          <p:nvPr>
+            <p:ph type="title"/>
+          </p:nvPr>
+        </p:nvSpPr>
+        <p:spPr/>
+        <p:txBody>
+          <a:bodyPr/>
+          <a:lstStyle/>
+        </p:txBody>
+      </p:sp>
+      <p:sp>
+        <p:nvSpPr>
+          <p:cNvPr id="3" name="Content Placeholder 2"/>
+          <p:cNvSpPr>
+            <a:spLocks noGrp="1"/>
+          </p:cNvSpPr>
+          <p:nvPr>
+            <p:ph idx="10" sz="quarter"/>
+          </p:nvPr>
+        </p:nvSpPr>
+        <p:spPr/>
+        <p:txBody>
+          <a:bodyPr/>
+          <a:lstStyle/>
+          <a:p>
+            <a:r>
+              <a:t>Not in Public Domain</a:t>
+            </a:r>
+          </a:p>
+        </p:txBody>
+      </p:sp>
+      <p:sp>
+        <p:nvSpPr>
+          <p:cNvPr id="4" name="Content Placeholder 3"/>
+          <p:cNvSpPr>
+            <a:spLocks noGrp="1"/>
+          </p:cNvSpPr>
+          <p:nvPr>
+            <p:ph idx="11" sz="quarter"/>
+          </p:nvPr>
+        </p:nvSpPr>
+        <p:spPr/>
+        <p:txBody>
+          <a:bodyPr/>
+          <a:lstStyle/>
+          <a:p>
+            <a:r>
+              <a:t>Words: Stuart Townend (b. 1963)</a:t>
+            </a:r>
+          </a:p>
+          <a:p>
+            <a:r>
+              <a:t>Composer: Stuart Townend (b. 1963)</a:t>
+            </a:r>
+          </a:p>
+          <a:p>
+            <a:r>
+              <a:t>Tune: [There is a hope that burns within my heart]</a:t>
+            </a:r>
+          </a:p>
+          <a:p>
+            <a:r>
+              <a:t>©: © 2007, Administered by worshiptogether.com Songs excl. UK &amp; Europe, administered by Kingswaysongs, a division of David C Cook  Used by permission</a:t>
+            </a:r>
+          </a:p>
+          <a:p>
+            <a:r>
+              <a:t>CCLI: 522221</a:t>
+            </a:r>
+          </a:p>
+        </p:txBody>
+      </p:sp>
+    </p:spTree>
+  </p:cSld>
+  <p:clrMapOvr>
+    <a:masterClrMapping/>
+  </p:clrMapOvr>
+</p:sld>
+</file>
+
+<file path=ppt/slides/slide19.xml><?xml version="1.0" encoding="utf-8"?>
+<p:sld xmlns:a="http://schemas.openxmlformats.org/drawingml/2006/main" xmlns:p="http://schemas.openxmlformats.org/presentationml/2006/main" xmlns:r="http://schemas.openxmlformats.org/officeDocument/2006/relationships">
+  <p:cSld>
+    <p:spTree>
+      <p:nvGrpSpPr>
+        <p:cNvPr id="1" name=""/>
+        <p:cNvGrpSpPr/>
+        <p:nvPr/>
+      </p:nvGrpSpPr>
+      <p:grpSpPr/>
+      <p:sp>
+        <p:nvSpPr>
+          <p:cNvPr id="2" name="Title 1"/>
+          <p:cNvSpPr>
+            <a:spLocks noGrp="1"/>
+          </p:cNvSpPr>
+          <p:nvPr>
+            <p:ph type="title"/>
+          </p:nvPr>
+        </p:nvSpPr>
+        <p:spPr/>
+        <p:txBody>
+          <a:bodyPr/>
+          <a:lstStyle/>
+          <a:p>
+            <a:r>
+              <a:t>Apostles' Creed (180 AD)</a:t>
+            </a:r>
+          </a:p>
+        </p:txBody>
+      </p:sp>
+      <p:sp>
+        <p:nvSpPr>
+          <p:cNvPr id="3" name="Content Placeholder 2"/>
+          <p:cNvSpPr>
+            <a:spLocks noGrp="1"/>
+          </p:cNvSpPr>
+          <p:nvPr>
+            <p:ph idx="10" sz="quarter"/>
+          </p:nvPr>
+        </p:nvSpPr>
+        <p:spPr/>
+        <p:txBody>
+          <a:bodyPr/>
+          <a:lstStyle/>
+          <a:p/>
+          <a:p>
+            <a:r>
+              <a:rPr sz="2800">
+                <a:solidFill>
+                  <a:srgbClr val="A12626"/>
+                </a:solidFill>
+              </a:rPr>
+              <a:t>All. </a:t>
+            </a:r>
+            <a:r>
+              <a:rPr sz="2800">
+                <a:solidFill>
+                  <a:srgbClr val="000000"/>
+                </a:solidFill>
+              </a:rPr>
+              <a:t>I believe in God, the Father Almighty, Creator of heaven and earth.
+I believe in Jesus Christ, his only Son our Lord. He was conceived by the Holy Spirit and born of the virgin Mary.
+He suffered under Pontius Pilate, was crucified, died, and was buried. He descended to the dead.</a:t>
+            </a:r>
+          </a:p>
+        </p:txBody>
+      </p:sp>
+    </p:spTree>
+  </p:cSld>
+  <p:clrMapOvr>
+    <a:masterClrMapping/>
+  </p:clrMapOvr>
+</p:sld>
+</file>
+
+<file path=ppt/slides/slide2.xml><?xml version="1.0" encoding="utf-8"?>
+<p:sld xmlns:a="http://schemas.openxmlformats.org/drawingml/2006/main" xmlns:p="http://schemas.openxmlformats.org/presentationml/2006/main" xmlns:r="http://schemas.openxmlformats.org/officeDocument/2006/relationships">
+  <p:cSld>
+    <p:spTree>
+      <p:nvGrpSpPr>
+        <p:cNvPr id="1" name=""/>
+        <p:cNvGrpSpPr/>
+        <p:nvPr/>
+      </p:nvGrpSpPr>
+      <p:grpSpPr/>
+      <p:sp>
+        <p:nvSpPr>
+          <p:cNvPr id="2" name="Title 1"/>
+          <p:cNvSpPr>
+            <a:spLocks noGrp="1"/>
+          </p:cNvSpPr>
+          <p:nvPr>
+            <p:ph type="title"/>
+          </p:nvPr>
+        </p:nvSpPr>
+        <p:spPr/>
+        <p:txBody>
+          <a:bodyPr/>
+          <a:lstStyle/>
+          <a:p>
+            <a:r>
+              <a:t>Call to worship</a:t>
+            </a:r>
+          </a:p>
+        </p:txBody>
+      </p:sp>
+      <p:sp>
+        <p:nvSpPr>
+          <p:cNvPr id="3" name="Content Placeholder 2"/>
+          <p:cNvSpPr>
+            <a:spLocks noGrp="1"/>
+          </p:cNvSpPr>
+          <p:nvPr>
+            <p:ph idx="10" sz="quarter"/>
+          </p:nvPr>
+        </p:nvSpPr>
+        <p:spPr/>
+        <p:txBody>
+          <a:bodyPr/>
+          <a:lstStyle/>
+          <a:p>
+            <a:r>
+              <a:t>To the choirmaster. A Psalm of David. A Song.</a:t>
+            </a:r>
+          </a:p>
+          <a:p/>
+          <a:p>
+            <a:r>
+              <a:t>    ¹Praise is due to you, O God, in Zion,</a:t>
+            </a:r>
+          </a:p>
+          <a:p>
+            <a:r>
+              <a:t>        and to you shall vows be performed.</a:t>
+            </a:r>
+          </a:p>
+        </p:txBody>
+      </p:sp>
+      <p:sp>
+        <p:nvSpPr>
+          <p:cNvPr id="4" name="Content Placeholder 3"/>
+          <p:cNvSpPr>
+            <a:spLocks noGrp="1"/>
+          </p:cNvSpPr>
+          <p:nvPr>
+            <p:ph idx="11" sz="quarter"/>
+          </p:nvPr>
+        </p:nvSpPr>
+        <p:spPr/>
+        <p:txBody>
+          <a:bodyPr/>
+          <a:lstStyle/>
+          <a:p>
+            <a:r>
+              <a:t>Psalm 65:1</a:t>
+            </a:r>
+          </a:p>
+        </p:txBody>
+      </p:sp>
+    </p:spTree>
+  </p:cSld>
+  <p:clrMapOvr>
+    <a:masterClrMapping/>
+  </p:clrMapOvr>
+</p:sld>
+</file>
+
+<file path=ppt/slides/slide20.xml><?xml version="1.0" encoding="utf-8"?>
+<p:sld xmlns:a="http://schemas.openxmlformats.org/drawingml/2006/main" xmlns:p="http://schemas.openxmlformats.org/presentationml/2006/main" xmlns:r="http://schemas.openxmlformats.org/officeDocument/2006/relationships">
+  <p:cSld>
+    <p:spTree>
+      <p:nvGrpSpPr>
+        <p:cNvPr id="1" name=""/>
+        <p:cNvGrpSpPr/>
+        <p:nvPr/>
+      </p:nvGrpSpPr>
+      <p:grpSpPr/>
+      <p:sp>
+        <p:nvSpPr>
+          <p:cNvPr id="2" name="Title 1"/>
+          <p:cNvSpPr>
+            <a:spLocks noGrp="1"/>
+          </p:cNvSpPr>
+          <p:nvPr>
+            <p:ph type="title"/>
+          </p:nvPr>
+        </p:nvSpPr>
+        <p:spPr/>
+        <p:txBody>
+          <a:bodyPr/>
+          <a:lstStyle/>
+          <a:p>
+            <a:r>
+              <a:t>Apostles' Creed (180 AD)</a:t>
+            </a:r>
+          </a:p>
+        </p:txBody>
+      </p:sp>
+      <p:sp>
+        <p:nvSpPr>
+          <p:cNvPr id="3" name="Content Placeholder 2"/>
+          <p:cNvSpPr>
+            <a:spLocks noGrp="1"/>
+          </p:cNvSpPr>
+          <p:nvPr>
+            <p:ph idx="10" sz="quarter"/>
+          </p:nvPr>
+        </p:nvSpPr>
+        <p:spPr/>
+        <p:txBody>
+          <a:bodyPr/>
+          <a:lstStyle/>
+          <a:p/>
+          <a:p>
+            <a:r>
+              <a:rPr sz="2800">
+                <a:solidFill>
+                  <a:srgbClr val="A12626"/>
+                </a:solidFill>
+              </a:rPr>
+              <a:t>All. </a:t>
+            </a:r>
+            <a:r>
+              <a:rPr sz="2800">
+                <a:solidFill>
+                  <a:srgbClr val="000000"/>
+                </a:solidFill>
+              </a:rPr>
+              <a:t>On the third day he rose again.
+He ascended into heaven,
+and sits at the right hand of the Father.
+From there he shall come again to judge the living and the dead.
+I believe in the Holy Spirit, the holy catholic church, the communion of saints, the forgiveness of sins, the resurrection of the body, and the life everlasting. Amen.</a:t>
+            </a:r>
+          </a:p>
+        </p:txBody>
+      </p:sp>
+    </p:spTree>
+  </p:cSld>
+  <p:clrMapOvr>
+    <a:masterClrMapping/>
+  </p:clrMapOvr>
+</p:sld>
+</file>
+
+<file path=ppt/slides/slide21.xml><?xml version="1.0" encoding="utf-8"?>
+<p:sld xmlns:a="http://schemas.openxmlformats.org/drawingml/2006/main" xmlns:p="http://schemas.openxmlformats.org/presentationml/2006/main" xmlns:r="http://schemas.openxmlformats.org/officeDocument/2006/relationships">
+  <p:cSld>
+    <p:spTree>
+      <p:nvGrpSpPr>
+        <p:cNvPr id="1" name=""/>
+        <p:cNvGrpSpPr/>
+        <p:nvPr/>
+      </p:nvGrpSpPr>
+      <p:grpSpPr/>
+      <p:sp>
+        <p:nvSpPr>
+          <p:cNvPr id="2" name="Title 1"/>
+          <p:cNvSpPr>
+            <a:spLocks noGrp="1"/>
+          </p:cNvSpPr>
+          <p:nvPr>
+            <p:ph type="title"/>
+          </p:nvPr>
+        </p:nvSpPr>
+        <p:spPr/>
+        <p:txBody>
+          <a:bodyPr/>
+          <a:lstStyle/>
+          <a:p>
+            <a:r>
+              <a:t>Prayers of Intercession</a:t>
+            </a:r>
+          </a:p>
+        </p:txBody>
+      </p:sp>
+      <p:sp>
+        <p:nvSpPr>
+          <p:cNvPr id="3" name="Content Placeholder 2"/>
+          <p:cNvSpPr>
+            <a:spLocks noGrp="1"/>
+          </p:cNvSpPr>
+          <p:nvPr>
+            <p:ph idx="10" sz="quarter"/>
+          </p:nvPr>
+        </p:nvSpPr>
+        <p:spPr/>
+        <p:txBody>
+          <a:bodyPr/>
+          <a:lstStyle/>
+          <a:p/>
+          <a:p>
+            <a:r>
+              <a:rPr sz="2800">
+                <a:solidFill>
+                  <a:srgbClr val="A12626"/>
+                </a:solidFill>
+              </a:rPr>
+              <a:t>E </a:t>
+            </a:r>
+            <a:r>
+              <a:rPr sz="2800">
+                <a:solidFill>
+                  <a:srgbClr val="000000"/>
+                </a:solidFill>
+              </a:rPr>
+              <a:t>r</a:t>
+            </a:r>
+          </a:p>
+        </p:txBody>
+      </p:sp>
+    </p:spTree>
+  </p:cSld>
+  <p:clrMapOvr>
+    <a:masterClrMapping/>
+  </p:clrMapOvr>
+</p:sld>
+</file>
+
+<file path=ppt/slides/slide3.xml><?xml version="1.0" encoding="utf-8"?>
+<p:sld xmlns:a="http://schemas.openxmlformats.org/drawingml/2006/main" xmlns:p="http://schemas.openxmlformats.org/presentationml/2006/main" xmlns:r="http://schemas.openxmlformats.org/officeDocument/2006/relationships">
+  <p:cSld>
+    <p:spTree>
+      <p:nvGrpSpPr>
+        <p:cNvPr id="1" name=""/>
+        <p:cNvGrpSpPr/>
+        <p:nvPr/>
+      </p:nvGrpSpPr>
+      <p:grpSpPr/>
+      <p:sp>
+        <p:nvSpPr>
+          <p:cNvPr id="2" name="Title 1"/>
+          <p:cNvSpPr>
+            <a:spLocks noGrp="1"/>
+          </p:cNvSpPr>
+          <p:nvPr>
+            <p:ph type="title"/>
+          </p:nvPr>
+        </p:nvSpPr>
+        <p:spPr/>
+        <p:txBody>
+          <a:bodyPr/>
+          <a:lstStyle/>
+          <a:p>
+            <a:r>
+              <a:t>All Creatures of our God and King</a:t>
+            </a:r>
+          </a:p>
+        </p:txBody>
+      </p:sp>
+      <p:sp>
+        <p:nvSpPr>
+          <p:cNvPr id="3" name="Content Placeholder 2"/>
+          <p:cNvSpPr>
+            <a:spLocks noGrp="1"/>
+          </p:cNvSpPr>
+          <p:nvPr>
+            <p:ph idx="10" sz="quarter"/>
+          </p:nvPr>
+        </p:nvSpPr>
+        <p:spPr/>
+        <p:txBody>
+          <a:bodyPr/>
+          <a:lstStyle/>
+          <a:p>
+            <a:r>
+              <a:t>*All creatures worship God most high,_x000D_</a:t>
+            </a:r>
+          </a:p>
+          <a:p>
+            <a:r>
+              <a:t>lift up your voice in earth and sky,_x000D_</a:t>
+            </a:r>
+          </a:p>
+          <a:p>
+            <a:r>
+              <a:t>alleluia, alleluia!_x000D_</a:t>
+            </a:r>
+          </a:p>
+          <a:p>
+            <a:r>
+              <a:t>Thou burning sun with golden beam,_x000D_</a:t>
+            </a:r>
+          </a:p>
+          <a:p>
+            <a:r>
+              <a:t>thou silver moon with softer gleam,_x000D_</a:t>
+            </a:r>
+          </a:p>
+          <a:p>
+            <a:r>
+              <a:t>O sing ye, O sing ye, alleluia, alleluia, alleluia! </a:t>
+            </a:r>
+          </a:p>
+        </p:txBody>
+      </p:sp>
+      <p:sp>
+        <p:nvSpPr>
+          <p:cNvPr id="4" name="Content Placeholder 3"/>
+          <p:cNvSpPr>
+            <a:spLocks noGrp="1"/>
+          </p:cNvSpPr>
+          <p:nvPr>
+            <p:ph idx="11" sz="quarter"/>
+          </p:nvPr>
+        </p:nvSpPr>
+        <p:spPr/>
+        <p:txBody>
+          <a:bodyPr/>
+          <a:lstStyle/>
+          <a:p>
+            <a:r>
+              <a:t>Words: St. Francis of Assisi (1225)</a:t>
+            </a:r>
+          </a:p>
+          <a:p>
+            <a:r>
+              <a:t>Composer: Unknown</a:t>
+            </a:r>
+          </a:p>
+          <a:p>
+            <a:r>
+              <a:t>Tune: LASST UNS ERFREUEN</a:t>
+            </a:r>
+          </a:p>
+          <a:p>
+            <a:r>
+              <a:t>©: Public Domain</a:t>
+            </a:r>
+          </a:p>
+          <a:p>
+            <a:r>
+              <a:t>CCLI: 522221</a:t>
+            </a:r>
+          </a:p>
+        </p:txBody>
+      </p:sp>
+    </p:spTree>
+  </p:cSld>
+  <p:clrMapOvr>
+    <a:masterClrMapping/>
+  </p:clrMapOvr>
+</p:sld>
+</file>
+
+<file path=ppt/slides/slide4.xml><?xml version="1.0" encoding="utf-8"?>
+<p:sld xmlns:a="http://schemas.openxmlformats.org/drawingml/2006/main" xmlns:p="http://schemas.openxmlformats.org/presentationml/2006/main" xmlns:r="http://schemas.openxmlformats.org/officeDocument/2006/relationships">
+  <p:cSld>
+    <p:spTree>
+      <p:nvGrpSpPr>
+        <p:cNvPr id="1" name=""/>
+        <p:cNvGrpSpPr/>
+        <p:nvPr/>
+      </p:nvGrpSpPr>
+      <p:grpSpPr/>
+      <p:sp>
+        <p:nvSpPr>
+          <p:cNvPr id="2" name="Title 1"/>
+          <p:cNvSpPr>
+            <a:spLocks noGrp="1"/>
+          </p:cNvSpPr>
+          <p:nvPr>
+            <p:ph type="title"/>
+          </p:nvPr>
+        </p:nvSpPr>
+        <p:spPr/>
+        <p:txBody>
+          <a:bodyPr/>
+          <a:lstStyle/>
+          <a:p>
+            <a:r>
+              <a:t>All Creatures of our God and King</a:t>
+            </a:r>
+          </a:p>
+        </p:txBody>
+      </p:sp>
+      <p:sp>
+        <p:nvSpPr>
+          <p:cNvPr id="3" name="Content Placeholder 2"/>
+          <p:cNvSpPr>
+            <a:spLocks noGrp="1"/>
+          </p:cNvSpPr>
+          <p:nvPr>
+            <p:ph idx="10" sz="quarter"/>
+          </p:nvPr>
+        </p:nvSpPr>
+        <p:spPr/>
+        <p:txBody>
+          <a:bodyPr/>
+          <a:lstStyle/>
+          <a:p>
+            <a:r>
+              <a:t>Thou rushing wind that art so strong, _x000D_</a:t>
+            </a:r>
+          </a:p>
+          <a:p>
+            <a:r>
+              <a:t>ye clouds that sail in heav’n along,_x000D_</a:t>
+            </a:r>
+          </a:p>
+          <a:p>
+            <a:r>
+              <a:t>alleluia, alleluia!_x000D_</a:t>
+            </a:r>
+          </a:p>
+          <a:p>
+            <a:r>
+              <a:t>Thou rising morn in praise rejoice, _x000D_</a:t>
+            </a:r>
+          </a:p>
+          <a:p>
+            <a:r>
+              <a:t>ye lights of evening, find a voice,_x000D_</a:t>
+            </a:r>
+          </a:p>
+          <a:p>
+            <a:r>
+              <a:t>O sing ye, O sing ye, alleluia, alleluia, alleluia! </a:t>
+            </a:r>
+          </a:p>
+        </p:txBody>
+      </p:sp>
+      <p:sp>
+        <p:nvSpPr>
+          <p:cNvPr id="4" name="Content Placeholder 3"/>
+          <p:cNvSpPr>
+            <a:spLocks noGrp="1"/>
+          </p:cNvSpPr>
+          <p:nvPr>
+            <p:ph idx="11" sz="quarter"/>
+          </p:nvPr>
+        </p:nvSpPr>
+        <p:spPr/>
+        <p:txBody>
+          <a:bodyPr/>
+          <a:lstStyle/>
+          <a:p>
+            <a:r>
+              <a:t>Words: St. Francis of Assisi (1225)</a:t>
+            </a:r>
+          </a:p>
+          <a:p>
+            <a:r>
+              <a:t>Composer: Unknown</a:t>
+            </a:r>
+          </a:p>
+          <a:p>
+            <a:r>
+              <a:t>Tune: LASST UNS ERFREUEN</a:t>
+            </a:r>
+          </a:p>
+          <a:p>
+            <a:r>
+              <a:t>©: Public Domain</a:t>
+            </a:r>
+          </a:p>
+          <a:p>
+            <a:r>
+              <a:t>CCLI: 522221</a:t>
+            </a:r>
+          </a:p>
+        </p:txBody>
+      </p:sp>
+    </p:spTree>
+  </p:cSld>
+  <p:clrMapOvr>
+    <a:masterClrMapping/>
+  </p:clrMapOvr>
+</p:sld>
+</file>
+
+<file path=ppt/slides/slide5.xml><?xml version="1.0" encoding="utf-8"?>
+<p:sld xmlns:a="http://schemas.openxmlformats.org/drawingml/2006/main" xmlns:p="http://schemas.openxmlformats.org/presentationml/2006/main" xmlns:r="http://schemas.openxmlformats.org/officeDocument/2006/relationships">
+  <p:cSld>
+    <p:spTree>
+      <p:nvGrpSpPr>
+        <p:cNvPr id="1" name=""/>
+        <p:cNvGrpSpPr/>
+        <p:nvPr/>
+      </p:nvGrpSpPr>
+      <p:grpSpPr/>
+      <p:sp>
+        <p:nvSpPr>
+          <p:cNvPr id="2" name="Title 1"/>
+          <p:cNvSpPr>
+            <a:spLocks noGrp="1"/>
+          </p:cNvSpPr>
+          <p:nvPr>
+            <p:ph type="title"/>
+          </p:nvPr>
+        </p:nvSpPr>
+        <p:spPr/>
+        <p:txBody>
+          <a:bodyPr/>
+          <a:lstStyle/>
+          <a:p>
+            <a:r>
+              <a:t>All Creatures of our God and King</a:t>
+            </a:r>
+          </a:p>
+        </p:txBody>
+      </p:sp>
+      <p:sp>
+        <p:nvSpPr>
+          <p:cNvPr id="3" name="Content Placeholder 2"/>
+          <p:cNvSpPr>
+            <a:spLocks noGrp="1"/>
+          </p:cNvSpPr>
+          <p:nvPr>
+            <p:ph idx="10" sz="quarter"/>
+          </p:nvPr>
+        </p:nvSpPr>
+        <p:spPr/>
+        <p:txBody>
+          <a:bodyPr/>
+          <a:lstStyle/>
+          <a:p>
+            <a:r>
+              <a:t>Thou flowing water, pure and clear, _x000D_</a:t>
+            </a:r>
+          </a:p>
+          <a:p>
+            <a:r>
+              <a:t>make music for thy God to hear,_x000D_</a:t>
+            </a:r>
+          </a:p>
+          <a:p>
+            <a:r>
+              <a:t>alleluia, alleluia!_x000D_</a:t>
+            </a:r>
+          </a:p>
+          <a:p>
+            <a:r>
+              <a:t>Thou fire so masterful and bright, _x000D_</a:t>
+            </a:r>
+          </a:p>
+          <a:p>
+            <a:r>
+              <a:t>that givest all both warmth and light,_x000D_</a:t>
+            </a:r>
+          </a:p>
+          <a:p>
+            <a:r>
+              <a:t>O sing ye, O sing ye, alleluia, alleluia, alleluia! </a:t>
+            </a:r>
+          </a:p>
+        </p:txBody>
+      </p:sp>
+      <p:sp>
+        <p:nvSpPr>
+          <p:cNvPr id="4" name="Content Placeholder 3"/>
+          <p:cNvSpPr>
+            <a:spLocks noGrp="1"/>
+          </p:cNvSpPr>
+          <p:nvPr>
+            <p:ph idx="11" sz="quarter"/>
+          </p:nvPr>
+        </p:nvSpPr>
+        <p:spPr/>
+        <p:txBody>
+          <a:bodyPr/>
+          <a:lstStyle/>
+          <a:p>
+            <a:r>
+              <a:t>Words: St. Francis of Assisi (1225)</a:t>
+            </a:r>
+          </a:p>
+          <a:p>
+            <a:r>
+              <a:t>Composer: Unknown</a:t>
+            </a:r>
+          </a:p>
+          <a:p>
+            <a:r>
+              <a:t>Tune: LASST UNS ERFREUEN</a:t>
+            </a:r>
+          </a:p>
+          <a:p>
+            <a:r>
+              <a:t>©: Public Domain</a:t>
+            </a:r>
+          </a:p>
+          <a:p>
+            <a:r>
+              <a:t>CCLI: 522221</a:t>
+            </a:r>
+          </a:p>
+        </p:txBody>
+      </p:sp>
+    </p:spTree>
+  </p:cSld>
+  <p:clrMapOvr>
+    <a:masterClrMapping/>
+  </p:clrMapOvr>
+</p:sld>
+</file>
+
+<file path=ppt/slides/slide6.xml><?xml version="1.0" encoding="utf-8"?>
+<p:sld xmlns:a="http://schemas.openxmlformats.org/drawingml/2006/main" xmlns:p="http://schemas.openxmlformats.org/presentationml/2006/main" xmlns:r="http://schemas.openxmlformats.org/officeDocument/2006/relationships">
+  <p:cSld>
+    <p:spTree>
+      <p:nvGrpSpPr>
+        <p:cNvPr id="1" name=""/>
+        <p:cNvGrpSpPr/>
+        <p:nvPr/>
+      </p:nvGrpSpPr>
+      <p:grpSpPr/>
+      <p:sp>
+        <p:nvSpPr>
+          <p:cNvPr id="2" name="Title 1"/>
+          <p:cNvSpPr>
+            <a:spLocks noGrp="1"/>
+          </p:cNvSpPr>
+          <p:nvPr>
+            <p:ph type="title"/>
+          </p:nvPr>
+        </p:nvSpPr>
+        <p:spPr/>
+        <p:txBody>
+          <a:bodyPr/>
+          <a:lstStyle/>
+          <a:p>
+            <a:r>
+              <a:t>All Creatures of our God and King</a:t>
+            </a:r>
+          </a:p>
+        </p:txBody>
+      </p:sp>
+      <p:sp>
+        <p:nvSpPr>
+          <p:cNvPr id="3" name="Content Placeholder 2"/>
+          <p:cNvSpPr>
+            <a:spLocks noGrp="1"/>
+          </p:cNvSpPr>
+          <p:nvPr>
+            <p:ph idx="10" sz="quarter"/>
+          </p:nvPr>
+        </p:nvSpPr>
+        <p:spPr/>
+        <p:txBody>
+          <a:bodyPr/>
+          <a:lstStyle/>
+          <a:p>
+            <a:r>
+              <a:t>Dear mother earth, who day by day, _x000D_</a:t>
+            </a:r>
+          </a:p>
+          <a:p>
+            <a:r>
+              <a:t>unfoldest blessings on our way,_x000D_</a:t>
+            </a:r>
+          </a:p>
+          <a:p>
+            <a:r>
+              <a:t>alleluia, alleluia!_x000D_</a:t>
+            </a:r>
+          </a:p>
+          <a:p>
+            <a:r>
+              <a:t>The flow’rs and fruits that in thee grow, _x000D_</a:t>
+            </a:r>
+          </a:p>
+          <a:p>
+            <a:r>
+              <a:t>let them God’s glory also show,_x000D_</a:t>
+            </a:r>
+          </a:p>
+          <a:p>
+            <a:r>
+              <a:t>O sing ye, O sing ye, alleluia, alleluia, alleluia! </a:t>
+            </a:r>
+          </a:p>
+        </p:txBody>
+      </p:sp>
+      <p:sp>
+        <p:nvSpPr>
+          <p:cNvPr id="4" name="Content Placeholder 3"/>
+          <p:cNvSpPr>
+            <a:spLocks noGrp="1"/>
+          </p:cNvSpPr>
+          <p:nvPr>
+            <p:ph idx="11" sz="quarter"/>
+          </p:nvPr>
+        </p:nvSpPr>
+        <p:spPr/>
+        <p:txBody>
+          <a:bodyPr/>
+          <a:lstStyle/>
+          <a:p>
+            <a:r>
+              <a:t>Words: St. Francis of Assisi (1225)</a:t>
+            </a:r>
+          </a:p>
+          <a:p>
+            <a:r>
+              <a:t>Composer: Unknown</a:t>
+            </a:r>
+          </a:p>
+          <a:p>
+            <a:r>
+              <a:t>Tune: LASST UNS ERFREUEN</a:t>
+            </a:r>
+          </a:p>
+          <a:p>
+            <a:r>
+              <a:t>©: Public Domain</a:t>
+            </a:r>
+          </a:p>
+          <a:p>
+            <a:r>
+              <a:t>CCLI: 522221</a:t>
+            </a:r>
+          </a:p>
+        </p:txBody>
+      </p:sp>
+    </p:spTree>
+  </p:cSld>
+  <p:clrMapOvr>
+    <a:masterClrMapping/>
+  </p:clrMapOvr>
+</p:sld>
+</file>
+
+<file path=ppt/slides/slide7.xml><?xml version="1.0" encoding="utf-8"?>
+<p:sld xmlns:a="http://schemas.openxmlformats.org/drawingml/2006/main" xmlns:p="http://schemas.openxmlformats.org/presentationml/2006/main" xmlns:r="http://schemas.openxmlformats.org/officeDocument/2006/relationships">
+  <p:cSld>
+    <p:spTree>
+      <p:nvGrpSpPr>
+        <p:cNvPr id="1" name=""/>
+        <p:cNvGrpSpPr/>
+        <p:nvPr/>
+      </p:nvGrpSpPr>
+      <p:grpSpPr/>
+      <p:sp>
+        <p:nvSpPr>
+          <p:cNvPr id="2" name="Title 1"/>
+          <p:cNvSpPr>
+            <a:spLocks noGrp="1"/>
+          </p:cNvSpPr>
+          <p:nvPr>
+            <p:ph type="title"/>
+          </p:nvPr>
+        </p:nvSpPr>
+        <p:spPr/>
+        <p:txBody>
+          <a:bodyPr/>
+          <a:lstStyle/>
+          <a:p>
+            <a:r>
+              <a:t>All Creatures of our God and King</a:t>
+            </a:r>
+          </a:p>
+        </p:txBody>
+      </p:sp>
+      <p:sp>
+        <p:nvSpPr>
+          <p:cNvPr id="3" name="Content Placeholder 2"/>
+          <p:cNvSpPr>
+            <a:spLocks noGrp="1"/>
+          </p:cNvSpPr>
+          <p:nvPr>
+            <p:ph idx="10" sz="quarter"/>
+          </p:nvPr>
+        </p:nvSpPr>
+        <p:spPr/>
+        <p:txBody>
+          <a:bodyPr/>
+          <a:lstStyle/>
+          <a:p>
+            <a:r>
+              <a:t>And ev’ryone, with tender heart, _x000D_</a:t>
+            </a:r>
+          </a:p>
+          <a:p>
+            <a:r>
+              <a:t>forgiving others, take your part,_x000D_</a:t>
+            </a:r>
+          </a:p>
+          <a:p>
+            <a:r>
+              <a:t>alleluia, alleluia!_x000D_</a:t>
+            </a:r>
+          </a:p>
+          <a:p>
+            <a:r>
+              <a:t>Ye who long pain and sorrow bear,_x000D_</a:t>
+            </a:r>
+          </a:p>
+          <a:p>
+            <a:r>
+              <a:t>sing praise and cast on God your care,_x000D_</a:t>
+            </a:r>
+          </a:p>
+          <a:p>
+            <a:r>
+              <a:t>O sing ye, O sing ye, alleluia, alleluia, alleluia! </a:t>
+            </a:r>
+          </a:p>
+        </p:txBody>
+      </p:sp>
+      <p:sp>
+        <p:nvSpPr>
+          <p:cNvPr id="4" name="Content Placeholder 3"/>
+          <p:cNvSpPr>
+            <a:spLocks noGrp="1"/>
+          </p:cNvSpPr>
+          <p:nvPr>
+            <p:ph idx="11" sz="quarter"/>
+          </p:nvPr>
+        </p:nvSpPr>
+        <p:spPr/>
+        <p:txBody>
+          <a:bodyPr/>
+          <a:lstStyle/>
+          <a:p>
+            <a:r>
+              <a:t>Words: St. Francis of Assisi (1225)</a:t>
+            </a:r>
+          </a:p>
+          <a:p>
+            <a:r>
+              <a:t>Composer: Unknown</a:t>
+            </a:r>
+          </a:p>
+          <a:p>
+            <a:r>
+              <a:t>Tune: LASST UNS ERFREUEN</a:t>
+            </a:r>
+          </a:p>
+          <a:p>
+            <a:r>
+              <a:t>©: Public Domain</a:t>
+            </a:r>
+          </a:p>
+          <a:p>
+            <a:r>
+              <a:t>CCLI: 522221</a:t>
+            </a:r>
+          </a:p>
+        </p:txBody>
+      </p:sp>
+    </p:spTree>
+  </p:cSld>
+  <p:clrMapOvr>
+    <a:masterClrMapping/>
+  </p:clrMapOvr>
+</p:sld>
+</file>
+
+<file path=ppt/slides/slide8.xml><?xml version="1.0" encoding="utf-8"?>
+<p:sld xmlns:a="http://schemas.openxmlformats.org/drawingml/2006/main" xmlns:p="http://schemas.openxmlformats.org/presentationml/2006/main" xmlns:r="http://schemas.openxmlformats.org/officeDocument/2006/relationships">
+  <p:cSld>
+    <p:spTree>
+      <p:nvGrpSpPr>
+        <p:cNvPr id="1" name=""/>
+        <p:cNvGrpSpPr/>
+        <p:nvPr/>
+      </p:nvGrpSpPr>
+      <p:grpSpPr/>
+      <p:sp>
+        <p:nvSpPr>
+          <p:cNvPr id="2" name="Title 1"/>
+          <p:cNvSpPr>
+            <a:spLocks noGrp="1"/>
+          </p:cNvSpPr>
+          <p:nvPr>
+            <p:ph type="title"/>
+          </p:nvPr>
+        </p:nvSpPr>
+        <p:spPr/>
+        <p:txBody>
+          <a:bodyPr/>
+          <a:lstStyle/>
+          <a:p>
+            <a:r>
+              <a:t>All Creatures of our God and King</a:t>
+            </a:r>
+          </a:p>
+        </p:txBody>
+      </p:sp>
+      <p:sp>
+        <p:nvSpPr>
+          <p:cNvPr id="3" name="Content Placeholder 2"/>
+          <p:cNvSpPr>
+            <a:spLocks noGrp="1"/>
+          </p:cNvSpPr>
+          <p:nvPr>
+            <p:ph idx="10" sz="quarter"/>
+          </p:nvPr>
+        </p:nvSpPr>
+        <p:spPr/>
+        <p:txBody>
+          <a:bodyPr/>
+          <a:lstStyle/>
+          <a:p>
+            <a:r>
+              <a:t>And thou, most kind and gentle death, _x000D_</a:t>
+            </a:r>
+          </a:p>
+          <a:p>
+            <a:r>
+              <a:t>waiting to hush our final breath, _x000D_</a:t>
+            </a:r>
+          </a:p>
+          <a:p>
+            <a:r>
+              <a:t>alleluia, alleluia!_x000D_</a:t>
+            </a:r>
+          </a:p>
+          <a:p>
+            <a:r>
+              <a:t>Thou leadest home the child of God, _x000D_</a:t>
+            </a:r>
+          </a:p>
+          <a:p>
+            <a:r>
+              <a:t>as Christ before that way hath trod,_x000D_</a:t>
+            </a:r>
+          </a:p>
+          <a:p>
+            <a:r>
+              <a:t>O sing ye, O sing ye, alleluia, alleluia, alleluia! </a:t>
+            </a:r>
+          </a:p>
+        </p:txBody>
+      </p:sp>
+      <p:sp>
+        <p:nvSpPr>
+          <p:cNvPr id="4" name="Content Placeholder 3"/>
+          <p:cNvSpPr>
+            <a:spLocks noGrp="1"/>
+          </p:cNvSpPr>
+          <p:nvPr>
+            <p:ph idx="11" sz="quarter"/>
+          </p:nvPr>
+        </p:nvSpPr>
+        <p:spPr/>
+        <p:txBody>
+          <a:bodyPr/>
+          <a:lstStyle/>
+          <a:p>
+            <a:r>
+              <a:t>Words: St. Francis of Assisi (1225)</a:t>
+            </a:r>
+          </a:p>
+          <a:p>
+            <a:r>
+              <a:t>Composer: Unknown</a:t>
+            </a:r>
+          </a:p>
+          <a:p>
+            <a:r>
+              <a:t>Tune: LASST UNS ERFREUEN</a:t>
+            </a:r>
+          </a:p>
+          <a:p>
+            <a:r>
+              <a:t>©: Public Domain</a:t>
+            </a:r>
+          </a:p>
+          <a:p>
+            <a:r>
+              <a:t>CCLI: 522221</a:t>
+            </a:r>
+          </a:p>
+        </p:txBody>
+      </p:sp>
+    </p:spTree>
+  </p:cSld>
+  <p:clrMapOvr>
+    <a:masterClrMapping/>
+  </p:clrMapOvr>
+</p:sld>
+</file>
+
+<file path=ppt/slides/slide9.xml><?xml version="1.0" encoding="utf-8"?>
+<p:sld xmlns:a="http://schemas.openxmlformats.org/drawingml/2006/main" xmlns:p="http://schemas.openxmlformats.org/presentationml/2006/main" xmlns:r="http://schemas.openxmlformats.org/officeDocument/2006/relationships">
+  <p:cSld>
+    <p:spTree>
+      <p:nvGrpSpPr>
+        <p:cNvPr id="1" name=""/>
+        <p:cNvGrpSpPr/>
+        <p:nvPr/>
+      </p:nvGrpSpPr>
+      <p:grpSpPr/>
+      <p:sp>
+        <p:nvSpPr>
+          <p:cNvPr id="2" name="Title 1"/>
+          <p:cNvSpPr>
+            <a:spLocks noGrp="1"/>
+          </p:cNvSpPr>
+          <p:nvPr>
+            <p:ph type="title"/>
+          </p:nvPr>
+        </p:nvSpPr>
+        <p:spPr/>
+        <p:txBody>
+          <a:bodyPr/>
+          <a:lstStyle/>
+          <a:p>
+            <a:r>
+              <a:t>All Creatures of our God and King</a:t>
+            </a:r>
+          </a:p>
+        </p:txBody>
+      </p:sp>
+      <p:sp>
+        <p:nvSpPr>
+          <p:cNvPr id="3" name="Content Placeholder 2"/>
+          <p:cNvSpPr>
+            <a:spLocks noGrp="1"/>
+          </p:cNvSpPr>
+          <p:nvPr>
+            <p:ph idx="10" sz="quarter"/>
+          </p:nvPr>
+        </p:nvSpPr>
+        <p:spPr/>
+        <p:txBody>
+          <a:bodyPr/>
+          <a:lstStyle/>
+          <a:p>
+            <a:r>
+              <a:t>Let all things their Creator bless, _x000D_</a:t>
+            </a:r>
+          </a:p>
+          <a:p>
+            <a:r>
+              <a:t>and worship God in humbleness,_x000D_</a:t>
+            </a:r>
+          </a:p>
+          <a:p>
+            <a:r>
+              <a:t>alleluia, alleluia!_x000D_</a:t>
+            </a:r>
+          </a:p>
+          <a:p>
+            <a:r>
+              <a:t>To God all thanks and praise belong!_x000D_</a:t>
+            </a:r>
+          </a:p>
+          <a:p>
+            <a:r>
+              <a:t>Join in the everlasting song:_x000D_</a:t>
+            </a:r>
+          </a:p>
+          <a:p>
+            <a:r>
+              <a:t>O sing ye, O sing ye, alleluia, alleluia, alleluia! </a:t>
+            </a:r>
+          </a:p>
+        </p:txBody>
+      </p:sp>
+      <p:sp>
+        <p:nvSpPr>
+          <p:cNvPr id="4" name="Content Placeholder 3"/>
+          <p:cNvSpPr>
+            <a:spLocks noGrp="1"/>
+          </p:cNvSpPr>
+          <p:nvPr>
+            <p:ph idx="11" sz="quarter"/>
+          </p:nvPr>
+        </p:nvSpPr>
+        <p:spPr/>
+        <p:txBody>
+          <a:bodyPr/>
+          <a:lstStyle/>
+          <a:p>
+            <a:r>
+              <a:t>Words: St. Francis of Assisi (1225)</a:t>
+            </a:r>
+          </a:p>
+          <a:p>
+            <a:r>
+              <a:t>Composer: Unknown</a:t>
+            </a:r>
+          </a:p>
+          <a:p>
+            <a:r>
+              <a:t>Tune: LASST UNS ERFREUEN</a:t>
+            </a:r>
+          </a:p>
+          <a:p>
+            <a:r>
+              <a:t>©: Public Domain</a:t>
+            </a:r>
+          </a:p>
+          <a:p>
+            <a:r>
+              <a:t>CCLI: 522221</a:t>
+            </a:r>
+          </a:p>
+        </p:txBody>
+      </p:sp>
+    </p:spTree>
+  </p:cSld>
+  <p:clrMapOvr>
+    <a:masterClrMapping/>
+  </p:clrMapOvr>
+</p:sld>
+</file>
+
 <file path=ppt/theme/theme1.xml><?xml version="1.0" encoding="utf-8"?>
 <a:theme xmlns:a="http://schemas.openxmlformats.org/drawingml/2006/main" name="Office Theme">
   <a:themeElements>

--- a/example_from_template.pptx
+++ b/example_from_template.pptx
@@ -26,6 +26,18 @@
     <p:sldId id="275" r:id="rId26"/>
     <p:sldId id="276" r:id="rId27"/>
     <p:sldId id="277" r:id="rId28"/>
+    <p:sldId id="278" r:id="rId29"/>
+    <p:sldId id="279" r:id="rId30"/>
+    <p:sldId id="280" r:id="rId31"/>
+    <p:sldId id="281" r:id="rId32"/>
+    <p:sldId id="282" r:id="rId33"/>
+    <p:sldId id="283" r:id="rId34"/>
+    <p:sldId id="284" r:id="rId35"/>
+    <p:sldId id="285" r:id="rId36"/>
+    <p:sldId id="286" r:id="rId37"/>
+    <p:sldId id="287" r:id="rId38"/>
+    <p:sldId id="288" r:id="rId39"/>
+    <p:sldId id="289" r:id="rId40"/>
   </p:sldIdLst>
   <p:sldSz cx="10080625" cy="7559675"/>
   <p:notesSz cx="6858000" cy="9144000"/>
@@ -135,7 +147,7 @@
 <file path=ppt/revisionInfo.xml><?xml version="1.0" encoding="utf-8"?>
 <p1510:revInfo xmlns:a="http://schemas.openxmlformats.org/drawingml/2006/main" xmlns:r="http://schemas.openxmlformats.org/officeDocument/2006/relationships" xmlns:p1510="http://schemas.microsoft.com/office/powerpoint/2015/10/main">
   <p1510:revLst>
-    <p1510:client id="{D934003B-E18A-4051-9763-A04095D33620}" v="71" dt="2023-01-19T18:59:59.590"/>
+    <p1510:client id="{4F396539-BF04-460C-A86D-7BD75D1A7413}" v="17" dt="2023-01-23T15:51:20.650"/>
   </p1510:revLst>
 </p1510:revInfo>
 </file>
@@ -460,6 +472,387 @@
     </pc:docChg>
   </pc:docChgLst>
   <pc:docChgLst>
+    <pc:chgData name="Alastair Herd" userId="5b32a22d-7511-4516-bb56-86382496afe2" providerId="ADAL" clId="{4F396539-BF04-460C-A86D-7BD75D1A7413}"/>
+    <pc:docChg chg="undo custSel modSld addMainMaster delMainMaster modMainMaster">
+      <pc:chgData name="Alastair Herd" userId="5b32a22d-7511-4516-bb56-86382496afe2" providerId="ADAL" clId="{4F396539-BF04-460C-A86D-7BD75D1A7413}" dt="2023-01-23T15:51:20.650" v="100" actId="20577"/>
+      <pc:docMkLst>
+        <pc:docMk/>
+      </pc:docMkLst>
+      <pc:sldMasterChg chg="addSp delSp modSp addSldLayout delSldLayout modSldLayout sldLayoutOrd">
+        <pc:chgData name="Alastair Herd" userId="5b32a22d-7511-4516-bb56-86382496afe2" providerId="ADAL" clId="{4F396539-BF04-460C-A86D-7BD75D1A7413}" dt="2023-01-23T15:51:20.650" v="100" actId="20577"/>
+        <pc:sldMasterMkLst>
+          <pc:docMk/>
+          <pc:sldMasterMk cId="1292199227" sldId="2147483660"/>
+        </pc:sldMasterMkLst>
+        <pc:picChg chg="add del mod">
+          <ac:chgData name="Alastair Herd" userId="5b32a22d-7511-4516-bb56-86382496afe2" providerId="ADAL" clId="{4F396539-BF04-460C-A86D-7BD75D1A7413}" dt="2023-01-23T15:38:06.775" v="66"/>
+          <ac:picMkLst>
+            <pc:docMk/>
+            <pc:sldMasterMk cId="1292199227" sldId="2147483660"/>
+            <ac:picMk id="2" creationId="{EE9A1AC0-5CEE-5D89-14A1-20326F2765BE}"/>
+          </ac:picMkLst>
+        </pc:picChg>
+        <pc:sldLayoutChg chg="addSp delSp mod">
+          <pc:chgData name="Alastair Herd" userId="5b32a22d-7511-4516-bb56-86382496afe2" providerId="ADAL" clId="{4F396539-BF04-460C-A86D-7BD75D1A7413}" dt="2023-01-23T15:38:06.331" v="65" actId="478"/>
+          <pc:sldLayoutMkLst>
+            <pc:docMk/>
+            <pc:sldMasterMk cId="1292199227" sldId="2147483660"/>
+            <pc:sldLayoutMk cId="705697815" sldId="2147483661"/>
+          </pc:sldLayoutMkLst>
+          <pc:picChg chg="add del">
+            <ac:chgData name="Alastair Herd" userId="5b32a22d-7511-4516-bb56-86382496afe2" providerId="ADAL" clId="{4F396539-BF04-460C-A86D-7BD75D1A7413}" dt="2023-01-23T15:38:06.331" v="65" actId="478"/>
+            <ac:picMkLst>
+              <pc:docMk/>
+              <pc:sldMasterMk cId="1292199227" sldId="2147483660"/>
+              <pc:sldLayoutMk cId="705697815" sldId="2147483661"/>
+              <ac:picMk id="7" creationId="{4BDDCD2E-C110-130A-F43D-F350777AB57D}"/>
+            </ac:picMkLst>
+          </pc:picChg>
+        </pc:sldLayoutChg>
+        <pc:sldLayoutChg chg="addSp delSp modSp mod">
+          <pc:chgData name="Alastair Herd" userId="5b32a22d-7511-4516-bb56-86382496afe2" providerId="ADAL" clId="{4F396539-BF04-460C-A86D-7BD75D1A7413}" dt="2023-01-23T15:38:36.191" v="72" actId="688"/>
+          <pc:sldLayoutMkLst>
+            <pc:docMk/>
+            <pc:sldMasterMk cId="1292199227" sldId="2147483660"/>
+            <pc:sldLayoutMk cId="976661163" sldId="2147483672"/>
+          </pc:sldLayoutMkLst>
+          <pc:picChg chg="add del mod">
+            <ac:chgData name="Alastair Herd" userId="5b32a22d-7511-4516-bb56-86382496afe2" providerId="ADAL" clId="{4F396539-BF04-460C-A86D-7BD75D1A7413}" dt="2023-01-23T15:38:05.903" v="64" actId="1076"/>
+            <ac:picMkLst>
+              <pc:docMk/>
+              <pc:sldMasterMk cId="1292199227" sldId="2147483660"/>
+              <pc:sldLayoutMk cId="976661163" sldId="2147483672"/>
+              <ac:picMk id="7" creationId="{4BDDCD2E-C110-130A-F43D-F350777AB57D}"/>
+            </ac:picMkLst>
+          </pc:picChg>
+          <pc:picChg chg="mod">
+            <ac:chgData name="Alastair Herd" userId="5b32a22d-7511-4516-bb56-86382496afe2" providerId="ADAL" clId="{4F396539-BF04-460C-A86D-7BD75D1A7413}" dt="2023-01-23T15:38:36.191" v="72" actId="688"/>
+            <ac:picMkLst>
+              <pc:docMk/>
+              <pc:sldMasterMk cId="1292199227" sldId="2147483660"/>
+              <pc:sldLayoutMk cId="976661163" sldId="2147483672"/>
+              <ac:picMk id="8" creationId="{47CF25F7-EC67-5146-2E3D-A7D3513D2EDB}"/>
+            </ac:picMkLst>
+          </pc:picChg>
+        </pc:sldLayoutChg>
+        <pc:sldLayoutChg chg="addSp delSp modSp mod">
+          <pc:chgData name="Alastair Herd" userId="5b32a22d-7511-4516-bb56-86382496afe2" providerId="ADAL" clId="{4F396539-BF04-460C-A86D-7BD75D1A7413}" dt="2023-01-23T15:50:10.305" v="81" actId="1035"/>
+          <pc:sldLayoutMkLst>
+            <pc:docMk/>
+            <pc:sldMasterMk cId="1292199227" sldId="2147483660"/>
+            <pc:sldLayoutMk cId="2764546323" sldId="2147483673"/>
+          </pc:sldLayoutMkLst>
+          <pc:spChg chg="mod">
+            <ac:chgData name="Alastair Herd" userId="5b32a22d-7511-4516-bb56-86382496afe2" providerId="ADAL" clId="{4F396539-BF04-460C-A86D-7BD75D1A7413}" dt="2023-01-23T15:50:10.305" v="81" actId="1035"/>
+            <ac:spMkLst>
+              <pc:docMk/>
+              <pc:sldMasterMk cId="1292199227" sldId="2147483660"/>
+              <pc:sldLayoutMk cId="2764546323" sldId="2147483673"/>
+              <ac:spMk id="12" creationId="{D6D033CF-A0AF-CB08-20C2-D6C335E4F15D}"/>
+            </ac:spMkLst>
+          </pc:spChg>
+          <pc:picChg chg="add del">
+            <ac:chgData name="Alastair Herd" userId="5b32a22d-7511-4516-bb56-86382496afe2" providerId="ADAL" clId="{4F396539-BF04-460C-A86D-7BD75D1A7413}" dt="2023-01-23T15:38:04.843" v="62" actId="478"/>
+            <ac:picMkLst>
+              <pc:docMk/>
+              <pc:sldMasterMk cId="1292199227" sldId="2147483660"/>
+              <pc:sldLayoutMk cId="2764546323" sldId="2147483673"/>
+              <ac:picMk id="7" creationId="{4BDDCD2E-C110-130A-F43D-F350777AB57D}"/>
+            </ac:picMkLst>
+          </pc:picChg>
+          <pc:picChg chg="mod">
+            <ac:chgData name="Alastair Herd" userId="5b32a22d-7511-4516-bb56-86382496afe2" providerId="ADAL" clId="{4F396539-BF04-460C-A86D-7BD75D1A7413}" dt="2023-01-23T15:38:32.758" v="71" actId="688"/>
+            <ac:picMkLst>
+              <pc:docMk/>
+              <pc:sldMasterMk cId="1292199227" sldId="2147483660"/>
+              <pc:sldLayoutMk cId="2764546323" sldId="2147483673"/>
+              <ac:picMk id="8" creationId="{47CF25F7-EC67-5146-2E3D-A7D3513D2EDB}"/>
+            </ac:picMkLst>
+          </pc:picChg>
+        </pc:sldLayoutChg>
+        <pc:sldLayoutChg chg="addSp delSp mod">
+          <pc:chgData name="Alastair Herd" userId="5b32a22d-7511-4516-bb56-86382496afe2" providerId="ADAL" clId="{4F396539-BF04-460C-A86D-7BD75D1A7413}" dt="2023-01-23T15:38:04.451" v="61" actId="478"/>
+          <pc:sldLayoutMkLst>
+            <pc:docMk/>
+            <pc:sldMasterMk cId="1292199227" sldId="2147483660"/>
+            <pc:sldLayoutMk cId="2087462430" sldId="2147483674"/>
+          </pc:sldLayoutMkLst>
+          <pc:picChg chg="add del">
+            <ac:chgData name="Alastair Herd" userId="5b32a22d-7511-4516-bb56-86382496afe2" providerId="ADAL" clId="{4F396539-BF04-460C-A86D-7BD75D1A7413}" dt="2023-01-23T15:38:04.451" v="61" actId="478"/>
+            <ac:picMkLst>
+              <pc:docMk/>
+              <pc:sldMasterMk cId="1292199227" sldId="2147483660"/>
+              <pc:sldLayoutMk cId="2087462430" sldId="2147483674"/>
+              <ac:picMk id="7" creationId="{4BDDCD2E-C110-130A-F43D-F350777AB57D}"/>
+            </ac:picMkLst>
+          </pc:picChg>
+        </pc:sldLayoutChg>
+        <pc:sldLayoutChg chg="delSp modSp add mod ord modTransition">
+          <pc:chgData name="Alastair Herd" userId="5b32a22d-7511-4516-bb56-86382496afe2" providerId="ADAL" clId="{4F396539-BF04-460C-A86D-7BD75D1A7413}" dt="2023-01-23T15:02:41.578" v="16" actId="1036"/>
+          <pc:sldLayoutMkLst>
+            <pc:docMk/>
+            <pc:sldMasterMk cId="1292199227" sldId="2147483660"/>
+            <pc:sldLayoutMk cId="1333808937" sldId="2147483675"/>
+          </pc:sldLayoutMkLst>
+          <pc:spChg chg="mod">
+            <ac:chgData name="Alastair Herd" userId="5b32a22d-7511-4516-bb56-86382496afe2" providerId="ADAL" clId="{4F396539-BF04-460C-A86D-7BD75D1A7413}" dt="2023-01-23T15:02:41.578" v="16" actId="1036"/>
+            <ac:spMkLst>
+              <pc:docMk/>
+              <pc:sldMasterMk cId="1292199227" sldId="2147483660"/>
+              <pc:sldLayoutMk cId="1333808937" sldId="2147483675"/>
+              <ac:spMk id="12" creationId="{D6D033CF-A0AF-CB08-20C2-D6C335E4F15D}"/>
+            </ac:spMkLst>
+          </pc:spChg>
+          <pc:spChg chg="del">
+            <ac:chgData name="Alastair Herd" userId="5b32a22d-7511-4516-bb56-86382496afe2" providerId="ADAL" clId="{4F396539-BF04-460C-A86D-7BD75D1A7413}" dt="2023-01-23T14:55:32.666" v="2" actId="478"/>
+            <ac:spMkLst>
+              <pc:docMk/>
+              <pc:sldMasterMk cId="1292199227" sldId="2147483660"/>
+              <pc:sldLayoutMk cId="1333808937" sldId="2147483675"/>
+              <ac:spMk id="14" creationId="{9652EA17-EA29-259A-35C8-E79D8BFCE6E9}"/>
+            </ac:spMkLst>
+          </pc:spChg>
+        </pc:sldLayoutChg>
+        <pc:sldLayoutChg chg="modSp add del mod modTransition">
+          <pc:chgData name="Alastair Herd" userId="5b32a22d-7511-4516-bb56-86382496afe2" providerId="ADAL" clId="{4F396539-BF04-460C-A86D-7BD75D1A7413}" dt="2023-01-23T15:30:45.593" v="22" actId="2696"/>
+          <pc:sldLayoutMkLst>
+            <pc:docMk/>
+            <pc:sldMasterMk cId="1292199227" sldId="2147483660"/>
+            <pc:sldLayoutMk cId="1951276092" sldId="2147483676"/>
+          </pc:sldLayoutMkLst>
+          <pc:spChg chg="mod">
+            <ac:chgData name="Alastair Herd" userId="5b32a22d-7511-4516-bb56-86382496afe2" providerId="ADAL" clId="{4F396539-BF04-460C-A86D-7BD75D1A7413}" dt="2023-01-23T15:09:51.930" v="20" actId="1036"/>
+            <ac:spMkLst>
+              <pc:docMk/>
+              <pc:sldMasterMk cId="1292199227" sldId="2147483660"/>
+              <pc:sldLayoutMk cId="1951276092" sldId="2147483676"/>
+              <ac:spMk id="12" creationId="{D6D033CF-A0AF-CB08-20C2-D6C335E4F15D}"/>
+            </ac:spMkLst>
+          </pc:spChg>
+        </pc:sldLayoutChg>
+        <pc:sldLayoutChg chg="addSp delSp modSp add mod ord modTransition">
+          <pc:chgData name="Alastair Herd" userId="5b32a22d-7511-4516-bb56-86382496afe2" providerId="ADAL" clId="{4F396539-BF04-460C-A86D-7BD75D1A7413}" dt="2023-01-23T15:51:20.650" v="100" actId="20577"/>
+          <pc:sldLayoutMkLst>
+            <pc:docMk/>
+            <pc:sldMasterMk cId="1292199227" sldId="2147483660"/>
+            <pc:sldLayoutMk cId="2618113799" sldId="2147483677"/>
+          </pc:sldLayoutMkLst>
+          <pc:spChg chg="add mod">
+            <ac:chgData name="Alastair Herd" userId="5b32a22d-7511-4516-bb56-86382496afe2" providerId="ADAL" clId="{4F396539-BF04-460C-A86D-7BD75D1A7413}" dt="2023-01-23T15:51:20.650" v="100" actId="20577"/>
+            <ac:spMkLst>
+              <pc:docMk/>
+              <pc:sldMasterMk cId="1292199227" sldId="2147483660"/>
+              <pc:sldLayoutMk cId="2618113799" sldId="2147483677"/>
+              <ac:spMk id="2" creationId="{AFF60CF1-AC12-B4B1-B8F2-36040BE65FD4}"/>
+            </ac:spMkLst>
+          </pc:spChg>
+          <pc:spChg chg="del">
+            <ac:chgData name="Alastair Herd" userId="5b32a22d-7511-4516-bb56-86382496afe2" providerId="ADAL" clId="{4F396539-BF04-460C-A86D-7BD75D1A7413}" dt="2023-01-23T15:51:02.025" v="82" actId="478"/>
+            <ac:spMkLst>
+              <pc:docMk/>
+              <pc:sldMasterMk cId="1292199227" sldId="2147483660"/>
+              <pc:sldLayoutMk cId="2618113799" sldId="2147483677"/>
+              <ac:spMk id="10" creationId="{DC0317A5-0804-DEC0-A0B2-7FA44B657F48}"/>
+            </ac:spMkLst>
+          </pc:spChg>
+          <pc:spChg chg="mod">
+            <ac:chgData name="Alastair Herd" userId="5b32a22d-7511-4516-bb56-86382496afe2" providerId="ADAL" clId="{4F396539-BF04-460C-A86D-7BD75D1A7413}" dt="2023-01-23T15:32:44.025" v="44" actId="1036"/>
+            <ac:spMkLst>
+              <pc:docMk/>
+              <pc:sldMasterMk cId="1292199227" sldId="2147483660"/>
+              <pc:sldLayoutMk cId="2618113799" sldId="2147483677"/>
+              <ac:spMk id="12" creationId="{D6D033CF-A0AF-CB08-20C2-D6C335E4F15D}"/>
+            </ac:spMkLst>
+          </pc:spChg>
+          <pc:picChg chg="add del">
+            <ac:chgData name="Alastair Herd" userId="5b32a22d-7511-4516-bb56-86382496afe2" providerId="ADAL" clId="{4F396539-BF04-460C-A86D-7BD75D1A7413}" dt="2023-01-23T15:38:04.049" v="60" actId="478"/>
+            <ac:picMkLst>
+              <pc:docMk/>
+              <pc:sldMasterMk cId="1292199227" sldId="2147483660"/>
+              <pc:sldLayoutMk cId="2618113799" sldId="2147483677"/>
+              <ac:picMk id="7" creationId="{4BDDCD2E-C110-130A-F43D-F350777AB57D}"/>
+            </ac:picMkLst>
+          </pc:picChg>
+          <pc:picChg chg="mod">
+            <ac:chgData name="Alastair Herd" userId="5b32a22d-7511-4516-bb56-86382496afe2" providerId="ADAL" clId="{4F396539-BF04-460C-A86D-7BD75D1A7413}" dt="2023-01-23T15:38:17.519" v="69" actId="688"/>
+            <ac:picMkLst>
+              <pc:docMk/>
+              <pc:sldMasterMk cId="1292199227" sldId="2147483660"/>
+              <pc:sldLayoutMk cId="2618113799" sldId="2147483677"/>
+              <ac:picMk id="8" creationId="{47CF25F7-EC67-5146-2E3D-A7D3513D2EDB}"/>
+            </ac:picMkLst>
+          </pc:picChg>
+        </pc:sldLayoutChg>
+        <pc:sldLayoutChg chg="addSp delSp modSp new del mod">
+          <pc:chgData name="Alastair Herd" userId="5b32a22d-7511-4516-bb56-86382496afe2" providerId="ADAL" clId="{4F396539-BF04-460C-A86D-7BD75D1A7413}" dt="2023-01-23T15:39:34.536" v="73" actId="2696"/>
+          <pc:sldLayoutMkLst>
+            <pc:docMk/>
+            <pc:sldMasterMk cId="1292199227" sldId="2147483660"/>
+            <pc:sldLayoutMk cId="2954878487" sldId="2147483678"/>
+          </pc:sldLayoutMkLst>
+          <pc:spChg chg="del mod">
+            <ac:chgData name="Alastair Herd" userId="5b32a22d-7511-4516-bb56-86382496afe2" providerId="ADAL" clId="{4F396539-BF04-460C-A86D-7BD75D1A7413}" dt="2023-01-23T15:37:19.819" v="49" actId="478"/>
+            <ac:spMkLst>
+              <pc:docMk/>
+              <pc:sldMasterMk cId="1292199227" sldId="2147483660"/>
+              <pc:sldLayoutMk cId="2954878487" sldId="2147483678"/>
+              <ac:spMk id="2" creationId="{89D8BFC6-702C-CA2A-840F-D873B76ADCC5}"/>
+            </ac:spMkLst>
+          </pc:spChg>
+          <pc:spChg chg="add mod">
+            <ac:chgData name="Alastair Herd" userId="5b32a22d-7511-4516-bb56-86382496afe2" providerId="ADAL" clId="{4F396539-BF04-460C-A86D-7BD75D1A7413}" dt="2023-01-23T15:37:22.804" v="50"/>
+            <ac:spMkLst>
+              <pc:docMk/>
+              <pc:sldMasterMk cId="1292199227" sldId="2147483660"/>
+              <pc:sldLayoutMk cId="2954878487" sldId="2147483678"/>
+              <ac:spMk id="3" creationId="{C5BEE19C-FF70-EC77-1216-2D9EE7FF25ED}"/>
+            </ac:spMkLst>
+          </pc:spChg>
+          <pc:spChg chg="add mod">
+            <ac:chgData name="Alastair Herd" userId="5b32a22d-7511-4516-bb56-86382496afe2" providerId="ADAL" clId="{4F396539-BF04-460C-A86D-7BD75D1A7413}" dt="2023-01-23T15:37:22.804" v="50"/>
+            <ac:spMkLst>
+              <pc:docMk/>
+              <pc:sldMasterMk cId="1292199227" sldId="2147483660"/>
+              <pc:sldLayoutMk cId="2954878487" sldId="2147483678"/>
+              <ac:spMk id="4" creationId="{898B9DE5-2510-3E65-1391-B3E91C8AC5C4}"/>
+            </ac:spMkLst>
+          </pc:spChg>
+          <pc:picChg chg="add mod">
+            <ac:chgData name="Alastair Herd" userId="5b32a22d-7511-4516-bb56-86382496afe2" providerId="ADAL" clId="{4F396539-BF04-460C-A86D-7BD75D1A7413}" dt="2023-01-23T15:38:22.452" v="70" actId="688"/>
+            <ac:picMkLst>
+              <pc:docMk/>
+              <pc:sldMasterMk cId="1292199227" sldId="2147483660"/>
+              <pc:sldLayoutMk cId="2954878487" sldId="2147483678"/>
+              <ac:picMk id="5" creationId="{A537177F-2247-9CB0-C641-27CF1D71E602}"/>
+            </ac:picMkLst>
+          </pc:picChg>
+          <pc:picChg chg="add mod">
+            <ac:chgData name="Alastair Herd" userId="5b32a22d-7511-4516-bb56-86382496afe2" providerId="ADAL" clId="{4F396539-BF04-460C-A86D-7BD75D1A7413}" dt="2023-01-23T15:37:29.511" v="51"/>
+            <ac:picMkLst>
+              <pc:docMk/>
+              <pc:sldMasterMk cId="1292199227" sldId="2147483660"/>
+              <pc:sldLayoutMk cId="2954878487" sldId="2147483678"/>
+              <ac:picMk id="6" creationId="{C346AED2-A479-7ED0-ABF8-D20353E0EBA1}"/>
+            </ac:picMkLst>
+          </pc:picChg>
+          <pc:picChg chg="add del mod">
+            <ac:chgData name="Alastair Herd" userId="5b32a22d-7511-4516-bb56-86382496afe2" providerId="ADAL" clId="{4F396539-BF04-460C-A86D-7BD75D1A7413}" dt="2023-01-23T15:38:07.343" v="67"/>
+            <ac:picMkLst>
+              <pc:docMk/>
+              <pc:sldMasterMk cId="1292199227" sldId="2147483660"/>
+              <pc:sldLayoutMk cId="2954878487" sldId="2147483678"/>
+              <ac:picMk id="7" creationId="{E04F2379-8F18-8EC4-4060-FCE3FA7DAAE8}"/>
+            </ac:picMkLst>
+          </pc:picChg>
+          <pc:picChg chg="add mod">
+            <ac:chgData name="Alastair Herd" userId="5b32a22d-7511-4516-bb56-86382496afe2" providerId="ADAL" clId="{4F396539-BF04-460C-A86D-7BD75D1A7413}" dt="2023-01-23T15:38:09.471" v="68"/>
+            <ac:picMkLst>
+              <pc:docMk/>
+              <pc:sldMasterMk cId="1292199227" sldId="2147483660"/>
+              <pc:sldLayoutMk cId="2954878487" sldId="2147483678"/>
+              <ac:picMk id="8" creationId="{32AE3585-C889-1E9C-0E67-52C74612B174}"/>
+            </ac:picMkLst>
+          </pc:picChg>
+        </pc:sldLayoutChg>
+      </pc:sldMasterChg>
+      <pc:sldMasterChg chg="new del mod addSldLayout delSldLayout">
+        <pc:chgData name="Alastair Herd" userId="5b32a22d-7511-4516-bb56-86382496afe2" providerId="ADAL" clId="{4F396539-BF04-460C-A86D-7BD75D1A7413}" dt="2023-01-23T15:37:10.033" v="46" actId="6938"/>
+        <pc:sldMasterMkLst>
+          <pc:docMk/>
+          <pc:sldMasterMk cId="3537089886" sldId="2147483678"/>
+        </pc:sldMasterMkLst>
+        <pc:sldLayoutChg chg="new del replId">
+          <pc:chgData name="Alastair Herd" userId="5b32a22d-7511-4516-bb56-86382496afe2" providerId="ADAL" clId="{4F396539-BF04-460C-A86D-7BD75D1A7413}" dt="2023-01-23T15:37:10.033" v="46" actId="6938"/>
+          <pc:sldLayoutMkLst>
+            <pc:docMk/>
+            <pc:sldMasterMk cId="3537089886" sldId="2147483678"/>
+            <pc:sldLayoutMk cId="4053792130" sldId="2147483679"/>
+          </pc:sldLayoutMkLst>
+        </pc:sldLayoutChg>
+        <pc:sldLayoutChg chg="new del replId">
+          <pc:chgData name="Alastair Herd" userId="5b32a22d-7511-4516-bb56-86382496afe2" providerId="ADAL" clId="{4F396539-BF04-460C-A86D-7BD75D1A7413}" dt="2023-01-23T15:37:10.033" v="46" actId="6938"/>
+          <pc:sldLayoutMkLst>
+            <pc:docMk/>
+            <pc:sldMasterMk cId="3537089886" sldId="2147483678"/>
+            <pc:sldLayoutMk cId="1190875767" sldId="2147483680"/>
+          </pc:sldLayoutMkLst>
+        </pc:sldLayoutChg>
+        <pc:sldLayoutChg chg="new del replId">
+          <pc:chgData name="Alastair Herd" userId="5b32a22d-7511-4516-bb56-86382496afe2" providerId="ADAL" clId="{4F396539-BF04-460C-A86D-7BD75D1A7413}" dt="2023-01-23T15:37:10.033" v="46" actId="6938"/>
+          <pc:sldLayoutMkLst>
+            <pc:docMk/>
+            <pc:sldMasterMk cId="3537089886" sldId="2147483678"/>
+            <pc:sldLayoutMk cId="2927991739" sldId="2147483681"/>
+          </pc:sldLayoutMkLst>
+        </pc:sldLayoutChg>
+        <pc:sldLayoutChg chg="new del replId">
+          <pc:chgData name="Alastair Herd" userId="5b32a22d-7511-4516-bb56-86382496afe2" providerId="ADAL" clId="{4F396539-BF04-460C-A86D-7BD75D1A7413}" dt="2023-01-23T15:37:10.033" v="46" actId="6938"/>
+          <pc:sldLayoutMkLst>
+            <pc:docMk/>
+            <pc:sldMasterMk cId="3537089886" sldId="2147483678"/>
+            <pc:sldLayoutMk cId="1019095435" sldId="2147483682"/>
+          </pc:sldLayoutMkLst>
+        </pc:sldLayoutChg>
+        <pc:sldLayoutChg chg="new del replId">
+          <pc:chgData name="Alastair Herd" userId="5b32a22d-7511-4516-bb56-86382496afe2" providerId="ADAL" clId="{4F396539-BF04-460C-A86D-7BD75D1A7413}" dt="2023-01-23T15:37:10.033" v="46" actId="6938"/>
+          <pc:sldLayoutMkLst>
+            <pc:docMk/>
+            <pc:sldMasterMk cId="3537089886" sldId="2147483678"/>
+            <pc:sldLayoutMk cId="4195561734" sldId="2147483683"/>
+          </pc:sldLayoutMkLst>
+        </pc:sldLayoutChg>
+        <pc:sldLayoutChg chg="new del replId">
+          <pc:chgData name="Alastair Herd" userId="5b32a22d-7511-4516-bb56-86382496afe2" providerId="ADAL" clId="{4F396539-BF04-460C-A86D-7BD75D1A7413}" dt="2023-01-23T15:37:10.033" v="46" actId="6938"/>
+          <pc:sldLayoutMkLst>
+            <pc:docMk/>
+            <pc:sldMasterMk cId="3537089886" sldId="2147483678"/>
+            <pc:sldLayoutMk cId="1166658916" sldId="2147483684"/>
+          </pc:sldLayoutMkLst>
+        </pc:sldLayoutChg>
+        <pc:sldLayoutChg chg="new del replId">
+          <pc:chgData name="Alastair Herd" userId="5b32a22d-7511-4516-bb56-86382496afe2" providerId="ADAL" clId="{4F396539-BF04-460C-A86D-7BD75D1A7413}" dt="2023-01-23T15:37:10.033" v="46" actId="6938"/>
+          <pc:sldLayoutMkLst>
+            <pc:docMk/>
+            <pc:sldMasterMk cId="3537089886" sldId="2147483678"/>
+            <pc:sldLayoutMk cId="998161215" sldId="2147483685"/>
+          </pc:sldLayoutMkLst>
+        </pc:sldLayoutChg>
+        <pc:sldLayoutChg chg="new del replId">
+          <pc:chgData name="Alastair Herd" userId="5b32a22d-7511-4516-bb56-86382496afe2" providerId="ADAL" clId="{4F396539-BF04-460C-A86D-7BD75D1A7413}" dt="2023-01-23T15:37:10.033" v="46" actId="6938"/>
+          <pc:sldLayoutMkLst>
+            <pc:docMk/>
+            <pc:sldMasterMk cId="3537089886" sldId="2147483678"/>
+            <pc:sldLayoutMk cId="1757179092" sldId="2147483686"/>
+          </pc:sldLayoutMkLst>
+        </pc:sldLayoutChg>
+        <pc:sldLayoutChg chg="new del replId">
+          <pc:chgData name="Alastair Herd" userId="5b32a22d-7511-4516-bb56-86382496afe2" providerId="ADAL" clId="{4F396539-BF04-460C-A86D-7BD75D1A7413}" dt="2023-01-23T15:37:10.033" v="46" actId="6938"/>
+          <pc:sldLayoutMkLst>
+            <pc:docMk/>
+            <pc:sldMasterMk cId="3537089886" sldId="2147483678"/>
+            <pc:sldLayoutMk cId="850260157" sldId="2147483687"/>
+          </pc:sldLayoutMkLst>
+        </pc:sldLayoutChg>
+        <pc:sldLayoutChg chg="new del replId">
+          <pc:chgData name="Alastair Herd" userId="5b32a22d-7511-4516-bb56-86382496afe2" providerId="ADAL" clId="{4F396539-BF04-460C-A86D-7BD75D1A7413}" dt="2023-01-23T15:37:10.033" v="46" actId="6938"/>
+          <pc:sldLayoutMkLst>
+            <pc:docMk/>
+            <pc:sldMasterMk cId="3537089886" sldId="2147483678"/>
+            <pc:sldLayoutMk cId="3392806944" sldId="2147483688"/>
+          </pc:sldLayoutMkLst>
+        </pc:sldLayoutChg>
+        <pc:sldLayoutChg chg="new del replId">
+          <pc:chgData name="Alastair Herd" userId="5b32a22d-7511-4516-bb56-86382496afe2" providerId="ADAL" clId="{4F396539-BF04-460C-A86D-7BD75D1A7413}" dt="2023-01-23T15:37:10.033" v="46" actId="6938"/>
+          <pc:sldLayoutMkLst>
+            <pc:docMk/>
+            <pc:sldMasterMk cId="3537089886" sldId="2147483678"/>
+            <pc:sldLayoutMk cId="1571244003" sldId="2147483689"/>
+          </pc:sldLayoutMkLst>
+        </pc:sldLayoutChg>
+      </pc:sldMasterChg>
+    </pc:docChg>
+  </pc:docChgLst>
+  <pc:docChgLst>
     <pc:chgData name="Alastair Herd" userId="87b2be461f74d91b" providerId="LiveId" clId="{D934003B-E18A-4051-9763-A04095D33620}"/>
     <pc:docChg chg="custSel modSld modMainMaster">
       <pc:chgData name="Alastair Herd" userId="87b2be461f74d91b" providerId="LiveId" clId="{D934003B-E18A-4051-9763-A04095D33620}" dt="2023-01-19T19:15:41.507" v="118" actId="14100"/>
@@ -854,6 +1247,562 @@
 </file>
 
 <file path=ppt/slideLayouts/slideLayout10.xml><?xml version="1.0" encoding="utf-8"?>
+<p:sldLayout xmlns:a="http://schemas.openxmlformats.org/drawingml/2006/main" xmlns:r="http://schemas.openxmlformats.org/officeDocument/2006/relationships" xmlns:p="http://schemas.openxmlformats.org/presentationml/2006/main" type="twoTxTwoObj" preserve="1">
+  <p:cSld name="Comparison">
+    <p:spTree>
+      <p:nvGrpSpPr>
+        <p:cNvPr id="1" name=""/>
+        <p:cNvGrpSpPr/>
+        <p:nvPr/>
+      </p:nvGrpSpPr>
+      <p:grpSpPr>
+        <a:xfrm>
+          <a:off x="0" y="0"/>
+          <a:ext cx="0" cy="0"/>
+          <a:chOff x="0" y="0"/>
+          <a:chExt cx="0" cy="0"/>
+        </a:xfrm>
+      </p:grpSpPr>
+      <p:sp>
+        <p:nvSpPr>
+          <p:cNvPr id="2" name="Title 1"/>
+          <p:cNvSpPr>
+            <a:spLocks noGrp="1"/>
+          </p:cNvSpPr>
+          <p:nvPr>
+            <p:ph type="title"/>
+          </p:nvPr>
+        </p:nvSpPr>
+        <p:spPr>
+          <a:xfrm>
+            <a:off x="694356" y="402484"/>
+            <a:ext cx="8694539" cy="1461188"/>
+          </a:xfrm>
+          <a:prstGeom prst="rect">
+            <a:avLst/>
+          </a:prstGeom>
+        </p:spPr>
+        <p:txBody>
+          <a:bodyPr/>
+          <a:lstStyle/>
+          <a:p>
+            <a:r>
+              <a:rPr lang="en-US"/>
+              <a:t>Click to edit Master title style</a:t>
+            </a:r>
+            <a:endParaRPr lang="en-US" dirty="0"/>
+          </a:p>
+        </p:txBody>
+      </p:sp>
+      <p:sp>
+        <p:nvSpPr>
+          <p:cNvPr id="3" name="Text Placeholder 2"/>
+          <p:cNvSpPr>
+            <a:spLocks noGrp="1"/>
+          </p:cNvSpPr>
+          <p:nvPr>
+            <p:ph type="body" idx="1"/>
+          </p:nvPr>
+        </p:nvSpPr>
+        <p:spPr>
+          <a:xfrm>
+            <a:off x="694357" y="1853171"/>
+            <a:ext cx="4264576" cy="908210"/>
+          </a:xfrm>
+          <a:prstGeom prst="rect">
+            <a:avLst/>
+          </a:prstGeom>
+        </p:spPr>
+        <p:txBody>
+          <a:bodyPr anchor="b"/>
+          <a:lstStyle>
+            <a:lvl1pPr marL="0" indent="0">
+              <a:buNone/>
+              <a:defRPr sz="2646" b="1"/>
+            </a:lvl1pPr>
+            <a:lvl2pPr marL="503972" indent="0">
+              <a:buNone/>
+              <a:defRPr sz="2205" b="1"/>
+            </a:lvl2pPr>
+            <a:lvl3pPr marL="1007943" indent="0">
+              <a:buNone/>
+              <a:defRPr sz="1984" b="1"/>
+            </a:lvl3pPr>
+            <a:lvl4pPr marL="1511915" indent="0">
+              <a:buNone/>
+              <a:defRPr sz="1764" b="1"/>
+            </a:lvl4pPr>
+            <a:lvl5pPr marL="2015886" indent="0">
+              <a:buNone/>
+              <a:defRPr sz="1764" b="1"/>
+            </a:lvl5pPr>
+            <a:lvl6pPr marL="2519858" indent="0">
+              <a:buNone/>
+              <a:defRPr sz="1764" b="1"/>
+            </a:lvl6pPr>
+            <a:lvl7pPr marL="3023829" indent="0">
+              <a:buNone/>
+              <a:defRPr sz="1764" b="1"/>
+            </a:lvl7pPr>
+            <a:lvl8pPr marL="3527801" indent="0">
+              <a:buNone/>
+              <a:defRPr sz="1764" b="1"/>
+            </a:lvl8pPr>
+            <a:lvl9pPr marL="4031772" indent="0">
+              <a:buNone/>
+              <a:defRPr sz="1764" b="1"/>
+            </a:lvl9pPr>
+          </a:lstStyle>
+          <a:p>
+            <a:pPr lvl="0"/>
+            <a:r>
+              <a:rPr lang="en-US"/>
+              <a:t>Click to edit Master text styles</a:t>
+            </a:r>
+          </a:p>
+        </p:txBody>
+      </p:sp>
+      <p:sp>
+        <p:nvSpPr>
+          <p:cNvPr id="4" name="Content Placeholder 3"/>
+          <p:cNvSpPr>
+            <a:spLocks noGrp="1"/>
+          </p:cNvSpPr>
+          <p:nvPr>
+            <p:ph sz="half" idx="2"/>
+          </p:nvPr>
+        </p:nvSpPr>
+        <p:spPr>
+          <a:xfrm>
+            <a:off x="694357" y="2761381"/>
+            <a:ext cx="4264576" cy="4061576"/>
+          </a:xfrm>
+          <a:prstGeom prst="rect">
+            <a:avLst/>
+          </a:prstGeom>
+        </p:spPr>
+        <p:txBody>
+          <a:bodyPr/>
+          <a:lstStyle/>
+          <a:p>
+            <a:pPr lvl="0"/>
+            <a:r>
+              <a:rPr lang="en-US"/>
+              <a:t>Click to edit Master text styles</a:t>
+            </a:r>
+          </a:p>
+          <a:p>
+            <a:pPr lvl="1"/>
+            <a:r>
+              <a:rPr lang="en-US"/>
+              <a:t>Second level</a:t>
+            </a:r>
+          </a:p>
+          <a:p>
+            <a:pPr lvl="2"/>
+            <a:r>
+              <a:rPr lang="en-US"/>
+              <a:t>Third level</a:t>
+            </a:r>
+          </a:p>
+          <a:p>
+            <a:pPr lvl="3"/>
+            <a:r>
+              <a:rPr lang="en-US"/>
+              <a:t>Fourth level</a:t>
+            </a:r>
+          </a:p>
+          <a:p>
+            <a:pPr lvl="4"/>
+            <a:r>
+              <a:rPr lang="en-US"/>
+              <a:t>Fifth level</a:t>
+            </a:r>
+            <a:endParaRPr lang="en-US" dirty="0"/>
+          </a:p>
+        </p:txBody>
+      </p:sp>
+      <p:sp>
+        <p:nvSpPr>
+          <p:cNvPr id="5" name="Text Placeholder 4"/>
+          <p:cNvSpPr>
+            <a:spLocks noGrp="1"/>
+          </p:cNvSpPr>
+          <p:nvPr>
+            <p:ph type="body" sz="quarter" idx="3"/>
+          </p:nvPr>
+        </p:nvSpPr>
+        <p:spPr>
+          <a:xfrm>
+            <a:off x="5103317" y="1853171"/>
+            <a:ext cx="4285579" cy="908210"/>
+          </a:xfrm>
+          <a:prstGeom prst="rect">
+            <a:avLst/>
+          </a:prstGeom>
+        </p:spPr>
+        <p:txBody>
+          <a:bodyPr anchor="b"/>
+          <a:lstStyle>
+            <a:lvl1pPr marL="0" indent="0">
+              <a:buNone/>
+              <a:defRPr sz="2646" b="1"/>
+            </a:lvl1pPr>
+            <a:lvl2pPr marL="503972" indent="0">
+              <a:buNone/>
+              <a:defRPr sz="2205" b="1"/>
+            </a:lvl2pPr>
+            <a:lvl3pPr marL="1007943" indent="0">
+              <a:buNone/>
+              <a:defRPr sz="1984" b="1"/>
+            </a:lvl3pPr>
+            <a:lvl4pPr marL="1511915" indent="0">
+              <a:buNone/>
+              <a:defRPr sz="1764" b="1"/>
+            </a:lvl4pPr>
+            <a:lvl5pPr marL="2015886" indent="0">
+              <a:buNone/>
+              <a:defRPr sz="1764" b="1"/>
+            </a:lvl5pPr>
+            <a:lvl6pPr marL="2519858" indent="0">
+              <a:buNone/>
+              <a:defRPr sz="1764" b="1"/>
+            </a:lvl6pPr>
+            <a:lvl7pPr marL="3023829" indent="0">
+              <a:buNone/>
+              <a:defRPr sz="1764" b="1"/>
+            </a:lvl7pPr>
+            <a:lvl8pPr marL="3527801" indent="0">
+              <a:buNone/>
+              <a:defRPr sz="1764" b="1"/>
+            </a:lvl8pPr>
+            <a:lvl9pPr marL="4031772" indent="0">
+              <a:buNone/>
+              <a:defRPr sz="1764" b="1"/>
+            </a:lvl9pPr>
+          </a:lstStyle>
+          <a:p>
+            <a:pPr lvl="0"/>
+            <a:r>
+              <a:rPr lang="en-US"/>
+              <a:t>Click to edit Master text styles</a:t>
+            </a:r>
+          </a:p>
+        </p:txBody>
+      </p:sp>
+      <p:sp>
+        <p:nvSpPr>
+          <p:cNvPr id="6" name="Content Placeholder 5"/>
+          <p:cNvSpPr>
+            <a:spLocks noGrp="1"/>
+          </p:cNvSpPr>
+          <p:nvPr>
+            <p:ph sz="quarter" idx="4"/>
+          </p:nvPr>
+        </p:nvSpPr>
+        <p:spPr>
+          <a:xfrm>
+            <a:off x="5103317" y="2761381"/>
+            <a:ext cx="4285579" cy="4061576"/>
+          </a:xfrm>
+          <a:prstGeom prst="rect">
+            <a:avLst/>
+          </a:prstGeom>
+        </p:spPr>
+        <p:txBody>
+          <a:bodyPr/>
+          <a:lstStyle/>
+          <a:p>
+            <a:pPr lvl="0"/>
+            <a:r>
+              <a:rPr lang="en-US"/>
+              <a:t>Click to edit Master text styles</a:t>
+            </a:r>
+          </a:p>
+          <a:p>
+            <a:pPr lvl="1"/>
+            <a:r>
+              <a:rPr lang="en-US"/>
+              <a:t>Second level</a:t>
+            </a:r>
+          </a:p>
+          <a:p>
+            <a:pPr lvl="2"/>
+            <a:r>
+              <a:rPr lang="en-US"/>
+              <a:t>Third level</a:t>
+            </a:r>
+          </a:p>
+          <a:p>
+            <a:pPr lvl="3"/>
+            <a:r>
+              <a:rPr lang="en-US"/>
+              <a:t>Fourth level</a:t>
+            </a:r>
+          </a:p>
+          <a:p>
+            <a:pPr lvl="4"/>
+            <a:r>
+              <a:rPr lang="en-US"/>
+              <a:t>Fifth level</a:t>
+            </a:r>
+            <a:endParaRPr lang="en-US" dirty="0"/>
+          </a:p>
+        </p:txBody>
+      </p:sp>
+      <p:sp>
+        <p:nvSpPr>
+          <p:cNvPr id="7" name="Date Placeholder 6"/>
+          <p:cNvSpPr>
+            <a:spLocks noGrp="1"/>
+          </p:cNvSpPr>
+          <p:nvPr>
+            <p:ph type="dt" sz="half" idx="10"/>
+          </p:nvPr>
+        </p:nvSpPr>
+        <p:spPr>
+          <a:xfrm>
+            <a:off x="693043" y="7006700"/>
+            <a:ext cx="2268141" cy="402483"/>
+          </a:xfrm>
+          <a:prstGeom prst="rect">
+            <a:avLst/>
+          </a:prstGeom>
+        </p:spPr>
+        <p:txBody>
+          <a:bodyPr/>
+          <a:lstStyle/>
+          <a:p>
+            <a:fld id="{407A8E6C-1DA0-4717-A5E3-C386A4062E60}" type="datetimeFigureOut">
+              <a:rPr lang="en-GB" smtClean="0"/>
+              <a:t>23/01/2023</a:t>
+            </a:fld>
+            <a:endParaRPr lang="en-GB"/>
+          </a:p>
+        </p:txBody>
+      </p:sp>
+      <p:sp>
+        <p:nvSpPr>
+          <p:cNvPr id="8" name="Footer Placeholder 7"/>
+          <p:cNvSpPr>
+            <a:spLocks noGrp="1"/>
+          </p:cNvSpPr>
+          <p:nvPr>
+            <p:ph type="ftr" sz="quarter" idx="11"/>
+          </p:nvPr>
+        </p:nvSpPr>
+        <p:spPr>
+          <a:xfrm>
+            <a:off x="3339207" y="7006700"/>
+            <a:ext cx="3402211" cy="402483"/>
+          </a:xfrm>
+          <a:prstGeom prst="rect">
+            <a:avLst/>
+          </a:prstGeom>
+        </p:spPr>
+        <p:txBody>
+          <a:bodyPr/>
+          <a:lstStyle/>
+          <a:p>
+            <a:endParaRPr lang="en-GB"/>
+          </a:p>
+        </p:txBody>
+      </p:sp>
+      <p:sp>
+        <p:nvSpPr>
+          <p:cNvPr id="9" name="Slide Number Placeholder 8"/>
+          <p:cNvSpPr>
+            <a:spLocks noGrp="1"/>
+          </p:cNvSpPr>
+          <p:nvPr>
+            <p:ph type="sldNum" sz="quarter" idx="12"/>
+          </p:nvPr>
+        </p:nvSpPr>
+        <p:spPr>
+          <a:xfrm>
+            <a:off x="7119441" y="7006700"/>
+            <a:ext cx="2268141" cy="402483"/>
+          </a:xfrm>
+          <a:prstGeom prst="rect">
+            <a:avLst/>
+          </a:prstGeom>
+        </p:spPr>
+        <p:txBody>
+          <a:bodyPr/>
+          <a:lstStyle/>
+          <a:p>
+            <a:fld id="{5E1DF63A-F517-4EC1-8EC9-B9F264CF8A01}" type="slidenum">
+              <a:rPr lang="en-GB" smtClean="0"/>
+              <a:t>‹#›</a:t>
+            </a:fld>
+            <a:endParaRPr lang="en-GB"/>
+          </a:p>
+        </p:txBody>
+      </p:sp>
+    </p:spTree>
+    <p:extLst>
+      <p:ext uri="{BB962C8B-B14F-4D97-AF65-F5344CB8AC3E}">
+        <p14:creationId xmlns:p14="http://schemas.microsoft.com/office/powerpoint/2010/main" val="3940328690"/>
+      </p:ext>
+    </p:extLst>
+  </p:cSld>
+  <p:clrMapOvr>
+    <a:masterClrMapping/>
+  </p:clrMapOvr>
+</p:sldLayout>
+</file>
+
+<file path=ppt/slideLayouts/slideLayout11.xml><?xml version="1.0" encoding="utf-8"?>
+<p:sldLayout xmlns:a="http://schemas.openxmlformats.org/drawingml/2006/main" xmlns:r="http://schemas.openxmlformats.org/officeDocument/2006/relationships" xmlns:p="http://schemas.openxmlformats.org/presentationml/2006/main" type="titleOnly" preserve="1">
+  <p:cSld name="Title Only">
+    <p:spTree>
+      <p:nvGrpSpPr>
+        <p:cNvPr id="1" name=""/>
+        <p:cNvGrpSpPr/>
+        <p:nvPr/>
+      </p:nvGrpSpPr>
+      <p:grpSpPr>
+        <a:xfrm>
+          <a:off x="0" y="0"/>
+          <a:ext cx="0" cy="0"/>
+          <a:chOff x="0" y="0"/>
+          <a:chExt cx="0" cy="0"/>
+        </a:xfrm>
+      </p:grpSpPr>
+      <p:sp>
+        <p:nvSpPr>
+          <p:cNvPr id="2" name="Title 1"/>
+          <p:cNvSpPr>
+            <a:spLocks noGrp="1"/>
+          </p:cNvSpPr>
+          <p:nvPr>
+            <p:ph type="title"/>
+          </p:nvPr>
+        </p:nvSpPr>
+        <p:spPr>
+          <a:xfrm>
+            <a:off x="693043" y="402484"/>
+            <a:ext cx="8694539" cy="1461188"/>
+          </a:xfrm>
+          <a:prstGeom prst="rect">
+            <a:avLst/>
+          </a:prstGeom>
+        </p:spPr>
+        <p:txBody>
+          <a:bodyPr/>
+          <a:lstStyle/>
+          <a:p>
+            <a:r>
+              <a:rPr lang="en-US"/>
+              <a:t>Click to edit Master title style</a:t>
+            </a:r>
+            <a:endParaRPr lang="en-US" dirty="0"/>
+          </a:p>
+        </p:txBody>
+      </p:sp>
+      <p:sp>
+        <p:nvSpPr>
+          <p:cNvPr id="3" name="Date Placeholder 2"/>
+          <p:cNvSpPr>
+            <a:spLocks noGrp="1"/>
+          </p:cNvSpPr>
+          <p:nvPr>
+            <p:ph type="dt" sz="half" idx="10"/>
+          </p:nvPr>
+        </p:nvSpPr>
+        <p:spPr>
+          <a:xfrm>
+            <a:off x="693043" y="7006700"/>
+            <a:ext cx="2268141" cy="402483"/>
+          </a:xfrm>
+          <a:prstGeom prst="rect">
+            <a:avLst/>
+          </a:prstGeom>
+        </p:spPr>
+        <p:txBody>
+          <a:bodyPr/>
+          <a:lstStyle/>
+          <a:p>
+            <a:fld id="{407A8E6C-1DA0-4717-A5E3-C386A4062E60}" type="datetimeFigureOut">
+              <a:rPr lang="en-GB" smtClean="0"/>
+              <a:t>23/01/2023</a:t>
+            </a:fld>
+            <a:endParaRPr lang="en-GB"/>
+          </a:p>
+        </p:txBody>
+      </p:sp>
+      <p:sp>
+        <p:nvSpPr>
+          <p:cNvPr id="4" name="Footer Placeholder 3"/>
+          <p:cNvSpPr>
+            <a:spLocks noGrp="1"/>
+          </p:cNvSpPr>
+          <p:nvPr>
+            <p:ph type="ftr" sz="quarter" idx="11"/>
+          </p:nvPr>
+        </p:nvSpPr>
+        <p:spPr>
+          <a:xfrm>
+            <a:off x="3339207" y="7006700"/>
+            <a:ext cx="3402211" cy="402483"/>
+          </a:xfrm>
+          <a:prstGeom prst="rect">
+            <a:avLst/>
+          </a:prstGeom>
+        </p:spPr>
+        <p:txBody>
+          <a:bodyPr/>
+          <a:lstStyle/>
+          <a:p>
+            <a:endParaRPr lang="en-GB"/>
+          </a:p>
+        </p:txBody>
+      </p:sp>
+      <p:sp>
+        <p:nvSpPr>
+          <p:cNvPr id="5" name="Slide Number Placeholder 4"/>
+          <p:cNvSpPr>
+            <a:spLocks noGrp="1"/>
+          </p:cNvSpPr>
+          <p:nvPr>
+            <p:ph type="sldNum" sz="quarter" idx="12"/>
+          </p:nvPr>
+        </p:nvSpPr>
+        <p:spPr>
+          <a:xfrm>
+            <a:off x="7119441" y="7006700"/>
+            <a:ext cx="2268141" cy="402483"/>
+          </a:xfrm>
+          <a:prstGeom prst="rect">
+            <a:avLst/>
+          </a:prstGeom>
+        </p:spPr>
+        <p:txBody>
+          <a:bodyPr/>
+          <a:lstStyle/>
+          <a:p>
+            <a:fld id="{5E1DF63A-F517-4EC1-8EC9-B9F264CF8A01}" type="slidenum">
+              <a:rPr lang="en-GB" smtClean="0"/>
+              <a:t>‹#›</a:t>
+            </a:fld>
+            <a:endParaRPr lang="en-GB"/>
+          </a:p>
+        </p:txBody>
+      </p:sp>
+    </p:spTree>
+    <p:extLst>
+      <p:ext uri="{BB962C8B-B14F-4D97-AF65-F5344CB8AC3E}">
+        <p14:creationId xmlns:p14="http://schemas.microsoft.com/office/powerpoint/2010/main" val="3792480074"/>
+      </p:ext>
+    </p:extLst>
+  </p:cSld>
+  <p:clrMapOvr>
+    <a:masterClrMapping/>
+  </p:clrMapOvr>
+</p:sldLayout>
+</file>
+
+<file path=ppt/slideLayouts/slideLayout12.xml><?xml version="1.0" encoding="utf-8"?>
 <p:sldLayout xmlns:a="http://schemas.openxmlformats.org/drawingml/2006/main" xmlns:r="http://schemas.openxmlformats.org/officeDocument/2006/relationships" xmlns:p="http://schemas.openxmlformats.org/presentationml/2006/main" type="blank" preserve="1">
   <p:cSld name="Blank">
     <p:spTree>
@@ -895,7 +1844,7 @@
           <a:p>
             <a:fld id="{407A8E6C-1DA0-4717-A5E3-C386A4062E60}" type="datetimeFigureOut">
               <a:rPr lang="en-GB" smtClean="0"/>
-              <a:t>19/01/2023</a:t>
+              <a:t>23/01/2023</a:t>
             </a:fld>
             <a:endParaRPr lang="en-GB"/>
           </a:p>
@@ -972,7 +1921,7 @@
 </p:sldLayout>
 </file>
 
-<file path=ppt/slideLayouts/slideLayout11.xml><?xml version="1.0" encoding="utf-8"?>
+<file path=ppt/slideLayouts/slideLayout13.xml><?xml version="1.0" encoding="utf-8"?>
 <p:sldLayout xmlns:a="http://schemas.openxmlformats.org/drawingml/2006/main" xmlns:r="http://schemas.openxmlformats.org/officeDocument/2006/relationships" xmlns:p="http://schemas.openxmlformats.org/presentationml/2006/main" type="objTx" preserve="1">
   <p:cSld name="Content with Caption">
     <p:spTree>
@@ -1205,7 +2154,7 @@
           <a:p>
             <a:fld id="{407A8E6C-1DA0-4717-A5E3-C386A4062E60}" type="datetimeFigureOut">
               <a:rPr lang="en-GB" smtClean="0"/>
-              <a:t>19/01/2023</a:t>
+              <a:t>23/01/2023</a:t>
             </a:fld>
             <a:endParaRPr lang="en-GB"/>
           </a:p>
@@ -1282,7 +2231,7 @@
 </p:sldLayout>
 </file>
 
-<file path=ppt/slideLayouts/slideLayout12.xml><?xml version="1.0" encoding="utf-8"?>
+<file path=ppt/slideLayouts/slideLayout14.xml><?xml version="1.0" encoding="utf-8"?>
 <p:sldLayout xmlns:a="http://schemas.openxmlformats.org/drawingml/2006/main" xmlns:r="http://schemas.openxmlformats.org/officeDocument/2006/relationships" xmlns:p="http://schemas.openxmlformats.org/presentationml/2006/main" type="picTx" preserve="1">
   <p:cSld name="Picture with Caption">
     <p:spTree>
@@ -1495,7 +2444,7 @@
           <a:p>
             <a:fld id="{407A8E6C-1DA0-4717-A5E3-C386A4062E60}" type="datetimeFigureOut">
               <a:rPr lang="en-GB" smtClean="0"/>
-              <a:t>19/01/2023</a:t>
+              <a:t>23/01/2023</a:t>
             </a:fld>
             <a:endParaRPr lang="en-GB"/>
           </a:p>
@@ -1572,7 +2521,7 @@
 </p:sldLayout>
 </file>
 
-<file path=ppt/slideLayouts/slideLayout13.xml><?xml version="1.0" encoding="utf-8"?>
+<file path=ppt/slideLayouts/slideLayout15.xml><?xml version="1.0" encoding="utf-8"?>
 <p:sldLayout xmlns:a="http://schemas.openxmlformats.org/drawingml/2006/main" xmlns:r="http://schemas.openxmlformats.org/officeDocument/2006/relationships" xmlns:p="http://schemas.openxmlformats.org/presentationml/2006/main" type="vertTx" preserve="1">
   <p:cSld name="Title and Vertical Text">
     <p:spTree>
@@ -1705,7 +2654,7 @@
           <a:p>
             <a:fld id="{407A8E6C-1DA0-4717-A5E3-C386A4062E60}" type="datetimeFigureOut">
               <a:rPr lang="en-GB" smtClean="0"/>
-              <a:t>19/01/2023</a:t>
+              <a:t>23/01/2023</a:t>
             </a:fld>
             <a:endParaRPr lang="en-GB"/>
           </a:p>
@@ -1782,7 +2731,7 @@
 </p:sldLayout>
 </file>
 
-<file path=ppt/slideLayouts/slideLayout14.xml><?xml version="1.0" encoding="utf-8"?>
+<file path=ppt/slideLayouts/slideLayout16.xml><?xml version="1.0" encoding="utf-8"?>
 <p:sldLayout xmlns:a="http://schemas.openxmlformats.org/drawingml/2006/main" xmlns:r="http://schemas.openxmlformats.org/officeDocument/2006/relationships" xmlns:p="http://schemas.openxmlformats.org/presentationml/2006/main" type="vertTitleAndTx" preserve="1">
   <p:cSld name="Vertical Title and Text">
     <p:spTree>
@@ -1915,7 +2864,7 @@
           <a:p>
             <a:fld id="{407A8E6C-1DA0-4717-A5E3-C386A4062E60}" type="datetimeFigureOut">
               <a:rPr lang="en-GB" smtClean="0"/>
-              <a:t>19/01/2023</a:t>
+              <a:t>23/01/2023</a:t>
             </a:fld>
             <a:endParaRPr lang="en-GB"/>
           </a:p>
@@ -2072,7 +3021,7 @@
           </a:stretch>
         </p:blipFill>
         <p:spPr>
-          <a:xfrm>
+          <a:xfrm rot="10800000">
             <a:off x="8795880" y="674640"/>
             <a:ext cx="1283400" cy="116640"/>
           </a:xfrm>
@@ -2354,7 +3303,7 @@
           </a:stretch>
         </p:blipFill>
         <p:spPr>
-          <a:xfrm>
+          <a:xfrm rot="10800000">
             <a:off x="8795880" y="674640"/>
             <a:ext cx="1283400" cy="116640"/>
           </a:xfrm>
@@ -2471,7 +3420,7 @@
         </p:nvSpPr>
         <p:spPr>
           <a:xfrm>
-            <a:off x="463056" y="1694290"/>
+            <a:off x="463056" y="1620402"/>
             <a:ext cx="9153525" cy="4627563"/>
           </a:xfrm>
           <a:prstGeom prst="rect">
@@ -2851,6 +3800,493 @@
 
 <file path=ppt/slideLayouts/slideLayout5.xml><?xml version="1.0" encoding="utf-8"?>
 <p:sldLayout xmlns:a="http://schemas.openxmlformats.org/drawingml/2006/main" xmlns:r="http://schemas.openxmlformats.org/officeDocument/2006/relationships" xmlns:p="http://schemas.openxmlformats.org/presentationml/2006/main" preserve="1" userDrawn="1">
+  <p:cSld name="4_Body">
+    <p:spTree>
+      <p:nvGrpSpPr>
+        <p:cNvPr id="1" name=""/>
+        <p:cNvGrpSpPr/>
+        <p:nvPr/>
+      </p:nvGrpSpPr>
+      <p:grpSpPr>
+        <a:xfrm>
+          <a:off x="0" y="0"/>
+          <a:ext cx="0" cy="0"/>
+          <a:chOff x="0" y="0"/>
+          <a:chExt cx="0" cy="0"/>
+        </a:xfrm>
+      </p:grpSpPr>
+      <p:pic>
+        <p:nvPicPr>
+          <p:cNvPr id="7" name="Google Shape;63;p14">
+            <a:extLst>
+              <a:ext uri="{FF2B5EF4-FFF2-40B4-BE49-F238E27FC236}">
+                <a16:creationId xmlns:a16="http://schemas.microsoft.com/office/drawing/2014/main" id="{4BDDCD2E-C110-130A-F43D-F350777AB57D}"/>
+              </a:ext>
+            </a:extLst>
+          </p:cNvPr>
+          <p:cNvPicPr>
+            <a:picLocks noChangeAspect="1"/>
+          </p:cNvPicPr>
+          <p:nvPr userDrawn="1"/>
+        </p:nvPicPr>
+        <p:blipFill>
+          <a:blip r:embed="rId2">
+            <a:lum/>
+            <a:alphaModFix/>
+          </a:blip>
+          <a:srcRect/>
+          <a:stretch>
+            <a:fillRect/>
+          </a:stretch>
+        </p:blipFill>
+        <p:spPr>
+          <a:xfrm>
+            <a:off x="4077000" y="6607440"/>
+            <a:ext cx="1925640" cy="1048319"/>
+          </a:xfrm>
+          <a:prstGeom prst="rect">
+            <a:avLst/>
+          </a:prstGeom>
+          <a:noFill/>
+          <a:ln>
+            <a:noFill/>
+          </a:ln>
+        </p:spPr>
+      </p:pic>
+      <p:pic>
+        <p:nvPicPr>
+          <p:cNvPr id="8" name="Google Shape;64;p14">
+            <a:extLst>
+              <a:ext uri="{FF2B5EF4-FFF2-40B4-BE49-F238E27FC236}">
+                <a16:creationId xmlns:a16="http://schemas.microsoft.com/office/drawing/2014/main" id="{47CF25F7-EC67-5146-2E3D-A7D3513D2EDB}"/>
+              </a:ext>
+            </a:extLst>
+          </p:cNvPr>
+          <p:cNvPicPr>
+            <a:picLocks noChangeAspect="1"/>
+          </p:cNvPicPr>
+          <p:nvPr userDrawn="1"/>
+        </p:nvPicPr>
+        <p:blipFill>
+          <a:blip r:embed="rId3">
+            <a:lum/>
+            <a:alphaModFix/>
+          </a:blip>
+          <a:srcRect/>
+          <a:stretch>
+            <a:fillRect/>
+          </a:stretch>
+        </p:blipFill>
+        <p:spPr>
+          <a:xfrm rot="10800000">
+            <a:off x="8795880" y="674640"/>
+            <a:ext cx="1283400" cy="116640"/>
+          </a:xfrm>
+          <a:prstGeom prst="rect">
+            <a:avLst/>
+          </a:prstGeom>
+          <a:noFill/>
+          <a:ln>
+            <a:noFill/>
+          </a:ln>
+        </p:spPr>
+      </p:pic>
+      <p:pic>
+        <p:nvPicPr>
+          <p:cNvPr id="9" name="Google Shape;65;p14">
+            <a:extLst>
+              <a:ext uri="{FF2B5EF4-FFF2-40B4-BE49-F238E27FC236}">
+                <a16:creationId xmlns:a16="http://schemas.microsoft.com/office/drawing/2014/main" id="{EB80B57C-7D09-1BFA-35ED-8CCE399CC78C}"/>
+              </a:ext>
+            </a:extLst>
+          </p:cNvPr>
+          <p:cNvPicPr>
+            <a:picLocks noChangeAspect="1"/>
+          </p:cNvPicPr>
+          <p:nvPr userDrawn="1"/>
+        </p:nvPicPr>
+        <p:blipFill>
+          <a:blip r:embed="rId3">
+            <a:lum/>
+            <a:alphaModFix/>
+          </a:blip>
+          <a:srcRect/>
+          <a:stretch>
+            <a:fillRect/>
+          </a:stretch>
+        </p:blipFill>
+        <p:spPr>
+          <a:xfrm>
+            <a:off x="83520" y="674640"/>
+            <a:ext cx="1283400" cy="116640"/>
+          </a:xfrm>
+          <a:prstGeom prst="rect">
+            <a:avLst/>
+          </a:prstGeom>
+          <a:noFill/>
+          <a:ln>
+            <a:noFill/>
+          </a:ln>
+        </p:spPr>
+      </p:pic>
+      <p:sp>
+        <p:nvSpPr>
+          <p:cNvPr id="10" name="Title 9">
+            <a:extLst>
+              <a:ext uri="{FF2B5EF4-FFF2-40B4-BE49-F238E27FC236}">
+                <a16:creationId xmlns:a16="http://schemas.microsoft.com/office/drawing/2014/main" id="{DC0317A5-0804-DEC0-A0B2-7FA44B657F48}"/>
+              </a:ext>
+            </a:extLst>
+          </p:cNvPr>
+          <p:cNvSpPr>
+            <a:spLocks noGrp="1"/>
+          </p:cNvSpPr>
+          <p:nvPr>
+            <p:ph type="title"/>
+          </p:nvPr>
+        </p:nvSpPr>
+        <p:spPr>
+          <a:xfrm>
+            <a:off x="1103587" y="324000"/>
+            <a:ext cx="7872248" cy="1072800"/>
+          </a:xfrm>
+          <a:prstGeom prst="rect">
+            <a:avLst/>
+          </a:prstGeom>
+        </p:spPr>
+        <p:txBody>
+          <a:bodyPr>
+            <a:normAutofit/>
+          </a:bodyPr>
+          <a:lstStyle>
+            <a:lvl1pPr algn="ctr">
+              <a:defRPr sz="5400" i="1">
+                <a:solidFill>
+                  <a:srgbClr val="A12626"/>
+                </a:solidFill>
+                <a:latin typeface="Liberation Serif" panose="02020603050405020304" pitchFamily="18" charset="0"/>
+              </a:defRPr>
+            </a:lvl1pPr>
+          </a:lstStyle>
+          <a:p>
+            <a:r>
+              <a:rPr lang="en-US" dirty="0"/>
+              <a:t>Click to edit Master title style</a:t>
+            </a:r>
+            <a:endParaRPr lang="en-GB" dirty="0"/>
+          </a:p>
+        </p:txBody>
+      </p:sp>
+      <p:sp>
+        <p:nvSpPr>
+          <p:cNvPr id="12" name="Content Placeholder 11">
+            <a:extLst>
+              <a:ext uri="{FF2B5EF4-FFF2-40B4-BE49-F238E27FC236}">
+                <a16:creationId xmlns:a16="http://schemas.microsoft.com/office/drawing/2014/main" id="{D6D033CF-A0AF-CB08-20C2-D6C335E4F15D}"/>
+              </a:ext>
+            </a:extLst>
+          </p:cNvPr>
+          <p:cNvSpPr>
+            <a:spLocks noGrp="1"/>
+          </p:cNvSpPr>
+          <p:nvPr>
+            <p:ph sz="quarter" idx="10" hasCustomPrompt="1"/>
+          </p:nvPr>
+        </p:nvSpPr>
+        <p:spPr>
+          <a:xfrm>
+            <a:off x="420688" y="1699014"/>
+            <a:ext cx="9153525" cy="4627563"/>
+          </a:xfrm>
+          <a:prstGeom prst="rect">
+            <a:avLst/>
+          </a:prstGeom>
+        </p:spPr>
+        <p:txBody>
+          <a:bodyPr anchor="ctr">
+            <a:normAutofit/>
+          </a:bodyPr>
+          <a:lstStyle>
+            <a:lvl1pPr marL="0" indent="0" algn="ctr">
+              <a:lnSpc>
+                <a:spcPct val="114000"/>
+              </a:lnSpc>
+              <a:buNone/>
+              <a:defRPr sz="2800">
+                <a:latin typeface="Arial Black" panose="020B0A04020102020204" pitchFamily="34" charset="0"/>
+              </a:defRPr>
+            </a:lvl1pPr>
+          </a:lstStyle>
+          <a:p>
+            <a:pPr lvl="0"/>
+            <a:r>
+              <a:rPr lang="en-GB" dirty="0"/>
+              <a:t>Object</a:t>
+            </a:r>
+          </a:p>
+        </p:txBody>
+      </p:sp>
+    </p:spTree>
+    <p:extLst>
+      <p:ext uri="{BB962C8B-B14F-4D97-AF65-F5344CB8AC3E}">
+        <p14:creationId xmlns:p14="http://schemas.microsoft.com/office/powerpoint/2010/main" val="1333808937"/>
+      </p:ext>
+    </p:extLst>
+  </p:cSld>
+  <p:clrMapOvr>
+    <a:masterClrMapping/>
+  </p:clrMapOvr>
+</p:sldLayout>
+</file>
+
+<file path=ppt/slideLayouts/slideLayout6.xml><?xml version="1.0" encoding="utf-8"?>
+<p:sldLayout xmlns:a="http://schemas.openxmlformats.org/drawingml/2006/main" xmlns:r="http://schemas.openxmlformats.org/officeDocument/2006/relationships" xmlns:p="http://schemas.openxmlformats.org/presentationml/2006/main" preserve="1" userDrawn="1">
+  <p:cSld name="6_Body">
+    <p:spTree>
+      <p:nvGrpSpPr>
+        <p:cNvPr id="1" name=""/>
+        <p:cNvGrpSpPr/>
+        <p:nvPr/>
+      </p:nvGrpSpPr>
+      <p:grpSpPr>
+        <a:xfrm>
+          <a:off x="0" y="0"/>
+          <a:ext cx="0" cy="0"/>
+          <a:chOff x="0" y="0"/>
+          <a:chExt cx="0" cy="0"/>
+        </a:xfrm>
+      </p:grpSpPr>
+      <p:pic>
+        <p:nvPicPr>
+          <p:cNvPr id="7" name="Google Shape;63;p14">
+            <a:extLst>
+              <a:ext uri="{FF2B5EF4-FFF2-40B4-BE49-F238E27FC236}">
+                <a16:creationId xmlns:a16="http://schemas.microsoft.com/office/drawing/2014/main" id="{4BDDCD2E-C110-130A-F43D-F350777AB57D}"/>
+              </a:ext>
+            </a:extLst>
+          </p:cNvPr>
+          <p:cNvPicPr>
+            <a:picLocks noChangeAspect="1"/>
+          </p:cNvPicPr>
+          <p:nvPr userDrawn="1"/>
+        </p:nvPicPr>
+        <p:blipFill>
+          <a:blip r:embed="rId2">
+            <a:lum/>
+            <a:alphaModFix/>
+          </a:blip>
+          <a:srcRect/>
+          <a:stretch>
+            <a:fillRect/>
+          </a:stretch>
+        </p:blipFill>
+        <p:spPr>
+          <a:xfrm>
+            <a:off x="4077000" y="6607440"/>
+            <a:ext cx="1925640" cy="1048319"/>
+          </a:xfrm>
+          <a:prstGeom prst="rect">
+            <a:avLst/>
+          </a:prstGeom>
+          <a:noFill/>
+          <a:ln>
+            <a:noFill/>
+          </a:ln>
+        </p:spPr>
+      </p:pic>
+      <p:pic>
+        <p:nvPicPr>
+          <p:cNvPr id="8" name="Google Shape;64;p14">
+            <a:extLst>
+              <a:ext uri="{FF2B5EF4-FFF2-40B4-BE49-F238E27FC236}">
+                <a16:creationId xmlns:a16="http://schemas.microsoft.com/office/drawing/2014/main" id="{47CF25F7-EC67-5146-2E3D-A7D3513D2EDB}"/>
+              </a:ext>
+            </a:extLst>
+          </p:cNvPr>
+          <p:cNvPicPr>
+            <a:picLocks noChangeAspect="1"/>
+          </p:cNvPicPr>
+          <p:nvPr userDrawn="1"/>
+        </p:nvPicPr>
+        <p:blipFill>
+          <a:blip r:embed="rId3">
+            <a:lum/>
+            <a:alphaModFix/>
+          </a:blip>
+          <a:srcRect/>
+          <a:stretch>
+            <a:fillRect/>
+          </a:stretch>
+        </p:blipFill>
+        <p:spPr>
+          <a:xfrm rot="10800000">
+            <a:off x="8795880" y="674640"/>
+            <a:ext cx="1283400" cy="116640"/>
+          </a:xfrm>
+          <a:prstGeom prst="rect">
+            <a:avLst/>
+          </a:prstGeom>
+          <a:noFill/>
+          <a:ln>
+            <a:noFill/>
+          </a:ln>
+        </p:spPr>
+      </p:pic>
+      <p:pic>
+        <p:nvPicPr>
+          <p:cNvPr id="9" name="Google Shape;65;p14">
+            <a:extLst>
+              <a:ext uri="{FF2B5EF4-FFF2-40B4-BE49-F238E27FC236}">
+                <a16:creationId xmlns:a16="http://schemas.microsoft.com/office/drawing/2014/main" id="{EB80B57C-7D09-1BFA-35ED-8CCE399CC78C}"/>
+              </a:ext>
+            </a:extLst>
+          </p:cNvPr>
+          <p:cNvPicPr>
+            <a:picLocks noChangeAspect="1"/>
+          </p:cNvPicPr>
+          <p:nvPr userDrawn="1"/>
+        </p:nvPicPr>
+        <p:blipFill>
+          <a:blip r:embed="rId3">
+            <a:lum/>
+            <a:alphaModFix/>
+          </a:blip>
+          <a:srcRect/>
+          <a:stretch>
+            <a:fillRect/>
+          </a:stretch>
+        </p:blipFill>
+        <p:spPr>
+          <a:xfrm>
+            <a:off x="83520" y="674640"/>
+            <a:ext cx="1283400" cy="116640"/>
+          </a:xfrm>
+          <a:prstGeom prst="rect">
+            <a:avLst/>
+          </a:prstGeom>
+          <a:noFill/>
+          <a:ln>
+            <a:noFill/>
+          </a:ln>
+        </p:spPr>
+      </p:pic>
+      <p:sp>
+        <p:nvSpPr>
+          <p:cNvPr id="12" name="Content Placeholder 11">
+            <a:extLst>
+              <a:ext uri="{FF2B5EF4-FFF2-40B4-BE49-F238E27FC236}">
+                <a16:creationId xmlns:a16="http://schemas.microsoft.com/office/drawing/2014/main" id="{D6D033CF-A0AF-CB08-20C2-D6C335E4F15D}"/>
+              </a:ext>
+            </a:extLst>
+          </p:cNvPr>
+          <p:cNvSpPr>
+            <a:spLocks noGrp="1"/>
+          </p:cNvSpPr>
+          <p:nvPr>
+            <p:ph sz="quarter" idx="10"/>
+          </p:nvPr>
+        </p:nvSpPr>
+        <p:spPr>
+          <a:xfrm>
+            <a:off x="463056" y="1879010"/>
+            <a:ext cx="9153525" cy="4627563"/>
+          </a:xfrm>
+          <a:prstGeom prst="rect">
+            <a:avLst/>
+          </a:prstGeom>
+        </p:spPr>
+        <p:txBody>
+          <a:bodyPr>
+            <a:normAutofit/>
+          </a:bodyPr>
+          <a:lstStyle>
+            <a:lvl1pPr marL="0" indent="0" algn="ctr">
+              <a:lnSpc>
+                <a:spcPct val="114000"/>
+              </a:lnSpc>
+              <a:spcBef>
+                <a:spcPts val="0"/>
+              </a:spcBef>
+              <a:spcAft>
+                <a:spcPts val="600"/>
+              </a:spcAft>
+              <a:buNone/>
+              <a:defRPr sz="100">
+                <a:latin typeface="Arial Black" panose="020B0A04020102020204" pitchFamily="34" charset="0"/>
+              </a:defRPr>
+            </a:lvl1pPr>
+          </a:lstStyle>
+          <a:p>
+            <a:pPr lvl="0"/>
+            <a:endParaRPr lang="en-GB" dirty="0"/>
+          </a:p>
+        </p:txBody>
+      </p:sp>
+      <p:sp>
+        <p:nvSpPr>
+          <p:cNvPr id="2" name="Title 1">
+            <a:extLst>
+              <a:ext uri="{FF2B5EF4-FFF2-40B4-BE49-F238E27FC236}">
+                <a16:creationId xmlns:a16="http://schemas.microsoft.com/office/drawing/2014/main" id="{AFF60CF1-AC12-B4B1-B8F2-36040BE65FD4}"/>
+              </a:ext>
+            </a:extLst>
+          </p:cNvPr>
+          <p:cNvSpPr>
+            <a:spLocks noGrp="1"/>
+          </p:cNvSpPr>
+          <p:nvPr>
+            <p:ph type="title" hasCustomPrompt="1"/>
+          </p:nvPr>
+        </p:nvSpPr>
+        <p:spPr>
+          <a:xfrm>
+            <a:off x="692550" y="185455"/>
+            <a:ext cx="8694539" cy="1072800"/>
+          </a:xfrm>
+          <a:prstGeom prst="rect">
+            <a:avLst/>
+          </a:prstGeom>
+        </p:spPr>
+        <p:txBody>
+          <a:bodyPr anchor="ctr">
+            <a:noAutofit/>
+          </a:bodyPr>
+          <a:lstStyle>
+            <a:lvl1pPr algn="ctr">
+              <a:defRPr sz="4000" i="1" kern="1200" dirty="0">
+                <a:solidFill>
+                  <a:srgbClr val="A12626"/>
+                </a:solidFill>
+                <a:latin typeface="Liberation Serif" panose="02020603050405020304" pitchFamily="18" charset="0"/>
+                <a:ea typeface="+mj-ea"/>
+                <a:cs typeface="+mj-cs"/>
+              </a:defRPr>
+            </a:lvl1pPr>
+          </a:lstStyle>
+          <a:p>
+            <a:r>
+              <a:rPr lang="en-US" sz="4000"/>
+              <a:t>Catechism</a:t>
+            </a:r>
+            <a:endParaRPr sz="4000" dirty="0"/>
+          </a:p>
+        </p:txBody>
+      </p:sp>
+    </p:spTree>
+    <p:extLst>
+      <p:ext uri="{BB962C8B-B14F-4D97-AF65-F5344CB8AC3E}">
+        <p14:creationId xmlns:p14="http://schemas.microsoft.com/office/powerpoint/2010/main" val="2618113799"/>
+      </p:ext>
+    </p:extLst>
+  </p:cSld>
+  <p:clrMapOvr>
+    <a:masterClrMapping/>
+  </p:clrMapOvr>
+</p:sldLayout>
+</file>
+
+<file path=ppt/slideLayouts/slideLayout7.xml><?xml version="1.0" encoding="utf-8"?>
+<p:sldLayout xmlns:a="http://schemas.openxmlformats.org/drawingml/2006/main" xmlns:r="http://schemas.openxmlformats.org/officeDocument/2006/relationships" xmlns:p="http://schemas.openxmlformats.org/presentationml/2006/main" preserve="1" userDrawn="1">
   <p:cSld name="Welcome">
     <p:spTree>
       <p:nvGrpSpPr>
@@ -3074,7 +4510,7 @@
 </p:sldLayout>
 </file>
 
-<file path=ppt/slideLayouts/slideLayout6.xml><?xml version="1.0" encoding="utf-8"?>
+<file path=ppt/slideLayouts/slideLayout8.xml><?xml version="1.0" encoding="utf-8"?>
 <p:sldLayout xmlns:a="http://schemas.openxmlformats.org/drawingml/2006/main" xmlns:r="http://schemas.openxmlformats.org/officeDocument/2006/relationships" xmlns:p="http://schemas.openxmlformats.org/presentationml/2006/main" preserve="1" userDrawn="1">
   <p:cSld name="Goodbye">
     <p:spTree>
@@ -3209,7 +4645,7 @@
 </p:sldLayout>
 </file>
 
-<file path=ppt/slideLayouts/slideLayout7.xml><?xml version="1.0" encoding="utf-8"?>
+<file path=ppt/slideLayouts/slideLayout9.xml><?xml version="1.0" encoding="utf-8"?>
 <p:sldLayout xmlns:a="http://schemas.openxmlformats.org/drawingml/2006/main" xmlns:r="http://schemas.openxmlformats.org/officeDocument/2006/relationships" xmlns:p="http://schemas.openxmlformats.org/presentationml/2006/main" type="twoObj" preserve="1">
   <p:cSld name="Two Content">
     <p:spTree>
@@ -3402,7 +4838,7 @@
           <a:p>
             <a:fld id="{407A8E6C-1DA0-4717-A5E3-C386A4062E60}" type="datetimeFigureOut">
               <a:rPr lang="en-GB" smtClean="0"/>
-              <a:t>19/01/2023</a:t>
+              <a:t>23/01/2023</a:t>
             </a:fld>
             <a:endParaRPr lang="en-GB"/>
           </a:p>
@@ -3470,562 +4906,6 @@
     <p:extLst>
       <p:ext uri="{BB962C8B-B14F-4D97-AF65-F5344CB8AC3E}">
         <p14:creationId xmlns:p14="http://schemas.microsoft.com/office/powerpoint/2010/main" val="141328812"/>
-      </p:ext>
-    </p:extLst>
-  </p:cSld>
-  <p:clrMapOvr>
-    <a:masterClrMapping/>
-  </p:clrMapOvr>
-</p:sldLayout>
-</file>
-
-<file path=ppt/slideLayouts/slideLayout8.xml><?xml version="1.0" encoding="utf-8"?>
-<p:sldLayout xmlns:a="http://schemas.openxmlformats.org/drawingml/2006/main" xmlns:r="http://schemas.openxmlformats.org/officeDocument/2006/relationships" xmlns:p="http://schemas.openxmlformats.org/presentationml/2006/main" type="twoTxTwoObj" preserve="1">
-  <p:cSld name="Comparison">
-    <p:spTree>
-      <p:nvGrpSpPr>
-        <p:cNvPr id="1" name=""/>
-        <p:cNvGrpSpPr/>
-        <p:nvPr/>
-      </p:nvGrpSpPr>
-      <p:grpSpPr>
-        <a:xfrm>
-          <a:off x="0" y="0"/>
-          <a:ext cx="0" cy="0"/>
-          <a:chOff x="0" y="0"/>
-          <a:chExt cx="0" cy="0"/>
-        </a:xfrm>
-      </p:grpSpPr>
-      <p:sp>
-        <p:nvSpPr>
-          <p:cNvPr id="2" name="Title 1"/>
-          <p:cNvSpPr>
-            <a:spLocks noGrp="1"/>
-          </p:cNvSpPr>
-          <p:nvPr>
-            <p:ph type="title"/>
-          </p:nvPr>
-        </p:nvSpPr>
-        <p:spPr>
-          <a:xfrm>
-            <a:off x="694356" y="402484"/>
-            <a:ext cx="8694539" cy="1461188"/>
-          </a:xfrm>
-          <a:prstGeom prst="rect">
-            <a:avLst/>
-          </a:prstGeom>
-        </p:spPr>
-        <p:txBody>
-          <a:bodyPr/>
-          <a:lstStyle/>
-          <a:p>
-            <a:r>
-              <a:rPr lang="en-US"/>
-              <a:t>Click to edit Master title style</a:t>
-            </a:r>
-            <a:endParaRPr lang="en-US" dirty="0"/>
-          </a:p>
-        </p:txBody>
-      </p:sp>
-      <p:sp>
-        <p:nvSpPr>
-          <p:cNvPr id="3" name="Text Placeholder 2"/>
-          <p:cNvSpPr>
-            <a:spLocks noGrp="1"/>
-          </p:cNvSpPr>
-          <p:nvPr>
-            <p:ph type="body" idx="1"/>
-          </p:nvPr>
-        </p:nvSpPr>
-        <p:spPr>
-          <a:xfrm>
-            <a:off x="694357" y="1853171"/>
-            <a:ext cx="4264576" cy="908210"/>
-          </a:xfrm>
-          <a:prstGeom prst="rect">
-            <a:avLst/>
-          </a:prstGeom>
-        </p:spPr>
-        <p:txBody>
-          <a:bodyPr anchor="b"/>
-          <a:lstStyle>
-            <a:lvl1pPr marL="0" indent="0">
-              <a:buNone/>
-              <a:defRPr sz="2646" b="1"/>
-            </a:lvl1pPr>
-            <a:lvl2pPr marL="503972" indent="0">
-              <a:buNone/>
-              <a:defRPr sz="2205" b="1"/>
-            </a:lvl2pPr>
-            <a:lvl3pPr marL="1007943" indent="0">
-              <a:buNone/>
-              <a:defRPr sz="1984" b="1"/>
-            </a:lvl3pPr>
-            <a:lvl4pPr marL="1511915" indent="0">
-              <a:buNone/>
-              <a:defRPr sz="1764" b="1"/>
-            </a:lvl4pPr>
-            <a:lvl5pPr marL="2015886" indent="0">
-              <a:buNone/>
-              <a:defRPr sz="1764" b="1"/>
-            </a:lvl5pPr>
-            <a:lvl6pPr marL="2519858" indent="0">
-              <a:buNone/>
-              <a:defRPr sz="1764" b="1"/>
-            </a:lvl6pPr>
-            <a:lvl7pPr marL="3023829" indent="0">
-              <a:buNone/>
-              <a:defRPr sz="1764" b="1"/>
-            </a:lvl7pPr>
-            <a:lvl8pPr marL="3527801" indent="0">
-              <a:buNone/>
-              <a:defRPr sz="1764" b="1"/>
-            </a:lvl8pPr>
-            <a:lvl9pPr marL="4031772" indent="0">
-              <a:buNone/>
-              <a:defRPr sz="1764" b="1"/>
-            </a:lvl9pPr>
-          </a:lstStyle>
-          <a:p>
-            <a:pPr lvl="0"/>
-            <a:r>
-              <a:rPr lang="en-US"/>
-              <a:t>Click to edit Master text styles</a:t>
-            </a:r>
-          </a:p>
-        </p:txBody>
-      </p:sp>
-      <p:sp>
-        <p:nvSpPr>
-          <p:cNvPr id="4" name="Content Placeholder 3"/>
-          <p:cNvSpPr>
-            <a:spLocks noGrp="1"/>
-          </p:cNvSpPr>
-          <p:nvPr>
-            <p:ph sz="half" idx="2"/>
-          </p:nvPr>
-        </p:nvSpPr>
-        <p:spPr>
-          <a:xfrm>
-            <a:off x="694357" y="2761381"/>
-            <a:ext cx="4264576" cy="4061576"/>
-          </a:xfrm>
-          <a:prstGeom prst="rect">
-            <a:avLst/>
-          </a:prstGeom>
-        </p:spPr>
-        <p:txBody>
-          <a:bodyPr/>
-          <a:lstStyle/>
-          <a:p>
-            <a:pPr lvl="0"/>
-            <a:r>
-              <a:rPr lang="en-US"/>
-              <a:t>Click to edit Master text styles</a:t>
-            </a:r>
-          </a:p>
-          <a:p>
-            <a:pPr lvl="1"/>
-            <a:r>
-              <a:rPr lang="en-US"/>
-              <a:t>Second level</a:t>
-            </a:r>
-          </a:p>
-          <a:p>
-            <a:pPr lvl="2"/>
-            <a:r>
-              <a:rPr lang="en-US"/>
-              <a:t>Third level</a:t>
-            </a:r>
-          </a:p>
-          <a:p>
-            <a:pPr lvl="3"/>
-            <a:r>
-              <a:rPr lang="en-US"/>
-              <a:t>Fourth level</a:t>
-            </a:r>
-          </a:p>
-          <a:p>
-            <a:pPr lvl="4"/>
-            <a:r>
-              <a:rPr lang="en-US"/>
-              <a:t>Fifth level</a:t>
-            </a:r>
-            <a:endParaRPr lang="en-US" dirty="0"/>
-          </a:p>
-        </p:txBody>
-      </p:sp>
-      <p:sp>
-        <p:nvSpPr>
-          <p:cNvPr id="5" name="Text Placeholder 4"/>
-          <p:cNvSpPr>
-            <a:spLocks noGrp="1"/>
-          </p:cNvSpPr>
-          <p:nvPr>
-            <p:ph type="body" sz="quarter" idx="3"/>
-          </p:nvPr>
-        </p:nvSpPr>
-        <p:spPr>
-          <a:xfrm>
-            <a:off x="5103317" y="1853171"/>
-            <a:ext cx="4285579" cy="908210"/>
-          </a:xfrm>
-          <a:prstGeom prst="rect">
-            <a:avLst/>
-          </a:prstGeom>
-        </p:spPr>
-        <p:txBody>
-          <a:bodyPr anchor="b"/>
-          <a:lstStyle>
-            <a:lvl1pPr marL="0" indent="0">
-              <a:buNone/>
-              <a:defRPr sz="2646" b="1"/>
-            </a:lvl1pPr>
-            <a:lvl2pPr marL="503972" indent="0">
-              <a:buNone/>
-              <a:defRPr sz="2205" b="1"/>
-            </a:lvl2pPr>
-            <a:lvl3pPr marL="1007943" indent="0">
-              <a:buNone/>
-              <a:defRPr sz="1984" b="1"/>
-            </a:lvl3pPr>
-            <a:lvl4pPr marL="1511915" indent="0">
-              <a:buNone/>
-              <a:defRPr sz="1764" b="1"/>
-            </a:lvl4pPr>
-            <a:lvl5pPr marL="2015886" indent="0">
-              <a:buNone/>
-              <a:defRPr sz="1764" b="1"/>
-            </a:lvl5pPr>
-            <a:lvl6pPr marL="2519858" indent="0">
-              <a:buNone/>
-              <a:defRPr sz="1764" b="1"/>
-            </a:lvl6pPr>
-            <a:lvl7pPr marL="3023829" indent="0">
-              <a:buNone/>
-              <a:defRPr sz="1764" b="1"/>
-            </a:lvl7pPr>
-            <a:lvl8pPr marL="3527801" indent="0">
-              <a:buNone/>
-              <a:defRPr sz="1764" b="1"/>
-            </a:lvl8pPr>
-            <a:lvl9pPr marL="4031772" indent="0">
-              <a:buNone/>
-              <a:defRPr sz="1764" b="1"/>
-            </a:lvl9pPr>
-          </a:lstStyle>
-          <a:p>
-            <a:pPr lvl="0"/>
-            <a:r>
-              <a:rPr lang="en-US"/>
-              <a:t>Click to edit Master text styles</a:t>
-            </a:r>
-          </a:p>
-        </p:txBody>
-      </p:sp>
-      <p:sp>
-        <p:nvSpPr>
-          <p:cNvPr id="6" name="Content Placeholder 5"/>
-          <p:cNvSpPr>
-            <a:spLocks noGrp="1"/>
-          </p:cNvSpPr>
-          <p:nvPr>
-            <p:ph sz="quarter" idx="4"/>
-          </p:nvPr>
-        </p:nvSpPr>
-        <p:spPr>
-          <a:xfrm>
-            <a:off x="5103317" y="2761381"/>
-            <a:ext cx="4285579" cy="4061576"/>
-          </a:xfrm>
-          <a:prstGeom prst="rect">
-            <a:avLst/>
-          </a:prstGeom>
-        </p:spPr>
-        <p:txBody>
-          <a:bodyPr/>
-          <a:lstStyle/>
-          <a:p>
-            <a:pPr lvl="0"/>
-            <a:r>
-              <a:rPr lang="en-US"/>
-              <a:t>Click to edit Master text styles</a:t>
-            </a:r>
-          </a:p>
-          <a:p>
-            <a:pPr lvl="1"/>
-            <a:r>
-              <a:rPr lang="en-US"/>
-              <a:t>Second level</a:t>
-            </a:r>
-          </a:p>
-          <a:p>
-            <a:pPr lvl="2"/>
-            <a:r>
-              <a:rPr lang="en-US"/>
-              <a:t>Third level</a:t>
-            </a:r>
-          </a:p>
-          <a:p>
-            <a:pPr lvl="3"/>
-            <a:r>
-              <a:rPr lang="en-US"/>
-              <a:t>Fourth level</a:t>
-            </a:r>
-          </a:p>
-          <a:p>
-            <a:pPr lvl="4"/>
-            <a:r>
-              <a:rPr lang="en-US"/>
-              <a:t>Fifth level</a:t>
-            </a:r>
-            <a:endParaRPr lang="en-US" dirty="0"/>
-          </a:p>
-        </p:txBody>
-      </p:sp>
-      <p:sp>
-        <p:nvSpPr>
-          <p:cNvPr id="7" name="Date Placeholder 6"/>
-          <p:cNvSpPr>
-            <a:spLocks noGrp="1"/>
-          </p:cNvSpPr>
-          <p:nvPr>
-            <p:ph type="dt" sz="half" idx="10"/>
-          </p:nvPr>
-        </p:nvSpPr>
-        <p:spPr>
-          <a:xfrm>
-            <a:off x="693043" y="7006700"/>
-            <a:ext cx="2268141" cy="402483"/>
-          </a:xfrm>
-          <a:prstGeom prst="rect">
-            <a:avLst/>
-          </a:prstGeom>
-        </p:spPr>
-        <p:txBody>
-          <a:bodyPr/>
-          <a:lstStyle/>
-          <a:p>
-            <a:fld id="{407A8E6C-1DA0-4717-A5E3-C386A4062E60}" type="datetimeFigureOut">
-              <a:rPr lang="en-GB" smtClean="0"/>
-              <a:t>19/01/2023</a:t>
-            </a:fld>
-            <a:endParaRPr lang="en-GB"/>
-          </a:p>
-        </p:txBody>
-      </p:sp>
-      <p:sp>
-        <p:nvSpPr>
-          <p:cNvPr id="8" name="Footer Placeholder 7"/>
-          <p:cNvSpPr>
-            <a:spLocks noGrp="1"/>
-          </p:cNvSpPr>
-          <p:nvPr>
-            <p:ph type="ftr" sz="quarter" idx="11"/>
-          </p:nvPr>
-        </p:nvSpPr>
-        <p:spPr>
-          <a:xfrm>
-            <a:off x="3339207" y="7006700"/>
-            <a:ext cx="3402211" cy="402483"/>
-          </a:xfrm>
-          <a:prstGeom prst="rect">
-            <a:avLst/>
-          </a:prstGeom>
-        </p:spPr>
-        <p:txBody>
-          <a:bodyPr/>
-          <a:lstStyle/>
-          <a:p>
-            <a:endParaRPr lang="en-GB"/>
-          </a:p>
-        </p:txBody>
-      </p:sp>
-      <p:sp>
-        <p:nvSpPr>
-          <p:cNvPr id="9" name="Slide Number Placeholder 8"/>
-          <p:cNvSpPr>
-            <a:spLocks noGrp="1"/>
-          </p:cNvSpPr>
-          <p:nvPr>
-            <p:ph type="sldNum" sz="quarter" idx="12"/>
-          </p:nvPr>
-        </p:nvSpPr>
-        <p:spPr>
-          <a:xfrm>
-            <a:off x="7119441" y="7006700"/>
-            <a:ext cx="2268141" cy="402483"/>
-          </a:xfrm>
-          <a:prstGeom prst="rect">
-            <a:avLst/>
-          </a:prstGeom>
-        </p:spPr>
-        <p:txBody>
-          <a:bodyPr/>
-          <a:lstStyle/>
-          <a:p>
-            <a:fld id="{5E1DF63A-F517-4EC1-8EC9-B9F264CF8A01}" type="slidenum">
-              <a:rPr lang="en-GB" smtClean="0"/>
-              <a:t>‹#›</a:t>
-            </a:fld>
-            <a:endParaRPr lang="en-GB"/>
-          </a:p>
-        </p:txBody>
-      </p:sp>
-    </p:spTree>
-    <p:extLst>
-      <p:ext uri="{BB962C8B-B14F-4D97-AF65-F5344CB8AC3E}">
-        <p14:creationId xmlns:p14="http://schemas.microsoft.com/office/powerpoint/2010/main" val="3940328690"/>
-      </p:ext>
-    </p:extLst>
-  </p:cSld>
-  <p:clrMapOvr>
-    <a:masterClrMapping/>
-  </p:clrMapOvr>
-</p:sldLayout>
-</file>
-
-<file path=ppt/slideLayouts/slideLayout9.xml><?xml version="1.0" encoding="utf-8"?>
-<p:sldLayout xmlns:a="http://schemas.openxmlformats.org/drawingml/2006/main" xmlns:r="http://schemas.openxmlformats.org/officeDocument/2006/relationships" xmlns:p="http://schemas.openxmlformats.org/presentationml/2006/main" type="titleOnly" preserve="1">
-  <p:cSld name="Title Only">
-    <p:spTree>
-      <p:nvGrpSpPr>
-        <p:cNvPr id="1" name=""/>
-        <p:cNvGrpSpPr/>
-        <p:nvPr/>
-      </p:nvGrpSpPr>
-      <p:grpSpPr>
-        <a:xfrm>
-          <a:off x="0" y="0"/>
-          <a:ext cx="0" cy="0"/>
-          <a:chOff x="0" y="0"/>
-          <a:chExt cx="0" cy="0"/>
-        </a:xfrm>
-      </p:grpSpPr>
-      <p:sp>
-        <p:nvSpPr>
-          <p:cNvPr id="2" name="Title 1"/>
-          <p:cNvSpPr>
-            <a:spLocks noGrp="1"/>
-          </p:cNvSpPr>
-          <p:nvPr>
-            <p:ph type="title"/>
-          </p:nvPr>
-        </p:nvSpPr>
-        <p:spPr>
-          <a:xfrm>
-            <a:off x="693043" y="402484"/>
-            <a:ext cx="8694539" cy="1461188"/>
-          </a:xfrm>
-          <a:prstGeom prst="rect">
-            <a:avLst/>
-          </a:prstGeom>
-        </p:spPr>
-        <p:txBody>
-          <a:bodyPr/>
-          <a:lstStyle/>
-          <a:p>
-            <a:r>
-              <a:rPr lang="en-US"/>
-              <a:t>Click to edit Master title style</a:t>
-            </a:r>
-            <a:endParaRPr lang="en-US" dirty="0"/>
-          </a:p>
-        </p:txBody>
-      </p:sp>
-      <p:sp>
-        <p:nvSpPr>
-          <p:cNvPr id="3" name="Date Placeholder 2"/>
-          <p:cNvSpPr>
-            <a:spLocks noGrp="1"/>
-          </p:cNvSpPr>
-          <p:nvPr>
-            <p:ph type="dt" sz="half" idx="10"/>
-          </p:nvPr>
-        </p:nvSpPr>
-        <p:spPr>
-          <a:xfrm>
-            <a:off x="693043" y="7006700"/>
-            <a:ext cx="2268141" cy="402483"/>
-          </a:xfrm>
-          <a:prstGeom prst="rect">
-            <a:avLst/>
-          </a:prstGeom>
-        </p:spPr>
-        <p:txBody>
-          <a:bodyPr/>
-          <a:lstStyle/>
-          <a:p>
-            <a:fld id="{407A8E6C-1DA0-4717-A5E3-C386A4062E60}" type="datetimeFigureOut">
-              <a:rPr lang="en-GB" smtClean="0"/>
-              <a:t>19/01/2023</a:t>
-            </a:fld>
-            <a:endParaRPr lang="en-GB"/>
-          </a:p>
-        </p:txBody>
-      </p:sp>
-      <p:sp>
-        <p:nvSpPr>
-          <p:cNvPr id="4" name="Footer Placeholder 3"/>
-          <p:cNvSpPr>
-            <a:spLocks noGrp="1"/>
-          </p:cNvSpPr>
-          <p:nvPr>
-            <p:ph type="ftr" sz="quarter" idx="11"/>
-          </p:nvPr>
-        </p:nvSpPr>
-        <p:spPr>
-          <a:xfrm>
-            <a:off x="3339207" y="7006700"/>
-            <a:ext cx="3402211" cy="402483"/>
-          </a:xfrm>
-          <a:prstGeom prst="rect">
-            <a:avLst/>
-          </a:prstGeom>
-        </p:spPr>
-        <p:txBody>
-          <a:bodyPr/>
-          <a:lstStyle/>
-          <a:p>
-            <a:endParaRPr lang="en-GB"/>
-          </a:p>
-        </p:txBody>
-      </p:sp>
-      <p:sp>
-        <p:nvSpPr>
-          <p:cNvPr id="5" name="Slide Number Placeholder 4"/>
-          <p:cNvSpPr>
-            <a:spLocks noGrp="1"/>
-          </p:cNvSpPr>
-          <p:nvPr>
-            <p:ph type="sldNum" sz="quarter" idx="12"/>
-          </p:nvPr>
-        </p:nvSpPr>
-        <p:spPr>
-          <a:xfrm>
-            <a:off x="7119441" y="7006700"/>
-            <a:ext cx="2268141" cy="402483"/>
-          </a:xfrm>
-          <a:prstGeom prst="rect">
-            <a:avLst/>
-          </a:prstGeom>
-        </p:spPr>
-        <p:txBody>
-          <a:bodyPr/>
-          <a:lstStyle/>
-          <a:p>
-            <a:fld id="{5E1DF63A-F517-4EC1-8EC9-B9F264CF8A01}" type="slidenum">
-              <a:rPr lang="en-GB" smtClean="0"/>
-              <a:t>‹#›</a:t>
-            </a:fld>
-            <a:endParaRPr lang="en-GB"/>
-          </a:p>
-        </p:txBody>
-      </p:sp>
-    </p:spTree>
-    <p:extLst>
-      <p:ext uri="{BB962C8B-B14F-4D97-AF65-F5344CB8AC3E}">
-        <p14:creationId xmlns:p14="http://schemas.microsoft.com/office/powerpoint/2010/main" val="3792480074"/>
       </p:ext>
     </p:extLst>
   </p:cSld>
@@ -4070,16 +4950,18 @@
     <p:sldLayoutId id="2147483672" r:id="rId2"/>
     <p:sldLayoutId id="2147483673" r:id="rId3"/>
     <p:sldLayoutId id="2147483674" r:id="rId4"/>
-    <p:sldLayoutId id="2147483662" r:id="rId5"/>
-    <p:sldLayoutId id="2147483663" r:id="rId6"/>
-    <p:sldLayoutId id="2147483664" r:id="rId7"/>
-    <p:sldLayoutId id="2147483665" r:id="rId8"/>
-    <p:sldLayoutId id="2147483666" r:id="rId9"/>
-    <p:sldLayoutId id="2147483667" r:id="rId10"/>
-    <p:sldLayoutId id="2147483668" r:id="rId11"/>
-    <p:sldLayoutId id="2147483669" r:id="rId12"/>
-    <p:sldLayoutId id="2147483670" r:id="rId13"/>
-    <p:sldLayoutId id="2147483671" r:id="rId14"/>
+    <p:sldLayoutId id="2147483675" r:id="rId5"/>
+    <p:sldLayoutId id="2147483677" r:id="rId6"/>
+    <p:sldLayoutId id="2147483662" r:id="rId7"/>
+    <p:sldLayoutId id="2147483663" r:id="rId8"/>
+    <p:sldLayoutId id="2147483664" r:id="rId9"/>
+    <p:sldLayoutId id="2147483665" r:id="rId10"/>
+    <p:sldLayoutId id="2147483666" r:id="rId11"/>
+    <p:sldLayoutId id="2147483667" r:id="rId12"/>
+    <p:sldLayoutId id="2147483668" r:id="rId13"/>
+    <p:sldLayoutId id="2147483669" r:id="rId14"/>
+    <p:sldLayoutId id="2147483670" r:id="rId15"/>
+    <p:sldLayoutId id="2147483671" r:id="rId16"/>
   </p:sldLayoutIdLst>
   <p:txStyles>
     <p:titleStyle>
@@ -4792,7 +5674,11 @@
         <p:txBody>
           <a:bodyPr/>
           <a:lstStyle/>
-          <a:p/>
+          <a:p>
+            <a:r>
+              <a:t>Psalm 91:1-10</a:t>
+            </a:r>
+          </a:p>
         </p:txBody>
       </p:sp>
       <p:sp>
@@ -4809,7 +5695,26 @@
         <p:txBody>
           <a:bodyPr/>
           <a:lstStyle/>
-          <a:p/>
+          <a:p>
+            <a:r>
+              <a:t>¹The one whose dwelling is with God Most High</a:t>
+            </a:r>
+          </a:p>
+          <a:p>
+            <a:r>
+              <a:t>In the Almighty’s shadow safe will rest.</a:t>
+            </a:r>
+          </a:p>
+          <a:p>
+            <a:r>
+              <a:t>²"He is my refuge," I say of the LORD,</a:t>
+            </a:r>
+          </a:p>
+          <a:p>
+            <a:r>
+              <a:t>"My fortress and my God; in him I trust."</a:t>
+            </a:r>
+          </a:p>
         </p:txBody>
       </p:sp>
       <p:sp>
@@ -4826,7 +5731,31 @@
         <p:txBody>
           <a:bodyPr/>
           <a:lstStyle/>
-          <a:p/>
+          <a:p>
+            <a:r>
+              <a:t>Words: Sing Psalms! © 2003 Free Church of Scotland</a:t>
+            </a:r>
+          </a:p>
+          <a:p>
+            <a:r>
+              <a:t>Composer: Walter Greatorex (1919)</a:t>
+            </a:r>
+          </a:p>
+          <a:p>
+            <a:r>
+              <a:t>Tune: WOODLANDS (Greatorex)</a:t>
+            </a:r>
+          </a:p>
+          <a:p>
+            <a:r>
+              <a:t>©: Public Domain</a:t>
+            </a:r>
+          </a:p>
+          <a:p>
+            <a:r>
+              <a:t>CCLI: 522221</a:t>
+            </a:r>
+          </a:p>
         </p:txBody>
       </p:sp>
       <p:sp>
@@ -4843,7 +5772,11 @@
         <p:txBody>
           <a:bodyPr/>
           <a:lstStyle/>
-          <a:p/>
+          <a:p>
+            <a:r>
+              <a:t>Meter: 10 10 10 10</a:t>
+            </a:r>
+          </a:p>
         </p:txBody>
       </p:sp>
     </p:spTree>
@@ -4878,7 +5811,11 @@
         <p:txBody>
           <a:bodyPr/>
           <a:lstStyle/>
-          <a:p/>
+          <a:p>
+            <a:r>
+              <a:t>Psalm 91:1-10</a:t>
+            </a:r>
+          </a:p>
         </p:txBody>
       </p:sp>
       <p:sp>
@@ -4895,7 +5832,26 @@
         <p:txBody>
           <a:bodyPr/>
           <a:lstStyle/>
-          <a:p/>
+          <a:p>
+            <a:r>
+              <a:t>³Surely he saves you from the fowler’s snare</a:t>
+            </a:r>
+          </a:p>
+          <a:p>
+            <a:r>
+              <a:t>And rescues you from deadly pestilence.</a:t>
+            </a:r>
+          </a:p>
+          <a:p>
+            <a:r>
+              <a:t>⁴Under his wings a refuge you will find;</a:t>
+            </a:r>
+          </a:p>
+          <a:p>
+            <a:r>
+              <a:t>His faithfulness will be your strong defence.</a:t>
+            </a:r>
+          </a:p>
         </p:txBody>
       </p:sp>
       <p:sp>
@@ -4912,7 +5868,52 @@
         <p:txBody>
           <a:bodyPr/>
           <a:lstStyle/>
-          <a:p/>
+          <a:p>
+            <a:r>
+              <a:t>Words: Sing Psalms! © 2003 Free Church of Scotland</a:t>
+            </a:r>
+          </a:p>
+          <a:p>
+            <a:r>
+              <a:t>Composer: Walter Greatorex (1919)</a:t>
+            </a:r>
+          </a:p>
+          <a:p>
+            <a:r>
+              <a:t>Tune: WOODLANDS (Greatorex)</a:t>
+            </a:r>
+          </a:p>
+          <a:p>
+            <a:r>
+              <a:t>©: Public Domain</a:t>
+            </a:r>
+          </a:p>
+          <a:p>
+            <a:r>
+              <a:t>CCLI: 522221</a:t>
+            </a:r>
+          </a:p>
+        </p:txBody>
+      </p:sp>
+      <p:sp>
+        <p:nvSpPr>
+          <p:cNvPr id="5" name="Text Placeholder 4"/>
+          <p:cNvSpPr>
+            <a:spLocks noGrp="1"/>
+          </p:cNvSpPr>
+          <p:nvPr>
+            <p:ph type="body" idx="12" sz="quarter"/>
+          </p:nvPr>
+        </p:nvSpPr>
+        <p:spPr/>
+        <p:txBody>
+          <a:bodyPr/>
+          <a:lstStyle/>
+          <a:p>
+            <a:r>
+              <a:t>Meter: 10 10 10 10</a:t>
+            </a:r>
+          </a:p>
         </p:txBody>
       </p:sp>
     </p:spTree>
@@ -4949,7 +5950,7 @@
           <a:lstStyle/>
           <a:p>
             <a:r>
-              <a:t>10 10 10 10</a:t>
+              <a:t>Psalm 91:1-10</a:t>
             </a:r>
           </a:p>
         </p:txBody>
@@ -4970,7 +5971,22 @@
           <a:lstStyle/>
           <a:p>
             <a:r>
-              <a:t>Not in Public Domain</a:t>
+              <a:t>⁵You will not fear the terror of the night,</a:t>
+            </a:r>
+          </a:p>
+          <a:p>
+            <a:r>
+              <a:t>Or dread the arrow flying in the day,</a:t>
+            </a:r>
+          </a:p>
+          <a:p>
+            <a:r>
+              <a:t>⁶Or pestilence that in the darkness stalks,</a:t>
+            </a:r>
+          </a:p>
+          <a:p>
+            <a:r>
+              <a:t>Or plague at noon that carries all away.</a:t>
             </a:r>
           </a:p>
         </p:txBody>
@@ -4991,7 +6007,48 @@
           <a:lstStyle/>
           <a:p>
             <a:r>
-              <a:t>Error</a:t>
+              <a:t>Words: Sing Psalms! © 2003 Free Church of Scotland</a:t>
+            </a:r>
+          </a:p>
+          <a:p>
+            <a:r>
+              <a:t>Composer: Walter Greatorex (1919)</a:t>
+            </a:r>
+          </a:p>
+          <a:p>
+            <a:r>
+              <a:t>Tune: WOODLANDS (Greatorex)</a:t>
+            </a:r>
+          </a:p>
+          <a:p>
+            <a:r>
+              <a:t>©: Public Domain</a:t>
+            </a:r>
+          </a:p>
+          <a:p>
+            <a:r>
+              <a:t>CCLI: 522221</a:t>
+            </a:r>
+          </a:p>
+        </p:txBody>
+      </p:sp>
+      <p:sp>
+        <p:nvSpPr>
+          <p:cNvPr id="5" name="Text Placeholder 4"/>
+          <p:cNvSpPr>
+            <a:spLocks noGrp="1"/>
+          </p:cNvSpPr>
+          <p:nvPr>
+            <p:ph type="body" idx="12" sz="quarter"/>
+          </p:nvPr>
+        </p:nvSpPr>
+        <p:spPr/>
+        <p:txBody>
+          <a:bodyPr/>
+          <a:lstStyle/>
+          <a:p>
+            <a:r>
+              <a:t>Meter: 10 10 10 10</a:t>
             </a:r>
           </a:p>
         </p:txBody>
@@ -5028,6 +6085,11 @@
         <p:txBody>
           <a:bodyPr/>
           <a:lstStyle/>
+          <a:p>
+            <a:r>
+              <a:t>Psalm 91:1-10</a:t>
+            </a:r>
+          </a:p>
         </p:txBody>
       </p:sp>
       <p:sp>
@@ -5046,7 +6108,22 @@
           <a:lstStyle/>
           <a:p>
             <a:r>
-              <a:t>Not in Public Domain</a:t>
+              <a:t>⁷No harm will touch you though a thousand fall,</a:t>
+            </a:r>
+          </a:p>
+          <a:p>
+            <a:r>
+              <a:t>Or yet ten thousand die at your right hand.</a:t>
+            </a:r>
+          </a:p>
+          <a:p>
+            <a:r>
+              <a:t>⁸Your eyes will then look on, and you will see</a:t>
+            </a:r>
+          </a:p>
+          <a:p>
+            <a:r>
+              <a:t>The wicked punished as their ways demand.</a:t>
             </a:r>
           </a:p>
         </p:txBody>
@@ -5067,27 +6144,48 @@
           <a:lstStyle/>
           <a:p>
             <a:r>
-              <a:t>Words: Stuart Townend (b. 1963)</a:t>
-            </a:r>
-          </a:p>
-          <a:p>
-            <a:r>
-              <a:t>Composer: Stuart Townend (b. 1963)</a:t>
-            </a:r>
-          </a:p>
-          <a:p>
-            <a:r>
-              <a:t>Tune: [There is a hope that burns within my heart]</a:t>
-            </a:r>
-          </a:p>
-          <a:p>
-            <a:r>
-              <a:t>©: © 2007, Administered by worshiptogether.com Songs excl. UK &amp; Europe, administered by Kingswaysongs, a division of David C Cook  Used by permission</a:t>
+              <a:t>Words: Sing Psalms! © 2003 Free Church of Scotland</a:t>
+            </a:r>
+          </a:p>
+          <a:p>
+            <a:r>
+              <a:t>Composer: Walter Greatorex (1919)</a:t>
+            </a:r>
+          </a:p>
+          <a:p>
+            <a:r>
+              <a:t>Tune: WOODLANDS (Greatorex)</a:t>
+            </a:r>
+          </a:p>
+          <a:p>
+            <a:r>
+              <a:t>©: Public Domain</a:t>
             </a:r>
           </a:p>
           <a:p>
             <a:r>
               <a:t>CCLI: 522221</a:t>
+            </a:r>
+          </a:p>
+        </p:txBody>
+      </p:sp>
+      <p:sp>
+        <p:nvSpPr>
+          <p:cNvPr id="5" name="Text Placeholder 4"/>
+          <p:cNvSpPr>
+            <a:spLocks noGrp="1"/>
+          </p:cNvSpPr>
+          <p:nvPr>
+            <p:ph type="body" idx="12" sz="quarter"/>
+          </p:nvPr>
+        </p:nvSpPr>
+        <p:spPr/>
+        <p:txBody>
+          <a:bodyPr/>
+          <a:lstStyle/>
+          <a:p>
+            <a:r>
+              <a:t>Meter: 10 10 10 10</a:t>
             </a:r>
           </a:p>
         </p:txBody>
@@ -5126,7 +6224,7 @@
           <a:lstStyle/>
           <a:p>
             <a:r>
-              <a:t>Apostles' Creed (180 AD)</a:t>
+              <a:t>Psalm 91:1-10</a:t>
             </a:r>
           </a:p>
         </p:txBody>
@@ -5145,25 +6243,86 @@
         <p:txBody>
           <a:bodyPr/>
           <a:lstStyle/>
-          <a:p/>
-          <a:p>
-            <a:r>
-              <a:rPr sz="2800">
-                <a:solidFill>
-                  <a:srgbClr val="A12626"/>
-                </a:solidFill>
-              </a:rPr>
-              <a:t>All. </a:t>
-            </a:r>
-            <a:r>
-              <a:rPr sz="2800">
-                <a:solidFill>
-                  <a:srgbClr val="000000"/>
-                </a:solidFill>
-              </a:rPr>
-              <a:t>I believe in God, the Father Almighty, Creator of heaven and earth.
-I believe in Jesus Christ, his only Son our Lord. He was conceived by the Holy Spirit and born of the virgin Mary.
-He suffered under Pontius Pilate, was crucified, died, and was buried. He descended to the dead.</a:t>
+          <a:p>
+            <a:r>
+              <a:t>⁹If you make God Most High your dwelling-place—</a:t>
+            </a:r>
+          </a:p>
+          <a:p>
+            <a:r>
+              <a:t>Even the LORD, who is my refuge sure—</a:t>
+            </a:r>
+          </a:p>
+          <a:p>
+            <a:r>
+              <a:t>¹⁰No evil then will ever fall on you,</a:t>
+            </a:r>
+          </a:p>
+          <a:p>
+            <a:r>
+              <a:t>Nor dire calamity come near your door.</a:t>
+            </a:r>
+          </a:p>
+        </p:txBody>
+      </p:sp>
+      <p:sp>
+        <p:nvSpPr>
+          <p:cNvPr id="4" name="Content Placeholder 3"/>
+          <p:cNvSpPr>
+            <a:spLocks noGrp="1"/>
+          </p:cNvSpPr>
+          <p:nvPr>
+            <p:ph idx="11" sz="quarter"/>
+          </p:nvPr>
+        </p:nvSpPr>
+        <p:spPr/>
+        <p:txBody>
+          <a:bodyPr/>
+          <a:lstStyle/>
+          <a:p>
+            <a:r>
+              <a:t>Words: Sing Psalms! © 2003 Free Church of Scotland</a:t>
+            </a:r>
+          </a:p>
+          <a:p>
+            <a:r>
+              <a:t>Composer: Walter Greatorex (1919)</a:t>
+            </a:r>
+          </a:p>
+          <a:p>
+            <a:r>
+              <a:t>Tune: WOODLANDS (Greatorex)</a:t>
+            </a:r>
+          </a:p>
+          <a:p>
+            <a:r>
+              <a:t>©: Public Domain</a:t>
+            </a:r>
+          </a:p>
+          <a:p>
+            <a:r>
+              <a:t>CCLI: 522221</a:t>
+            </a:r>
+          </a:p>
+        </p:txBody>
+      </p:sp>
+      <p:sp>
+        <p:nvSpPr>
+          <p:cNvPr id="5" name="Text Placeholder 4"/>
+          <p:cNvSpPr>
+            <a:spLocks noGrp="1"/>
+          </p:cNvSpPr>
+          <p:nvPr>
+            <p:ph type="body" idx="12" sz="quarter"/>
+          </p:nvPr>
+        </p:nvSpPr>
+        <p:spPr/>
+        <p:txBody>
+          <a:bodyPr/>
+          <a:lstStyle/>
+          <a:p>
+            <a:r>
+              <a:t>Meter: 10 10 10 10</a:t>
             </a:r>
           </a:p>
         </p:txBody>
@@ -5294,7 +6453,7 @@
           <a:lstStyle/>
           <a:p>
             <a:r>
-              <a:t>Apostles' Creed (180 AD)</a:t>
+              <a:t>First Reading</a:t>
             </a:r>
           </a:p>
         </p:txBody>
@@ -5313,27 +6472,15 @@
         <p:txBody>
           <a:bodyPr/>
           <a:lstStyle/>
+          <a:p>
+            <a:r>
+              <a:t>Luke 1:67-80</a:t>
+            </a:r>
+          </a:p>
           <a:p/>
           <a:p>
             <a:r>
-              <a:rPr sz="2800">
-                <a:solidFill>
-                  <a:srgbClr val="A12626"/>
-                </a:solidFill>
-              </a:rPr>
-              <a:t>All. </a:t>
-            </a:r>
-            <a:r>
-              <a:rPr sz="2800">
-                <a:solidFill>
-                  <a:srgbClr val="000000"/>
-                </a:solidFill>
-              </a:rPr>
-              <a:t>On the third day he rose again.
-He ascended into heaven,
-and sits at the right hand of the Father.
-From there he shall come again to judge the living and the dead.
-I believe in the Holy Spirit, the holy catholic church, the communion of saints, the forgiveness of sins, the resurrection of the body, and the life everlasting. Amen.</a:t>
+              <a:t>pg. X</a:t>
             </a:r>
           </a:p>
         </p:txBody>
@@ -5358,28 +6505,7 @@
       <p:grpSpPr/>
       <p:sp>
         <p:nvSpPr>
-          <p:cNvPr id="2" name="Title 1"/>
-          <p:cNvSpPr>
-            <a:spLocks noGrp="1"/>
-          </p:cNvSpPr>
-          <p:nvPr>
-            <p:ph type="title"/>
-          </p:nvPr>
-        </p:nvSpPr>
-        <p:spPr/>
-        <p:txBody>
-          <a:bodyPr/>
-          <a:lstStyle/>
-          <a:p>
-            <a:r>
-              <a:t>Prayers of Intercession</a:t>
-            </a:r>
-          </a:p>
-        </p:txBody>
-      </p:sp>
-      <p:sp>
-        <p:nvSpPr>
-          <p:cNvPr id="3" name="Content Placeholder 2"/>
+          <p:cNvPr id="2" name="Content Placeholder 1"/>
           <p:cNvSpPr>
             <a:spLocks noGrp="1"/>
           </p:cNvSpPr>
@@ -5399,7 +6525,7 @@
                   <a:srgbClr val="A12626"/>
                 </a:solidFill>
               </a:rPr>
-              <a:t>E </a:t>
+              <a:t>How doth Christ execute the office of a king? </a:t>
             </a:r>
             <a:r>
               <a:rPr sz="2800">
@@ -5407,7 +6533,718 @@
                   <a:srgbClr val="000000"/>
                 </a:solidFill>
               </a:rPr>
-              <a:t>r</a:t>
+              <a:t>
+Christ executeth the office of a king, in subduing us to himself, in ruling and defending us, and in restraining and conquering all his and our enemies.</a:t>
+            </a:r>
+          </a:p>
+        </p:txBody>
+      </p:sp>
+      <p:sp>
+        <p:nvSpPr>
+          <p:cNvPr id="3" name="Title 2"/>
+          <p:cNvSpPr>
+            <a:spLocks noGrp="1"/>
+          </p:cNvSpPr>
+          <p:nvPr>
+            <p:ph type="title"/>
+          </p:nvPr>
+        </p:nvSpPr>
+        <p:spPr/>
+        <p:txBody>
+          <a:bodyPr/>
+          <a:lstStyle/>
+          <a:p>
+            <a:r>
+              <a:t>Westminster Shorter Catechism 26</a:t>
+            </a:r>
+          </a:p>
+        </p:txBody>
+      </p:sp>
+    </p:spTree>
+  </p:cSld>
+  <p:clrMapOvr>
+    <a:masterClrMapping/>
+  </p:clrMapOvr>
+</p:sld>
+</file>
+
+<file path=ppt/slides/slide22.xml><?xml version="1.0" encoding="utf-8"?>
+<p:sld xmlns:a="http://schemas.openxmlformats.org/drawingml/2006/main" xmlns:p="http://schemas.openxmlformats.org/presentationml/2006/main" xmlns:r="http://schemas.openxmlformats.org/officeDocument/2006/relationships">
+  <p:cSld>
+    <p:spTree>
+      <p:nvGrpSpPr>
+        <p:cNvPr id="1" name=""/>
+        <p:cNvGrpSpPr/>
+        <p:nvPr/>
+      </p:nvGrpSpPr>
+      <p:grpSpPr/>
+      <p:sp>
+        <p:nvSpPr>
+          <p:cNvPr id="2" name="Content Placeholder 1"/>
+          <p:cNvSpPr>
+            <a:spLocks noGrp="1"/>
+          </p:cNvSpPr>
+          <p:nvPr>
+            <p:ph idx="10" sz="quarter"/>
+          </p:nvPr>
+        </p:nvSpPr>
+        <p:spPr/>
+        <p:txBody>
+          <a:bodyPr/>
+          <a:lstStyle/>
+          <a:p/>
+          <a:p>
+            <a:r>
+              <a:rPr sz="2800">
+                <a:solidFill>
+                  <a:srgbClr val="A12626"/>
+                </a:solidFill>
+              </a:rPr>
+              <a:t>Wherein did Christ's humiliation consist? </a:t>
+            </a:r>
+            <a:r>
+              <a:rPr sz="2800">
+                <a:solidFill>
+                  <a:srgbClr val="000000"/>
+                </a:solidFill>
+              </a:rPr>
+              <a:t>
+Christ's humiliation consisted in his being born, and that in a low condition, made under the law, undergoing the miseries of this life, the wrath of God, and the cursed death of the cross; in being buried, and continuing under the power of death for a time.</a:t>
+            </a:r>
+          </a:p>
+        </p:txBody>
+      </p:sp>
+      <p:sp>
+        <p:nvSpPr>
+          <p:cNvPr id="3" name="Title 2"/>
+          <p:cNvSpPr>
+            <a:spLocks noGrp="1"/>
+          </p:cNvSpPr>
+          <p:nvPr>
+            <p:ph type="title"/>
+          </p:nvPr>
+        </p:nvSpPr>
+        <p:spPr/>
+        <p:txBody>
+          <a:bodyPr/>
+          <a:lstStyle/>
+          <a:p>
+            <a:r>
+              <a:t>Westminster Shorter Catechism 27</a:t>
+            </a:r>
+          </a:p>
+        </p:txBody>
+      </p:sp>
+    </p:spTree>
+  </p:cSld>
+  <p:clrMapOvr>
+    <a:masterClrMapping/>
+  </p:clrMapOvr>
+</p:sld>
+</file>
+
+<file path=ppt/slides/slide23.xml><?xml version="1.0" encoding="utf-8"?>
+<p:sld xmlns:a="http://schemas.openxmlformats.org/drawingml/2006/main" xmlns:p="http://schemas.openxmlformats.org/presentationml/2006/main" xmlns:r="http://schemas.openxmlformats.org/officeDocument/2006/relationships">
+  <p:cSld>
+    <p:spTree>
+      <p:nvGrpSpPr>
+        <p:cNvPr id="1" name=""/>
+        <p:cNvGrpSpPr/>
+        <p:nvPr/>
+      </p:nvGrpSpPr>
+      <p:grpSpPr/>
+      <p:sp>
+        <p:nvSpPr>
+          <p:cNvPr id="2" name="Title 1"/>
+          <p:cNvSpPr>
+            <a:spLocks noGrp="1"/>
+          </p:cNvSpPr>
+          <p:nvPr>
+            <p:ph type="title"/>
+          </p:nvPr>
+        </p:nvSpPr>
+        <p:spPr/>
+        <p:txBody>
+          <a:bodyPr/>
+          <a:lstStyle/>
+        </p:txBody>
+      </p:sp>
+      <p:sp>
+        <p:nvSpPr>
+          <p:cNvPr id="3" name="Content Placeholder 2"/>
+          <p:cNvSpPr>
+            <a:spLocks noGrp="1"/>
+          </p:cNvSpPr>
+          <p:nvPr>
+            <p:ph idx="10" sz="quarter"/>
+          </p:nvPr>
+        </p:nvSpPr>
+        <p:spPr/>
+        <p:txBody>
+          <a:bodyPr/>
+          <a:lstStyle/>
+          <a:p>
+            <a:r>
+              <a:t>Not in Public Domain</a:t>
+            </a:r>
+          </a:p>
+        </p:txBody>
+      </p:sp>
+      <p:sp>
+        <p:nvSpPr>
+          <p:cNvPr id="4" name="Content Placeholder 3"/>
+          <p:cNvSpPr>
+            <a:spLocks noGrp="1"/>
+          </p:cNvSpPr>
+          <p:nvPr>
+            <p:ph idx="11" sz="quarter"/>
+          </p:nvPr>
+        </p:nvSpPr>
+        <p:spPr/>
+        <p:txBody>
+          <a:bodyPr/>
+          <a:lstStyle/>
+          <a:p>
+            <a:r>
+              <a:t>Words: Stuart Townend (b. 1963)</a:t>
+            </a:r>
+          </a:p>
+          <a:p>
+            <a:r>
+              <a:t>Composer: Stuart Townend (b. 1963)</a:t>
+            </a:r>
+          </a:p>
+          <a:p>
+            <a:r>
+              <a:t>Tune: [There is a hope that burns within my heart]</a:t>
+            </a:r>
+          </a:p>
+          <a:p>
+            <a:r>
+              <a:t>©: © 2007, Administered by worshiptogether.com Songs excl. UK &amp; Europe, administered by Kingswaysongs, a division of David C Cook  Used by permission</a:t>
+            </a:r>
+          </a:p>
+          <a:p>
+            <a:r>
+              <a:t>CCLI: 522221</a:t>
+            </a:r>
+          </a:p>
+        </p:txBody>
+      </p:sp>
+    </p:spTree>
+  </p:cSld>
+  <p:clrMapOvr>
+    <a:masterClrMapping/>
+  </p:clrMapOvr>
+</p:sld>
+</file>
+
+<file path=ppt/slides/slide24.xml><?xml version="1.0" encoding="utf-8"?>
+<p:sld xmlns:a="http://schemas.openxmlformats.org/drawingml/2006/main" xmlns:p="http://schemas.openxmlformats.org/presentationml/2006/main" xmlns:r="http://schemas.openxmlformats.org/officeDocument/2006/relationships">
+  <p:cSld>
+    <p:spTree>
+      <p:nvGrpSpPr>
+        <p:cNvPr id="1" name=""/>
+        <p:cNvGrpSpPr/>
+        <p:nvPr/>
+      </p:nvGrpSpPr>
+      <p:grpSpPr/>
+      <p:sp>
+        <p:nvSpPr>
+          <p:cNvPr id="2" name="Title 1"/>
+          <p:cNvSpPr>
+            <a:spLocks noGrp="1"/>
+          </p:cNvSpPr>
+          <p:nvPr>
+            <p:ph type="title"/>
+          </p:nvPr>
+        </p:nvSpPr>
+        <p:spPr/>
+        <p:txBody>
+          <a:bodyPr/>
+          <a:lstStyle/>
+          <a:p>
+            <a:r>
+              <a:t>Second Reading</a:t>
+            </a:r>
+          </a:p>
+        </p:txBody>
+      </p:sp>
+      <p:sp>
+        <p:nvSpPr>
+          <p:cNvPr id="3" name="Content Placeholder 2"/>
+          <p:cNvSpPr>
+            <a:spLocks noGrp="1"/>
+          </p:cNvSpPr>
+          <p:nvPr>
+            <p:ph idx="10" sz="quarter"/>
+          </p:nvPr>
+        </p:nvSpPr>
+        <p:spPr/>
+        <p:txBody>
+          <a:bodyPr/>
+          <a:lstStyle/>
+          <a:p>
+            <a:r>
+              <a:t>Jeremiah 29:1-14</a:t>
+            </a:r>
+          </a:p>
+          <a:p/>
+          <a:p>
+            <a:r>
+              <a:t>pg. X</a:t>
+            </a:r>
+          </a:p>
+        </p:txBody>
+      </p:sp>
+    </p:spTree>
+  </p:cSld>
+  <p:clrMapOvr>
+    <a:masterClrMapping/>
+  </p:clrMapOvr>
+</p:sld>
+</file>
+
+<file path=ppt/slides/slide25.xml><?xml version="1.0" encoding="utf-8"?>
+<p:sld xmlns:a="http://schemas.openxmlformats.org/drawingml/2006/main" xmlns:p="http://schemas.openxmlformats.org/presentationml/2006/main" xmlns:r="http://schemas.openxmlformats.org/officeDocument/2006/relationships">
+  <p:cSld>
+    <p:spTree>
+      <p:nvGrpSpPr>
+        <p:cNvPr id="1" name=""/>
+        <p:cNvGrpSpPr/>
+        <p:nvPr/>
+      </p:nvGrpSpPr>
+      <p:grpSpPr/>
+      <p:sp>
+        <p:nvSpPr>
+          <p:cNvPr id="2" name="Title 1"/>
+          <p:cNvSpPr>
+            <a:spLocks noGrp="1"/>
+          </p:cNvSpPr>
+          <p:nvPr>
+            <p:ph type="title"/>
+          </p:nvPr>
+        </p:nvSpPr>
+        <p:spPr/>
+        <p:txBody>
+          <a:bodyPr/>
+          <a:lstStyle/>
+          <a:p>
+            <a:r>
+              <a:t>Apostles' Creed (180 AD)</a:t>
+            </a:r>
+          </a:p>
+        </p:txBody>
+      </p:sp>
+      <p:sp>
+        <p:nvSpPr>
+          <p:cNvPr id="3" name="Content Placeholder 2"/>
+          <p:cNvSpPr>
+            <a:spLocks noGrp="1"/>
+          </p:cNvSpPr>
+          <p:nvPr>
+            <p:ph idx="10" sz="quarter"/>
+          </p:nvPr>
+        </p:nvSpPr>
+        <p:spPr/>
+        <p:txBody>
+          <a:bodyPr/>
+          <a:lstStyle/>
+          <a:p/>
+          <a:p>
+            <a:r>
+              <a:rPr sz="2800">
+                <a:solidFill>
+                  <a:srgbClr val="A12626"/>
+                </a:solidFill>
+              </a:rPr>
+              <a:t>All. </a:t>
+            </a:r>
+            <a:r>
+              <a:rPr sz="2800">
+                <a:solidFill>
+                  <a:srgbClr val="000000"/>
+                </a:solidFill>
+              </a:rPr>
+              <a:t>I believe in God, the Father Almighty, Creator of heaven and earth.
+I believe in Jesus Christ, his only Son our Lord. He was conceived by the Holy Spirit and born of the virgin Mary.
+He suffered under Pontius Pilate, was crucified, died, and was buried. He descended to the dead.</a:t>
+            </a:r>
+          </a:p>
+        </p:txBody>
+      </p:sp>
+    </p:spTree>
+  </p:cSld>
+  <p:clrMapOvr>
+    <a:masterClrMapping/>
+  </p:clrMapOvr>
+</p:sld>
+</file>
+
+<file path=ppt/slides/slide26.xml><?xml version="1.0" encoding="utf-8"?>
+<p:sld xmlns:a="http://schemas.openxmlformats.org/drawingml/2006/main" xmlns:p="http://schemas.openxmlformats.org/presentationml/2006/main" xmlns:r="http://schemas.openxmlformats.org/officeDocument/2006/relationships">
+  <p:cSld>
+    <p:spTree>
+      <p:nvGrpSpPr>
+        <p:cNvPr id="1" name=""/>
+        <p:cNvGrpSpPr/>
+        <p:nvPr/>
+      </p:nvGrpSpPr>
+      <p:grpSpPr/>
+      <p:sp>
+        <p:nvSpPr>
+          <p:cNvPr id="2" name="Title 1"/>
+          <p:cNvSpPr>
+            <a:spLocks noGrp="1"/>
+          </p:cNvSpPr>
+          <p:nvPr>
+            <p:ph type="title"/>
+          </p:nvPr>
+        </p:nvSpPr>
+        <p:spPr/>
+        <p:txBody>
+          <a:bodyPr/>
+          <a:lstStyle/>
+          <a:p>
+            <a:r>
+              <a:t>Apostles' Creed (180 AD)</a:t>
+            </a:r>
+          </a:p>
+        </p:txBody>
+      </p:sp>
+      <p:sp>
+        <p:nvSpPr>
+          <p:cNvPr id="3" name="Content Placeholder 2"/>
+          <p:cNvSpPr>
+            <a:spLocks noGrp="1"/>
+          </p:cNvSpPr>
+          <p:nvPr>
+            <p:ph idx="10" sz="quarter"/>
+          </p:nvPr>
+        </p:nvSpPr>
+        <p:spPr/>
+        <p:txBody>
+          <a:bodyPr/>
+          <a:lstStyle/>
+          <a:p/>
+          <a:p>
+            <a:r>
+              <a:rPr sz="2800">
+                <a:solidFill>
+                  <a:srgbClr val="A12626"/>
+                </a:solidFill>
+              </a:rPr>
+              <a:t>All. </a:t>
+            </a:r>
+            <a:r>
+              <a:rPr sz="2800">
+                <a:solidFill>
+                  <a:srgbClr val="000000"/>
+                </a:solidFill>
+              </a:rPr>
+              <a:t>On the third day he rose again.
+He ascended into heaven,
+and sits at the right hand of the Father.
+From there he shall come again to judge the living and the dead.
+I believe in the Holy Spirit, the holy catholic church, the communion of saints, the forgiveness of sins, the resurrection of the body, and the life everlasting. Amen.</a:t>
+            </a:r>
+          </a:p>
+        </p:txBody>
+      </p:sp>
+    </p:spTree>
+  </p:cSld>
+  <p:clrMapOvr>
+    <a:masterClrMapping/>
+  </p:clrMapOvr>
+</p:sld>
+</file>
+
+<file path=ppt/slides/slide27.xml><?xml version="1.0" encoding="utf-8"?>
+<p:sld xmlns:a="http://schemas.openxmlformats.org/drawingml/2006/main" xmlns:p="http://schemas.openxmlformats.org/presentationml/2006/main" xmlns:r="http://schemas.openxmlformats.org/officeDocument/2006/relationships">
+  <p:cSld>
+    <p:spTree>
+      <p:nvGrpSpPr>
+        <p:cNvPr id="1" name=""/>
+        <p:cNvGrpSpPr/>
+        <p:nvPr/>
+      </p:nvGrpSpPr>
+      <p:grpSpPr/>
+      <p:sp>
+        <p:nvSpPr>
+          <p:cNvPr id="2" name="Title 1"/>
+          <p:cNvSpPr>
+            <a:spLocks noGrp="1"/>
+          </p:cNvSpPr>
+          <p:nvPr>
+            <p:ph type="title"/>
+          </p:nvPr>
+        </p:nvSpPr>
+        <p:spPr/>
+        <p:txBody>
+          <a:bodyPr/>
+          <a:lstStyle/>
+          <a:p>
+            <a:r>
+              <a:t>Prayers of Intercession</a:t>
+            </a:r>
+          </a:p>
+        </p:txBody>
+      </p:sp>
+      <p:sp>
+        <p:nvSpPr>
+          <p:cNvPr id="3" name="Content Placeholder 2"/>
+          <p:cNvSpPr>
+            <a:spLocks noGrp="1"/>
+          </p:cNvSpPr>
+          <p:nvPr>
+            <p:ph idx="10" sz="quarter"/>
+          </p:nvPr>
+        </p:nvSpPr>
+        <p:spPr/>
+        <p:txBody>
+          <a:bodyPr/>
+          <a:lstStyle/>
+          <a:p/>
+        </p:txBody>
+      </p:sp>
+    </p:spTree>
+  </p:cSld>
+  <p:clrMapOvr>
+    <a:masterClrMapping/>
+  </p:clrMapOvr>
+</p:sld>
+</file>
+
+<file path=ppt/slides/slide28.xml><?xml version="1.0" encoding="utf-8"?>
+<p:sld xmlns:a="http://schemas.openxmlformats.org/drawingml/2006/main" xmlns:p="http://schemas.openxmlformats.org/presentationml/2006/main" xmlns:r="http://schemas.openxmlformats.org/officeDocument/2006/relationships">
+  <p:cSld>
+    <p:spTree>
+      <p:nvGrpSpPr>
+        <p:cNvPr id="1" name=""/>
+        <p:cNvGrpSpPr/>
+        <p:nvPr/>
+      </p:nvGrpSpPr>
+      <p:grpSpPr/>
+      <p:sp>
+        <p:nvSpPr>
+          <p:cNvPr id="2" name="Title 1"/>
+          <p:cNvSpPr>
+            <a:spLocks noGrp="1"/>
+          </p:cNvSpPr>
+          <p:nvPr>
+            <p:ph type="title"/>
+          </p:nvPr>
+        </p:nvSpPr>
+        <p:spPr/>
+        <p:txBody>
+          <a:bodyPr/>
+          <a:lstStyle/>
+          <a:p>
+            <a:r>
+              <a:t>Glory be to God the Father!</a:t>
+            </a:r>
+          </a:p>
+        </p:txBody>
+      </p:sp>
+      <p:sp>
+        <p:nvSpPr>
+          <p:cNvPr id="3" name="Content Placeholder 2"/>
+          <p:cNvSpPr>
+            <a:spLocks noGrp="1"/>
+          </p:cNvSpPr>
+          <p:nvPr>
+            <p:ph idx="10" sz="quarter"/>
+          </p:nvPr>
+        </p:nvSpPr>
+        <p:spPr/>
+        <p:txBody>
+          <a:bodyPr/>
+          <a:lstStyle/>
+          <a:p>
+            <a:r>
+              <a:t>Glory be to God the Father,_x000D_</a:t>
+            </a:r>
+          </a:p>
+          <a:p>
+            <a:r>
+              <a:t>glory be to God the Son,_x000D_</a:t>
+            </a:r>
+          </a:p>
+          <a:p>
+            <a:r>
+              <a:t>glory be to God the Spirit:_x000D_</a:t>
+            </a:r>
+          </a:p>
+          <a:p>
+            <a:r>
+              <a:t>great Jehovah, Three in One!_x000D_</a:t>
+            </a:r>
+          </a:p>
+          <a:p>
+            <a:r>
+              <a:t>Glory, glory while eternal ages run! </a:t>
+            </a:r>
+          </a:p>
+        </p:txBody>
+      </p:sp>
+      <p:sp>
+        <p:nvSpPr>
+          <p:cNvPr id="4" name="Content Placeholder 3"/>
+          <p:cNvSpPr>
+            <a:spLocks noGrp="1"/>
+          </p:cNvSpPr>
+          <p:nvPr>
+            <p:ph idx="11" sz="quarter"/>
+          </p:nvPr>
+        </p:nvSpPr>
+        <p:spPr/>
+        <p:txBody>
+          <a:bodyPr/>
+          <a:lstStyle/>
+          <a:p>
+            <a:r>
+              <a:t>Words: Horatius Bonar (1866)</a:t>
+            </a:r>
+          </a:p>
+          <a:p>
+            <a:r>
+              <a:t>Composer: Henry Thomas Smart (1866)</a:t>
+            </a:r>
+          </a:p>
+          <a:p>
+            <a:r>
+              <a:t>Tune: REGENT SQUARE (Smart)</a:t>
+            </a:r>
+          </a:p>
+          <a:p>
+            <a:r>
+              <a:t>©: Public Domain</a:t>
+            </a:r>
+          </a:p>
+          <a:p>
+            <a:r>
+              <a:t>CCLI: 522221</a:t>
+            </a:r>
+          </a:p>
+        </p:txBody>
+      </p:sp>
+    </p:spTree>
+  </p:cSld>
+  <p:clrMapOvr>
+    <a:masterClrMapping/>
+  </p:clrMapOvr>
+</p:sld>
+</file>
+
+<file path=ppt/slides/slide29.xml><?xml version="1.0" encoding="utf-8"?>
+<p:sld xmlns:a="http://schemas.openxmlformats.org/drawingml/2006/main" xmlns:p="http://schemas.openxmlformats.org/presentationml/2006/main" xmlns:r="http://schemas.openxmlformats.org/officeDocument/2006/relationships">
+  <p:cSld>
+    <p:spTree>
+      <p:nvGrpSpPr>
+        <p:cNvPr id="1" name=""/>
+        <p:cNvGrpSpPr/>
+        <p:nvPr/>
+      </p:nvGrpSpPr>
+      <p:grpSpPr/>
+      <p:sp>
+        <p:nvSpPr>
+          <p:cNvPr id="2" name="Title 1"/>
+          <p:cNvSpPr>
+            <a:spLocks noGrp="1"/>
+          </p:cNvSpPr>
+          <p:nvPr>
+            <p:ph type="title"/>
+          </p:nvPr>
+        </p:nvSpPr>
+        <p:spPr/>
+        <p:txBody>
+          <a:bodyPr/>
+          <a:lstStyle/>
+          <a:p>
+            <a:r>
+              <a:t>Glory be to God the Father!</a:t>
+            </a:r>
+          </a:p>
+        </p:txBody>
+      </p:sp>
+      <p:sp>
+        <p:nvSpPr>
+          <p:cNvPr id="3" name="Content Placeholder 2"/>
+          <p:cNvSpPr>
+            <a:spLocks noGrp="1"/>
+          </p:cNvSpPr>
+          <p:nvPr>
+            <p:ph idx="10" sz="quarter"/>
+          </p:nvPr>
+        </p:nvSpPr>
+        <p:spPr/>
+        <p:txBody>
+          <a:bodyPr/>
+          <a:lstStyle/>
+          <a:p>
+            <a:r>
+              <a:t>Glory be to him who loved us,_x000D_</a:t>
+            </a:r>
+          </a:p>
+          <a:p>
+            <a:r>
+              <a:t>washed us from each spot and stain;_x000D_</a:t>
+            </a:r>
+          </a:p>
+          <a:p>
+            <a:r>
+              <a:t>glory be to him who bought us,_x000D_</a:t>
+            </a:r>
+          </a:p>
+          <a:p>
+            <a:r>
+              <a:t>made us kings with him to reign!_x000D_</a:t>
+            </a:r>
+          </a:p>
+          <a:p>
+            <a:r>
+              <a:t>Glory, glory to the Lamb that once was slain! </a:t>
+            </a:r>
+          </a:p>
+        </p:txBody>
+      </p:sp>
+      <p:sp>
+        <p:nvSpPr>
+          <p:cNvPr id="4" name="Content Placeholder 3"/>
+          <p:cNvSpPr>
+            <a:spLocks noGrp="1"/>
+          </p:cNvSpPr>
+          <p:nvPr>
+            <p:ph idx="11" sz="quarter"/>
+          </p:nvPr>
+        </p:nvSpPr>
+        <p:spPr/>
+        <p:txBody>
+          <a:bodyPr/>
+          <a:lstStyle/>
+          <a:p>
+            <a:r>
+              <a:t>Words: Horatius Bonar (1866)</a:t>
+            </a:r>
+          </a:p>
+          <a:p>
+            <a:r>
+              <a:t>Composer: Henry Thomas Smart (1866)</a:t>
+            </a:r>
+          </a:p>
+          <a:p>
+            <a:r>
+              <a:t>Tune: REGENT SQUARE (Smart)</a:t>
+            </a:r>
+          </a:p>
+          <a:p>
+            <a:r>
+              <a:t>©: Public Domain</a:t>
+            </a:r>
+          </a:p>
+          <a:p>
+            <a:r>
+              <a:t>CCLI: 522221</a:t>
             </a:r>
           </a:p>
         </p:txBody>
@@ -5538,6 +7375,340 @@
           </a:p>
         </p:txBody>
       </p:sp>
+    </p:spTree>
+  </p:cSld>
+  <p:clrMapOvr>
+    <a:masterClrMapping/>
+  </p:clrMapOvr>
+</p:sld>
+</file>
+
+<file path=ppt/slides/slide30.xml><?xml version="1.0" encoding="utf-8"?>
+<p:sld xmlns:a="http://schemas.openxmlformats.org/drawingml/2006/main" xmlns:p="http://schemas.openxmlformats.org/presentationml/2006/main" xmlns:r="http://schemas.openxmlformats.org/officeDocument/2006/relationships">
+  <p:cSld>
+    <p:spTree>
+      <p:nvGrpSpPr>
+        <p:cNvPr id="1" name=""/>
+        <p:cNvGrpSpPr/>
+        <p:nvPr/>
+      </p:nvGrpSpPr>
+      <p:grpSpPr/>
+      <p:sp>
+        <p:nvSpPr>
+          <p:cNvPr id="2" name="Title 1"/>
+          <p:cNvSpPr>
+            <a:spLocks noGrp="1"/>
+          </p:cNvSpPr>
+          <p:nvPr>
+            <p:ph type="title"/>
+          </p:nvPr>
+        </p:nvSpPr>
+        <p:spPr/>
+        <p:txBody>
+          <a:bodyPr/>
+          <a:lstStyle/>
+          <a:p>
+            <a:r>
+              <a:t>Glory be to God the Father!</a:t>
+            </a:r>
+          </a:p>
+        </p:txBody>
+      </p:sp>
+      <p:sp>
+        <p:nvSpPr>
+          <p:cNvPr id="3" name="Content Placeholder 2"/>
+          <p:cNvSpPr>
+            <a:spLocks noGrp="1"/>
+          </p:cNvSpPr>
+          <p:nvPr>
+            <p:ph idx="10" sz="quarter"/>
+          </p:nvPr>
+        </p:nvSpPr>
+        <p:spPr/>
+        <p:txBody>
+          <a:bodyPr/>
+          <a:lstStyle/>
+          <a:p>
+            <a:r>
+              <a:t>Glory to the King of angels,_x000D_</a:t>
+            </a:r>
+          </a:p>
+          <a:p>
+            <a:r>
+              <a:t>glory to the Church’s King,_x000D_</a:t>
+            </a:r>
+          </a:p>
+          <a:p>
+            <a:r>
+              <a:t>glory to the King of nations;_x000D_</a:t>
+            </a:r>
+          </a:p>
+          <a:p>
+            <a:r>
+              <a:t>heav'n and earth your praises bring!_x000D_</a:t>
+            </a:r>
+          </a:p>
+          <a:p>
+            <a:r>
+              <a:t>Glory, glory, to the King of glory sing! </a:t>
+            </a:r>
+          </a:p>
+        </p:txBody>
+      </p:sp>
+      <p:sp>
+        <p:nvSpPr>
+          <p:cNvPr id="4" name="Content Placeholder 3"/>
+          <p:cNvSpPr>
+            <a:spLocks noGrp="1"/>
+          </p:cNvSpPr>
+          <p:nvPr>
+            <p:ph idx="11" sz="quarter"/>
+          </p:nvPr>
+        </p:nvSpPr>
+        <p:spPr/>
+        <p:txBody>
+          <a:bodyPr/>
+          <a:lstStyle/>
+          <a:p>
+            <a:r>
+              <a:t>Words: Horatius Bonar (1866)</a:t>
+            </a:r>
+          </a:p>
+          <a:p>
+            <a:r>
+              <a:t>Composer: Henry Thomas Smart (1866)</a:t>
+            </a:r>
+          </a:p>
+          <a:p>
+            <a:r>
+              <a:t>Tune: REGENT SQUARE (Smart)</a:t>
+            </a:r>
+          </a:p>
+          <a:p>
+            <a:r>
+              <a:t>©: Public Domain</a:t>
+            </a:r>
+          </a:p>
+          <a:p>
+            <a:r>
+              <a:t>CCLI: 522221</a:t>
+            </a:r>
+          </a:p>
+        </p:txBody>
+      </p:sp>
+    </p:spTree>
+  </p:cSld>
+  <p:clrMapOvr>
+    <a:masterClrMapping/>
+  </p:clrMapOvr>
+</p:sld>
+</file>
+
+<file path=ppt/slides/slide31.xml><?xml version="1.0" encoding="utf-8"?>
+<p:sld xmlns:a="http://schemas.openxmlformats.org/drawingml/2006/main" xmlns:p="http://schemas.openxmlformats.org/presentationml/2006/main" xmlns:r="http://schemas.openxmlformats.org/officeDocument/2006/relationships">
+  <p:cSld>
+    <p:spTree>
+      <p:nvGrpSpPr>
+        <p:cNvPr id="1" name=""/>
+        <p:cNvGrpSpPr/>
+        <p:nvPr/>
+      </p:nvGrpSpPr>
+      <p:grpSpPr/>
+      <p:sp>
+        <p:nvSpPr>
+          <p:cNvPr id="2" name="Title 1"/>
+          <p:cNvSpPr>
+            <a:spLocks noGrp="1"/>
+          </p:cNvSpPr>
+          <p:nvPr>
+            <p:ph type="title"/>
+          </p:nvPr>
+        </p:nvSpPr>
+        <p:spPr/>
+        <p:txBody>
+          <a:bodyPr/>
+          <a:lstStyle/>
+          <a:p>
+            <a:r>
+              <a:t>Glory be to God the Father!</a:t>
+            </a:r>
+          </a:p>
+        </p:txBody>
+      </p:sp>
+      <p:sp>
+        <p:nvSpPr>
+          <p:cNvPr id="3" name="Content Placeholder 2"/>
+          <p:cNvSpPr>
+            <a:spLocks noGrp="1"/>
+          </p:cNvSpPr>
+          <p:nvPr>
+            <p:ph idx="10" sz="quarter"/>
+          </p:nvPr>
+        </p:nvSpPr>
+        <p:spPr/>
+        <p:txBody>
+          <a:bodyPr/>
+          <a:lstStyle/>
+          <a:p>
+            <a:r>
+              <a:t>Glory, blessing, praise eternal!_x000D_</a:t>
+            </a:r>
+          </a:p>
+          <a:p>
+            <a:r>
+              <a:t>thus the choir of angels sings;_x000D_</a:t>
+            </a:r>
+          </a:p>
+          <a:p>
+            <a:r>
+              <a:t>Honor, riches, pow'r, dominion!_x000D_</a:t>
+            </a:r>
+          </a:p>
+          <a:p>
+            <a:r>
+              <a:t>thus its praise creation brings._x000D_</a:t>
+            </a:r>
+          </a:p>
+          <a:p>
+            <a:r>
+              <a:t>Glory, glory to the King of kings!Source: Christian Worship: Hymnal #608</a:t>
+            </a:r>
+          </a:p>
+        </p:txBody>
+      </p:sp>
+      <p:sp>
+        <p:nvSpPr>
+          <p:cNvPr id="4" name="Content Placeholder 3"/>
+          <p:cNvSpPr>
+            <a:spLocks noGrp="1"/>
+          </p:cNvSpPr>
+          <p:nvPr>
+            <p:ph idx="11" sz="quarter"/>
+          </p:nvPr>
+        </p:nvSpPr>
+        <p:spPr/>
+        <p:txBody>
+          <a:bodyPr/>
+          <a:lstStyle/>
+          <a:p>
+            <a:r>
+              <a:t>Words: Horatius Bonar (1866)</a:t>
+            </a:r>
+          </a:p>
+          <a:p>
+            <a:r>
+              <a:t>Composer: Henry Thomas Smart (1866)</a:t>
+            </a:r>
+          </a:p>
+          <a:p>
+            <a:r>
+              <a:t>Tune: REGENT SQUARE (Smart)</a:t>
+            </a:r>
+          </a:p>
+          <a:p>
+            <a:r>
+              <a:t>©: Public Domain</a:t>
+            </a:r>
+          </a:p>
+          <a:p>
+            <a:r>
+              <a:t>CCLI: 522221</a:t>
+            </a:r>
+          </a:p>
+        </p:txBody>
+      </p:sp>
+    </p:spTree>
+  </p:cSld>
+  <p:clrMapOvr>
+    <a:masterClrMapping/>
+  </p:clrMapOvr>
+</p:sld>
+</file>
+
+<file path=ppt/slides/slide32.xml><?xml version="1.0" encoding="utf-8"?>
+<p:sld xmlns:a="http://schemas.openxmlformats.org/drawingml/2006/main" xmlns:p="http://schemas.openxmlformats.org/presentationml/2006/main" xmlns:r="http://schemas.openxmlformats.org/officeDocument/2006/relationships">
+  <p:cSld>
+    <p:spTree>
+      <p:nvGrpSpPr>
+        <p:cNvPr id="1" name=""/>
+        <p:cNvGrpSpPr/>
+        <p:nvPr/>
+      </p:nvGrpSpPr>
+      <p:grpSpPr/>
+      <p:sp>
+        <p:nvSpPr>
+          <p:cNvPr id="2" name="Title 1"/>
+          <p:cNvSpPr>
+            <a:spLocks noGrp="1"/>
+          </p:cNvSpPr>
+          <p:nvPr>
+            <p:ph type="title"/>
+          </p:nvPr>
+        </p:nvSpPr>
+        <p:spPr/>
+        <p:txBody>
+          <a:bodyPr/>
+          <a:lstStyle/>
+          <a:p>
+            <a:r>
+              <a:t>The Grace</a:t>
+            </a:r>
+          </a:p>
+        </p:txBody>
+      </p:sp>
+      <p:sp>
+        <p:nvSpPr>
+          <p:cNvPr id="3" name="Content Placeholder 2"/>
+          <p:cNvSpPr>
+            <a:spLocks noGrp="1"/>
+          </p:cNvSpPr>
+          <p:nvPr>
+            <p:ph idx="10" sz="quarter"/>
+          </p:nvPr>
+        </p:nvSpPr>
+        <p:spPr/>
+        <p:txBody>
+          <a:bodyPr/>
+          <a:lstStyle/>
+          <a:p/>
+          <a:p>
+            <a:r>
+              <a:rPr sz="2800">
+                <a:solidFill>
+                  <a:srgbClr val="A12626"/>
+                </a:solidFill>
+              </a:rPr>
+              <a:t>All. </a:t>
+            </a:r>
+            <a:r>
+              <a:rPr sz="2800">
+                <a:solidFill>
+                  <a:srgbClr val="000000"/>
+                </a:solidFill>
+              </a:rPr>
+              <a:t>The grace of the Lord Jesus Christ and the love of God and the fellowship of the Holy Spirit be with us all, evermore. Amen</a:t>
+            </a:r>
+          </a:p>
+        </p:txBody>
+      </p:sp>
+    </p:spTree>
+  </p:cSld>
+  <p:clrMapOvr>
+    <a:masterClrMapping/>
+  </p:clrMapOvr>
+</p:sld>
+</file>
+
+<file path=ppt/slides/slide33.xml><?xml version="1.0" encoding="utf-8"?>
+<p:sld xmlns:a="http://schemas.openxmlformats.org/drawingml/2006/main" xmlns:p="http://schemas.openxmlformats.org/presentationml/2006/main" xmlns:r="http://schemas.openxmlformats.org/officeDocument/2006/relationships">
+  <p:cSld>
+    <p:spTree>
+      <p:nvGrpSpPr>
+        <p:cNvPr id="1" name=""/>
+        <p:cNvGrpSpPr/>
+        <p:nvPr/>
+      </p:nvGrpSpPr>
+      <p:grpSpPr/>
     </p:spTree>
   </p:cSld>
   <p:clrMapOvr>

--- a/example_from_template.pptx
+++ b/example_from_template.pptx
@@ -6667,6 +6667,11 @@
         <p:txBody>
           <a:bodyPr/>
           <a:lstStyle/>
+          <a:p>
+            <a:r>
+              <a:t>Unable to find</a:t>
+            </a:r>
+          </a:p>
         </p:txBody>
       </p:sp>
       <p:sp>
@@ -6685,7 +6690,7 @@
           <a:lstStyle/>
           <a:p>
             <a:r>
-              <a:t>Not in Public Domain</a:t>
+              <a:t>Unable to find</a:t>
             </a:r>
           </a:p>
         </p:txBody>
@@ -7062,22 +7067,22 @@
           <a:lstStyle/>
           <a:p>
             <a:r>
-              <a:t>Glory be to God the Father,_x000D_</a:t>
-            </a:r>
-          </a:p>
-          <a:p>
-            <a:r>
-              <a:t>glory be to God the Son,_x000D_</a:t>
-            </a:r>
-          </a:p>
-          <a:p>
-            <a:r>
-              <a:t>glory be to God the Spirit:_x000D_</a:t>
-            </a:r>
-          </a:p>
-          <a:p>
-            <a:r>
-              <a:t>great Jehovah, Three in One!_x000D_</a:t>
+              <a:t>Glory be to God the Father,</a:t>
+            </a:r>
+          </a:p>
+          <a:p>
+            <a:r>
+              <a:t>glory be to God the Son,</a:t>
+            </a:r>
+          </a:p>
+          <a:p>
+            <a:r>
+              <a:t>glory be to God the Spirit:</a:t>
+            </a:r>
+          </a:p>
+          <a:p>
+            <a:r>
+              <a:t>great Jehovah, Three in One!</a:t>
             </a:r>
           </a:p>
           <a:p>
@@ -7183,22 +7188,22 @@
           <a:lstStyle/>
           <a:p>
             <a:r>
-              <a:t>Glory be to him who loved us,_x000D_</a:t>
-            </a:r>
-          </a:p>
-          <a:p>
-            <a:r>
-              <a:t>washed us from each spot and stain;_x000D_</a:t>
-            </a:r>
-          </a:p>
-          <a:p>
-            <a:r>
-              <a:t>glory be to him who bought us,_x000D_</a:t>
-            </a:r>
-          </a:p>
-          <a:p>
-            <a:r>
-              <a:t>made us kings with him to reign!_x000D_</a:t>
+              <a:t>Glory be to him who loved us,</a:t>
+            </a:r>
+          </a:p>
+          <a:p>
+            <a:r>
+              <a:t>washed us from each spot and stain;</a:t>
+            </a:r>
+          </a:p>
+          <a:p>
+            <a:r>
+              <a:t>glory be to him who bought us,</a:t>
+            </a:r>
+          </a:p>
+          <a:p>
+            <a:r>
+              <a:t>made us kings with him to reign!</a:t>
             </a:r>
           </a:p>
           <a:p>
@@ -7304,27 +7309,27 @@
           <a:lstStyle/>
           <a:p>
             <a:r>
-              <a:t>*All creatures worship God most high,_x000D_</a:t>
-            </a:r>
-          </a:p>
-          <a:p>
-            <a:r>
-              <a:t>lift up your voice in earth and sky,_x000D_</a:t>
-            </a:r>
-          </a:p>
-          <a:p>
-            <a:r>
-              <a:t>alleluia, alleluia!_x000D_</a:t>
-            </a:r>
-          </a:p>
-          <a:p>
-            <a:r>
-              <a:t>Thou burning sun with golden beam,_x000D_</a:t>
-            </a:r>
-          </a:p>
-          <a:p>
-            <a:r>
-              <a:t>thou silver moon with softer gleam,_x000D_</a:t>
+              <a:t>*All creatures worship God most high,</a:t>
+            </a:r>
+          </a:p>
+          <a:p>
+            <a:r>
+              <a:t>lift up your voice in earth and sky,</a:t>
+            </a:r>
+          </a:p>
+          <a:p>
+            <a:r>
+              <a:t>alleluia, alleluia!</a:t>
+            </a:r>
+          </a:p>
+          <a:p>
+            <a:r>
+              <a:t>Thou burning sun with golden beam,</a:t>
+            </a:r>
+          </a:p>
+          <a:p>
+            <a:r>
+              <a:t>thou silver moon with softer gleam,</a:t>
             </a:r>
           </a:p>
           <a:p>
@@ -7430,22 +7435,22 @@
           <a:lstStyle/>
           <a:p>
             <a:r>
-              <a:t>Glory to the King of angels,_x000D_</a:t>
-            </a:r>
-          </a:p>
-          <a:p>
-            <a:r>
-              <a:t>glory to the Church’s King,_x000D_</a:t>
-            </a:r>
-          </a:p>
-          <a:p>
-            <a:r>
-              <a:t>glory to the King of nations;_x000D_</a:t>
-            </a:r>
-          </a:p>
-          <a:p>
-            <a:r>
-              <a:t>heav'n and earth your praises bring!_x000D_</a:t>
+              <a:t>Glory to the King of angels,</a:t>
+            </a:r>
+          </a:p>
+          <a:p>
+            <a:r>
+              <a:t>glory to the Church’s King,</a:t>
+            </a:r>
+          </a:p>
+          <a:p>
+            <a:r>
+              <a:t>glory to the King of nations;</a:t>
+            </a:r>
+          </a:p>
+          <a:p>
+            <a:r>
+              <a:t>heav'n and earth your praises bring!</a:t>
             </a:r>
           </a:p>
           <a:p>
@@ -7551,22 +7556,22 @@
           <a:lstStyle/>
           <a:p>
             <a:r>
-              <a:t>Glory, blessing, praise eternal!_x000D_</a:t>
-            </a:r>
-          </a:p>
-          <a:p>
-            <a:r>
-              <a:t>thus the choir of angels sings;_x000D_</a:t>
-            </a:r>
-          </a:p>
-          <a:p>
-            <a:r>
-              <a:t>Honor, riches, pow'r, dominion!_x000D_</a:t>
-            </a:r>
-          </a:p>
-          <a:p>
-            <a:r>
-              <a:t>thus its praise creation brings._x000D_</a:t>
+              <a:t>Glory, blessing, praise eternal!</a:t>
+            </a:r>
+          </a:p>
+          <a:p>
+            <a:r>
+              <a:t>thus the choir of angels sings;</a:t>
+            </a:r>
+          </a:p>
+          <a:p>
+            <a:r>
+              <a:t>Honor, riches, pow'r, dominion!</a:t>
+            </a:r>
+          </a:p>
+          <a:p>
+            <a:r>
+              <a:t>thus its praise creation brings.</a:t>
             </a:r>
           </a:p>
           <a:p>
@@ -7764,27 +7769,27 @@
           <a:lstStyle/>
           <a:p>
             <a:r>
-              <a:t>Thou rushing wind that art so strong, _x000D_</a:t>
-            </a:r>
-          </a:p>
-          <a:p>
-            <a:r>
-              <a:t>ye clouds that sail in heav’n along,_x000D_</a:t>
-            </a:r>
-          </a:p>
-          <a:p>
-            <a:r>
-              <a:t>alleluia, alleluia!_x000D_</a:t>
-            </a:r>
-          </a:p>
-          <a:p>
-            <a:r>
-              <a:t>Thou rising morn in praise rejoice, _x000D_</a:t>
-            </a:r>
-          </a:p>
-          <a:p>
-            <a:r>
-              <a:t>ye lights of evening, find a voice,_x000D_</a:t>
+              <a:t>Thou rushing wind that art so strong, </a:t>
+            </a:r>
+          </a:p>
+          <a:p>
+            <a:r>
+              <a:t>ye clouds that sail in heav’n along,</a:t>
+            </a:r>
+          </a:p>
+          <a:p>
+            <a:r>
+              <a:t>alleluia, alleluia!</a:t>
+            </a:r>
+          </a:p>
+          <a:p>
+            <a:r>
+              <a:t>Thou rising morn in praise rejoice, </a:t>
+            </a:r>
+          </a:p>
+          <a:p>
+            <a:r>
+              <a:t>ye lights of evening, find a voice,</a:t>
             </a:r>
           </a:p>
           <a:p>
@@ -7890,27 +7895,27 @@
           <a:lstStyle/>
           <a:p>
             <a:r>
-              <a:t>Thou flowing water, pure and clear, _x000D_</a:t>
-            </a:r>
-          </a:p>
-          <a:p>
-            <a:r>
-              <a:t>make music for thy God to hear,_x000D_</a:t>
-            </a:r>
-          </a:p>
-          <a:p>
-            <a:r>
-              <a:t>alleluia, alleluia!_x000D_</a:t>
-            </a:r>
-          </a:p>
-          <a:p>
-            <a:r>
-              <a:t>Thou fire so masterful and bright, _x000D_</a:t>
-            </a:r>
-          </a:p>
-          <a:p>
-            <a:r>
-              <a:t>that givest all both warmth and light,_x000D_</a:t>
+              <a:t>Thou flowing water, pure and clear, </a:t>
+            </a:r>
+          </a:p>
+          <a:p>
+            <a:r>
+              <a:t>make music for thy God to hear,</a:t>
+            </a:r>
+          </a:p>
+          <a:p>
+            <a:r>
+              <a:t>alleluia, alleluia!</a:t>
+            </a:r>
+          </a:p>
+          <a:p>
+            <a:r>
+              <a:t>Thou fire so masterful and bright, </a:t>
+            </a:r>
+          </a:p>
+          <a:p>
+            <a:r>
+              <a:t>that givest all both warmth and light,</a:t>
             </a:r>
           </a:p>
           <a:p>
@@ -8016,27 +8021,27 @@
           <a:lstStyle/>
           <a:p>
             <a:r>
-              <a:t>Dear mother earth, who day by day, _x000D_</a:t>
-            </a:r>
-          </a:p>
-          <a:p>
-            <a:r>
-              <a:t>unfoldest blessings on our way,_x000D_</a:t>
-            </a:r>
-          </a:p>
-          <a:p>
-            <a:r>
-              <a:t>alleluia, alleluia!_x000D_</a:t>
-            </a:r>
-          </a:p>
-          <a:p>
-            <a:r>
-              <a:t>The flow’rs and fruits that in thee grow, _x000D_</a:t>
-            </a:r>
-          </a:p>
-          <a:p>
-            <a:r>
-              <a:t>let them God’s glory also show,_x000D_</a:t>
+              <a:t>Dear mother earth, who day by day, </a:t>
+            </a:r>
+          </a:p>
+          <a:p>
+            <a:r>
+              <a:t>unfoldest blessings on our way,</a:t>
+            </a:r>
+          </a:p>
+          <a:p>
+            <a:r>
+              <a:t>alleluia, alleluia!</a:t>
+            </a:r>
+          </a:p>
+          <a:p>
+            <a:r>
+              <a:t>The flow’rs and fruits that in thee grow, </a:t>
+            </a:r>
+          </a:p>
+          <a:p>
+            <a:r>
+              <a:t>let them God’s glory also show,</a:t>
             </a:r>
           </a:p>
           <a:p>
@@ -8142,27 +8147,27 @@
           <a:lstStyle/>
           <a:p>
             <a:r>
-              <a:t>And ev’ryone, with tender heart, _x000D_</a:t>
-            </a:r>
-          </a:p>
-          <a:p>
-            <a:r>
-              <a:t>forgiving others, take your part,_x000D_</a:t>
-            </a:r>
-          </a:p>
-          <a:p>
-            <a:r>
-              <a:t>alleluia, alleluia!_x000D_</a:t>
-            </a:r>
-          </a:p>
-          <a:p>
-            <a:r>
-              <a:t>Ye who long pain and sorrow bear,_x000D_</a:t>
-            </a:r>
-          </a:p>
-          <a:p>
-            <a:r>
-              <a:t>sing praise and cast on God your care,_x000D_</a:t>
+              <a:t>And ev’ryone, with tender heart, </a:t>
+            </a:r>
+          </a:p>
+          <a:p>
+            <a:r>
+              <a:t>forgiving others, take your part,</a:t>
+            </a:r>
+          </a:p>
+          <a:p>
+            <a:r>
+              <a:t>alleluia, alleluia!</a:t>
+            </a:r>
+          </a:p>
+          <a:p>
+            <a:r>
+              <a:t>Ye who long pain and sorrow bear,</a:t>
+            </a:r>
+          </a:p>
+          <a:p>
+            <a:r>
+              <a:t>sing praise and cast on God your care,</a:t>
             </a:r>
           </a:p>
           <a:p>
@@ -8268,27 +8273,27 @@
           <a:lstStyle/>
           <a:p>
             <a:r>
-              <a:t>And thou, most kind and gentle death, _x000D_</a:t>
-            </a:r>
-          </a:p>
-          <a:p>
-            <a:r>
-              <a:t>waiting to hush our final breath, _x000D_</a:t>
-            </a:r>
-          </a:p>
-          <a:p>
-            <a:r>
-              <a:t>alleluia, alleluia!_x000D_</a:t>
-            </a:r>
-          </a:p>
-          <a:p>
-            <a:r>
-              <a:t>Thou leadest home the child of God, _x000D_</a:t>
-            </a:r>
-          </a:p>
-          <a:p>
-            <a:r>
-              <a:t>as Christ before that way hath trod,_x000D_</a:t>
+              <a:t>And thou, most kind and gentle death, </a:t>
+            </a:r>
+          </a:p>
+          <a:p>
+            <a:r>
+              <a:t>waiting to hush our final breath, </a:t>
+            </a:r>
+          </a:p>
+          <a:p>
+            <a:r>
+              <a:t>alleluia, alleluia!</a:t>
+            </a:r>
+          </a:p>
+          <a:p>
+            <a:r>
+              <a:t>Thou leadest home the child of God, </a:t>
+            </a:r>
+          </a:p>
+          <a:p>
+            <a:r>
+              <a:t>as Christ before that way hath trod,</a:t>
             </a:r>
           </a:p>
           <a:p>
@@ -8394,27 +8399,27 @@
           <a:lstStyle/>
           <a:p>
             <a:r>
-              <a:t>Let all things their Creator bless, _x000D_</a:t>
-            </a:r>
-          </a:p>
-          <a:p>
-            <a:r>
-              <a:t>and worship God in humbleness,_x000D_</a:t>
-            </a:r>
-          </a:p>
-          <a:p>
-            <a:r>
-              <a:t>alleluia, alleluia!_x000D_</a:t>
-            </a:r>
-          </a:p>
-          <a:p>
-            <a:r>
-              <a:t>To God all thanks and praise belong!_x000D_</a:t>
-            </a:r>
-          </a:p>
-          <a:p>
-            <a:r>
-              <a:t>Join in the everlasting song:_x000D_</a:t>
+              <a:t>Let all things their Creator bless, </a:t>
+            </a:r>
+          </a:p>
+          <a:p>
+            <a:r>
+              <a:t>and worship God in humbleness,</a:t>
+            </a:r>
+          </a:p>
+          <a:p>
+            <a:r>
+              <a:t>alleluia, alleluia!</a:t>
+            </a:r>
+          </a:p>
+          <a:p>
+            <a:r>
+              <a:t>To God all thanks and praise belong!</a:t>
+            </a:r>
+          </a:p>
+          <a:p>
+            <a:r>
+              <a:t>Join in the everlasting song:</a:t>
             </a:r>
           </a:p>
           <a:p>

--- a/example_from_template.pptx
+++ b/example_from_template.pptx
@@ -6,38 +6,33 @@
   </p:sldMasterIdLst>
   <p:sldIdLst>
     <p:sldId id="257" r:id="rId2"/>
-    <p:sldId id="258" r:id="rId9"/>
-    <p:sldId id="259" r:id="rId10"/>
-    <p:sldId id="260" r:id="rId11"/>
-    <p:sldId id="261" r:id="rId12"/>
-    <p:sldId id="262" r:id="rId13"/>
-    <p:sldId id="263" r:id="rId14"/>
-    <p:sldId id="264" r:id="rId15"/>
-    <p:sldId id="265" r:id="rId16"/>
-    <p:sldId id="266" r:id="rId17"/>
-    <p:sldId id="267" r:id="rId18"/>
-    <p:sldId id="268" r:id="rId19"/>
-    <p:sldId id="269" r:id="rId20"/>
-    <p:sldId id="270" r:id="rId21"/>
-    <p:sldId id="271" r:id="rId22"/>
-    <p:sldId id="272" r:id="rId23"/>
-    <p:sldId id="273" r:id="rId24"/>
-    <p:sldId id="274" r:id="rId25"/>
-    <p:sldId id="275" r:id="rId26"/>
-    <p:sldId id="276" r:id="rId27"/>
-    <p:sldId id="277" r:id="rId28"/>
-    <p:sldId id="278" r:id="rId29"/>
-    <p:sldId id="279" r:id="rId30"/>
-    <p:sldId id="280" r:id="rId31"/>
-    <p:sldId id="281" r:id="rId32"/>
-    <p:sldId id="282" r:id="rId33"/>
-    <p:sldId id="283" r:id="rId34"/>
-    <p:sldId id="284" r:id="rId35"/>
-    <p:sldId id="285" r:id="rId36"/>
-    <p:sldId id="286" r:id="rId37"/>
-    <p:sldId id="287" r:id="rId38"/>
-    <p:sldId id="288" r:id="rId39"/>
-    <p:sldId id="289" r:id="rId40"/>
+    <p:sldId id="258" r:id="rId3"/>
+    <p:sldId id="259" r:id="rId4"/>
+    <p:sldId id="260" r:id="rId5"/>
+    <p:sldId id="261" r:id="rId6"/>
+    <p:sldId id="262" r:id="rId7"/>
+    <p:sldId id="263" r:id="rId8"/>
+    <p:sldId id="264" r:id="rId9"/>
+    <p:sldId id="265" r:id="rId10"/>
+    <p:sldId id="266" r:id="rId11"/>
+    <p:sldId id="267" r:id="rId12"/>
+    <p:sldId id="268" r:id="rId13"/>
+    <p:sldId id="269" r:id="rId14"/>
+    <p:sldId id="270" r:id="rId15"/>
+    <p:sldId id="271" r:id="rId16"/>
+    <p:sldId id="272" r:id="rId17"/>
+    <p:sldId id="273" r:id="rId18"/>
+    <p:sldId id="274" r:id="rId19"/>
+    <p:sldId id="275" r:id="rId20"/>
+    <p:sldId id="276" r:id="rId21"/>
+    <p:sldId id="277" r:id="rId22"/>
+    <p:sldId id="278" r:id="rId23"/>
+    <p:sldId id="279" r:id="rId24"/>
+    <p:sldId id="280" r:id="rId25"/>
+    <p:sldId id="281" r:id="rId26"/>
+    <p:sldId id="282" r:id="rId27"/>
+    <p:sldId id="283" r:id="rId28"/>
+    <p:sldId id="284" r:id="rId29"/>
   </p:sldIdLst>
   <p:sldSz cx="10080625" cy="7559675"/>
   <p:notesSz cx="6858000" cy="9144000"/>
@@ -142,14 +137,6 @@
     </p:ext>
   </p:extLst>
 </p:presentation>
-</file>
-
-<file path=ppt/revisionInfo.xml><?xml version="1.0" encoding="utf-8"?>
-<p1510:revInfo xmlns:a="http://schemas.openxmlformats.org/drawingml/2006/main" xmlns:r="http://schemas.openxmlformats.org/officeDocument/2006/relationships" xmlns:p1510="http://schemas.microsoft.com/office/powerpoint/2015/10/main">
-  <p1510:revLst>
-    <p1510:client id="{4F396539-BF04-460C-A86D-7BD75D1A7413}" v="17" dt="2023-01-23T15:51:20.650"/>
-  </p1510:revLst>
-</p1510:revInfo>
 </file>
 
 <file path=ppt/changesInfos/changesInfo1.xml><?xml version="1.0" encoding="utf-8"?>
@@ -469,6 +456,75 @@
           </pc:spChg>
         </pc:sldLayoutChg>
       </pc:sldMasterChg>
+    </pc:docChg>
+  </pc:docChgLst>
+  <pc:docChgLst>
+    <pc:chgData name="Alastair Herd" userId="5b32a22d-7511-4516-bb56-86382496afe2" providerId="ADAL" clId="{F2E47C09-7158-4D2F-B7A4-254ACD539C0B}"/>
+    <pc:docChg chg="custSel modSld">
+      <pc:chgData name="Alastair Herd" userId="5b32a22d-7511-4516-bb56-86382496afe2" providerId="ADAL" clId="{F2E47C09-7158-4D2F-B7A4-254ACD539C0B}" dt="2023-01-26T10:57:14.014" v="11" actId="27636"/>
+      <pc:docMkLst>
+        <pc:docMk/>
+      </pc:docMkLst>
+      <pc:sldChg chg="modSp mod">
+        <pc:chgData name="Alastair Herd" userId="5b32a22d-7511-4516-bb56-86382496afe2" providerId="ADAL" clId="{F2E47C09-7158-4D2F-B7A4-254ACD539C0B}" dt="2023-01-26T10:55:33.171" v="0" actId="1076"/>
+        <pc:sldMkLst>
+          <pc:docMk/>
+          <pc:sldMk cId="0" sldId="258"/>
+        </pc:sldMkLst>
+        <pc:spChg chg="mod">
+          <ac:chgData name="Alastair Herd" userId="5b32a22d-7511-4516-bb56-86382496afe2" providerId="ADAL" clId="{F2E47C09-7158-4D2F-B7A4-254ACD539C0B}" dt="2023-01-26T10:55:33.171" v="0" actId="1076"/>
+          <ac:spMkLst>
+            <pc:docMk/>
+            <pc:sldMk cId="0" sldId="258"/>
+            <ac:spMk id="4" creationId="{00000000-0000-0000-0000-000000000000}"/>
+          </ac:spMkLst>
+        </pc:spChg>
+      </pc:sldChg>
+      <pc:sldChg chg="modSp mod">
+        <pc:chgData name="Alastair Herd" userId="5b32a22d-7511-4516-bb56-86382496afe2" providerId="ADAL" clId="{F2E47C09-7158-4D2F-B7A4-254ACD539C0B}" dt="2023-01-26T10:56:58.387" v="6" actId="404"/>
+        <pc:sldMkLst>
+          <pc:docMk/>
+          <pc:sldMk cId="0" sldId="280"/>
+        </pc:sldMkLst>
+        <pc:spChg chg="mod">
+          <ac:chgData name="Alastair Herd" userId="5b32a22d-7511-4516-bb56-86382496afe2" providerId="ADAL" clId="{F2E47C09-7158-4D2F-B7A4-254ACD539C0B}" dt="2023-01-26T10:56:58.387" v="6" actId="404"/>
+          <ac:spMkLst>
+            <pc:docMk/>
+            <pc:sldMk cId="0" sldId="280"/>
+            <ac:spMk id="3" creationId="{00000000-0000-0000-0000-000000000000}"/>
+          </ac:spMkLst>
+        </pc:spChg>
+      </pc:sldChg>
+      <pc:sldChg chg="modSp mod">
+        <pc:chgData name="Alastair Herd" userId="5b32a22d-7511-4516-bb56-86382496afe2" providerId="ADAL" clId="{F2E47C09-7158-4D2F-B7A4-254ACD539C0B}" dt="2023-01-26T10:57:04.614" v="7" actId="108"/>
+        <pc:sldMkLst>
+          <pc:docMk/>
+          <pc:sldMk cId="0" sldId="281"/>
+        </pc:sldMkLst>
+        <pc:spChg chg="mod">
+          <ac:chgData name="Alastair Herd" userId="5b32a22d-7511-4516-bb56-86382496afe2" providerId="ADAL" clId="{F2E47C09-7158-4D2F-B7A4-254ACD539C0B}" dt="2023-01-26T10:57:04.614" v="7" actId="108"/>
+          <ac:spMkLst>
+            <pc:docMk/>
+            <pc:sldMk cId="0" sldId="281"/>
+            <ac:spMk id="3" creationId="{00000000-0000-0000-0000-000000000000}"/>
+          </ac:spMkLst>
+        </pc:spChg>
+      </pc:sldChg>
+      <pc:sldChg chg="modSp mod">
+        <pc:chgData name="Alastair Herd" userId="5b32a22d-7511-4516-bb56-86382496afe2" providerId="ADAL" clId="{F2E47C09-7158-4D2F-B7A4-254ACD539C0B}" dt="2023-01-26T10:57:14.014" v="11" actId="27636"/>
+        <pc:sldMkLst>
+          <pc:docMk/>
+          <pc:sldMk cId="0" sldId="282"/>
+        </pc:sldMkLst>
+        <pc:spChg chg="mod">
+          <ac:chgData name="Alastair Herd" userId="5b32a22d-7511-4516-bb56-86382496afe2" providerId="ADAL" clId="{F2E47C09-7158-4D2F-B7A4-254ACD539C0B}" dt="2023-01-26T10:57:14.014" v="11" actId="27636"/>
+          <ac:spMkLst>
+            <pc:docMk/>
+            <pc:sldMk cId="0" sldId="282"/>
+            <ac:spMk id="3" creationId="{00000000-0000-0000-0000-000000000000}"/>
+          </ac:spMkLst>
+        </pc:spChg>
+      </pc:sldChg>
     </pc:docChg>
   </pc:docChgLst>
   <pc:docChgLst>
@@ -1575,7 +1631,7 @@
           <a:p>
             <a:fld id="{407A8E6C-1DA0-4717-A5E3-C386A4062E60}" type="datetimeFigureOut">
               <a:rPr lang="en-GB" smtClean="0"/>
-              <a:t>23/01/2023</a:t>
+              <a:t>26/01/2023</a:t>
             </a:fld>
             <a:endParaRPr lang="en-GB"/>
           </a:p>
@@ -1725,7 +1781,7 @@
           <a:p>
             <a:fld id="{407A8E6C-1DA0-4717-A5E3-C386A4062E60}" type="datetimeFigureOut">
               <a:rPr lang="en-GB" smtClean="0"/>
-              <a:t>23/01/2023</a:t>
+              <a:t>26/01/2023</a:t>
             </a:fld>
             <a:endParaRPr lang="en-GB"/>
           </a:p>
@@ -1844,7 +1900,7 @@
           <a:p>
             <a:fld id="{407A8E6C-1DA0-4717-A5E3-C386A4062E60}" type="datetimeFigureOut">
               <a:rPr lang="en-GB" smtClean="0"/>
-              <a:t>23/01/2023</a:t>
+              <a:t>26/01/2023</a:t>
             </a:fld>
             <a:endParaRPr lang="en-GB"/>
           </a:p>
@@ -2154,7 +2210,7 @@
           <a:p>
             <a:fld id="{407A8E6C-1DA0-4717-A5E3-C386A4062E60}" type="datetimeFigureOut">
               <a:rPr lang="en-GB" smtClean="0"/>
-              <a:t>23/01/2023</a:t>
+              <a:t>26/01/2023</a:t>
             </a:fld>
             <a:endParaRPr lang="en-GB"/>
           </a:p>
@@ -2444,7 +2500,7 @@
           <a:p>
             <a:fld id="{407A8E6C-1DA0-4717-A5E3-C386A4062E60}" type="datetimeFigureOut">
               <a:rPr lang="en-GB" smtClean="0"/>
-              <a:t>23/01/2023</a:t>
+              <a:t>26/01/2023</a:t>
             </a:fld>
             <a:endParaRPr lang="en-GB"/>
           </a:p>
@@ -2654,7 +2710,7 @@
           <a:p>
             <a:fld id="{407A8E6C-1DA0-4717-A5E3-C386A4062E60}" type="datetimeFigureOut">
               <a:rPr lang="en-GB" smtClean="0"/>
-              <a:t>23/01/2023</a:t>
+              <a:t>26/01/2023</a:t>
             </a:fld>
             <a:endParaRPr lang="en-GB"/>
           </a:p>
@@ -2864,7 +2920,7 @@
           <a:p>
             <a:fld id="{407A8E6C-1DA0-4717-A5E3-C386A4062E60}" type="datetimeFigureOut">
               <a:rPr lang="en-GB" smtClean="0"/>
-              <a:t>23/01/2023</a:t>
+              <a:t>26/01/2023</a:t>
             </a:fld>
             <a:endParaRPr lang="en-GB"/>
           </a:p>
@@ -4838,7 +4894,7 @@
           <a:p>
             <a:fld id="{407A8E6C-1DA0-4717-A5E3-C386A4062E60}" type="datetimeFigureOut">
               <a:rPr lang="en-GB" smtClean="0"/>
-              <a:t>23/01/2023</a:t>
+              <a:t>26/01/2023</a:t>
             </a:fld>
             <a:endParaRPr lang="en-GB"/>
           </a:p>
@@ -5277,7 +5333,7 @@
 </file>
 
 <file path=ppt/slides/slide10.xml><?xml version="1.0" encoding="utf-8"?>
-<p:sld xmlns:a="http://schemas.openxmlformats.org/drawingml/2006/main" xmlns:p="http://schemas.openxmlformats.org/presentationml/2006/main" xmlns:r="http://schemas.openxmlformats.org/officeDocument/2006/relationships">
+<p:sld xmlns:a="http://schemas.openxmlformats.org/drawingml/2006/main" xmlns:r="http://schemas.openxmlformats.org/officeDocument/2006/relationships" xmlns:p="http://schemas.openxmlformats.org/presentationml/2006/main">
   <p:cSld>
     <p:spTree>
       <p:nvGrpSpPr>
@@ -5285,7 +5341,14 @@
         <p:cNvGrpSpPr/>
         <p:nvPr/>
       </p:nvGrpSpPr>
-      <p:grpSpPr/>
+      <p:grpSpPr>
+        <a:xfrm>
+          <a:off x="0" y="0"/>
+          <a:ext cx="0" cy="0"/>
+          <a:chOff x="0" y="0"/>
+          <a:chExt cx="0" cy="0"/>
+        </a:xfrm>
+      </p:grpSpPr>
       <p:sp>
         <p:nvSpPr>
           <p:cNvPr id="2" name="Title 1"/>
@@ -5302,7 +5365,7 @@
           <a:lstStyle/>
           <a:p>
             <a:r>
-              <a:t>Confession</a:t>
+              <a:t>Psalm 90:1-8</a:t>
             </a:r>
           </a:p>
         </p:txBody>
@@ -5314,30 +5377,93 @@
             <a:spLocks noGrp="1"/>
           </p:cNvSpPr>
           <p:nvPr>
-            <p:ph idx="10" sz="quarter"/>
+            <p:ph sz="quarter" idx="10"/>
           </p:nvPr>
         </p:nvSpPr>
         <p:spPr/>
         <p:txBody>
           <a:bodyPr/>
           <a:lstStyle/>
-          <a:p/>
-          <a:p>
-            <a:r>
-              <a:rPr sz="2800">
-                <a:solidFill>
-                  <a:srgbClr val="A12626"/>
-                </a:solidFill>
-              </a:rPr>
-              <a:t>All. </a:t>
-            </a:r>
-            <a:r>
-              <a:rPr sz="2800">
-                <a:solidFill>
-                  <a:srgbClr val="000000"/>
-                </a:solidFill>
-              </a:rPr>
-              <a:t>Almighty and most merciful Father, we have erred and strayed from your ways like lost sheep. We have followed too much the devices and desires of our own hearts. We have broken your holy laws. We have left undone what we ought to have done, and we have done what we ought not to have done.</a:t>
+          <a:p>
+            <a:r>
+              <a:t>³You turn all people back to dust and say,</a:t>
+            </a:r>
+          </a:p>
+          <a:p>
+            <a:r>
+              <a:t>"O human race, to dust again decay."</a:t>
+            </a:r>
+          </a:p>
+          <a:p>
+            <a:r>
+              <a:t>⁴Because a thousand years are in your sight</a:t>
+            </a:r>
+          </a:p>
+          <a:p>
+            <a:r>
+              <a:t>Like yesterday or like a watch by night.</a:t>
+            </a:r>
+          </a:p>
+        </p:txBody>
+      </p:sp>
+      <p:sp>
+        <p:nvSpPr>
+          <p:cNvPr id="4" name="Content Placeholder 3"/>
+          <p:cNvSpPr>
+            <a:spLocks noGrp="1"/>
+          </p:cNvSpPr>
+          <p:nvPr>
+            <p:ph sz="quarter" idx="11"/>
+          </p:nvPr>
+        </p:nvSpPr>
+        <p:spPr/>
+        <p:txBody>
+          <a:bodyPr/>
+          <a:lstStyle/>
+          <a:p>
+            <a:r>
+              <a:t>Words: Sing Psalms! © 2003 Free Church of Scotland</a:t>
+            </a:r>
+          </a:p>
+          <a:p>
+            <a:r>
+              <a:t>Composer: Martin Luther (1529)</a:t>
+            </a:r>
+          </a:p>
+          <a:p>
+            <a:r>
+              <a:t>Tune: EIN FESTE BURG</a:t>
+            </a:r>
+          </a:p>
+          <a:p>
+            <a:r>
+              <a:t>©: Public Domain</a:t>
+            </a:r>
+          </a:p>
+          <a:p>
+            <a:r>
+              <a:t>CCLI: 522221</a:t>
+            </a:r>
+          </a:p>
+        </p:txBody>
+      </p:sp>
+      <p:sp>
+        <p:nvSpPr>
+          <p:cNvPr id="5" name="Text Placeholder 4"/>
+          <p:cNvSpPr>
+            <a:spLocks noGrp="1"/>
+          </p:cNvSpPr>
+          <p:nvPr>
+            <p:ph type="body" sz="quarter" idx="12"/>
+          </p:nvPr>
+        </p:nvSpPr>
+        <p:spPr/>
+        <p:txBody>
+          <a:bodyPr/>
+          <a:lstStyle/>
+          <a:p>
+            <a:r>
+              <a:t>Meter: 10 10 10 10</a:t>
             </a:r>
           </a:p>
         </p:txBody>
@@ -5351,7 +5477,7 @@
 </file>
 
 <file path=ppt/slides/slide11.xml><?xml version="1.0" encoding="utf-8"?>
-<p:sld xmlns:a="http://schemas.openxmlformats.org/drawingml/2006/main" xmlns:p="http://schemas.openxmlformats.org/presentationml/2006/main" xmlns:r="http://schemas.openxmlformats.org/officeDocument/2006/relationships">
+<p:sld xmlns:a="http://schemas.openxmlformats.org/drawingml/2006/main" xmlns:r="http://schemas.openxmlformats.org/officeDocument/2006/relationships" xmlns:p="http://schemas.openxmlformats.org/presentationml/2006/main">
   <p:cSld>
     <p:spTree>
       <p:nvGrpSpPr>
@@ -5359,7 +5485,14 @@
         <p:cNvGrpSpPr/>
         <p:nvPr/>
       </p:nvGrpSpPr>
-      <p:grpSpPr/>
+      <p:grpSpPr>
+        <a:xfrm>
+          <a:off x="0" y="0"/>
+          <a:ext cx="0" cy="0"/>
+          <a:chOff x="0" y="0"/>
+          <a:chExt cx="0" cy="0"/>
+        </a:xfrm>
+      </p:grpSpPr>
       <p:sp>
         <p:nvSpPr>
           <p:cNvPr id="2" name="Title 1"/>
@@ -5376,7 +5509,7 @@
           <a:lstStyle/>
           <a:p>
             <a:r>
-              <a:t>Confession</a:t>
+              <a:t>Psalm 90:1-8</a:t>
             </a:r>
           </a:p>
         </p:txBody>
@@ -5388,30 +5521,93 @@
             <a:spLocks noGrp="1"/>
           </p:cNvSpPr>
           <p:nvPr>
-            <p:ph idx="10" sz="quarter"/>
+            <p:ph sz="quarter" idx="10"/>
           </p:nvPr>
         </p:nvSpPr>
         <p:spPr/>
         <p:txBody>
           <a:bodyPr/>
           <a:lstStyle/>
-          <a:p/>
-          <a:p>
-            <a:r>
-              <a:rPr sz="2800">
-                <a:solidFill>
-                  <a:srgbClr val="A12626"/>
-                </a:solidFill>
-              </a:rPr>
-              <a:t>All. </a:t>
-            </a:r>
-            <a:r>
-              <a:rPr sz="2800">
-                <a:solidFill>
-                  <a:srgbClr val="000000"/>
-                </a:solidFill>
-              </a:rPr>
-              <a:t>O Lord, have mercy on us pitiful sinners.  Spare those, O God, who confess their faults. Restore those who truly repent, as you have promised through Jesus Christ our Lord. And grant, O merciful Father, for his sake, that we may live a godly, righteous and disciplined life, to the praise of your holy name. Amen.</a:t>
+          <a:p>
+            <a:r>
+              <a:t>⁵Into death’s sleep you sweep them all away,</a:t>
+            </a:r>
+          </a:p>
+          <a:p>
+            <a:r>
+              <a:t>For they are like the grass at break of day—</a:t>
+            </a:r>
+          </a:p>
+          <a:p>
+            <a:r>
+              <a:t>⁶Although it springs up new with morning light,</a:t>
+            </a:r>
+          </a:p>
+          <a:p>
+            <a:r>
+              <a:t>It dries and perishes before the night.</a:t>
+            </a:r>
+          </a:p>
+        </p:txBody>
+      </p:sp>
+      <p:sp>
+        <p:nvSpPr>
+          <p:cNvPr id="4" name="Content Placeholder 3"/>
+          <p:cNvSpPr>
+            <a:spLocks noGrp="1"/>
+          </p:cNvSpPr>
+          <p:nvPr>
+            <p:ph sz="quarter" idx="11"/>
+          </p:nvPr>
+        </p:nvSpPr>
+        <p:spPr/>
+        <p:txBody>
+          <a:bodyPr/>
+          <a:lstStyle/>
+          <a:p>
+            <a:r>
+              <a:t>Words: Sing Psalms! © 2003 Free Church of Scotland</a:t>
+            </a:r>
+          </a:p>
+          <a:p>
+            <a:r>
+              <a:t>Composer: Martin Luther (1529)</a:t>
+            </a:r>
+          </a:p>
+          <a:p>
+            <a:r>
+              <a:t>Tune: EIN FESTE BURG</a:t>
+            </a:r>
+          </a:p>
+          <a:p>
+            <a:r>
+              <a:t>©: Public Domain</a:t>
+            </a:r>
+          </a:p>
+          <a:p>
+            <a:r>
+              <a:t>CCLI: 522221</a:t>
+            </a:r>
+          </a:p>
+        </p:txBody>
+      </p:sp>
+      <p:sp>
+        <p:nvSpPr>
+          <p:cNvPr id="5" name="Text Placeholder 4"/>
+          <p:cNvSpPr>
+            <a:spLocks noGrp="1"/>
+          </p:cNvSpPr>
+          <p:nvPr>
+            <p:ph type="body" sz="quarter" idx="12"/>
+          </p:nvPr>
+        </p:nvSpPr>
+        <p:spPr/>
+        <p:txBody>
+          <a:bodyPr/>
+          <a:lstStyle/>
+          <a:p>
+            <a:r>
+              <a:t>Meter: 10 10 10 10</a:t>
             </a:r>
           </a:p>
         </p:txBody>
@@ -5425,7 +5621,7 @@
 </file>
 
 <file path=ppt/slides/slide12.xml><?xml version="1.0" encoding="utf-8"?>
-<p:sld xmlns:a="http://schemas.openxmlformats.org/drawingml/2006/main" xmlns:p="http://schemas.openxmlformats.org/presentationml/2006/main" xmlns:r="http://schemas.openxmlformats.org/officeDocument/2006/relationships">
+<p:sld xmlns:a="http://schemas.openxmlformats.org/drawingml/2006/main" xmlns:r="http://schemas.openxmlformats.org/officeDocument/2006/relationships" xmlns:p="http://schemas.openxmlformats.org/presentationml/2006/main">
   <p:cSld>
     <p:spTree>
       <p:nvGrpSpPr>
@@ -5433,7 +5629,14 @@
         <p:cNvGrpSpPr/>
         <p:nvPr/>
       </p:nvGrpSpPr>
-      <p:grpSpPr/>
+      <p:grpSpPr>
+        <a:xfrm>
+          <a:off x="0" y="0"/>
+          <a:ext cx="0" cy="0"/>
+          <a:chOff x="0" y="0"/>
+          <a:chExt cx="0" cy="0"/>
+        </a:xfrm>
+      </p:grpSpPr>
       <p:sp>
         <p:nvSpPr>
           <p:cNvPr id="2" name="Title 1"/>
@@ -5450,7 +5653,7 @@
           <a:lstStyle/>
           <a:p>
             <a:r>
-              <a:t>Assurance of Pardon</a:t>
+              <a:t>Psalm 90:1-8</a:t>
             </a:r>
           </a:p>
         </p:txBody>
@@ -5462,30 +5665,93 @@
             <a:spLocks noGrp="1"/>
           </p:cNvSpPr>
           <p:nvPr>
-            <p:ph idx="10" sz="quarter"/>
+            <p:ph sz="quarter" idx="10"/>
           </p:nvPr>
         </p:nvSpPr>
         <p:spPr/>
         <p:txBody>
           <a:bodyPr/>
           <a:lstStyle/>
-          <a:p/>
-          <a:p>
-            <a:r>
-              <a:rPr sz="2800">
-                <a:solidFill>
-                  <a:srgbClr val="A12626"/>
-                </a:solidFill>
-              </a:rPr>
-              <a:t>Minister. </a:t>
-            </a:r>
-            <a:r>
-              <a:rPr sz="2800">
-                <a:solidFill>
-                  <a:srgbClr val="000000"/>
-                </a:solidFill>
-              </a:rPr>
-              <a:t>Almighty God, the Father of our Lord Jesus Christ, does not desire the death of sinners but rather that they should turn from their wickedness and live. He has commanded and authorised his ministers to reassure his people that they will be forgiven when they repent of their sins. God pardons and forgives all who truly repent and sincerely believe his holy gospel.</a:t>
+          <a:p>
+            <a:r>
+              <a:t>⁷Your wrath consumes us; we are terrified.</a:t>
+            </a:r>
+          </a:p>
+          <a:p>
+            <a:r>
+              <a:t>⁸Before your gaze our sins we cannot hide.</a:t>
+            </a:r>
+          </a:p>
+          <a:p>
+            <a:r>
+              <a:t>⁹Under your anger all our days pass by;</a:t>
+            </a:r>
+          </a:p>
+          <a:p>
+            <a:r>
+              <a:t>Our years come to their finish with a sigh.</a:t>
+            </a:r>
+          </a:p>
+        </p:txBody>
+      </p:sp>
+      <p:sp>
+        <p:nvSpPr>
+          <p:cNvPr id="4" name="Content Placeholder 3"/>
+          <p:cNvSpPr>
+            <a:spLocks noGrp="1"/>
+          </p:cNvSpPr>
+          <p:nvPr>
+            <p:ph sz="quarter" idx="11"/>
+          </p:nvPr>
+        </p:nvSpPr>
+        <p:spPr/>
+        <p:txBody>
+          <a:bodyPr/>
+          <a:lstStyle/>
+          <a:p>
+            <a:r>
+              <a:t>Words: Sing Psalms! © 2003 Free Church of Scotland</a:t>
+            </a:r>
+          </a:p>
+          <a:p>
+            <a:r>
+              <a:t>Composer: Martin Luther (1529)</a:t>
+            </a:r>
+          </a:p>
+          <a:p>
+            <a:r>
+              <a:t>Tune: EIN FESTE BURG</a:t>
+            </a:r>
+          </a:p>
+          <a:p>
+            <a:r>
+              <a:t>©: Public Domain</a:t>
+            </a:r>
+          </a:p>
+          <a:p>
+            <a:r>
+              <a:t>CCLI: 522221</a:t>
+            </a:r>
+          </a:p>
+        </p:txBody>
+      </p:sp>
+      <p:sp>
+        <p:nvSpPr>
+          <p:cNvPr id="5" name="Text Placeholder 4"/>
+          <p:cNvSpPr>
+            <a:spLocks noGrp="1"/>
+          </p:cNvSpPr>
+          <p:nvPr>
+            <p:ph type="body" sz="quarter" idx="12"/>
+          </p:nvPr>
+        </p:nvSpPr>
+        <p:spPr/>
+        <p:txBody>
+          <a:bodyPr/>
+          <a:lstStyle/>
+          <a:p>
+            <a:r>
+              <a:t>Meter: 10 10 10 10</a:t>
             </a:r>
           </a:p>
         </p:txBody>
@@ -5499,7 +5765,7 @@
 </file>
 
 <file path=ppt/slides/slide13.xml><?xml version="1.0" encoding="utf-8"?>
-<p:sld xmlns:a="http://schemas.openxmlformats.org/drawingml/2006/main" xmlns:p="http://schemas.openxmlformats.org/presentationml/2006/main" xmlns:r="http://schemas.openxmlformats.org/officeDocument/2006/relationships">
+<p:sld xmlns:a="http://schemas.openxmlformats.org/drawingml/2006/main" xmlns:r="http://schemas.openxmlformats.org/officeDocument/2006/relationships" xmlns:p="http://schemas.openxmlformats.org/presentationml/2006/main">
   <p:cSld>
     <p:spTree>
       <p:nvGrpSpPr>
@@ -5507,7 +5773,14 @@
         <p:cNvGrpSpPr/>
         <p:nvPr/>
       </p:nvGrpSpPr>
-      <p:grpSpPr/>
+      <p:grpSpPr>
+        <a:xfrm>
+          <a:off x="0" y="0"/>
+          <a:ext cx="0" cy="0"/>
+          <a:chOff x="0" y="0"/>
+          <a:chExt cx="0" cy="0"/>
+        </a:xfrm>
+      </p:grpSpPr>
       <p:sp>
         <p:nvSpPr>
           <p:cNvPr id="2" name="Title 1"/>
@@ -5524,7 +5797,7 @@
           <a:lstStyle/>
           <a:p>
             <a:r>
-              <a:t>Assurance of Pardon</a:t>
+              <a:t>First Reading</a:t>
             </a:r>
           </a:p>
         </p:txBody>
@@ -5536,30 +5809,24 @@
             <a:spLocks noGrp="1"/>
           </p:cNvSpPr>
           <p:nvPr>
-            <p:ph idx="10" sz="quarter"/>
+            <p:ph sz="quarter" idx="10"/>
           </p:nvPr>
         </p:nvSpPr>
         <p:spPr/>
         <p:txBody>
           <a:bodyPr/>
           <a:lstStyle/>
-          <a:p/>
-          <a:p>
-            <a:r>
-              <a:rPr sz="2800">
-                <a:solidFill>
-                  <a:srgbClr val="A12626"/>
-                </a:solidFill>
-              </a:rPr>
-              <a:t>Minister. </a:t>
-            </a:r>
-            <a:r>
-              <a:rPr sz="2800">
-                <a:solidFill>
-                  <a:srgbClr val="000000"/>
-                </a:solidFill>
-              </a:rPr>
-              <a:t>Therefore let us beseech him to grant us true repentance and his Holy Spirit; so that what we do now may please him, that the rest of our lives may be pure and holy, and that finally we may come to his eternal joy; through Jesus Christ our Lord. Amen.</a:t>
+          <a:p>
+            <a:r>
+              <a:t>Matthew 4:1-13</a:t>
+            </a:r>
+          </a:p>
+          <a:p>
+            <a:endParaRPr/>
+          </a:p>
+          <a:p>
+            <a:r>
+              <a:t>pg. X</a:t>
             </a:r>
           </a:p>
         </p:txBody>
@@ -5573,7 +5840,7 @@
 </file>
 
 <file path=ppt/slides/slide14.xml><?xml version="1.0" encoding="utf-8"?>
-<p:sld xmlns:a="http://schemas.openxmlformats.org/drawingml/2006/main" xmlns:p="http://schemas.openxmlformats.org/presentationml/2006/main" xmlns:r="http://schemas.openxmlformats.org/officeDocument/2006/relationships">
+<p:sld xmlns:a="http://schemas.openxmlformats.org/drawingml/2006/main" xmlns:r="http://schemas.openxmlformats.org/officeDocument/2006/relationships" xmlns:p="http://schemas.openxmlformats.org/presentationml/2006/main">
   <p:cSld>
     <p:spTree>
       <p:nvGrpSpPr>
@@ -5581,7 +5848,182 @@
         <p:cNvGrpSpPr/>
         <p:nvPr/>
       </p:nvGrpSpPr>
-      <p:grpSpPr/>
+      <p:grpSpPr>
+        <a:xfrm>
+          <a:off x="0" y="0"/>
+          <a:ext cx="0" cy="0"/>
+          <a:chOff x="0" y="0"/>
+          <a:chExt cx="0" cy="0"/>
+        </a:xfrm>
+      </p:grpSpPr>
+      <p:sp>
+        <p:nvSpPr>
+          <p:cNvPr id="2" name="Content Placeholder 1"/>
+          <p:cNvSpPr>
+            <a:spLocks noGrp="1"/>
+          </p:cNvSpPr>
+          <p:nvPr>
+            <p:ph sz="quarter" idx="10"/>
+          </p:nvPr>
+        </p:nvSpPr>
+        <p:spPr/>
+        <p:txBody>
+          <a:bodyPr/>
+          <a:lstStyle/>
+          <a:p>
+            <a:endParaRPr/>
+          </a:p>
+          <a:p>
+            <a:r>
+              <a:rPr sz="2800">
+                <a:solidFill>
+                  <a:srgbClr val="A12626"/>
+                </a:solidFill>
+              </a:rPr>
+              <a:t>How are we made partakers of the redemption purchased by Christ? </a:t>
+            </a:r>
+            <a:r>
+              <a:rPr sz="2800">
+                <a:solidFill>
+                  <a:srgbClr val="000000"/>
+                </a:solidFill>
+              </a:rPr>
+              <a:t>
+We are made partakers of the redemption purchased by Christ, by the effectual application of it to us by his Holy Spirit.</a:t>
+            </a:r>
+          </a:p>
+        </p:txBody>
+      </p:sp>
+      <p:sp>
+        <p:nvSpPr>
+          <p:cNvPr id="3" name="Title 2"/>
+          <p:cNvSpPr>
+            <a:spLocks noGrp="1"/>
+          </p:cNvSpPr>
+          <p:nvPr>
+            <p:ph type="title"/>
+          </p:nvPr>
+        </p:nvSpPr>
+        <p:spPr/>
+        <p:txBody>
+          <a:bodyPr/>
+          <a:lstStyle/>
+          <a:p>
+            <a:r>
+              <a:t>Westminster Shorter Catechism 29</a:t>
+            </a:r>
+          </a:p>
+        </p:txBody>
+      </p:sp>
+    </p:spTree>
+  </p:cSld>
+  <p:clrMapOvr>
+    <a:masterClrMapping/>
+  </p:clrMapOvr>
+</p:sld>
+</file>
+
+<file path=ppt/slides/slide15.xml><?xml version="1.0" encoding="utf-8"?>
+<p:sld xmlns:a="http://schemas.openxmlformats.org/drawingml/2006/main" xmlns:r="http://schemas.openxmlformats.org/officeDocument/2006/relationships" xmlns:p="http://schemas.openxmlformats.org/presentationml/2006/main">
+  <p:cSld>
+    <p:spTree>
+      <p:nvGrpSpPr>
+        <p:cNvPr id="1" name=""/>
+        <p:cNvGrpSpPr/>
+        <p:nvPr/>
+      </p:nvGrpSpPr>
+      <p:grpSpPr>
+        <a:xfrm>
+          <a:off x="0" y="0"/>
+          <a:ext cx="0" cy="0"/>
+          <a:chOff x="0" y="0"/>
+          <a:chExt cx="0" cy="0"/>
+        </a:xfrm>
+      </p:grpSpPr>
+      <p:sp>
+        <p:nvSpPr>
+          <p:cNvPr id="2" name="Content Placeholder 1"/>
+          <p:cNvSpPr>
+            <a:spLocks noGrp="1"/>
+          </p:cNvSpPr>
+          <p:nvPr>
+            <p:ph sz="quarter" idx="10"/>
+          </p:nvPr>
+        </p:nvSpPr>
+        <p:spPr/>
+        <p:txBody>
+          <a:bodyPr/>
+          <a:lstStyle/>
+          <a:p>
+            <a:endParaRPr/>
+          </a:p>
+          <a:p>
+            <a:r>
+              <a:rPr sz="2800">
+                <a:solidFill>
+                  <a:srgbClr val="A12626"/>
+                </a:solidFill>
+              </a:rPr>
+              <a:t>How doth the Spirit apply to us the redemption purchased by Christ? </a:t>
+            </a:r>
+            <a:r>
+              <a:rPr sz="2800">
+                <a:solidFill>
+                  <a:srgbClr val="000000"/>
+                </a:solidFill>
+              </a:rPr>
+              <a:t>
+The Spirit applieth to us the redemption purchased by Christ, by working faith in us, and thereby uniting us to Christ in our effectual calling.</a:t>
+            </a:r>
+          </a:p>
+        </p:txBody>
+      </p:sp>
+      <p:sp>
+        <p:nvSpPr>
+          <p:cNvPr id="3" name="Title 2"/>
+          <p:cNvSpPr>
+            <a:spLocks noGrp="1"/>
+          </p:cNvSpPr>
+          <p:nvPr>
+            <p:ph type="title"/>
+          </p:nvPr>
+        </p:nvSpPr>
+        <p:spPr/>
+        <p:txBody>
+          <a:bodyPr/>
+          <a:lstStyle/>
+          <a:p>
+            <a:r>
+              <a:t>Westminster Shorter Catechism 30</a:t>
+            </a:r>
+          </a:p>
+        </p:txBody>
+      </p:sp>
+    </p:spTree>
+  </p:cSld>
+  <p:clrMapOvr>
+    <a:masterClrMapping/>
+  </p:clrMapOvr>
+</p:sld>
+</file>
+
+<file path=ppt/slides/slide16.xml><?xml version="1.0" encoding="utf-8"?>
+<p:sld xmlns:a="http://schemas.openxmlformats.org/drawingml/2006/main" xmlns:r="http://schemas.openxmlformats.org/officeDocument/2006/relationships" xmlns:p="http://schemas.openxmlformats.org/presentationml/2006/main">
+  <p:cSld>
+    <p:spTree>
+      <p:nvGrpSpPr>
+        <p:cNvPr id="1" name=""/>
+        <p:cNvGrpSpPr/>
+        <p:nvPr/>
+      </p:nvGrpSpPr>
+      <p:grpSpPr>
+        <a:xfrm>
+          <a:off x="0" y="0"/>
+          <a:ext cx="0" cy="0"/>
+          <a:chOff x="0" y="0"/>
+          <a:chExt cx="0" cy="0"/>
+        </a:xfrm>
+      </p:grpSpPr>
       <p:sp>
         <p:nvSpPr>
           <p:cNvPr id="2" name="Title 1"/>
@@ -5598,6 +6040,2127 @@
           <a:lstStyle/>
           <a:p>
             <a:r>
+              <a:t>Creator Spirit, by whose aid</a:t>
+            </a:r>
+          </a:p>
+        </p:txBody>
+      </p:sp>
+      <p:sp>
+        <p:nvSpPr>
+          <p:cNvPr id="3" name="Content Placeholder 2"/>
+          <p:cNvSpPr>
+            <a:spLocks noGrp="1"/>
+          </p:cNvSpPr>
+          <p:nvPr>
+            <p:ph sz="quarter" idx="10"/>
+          </p:nvPr>
+        </p:nvSpPr>
+        <p:spPr/>
+        <p:txBody>
+          <a:bodyPr/>
+          <a:lstStyle/>
+          <a:p>
+            <a:r>
+              <a:t>Creator Spirit, by whose aid</a:t>
+            </a:r>
+          </a:p>
+          <a:p>
+            <a:r>
+              <a:t>the world's foundations first were laid,</a:t>
+            </a:r>
+          </a:p>
+          <a:p>
+            <a:r>
+              <a:t>come, visit ev'ry waiting mind;</a:t>
+            </a:r>
+          </a:p>
+          <a:p>
+            <a:r>
+              <a:t>come, pour your joys on humankind.</a:t>
+            </a:r>
+          </a:p>
+          <a:p>
+            <a:r>
+              <a:t>From sin and sorrow set us free;</a:t>
+            </a:r>
+          </a:p>
+          <a:p>
+            <a:r>
+              <a:t>may we your living temples be. </a:t>
+            </a:r>
+          </a:p>
+        </p:txBody>
+      </p:sp>
+      <p:sp>
+        <p:nvSpPr>
+          <p:cNvPr id="4" name="Content Placeholder 3"/>
+          <p:cNvSpPr>
+            <a:spLocks noGrp="1"/>
+          </p:cNvSpPr>
+          <p:nvPr>
+            <p:ph sz="quarter" idx="11"/>
+          </p:nvPr>
+        </p:nvSpPr>
+        <p:spPr/>
+        <p:txBody>
+          <a:bodyPr/>
+          <a:lstStyle/>
+          <a:p>
+            <a:r>
+              <a:t>Words: Rabanus Maurus</a:t>
+            </a:r>
+          </a:p>
+          <a:p>
+            <a:r>
+              <a:t>Composer: John Bacchus Dykes (1861)</a:t>
+            </a:r>
+          </a:p>
+          <a:p>
+            <a:r>
+              <a:t>Tune: MELITA (Dykes)</a:t>
+            </a:r>
+          </a:p>
+          <a:p>
+            <a:r>
+              <a:t>©: Public Domain</a:t>
+            </a:r>
+          </a:p>
+          <a:p>
+            <a:r>
+              <a:t>CCLI: 522221</a:t>
+            </a:r>
+          </a:p>
+        </p:txBody>
+      </p:sp>
+    </p:spTree>
+  </p:cSld>
+  <p:clrMapOvr>
+    <a:masterClrMapping/>
+  </p:clrMapOvr>
+</p:sld>
+</file>
+
+<file path=ppt/slides/slide17.xml><?xml version="1.0" encoding="utf-8"?>
+<p:sld xmlns:a="http://schemas.openxmlformats.org/drawingml/2006/main" xmlns:r="http://schemas.openxmlformats.org/officeDocument/2006/relationships" xmlns:p="http://schemas.openxmlformats.org/presentationml/2006/main">
+  <p:cSld>
+    <p:spTree>
+      <p:nvGrpSpPr>
+        <p:cNvPr id="1" name=""/>
+        <p:cNvGrpSpPr/>
+        <p:nvPr/>
+      </p:nvGrpSpPr>
+      <p:grpSpPr>
+        <a:xfrm>
+          <a:off x="0" y="0"/>
+          <a:ext cx="0" cy="0"/>
+          <a:chOff x="0" y="0"/>
+          <a:chExt cx="0" cy="0"/>
+        </a:xfrm>
+      </p:grpSpPr>
+      <p:sp>
+        <p:nvSpPr>
+          <p:cNvPr id="2" name="Title 1"/>
+          <p:cNvSpPr>
+            <a:spLocks noGrp="1"/>
+          </p:cNvSpPr>
+          <p:nvPr>
+            <p:ph type="title"/>
+          </p:nvPr>
+        </p:nvSpPr>
+        <p:spPr/>
+        <p:txBody>
+          <a:bodyPr/>
+          <a:lstStyle/>
+          <a:p>
+            <a:r>
+              <a:t>Creator Spirit, by whose aid</a:t>
+            </a:r>
+          </a:p>
+        </p:txBody>
+      </p:sp>
+      <p:sp>
+        <p:nvSpPr>
+          <p:cNvPr id="3" name="Content Placeholder 2"/>
+          <p:cNvSpPr>
+            <a:spLocks noGrp="1"/>
+          </p:cNvSpPr>
+          <p:nvPr>
+            <p:ph sz="quarter" idx="10"/>
+          </p:nvPr>
+        </p:nvSpPr>
+        <p:spPr/>
+        <p:txBody>
+          <a:bodyPr/>
+          <a:lstStyle/>
+          <a:p>
+            <a:r>
+              <a:t>O Source of light, our Counselor</a:t>
+            </a:r>
+          </a:p>
+          <a:p>
+            <a:r>
+              <a:t>the Father's help to us assure,</a:t>
+            </a:r>
+          </a:p>
+          <a:p>
+            <a:r>
+              <a:t>Come down, as promised, with your fire,</a:t>
+            </a:r>
+          </a:p>
+          <a:p>
+            <a:r>
+              <a:t>and hearts with heav'nly love inspire.</a:t>
+            </a:r>
+          </a:p>
+          <a:p>
+            <a:r>
+              <a:t>Your sacred, healing message bring</a:t>
+            </a:r>
+          </a:p>
+          <a:p>
+            <a:r>
+              <a:t>to sanctify us when we sing. </a:t>
+            </a:r>
+          </a:p>
+        </p:txBody>
+      </p:sp>
+      <p:sp>
+        <p:nvSpPr>
+          <p:cNvPr id="4" name="Content Placeholder 3"/>
+          <p:cNvSpPr>
+            <a:spLocks noGrp="1"/>
+          </p:cNvSpPr>
+          <p:nvPr>
+            <p:ph sz="quarter" idx="11"/>
+          </p:nvPr>
+        </p:nvSpPr>
+        <p:spPr/>
+        <p:txBody>
+          <a:bodyPr/>
+          <a:lstStyle/>
+          <a:p>
+            <a:r>
+              <a:t>Words: Rabanus Maurus</a:t>
+            </a:r>
+          </a:p>
+          <a:p>
+            <a:r>
+              <a:t>Composer: John Bacchus Dykes (1861)</a:t>
+            </a:r>
+          </a:p>
+          <a:p>
+            <a:r>
+              <a:t>Tune: MELITA (Dykes)</a:t>
+            </a:r>
+          </a:p>
+          <a:p>
+            <a:r>
+              <a:t>©: Public Domain</a:t>
+            </a:r>
+          </a:p>
+          <a:p>
+            <a:r>
+              <a:t>CCLI: 522221</a:t>
+            </a:r>
+          </a:p>
+        </p:txBody>
+      </p:sp>
+    </p:spTree>
+  </p:cSld>
+  <p:clrMapOvr>
+    <a:masterClrMapping/>
+  </p:clrMapOvr>
+</p:sld>
+</file>
+
+<file path=ppt/slides/slide18.xml><?xml version="1.0" encoding="utf-8"?>
+<p:sld xmlns:a="http://schemas.openxmlformats.org/drawingml/2006/main" xmlns:r="http://schemas.openxmlformats.org/officeDocument/2006/relationships" xmlns:p="http://schemas.openxmlformats.org/presentationml/2006/main">
+  <p:cSld>
+    <p:spTree>
+      <p:nvGrpSpPr>
+        <p:cNvPr id="1" name=""/>
+        <p:cNvGrpSpPr/>
+        <p:nvPr/>
+      </p:nvGrpSpPr>
+      <p:grpSpPr>
+        <a:xfrm>
+          <a:off x="0" y="0"/>
+          <a:ext cx="0" cy="0"/>
+          <a:chOff x="0" y="0"/>
+          <a:chExt cx="0" cy="0"/>
+        </a:xfrm>
+      </p:grpSpPr>
+      <p:sp>
+        <p:nvSpPr>
+          <p:cNvPr id="2" name="Title 1"/>
+          <p:cNvSpPr>
+            <a:spLocks noGrp="1"/>
+          </p:cNvSpPr>
+          <p:nvPr>
+            <p:ph type="title"/>
+          </p:nvPr>
+        </p:nvSpPr>
+        <p:spPr/>
+        <p:txBody>
+          <a:bodyPr/>
+          <a:lstStyle/>
+          <a:p>
+            <a:r>
+              <a:t>Creator Spirit, by whose aid</a:t>
+            </a:r>
+          </a:p>
+        </p:txBody>
+      </p:sp>
+      <p:sp>
+        <p:nvSpPr>
+          <p:cNvPr id="3" name="Content Placeholder 2"/>
+          <p:cNvSpPr>
+            <a:spLocks noGrp="1"/>
+          </p:cNvSpPr>
+          <p:nvPr>
+            <p:ph sz="quarter" idx="10"/>
+          </p:nvPr>
+        </p:nvSpPr>
+        <p:spPr/>
+        <p:txBody>
+          <a:bodyPr/>
+          <a:lstStyle/>
+          <a:p>
+            <a:r>
+              <a:t>Giver of grace, descend from high</a:t>
+            </a:r>
+          </a:p>
+          <a:p>
+            <a:r>
+              <a:t>in answer to our earnest cry.</a:t>
+            </a:r>
+          </a:p>
+          <a:p>
+            <a:r>
+              <a:t>Help us eternal truths receive </a:t>
+            </a:r>
+          </a:p>
+          <a:p>
+            <a:r>
+              <a:t>and practice all that we believe.</a:t>
+            </a:r>
+          </a:p>
+          <a:p>
+            <a:r>
+              <a:t>Give us your wisdom that we see</a:t>
+            </a:r>
+          </a:p>
+          <a:p>
+            <a:r>
+              <a:t>the glory of the Trinity. </a:t>
+            </a:r>
+          </a:p>
+        </p:txBody>
+      </p:sp>
+      <p:sp>
+        <p:nvSpPr>
+          <p:cNvPr id="4" name="Content Placeholder 3"/>
+          <p:cNvSpPr>
+            <a:spLocks noGrp="1"/>
+          </p:cNvSpPr>
+          <p:nvPr>
+            <p:ph sz="quarter" idx="11"/>
+          </p:nvPr>
+        </p:nvSpPr>
+        <p:spPr/>
+        <p:txBody>
+          <a:bodyPr/>
+          <a:lstStyle/>
+          <a:p>
+            <a:r>
+              <a:t>Words: Rabanus Maurus</a:t>
+            </a:r>
+          </a:p>
+          <a:p>
+            <a:r>
+              <a:t>Composer: John Bacchus Dykes (1861)</a:t>
+            </a:r>
+          </a:p>
+          <a:p>
+            <a:r>
+              <a:t>Tune: MELITA (Dykes)</a:t>
+            </a:r>
+          </a:p>
+          <a:p>
+            <a:r>
+              <a:t>©: Public Domain</a:t>
+            </a:r>
+          </a:p>
+          <a:p>
+            <a:r>
+              <a:t>CCLI: 522221</a:t>
+            </a:r>
+          </a:p>
+        </p:txBody>
+      </p:sp>
+    </p:spTree>
+  </p:cSld>
+  <p:clrMapOvr>
+    <a:masterClrMapping/>
+  </p:clrMapOvr>
+</p:sld>
+</file>
+
+<file path=ppt/slides/slide19.xml><?xml version="1.0" encoding="utf-8"?>
+<p:sld xmlns:a="http://schemas.openxmlformats.org/drawingml/2006/main" xmlns:r="http://schemas.openxmlformats.org/officeDocument/2006/relationships" xmlns:p="http://schemas.openxmlformats.org/presentationml/2006/main">
+  <p:cSld>
+    <p:spTree>
+      <p:nvGrpSpPr>
+        <p:cNvPr id="1" name=""/>
+        <p:cNvGrpSpPr/>
+        <p:nvPr/>
+      </p:nvGrpSpPr>
+      <p:grpSpPr>
+        <a:xfrm>
+          <a:off x="0" y="0"/>
+          <a:ext cx="0" cy="0"/>
+          <a:chOff x="0" y="0"/>
+          <a:chExt cx="0" cy="0"/>
+        </a:xfrm>
+      </p:grpSpPr>
+      <p:sp>
+        <p:nvSpPr>
+          <p:cNvPr id="2" name="Title 1"/>
+          <p:cNvSpPr>
+            <a:spLocks noGrp="1"/>
+          </p:cNvSpPr>
+          <p:nvPr>
+            <p:ph type="title"/>
+          </p:nvPr>
+        </p:nvSpPr>
+        <p:spPr/>
+        <p:txBody>
+          <a:bodyPr/>
+          <a:lstStyle/>
+          <a:p>
+            <a:r>
+              <a:t>Creator Spirit, by whose aid</a:t>
+            </a:r>
+          </a:p>
+        </p:txBody>
+      </p:sp>
+      <p:sp>
+        <p:nvSpPr>
+          <p:cNvPr id="3" name="Content Placeholder 2"/>
+          <p:cNvSpPr>
+            <a:spLocks noGrp="1"/>
+          </p:cNvSpPr>
+          <p:nvPr>
+            <p:ph sz="quarter" idx="10"/>
+          </p:nvPr>
+        </p:nvSpPr>
+        <p:spPr/>
+        <p:txBody>
+          <a:bodyPr/>
+          <a:lstStyle/>
+          <a:p>
+            <a:r>
+              <a:t>Immortal honor, endless fame,</a:t>
+            </a:r>
+          </a:p>
+          <a:p>
+            <a:r>
+              <a:t>attend th'almighty Father's name;</a:t>
+            </a:r>
+          </a:p>
+          <a:p>
+            <a:r>
+              <a:t>the Savior-Son be glorified,</a:t>
+            </a:r>
+          </a:p>
+          <a:p>
+            <a:r>
+              <a:t>who for all humankind has died;</a:t>
+            </a:r>
+          </a:p>
+          <a:p>
+            <a:r>
+              <a:t>and equal adoration rise</a:t>
+            </a:r>
+          </a:p>
+          <a:p>
+            <a:r>
+              <a:t>to you, O Spirit, in the skies.Source: Christian Worship: Hymnal #589</a:t>
+            </a:r>
+          </a:p>
+        </p:txBody>
+      </p:sp>
+      <p:sp>
+        <p:nvSpPr>
+          <p:cNvPr id="4" name="Content Placeholder 3"/>
+          <p:cNvSpPr>
+            <a:spLocks noGrp="1"/>
+          </p:cNvSpPr>
+          <p:nvPr>
+            <p:ph sz="quarter" idx="11"/>
+          </p:nvPr>
+        </p:nvSpPr>
+        <p:spPr/>
+        <p:txBody>
+          <a:bodyPr/>
+          <a:lstStyle/>
+          <a:p>
+            <a:r>
+              <a:t>Words: Rabanus Maurus</a:t>
+            </a:r>
+          </a:p>
+          <a:p>
+            <a:r>
+              <a:t>Composer: John Bacchus Dykes (1861)</a:t>
+            </a:r>
+          </a:p>
+          <a:p>
+            <a:r>
+              <a:t>Tune: MELITA (Dykes)</a:t>
+            </a:r>
+          </a:p>
+          <a:p>
+            <a:r>
+              <a:t>©: Public Domain</a:t>
+            </a:r>
+          </a:p>
+          <a:p>
+            <a:r>
+              <a:t>CCLI: 522221</a:t>
+            </a:r>
+          </a:p>
+        </p:txBody>
+      </p:sp>
+    </p:spTree>
+  </p:cSld>
+  <p:clrMapOvr>
+    <a:masterClrMapping/>
+  </p:clrMapOvr>
+</p:sld>
+</file>
+
+<file path=ppt/slides/slide2.xml><?xml version="1.0" encoding="utf-8"?>
+<p:sld xmlns:a="http://schemas.openxmlformats.org/drawingml/2006/main" xmlns:r="http://schemas.openxmlformats.org/officeDocument/2006/relationships" xmlns:p="http://schemas.openxmlformats.org/presentationml/2006/main">
+  <p:cSld>
+    <p:spTree>
+      <p:nvGrpSpPr>
+        <p:cNvPr id="1" name=""/>
+        <p:cNvGrpSpPr/>
+        <p:nvPr/>
+      </p:nvGrpSpPr>
+      <p:grpSpPr>
+        <a:xfrm>
+          <a:off x="0" y="0"/>
+          <a:ext cx="0" cy="0"/>
+          <a:chOff x="0" y="0"/>
+          <a:chExt cx="0" cy="0"/>
+        </a:xfrm>
+      </p:grpSpPr>
+      <p:sp>
+        <p:nvSpPr>
+          <p:cNvPr id="2" name="Title 1"/>
+          <p:cNvSpPr>
+            <a:spLocks noGrp="1"/>
+          </p:cNvSpPr>
+          <p:nvPr>
+            <p:ph type="title"/>
+          </p:nvPr>
+        </p:nvSpPr>
+        <p:spPr/>
+        <p:txBody>
+          <a:bodyPr/>
+          <a:lstStyle/>
+          <a:p>
+            <a:r>
+              <a:t>Call to worship</a:t>
+            </a:r>
+          </a:p>
+        </p:txBody>
+      </p:sp>
+      <p:sp>
+        <p:nvSpPr>
+          <p:cNvPr id="3" name="Content Placeholder 2"/>
+          <p:cNvSpPr>
+            <a:spLocks noGrp="1"/>
+          </p:cNvSpPr>
+          <p:nvPr>
+            <p:ph sz="quarter" idx="10"/>
+          </p:nvPr>
+        </p:nvSpPr>
+        <p:spPr/>
+        <p:txBody>
+          <a:bodyPr/>
+          <a:lstStyle/>
+          <a:p>
+            <a:r>
+              <a:t>To the choirmaster. Of David, for the memorial offering.</a:t>
+            </a:r>
+          </a:p>
+          <a:p>
+            <a:endParaRPr/>
+          </a:p>
+          <a:p>
+            <a:r>
+              <a:t>    ¹Make haste, O God, to deliver me!</a:t>
+            </a:r>
+          </a:p>
+          <a:p>
+            <a:r>
+              <a:t>        O LORD, make haste to help me!</a:t>
+            </a:r>
+          </a:p>
+        </p:txBody>
+      </p:sp>
+      <p:sp>
+        <p:nvSpPr>
+          <p:cNvPr id="4" name="Content Placeholder 3"/>
+          <p:cNvSpPr>
+            <a:spLocks noGrp="1"/>
+          </p:cNvSpPr>
+          <p:nvPr>
+            <p:ph sz="quarter" idx="11"/>
+          </p:nvPr>
+        </p:nvSpPr>
+        <p:spPr>
+          <a:xfrm>
+            <a:off x="6758152" y="5018752"/>
+            <a:ext cx="2628937" cy="1175961"/>
+          </a:xfrm>
+        </p:spPr>
+        <p:txBody>
+          <a:bodyPr/>
+          <a:lstStyle/>
+          <a:p>
+            <a:r>
+              <a:t>Psalm 70:1</a:t>
+            </a:r>
+          </a:p>
+        </p:txBody>
+      </p:sp>
+    </p:spTree>
+  </p:cSld>
+  <p:clrMapOvr>
+    <a:masterClrMapping/>
+  </p:clrMapOvr>
+</p:sld>
+</file>
+
+<file path=ppt/slides/slide20.xml><?xml version="1.0" encoding="utf-8"?>
+<p:sld xmlns:a="http://schemas.openxmlformats.org/drawingml/2006/main" xmlns:r="http://schemas.openxmlformats.org/officeDocument/2006/relationships" xmlns:p="http://schemas.openxmlformats.org/presentationml/2006/main">
+  <p:cSld>
+    <p:spTree>
+      <p:nvGrpSpPr>
+        <p:cNvPr id="1" name=""/>
+        <p:cNvGrpSpPr/>
+        <p:nvPr/>
+      </p:nvGrpSpPr>
+      <p:grpSpPr>
+        <a:xfrm>
+          <a:off x="0" y="0"/>
+          <a:ext cx="0" cy="0"/>
+          <a:chOff x="0" y="0"/>
+          <a:chExt cx="0" cy="0"/>
+        </a:xfrm>
+      </p:grpSpPr>
+      <p:sp>
+        <p:nvSpPr>
+          <p:cNvPr id="2" name="Title 1"/>
+          <p:cNvSpPr>
+            <a:spLocks noGrp="1"/>
+          </p:cNvSpPr>
+          <p:nvPr>
+            <p:ph type="title"/>
+          </p:nvPr>
+        </p:nvSpPr>
+        <p:spPr/>
+        <p:txBody>
+          <a:bodyPr/>
+          <a:lstStyle/>
+          <a:p>
+            <a:r>
+              <a:t>Second Reading</a:t>
+            </a:r>
+          </a:p>
+        </p:txBody>
+      </p:sp>
+      <p:sp>
+        <p:nvSpPr>
+          <p:cNvPr id="3" name="Content Placeholder 2"/>
+          <p:cNvSpPr>
+            <a:spLocks noGrp="1"/>
+          </p:cNvSpPr>
+          <p:nvPr>
+            <p:ph sz="quarter" idx="10"/>
+          </p:nvPr>
+        </p:nvSpPr>
+        <p:spPr/>
+        <p:txBody>
+          <a:bodyPr/>
+          <a:lstStyle/>
+          <a:p>
+            <a:r>
+              <a:t>Genesis 5:1-30</a:t>
+            </a:r>
+          </a:p>
+          <a:p>
+            <a:endParaRPr/>
+          </a:p>
+          <a:p>
+            <a:r>
+              <a:t>pg. X</a:t>
+            </a:r>
+          </a:p>
+        </p:txBody>
+      </p:sp>
+    </p:spTree>
+  </p:cSld>
+  <p:clrMapOvr>
+    <a:masterClrMapping/>
+  </p:clrMapOvr>
+</p:sld>
+</file>
+
+<file path=ppt/slides/slide21.xml><?xml version="1.0" encoding="utf-8"?>
+<p:sld xmlns:a="http://schemas.openxmlformats.org/drawingml/2006/main" xmlns:r="http://schemas.openxmlformats.org/officeDocument/2006/relationships" xmlns:p="http://schemas.openxmlformats.org/presentationml/2006/main">
+  <p:cSld>
+    <p:spTree>
+      <p:nvGrpSpPr>
+        <p:cNvPr id="1" name=""/>
+        <p:cNvGrpSpPr/>
+        <p:nvPr/>
+      </p:nvGrpSpPr>
+      <p:grpSpPr>
+        <a:xfrm>
+          <a:off x="0" y="0"/>
+          <a:ext cx="0" cy="0"/>
+          <a:chOff x="0" y="0"/>
+          <a:chExt cx="0" cy="0"/>
+        </a:xfrm>
+      </p:grpSpPr>
+      <p:sp>
+        <p:nvSpPr>
+          <p:cNvPr id="2" name="Title 1"/>
+          <p:cNvSpPr>
+            <a:spLocks noGrp="1"/>
+          </p:cNvSpPr>
+          <p:nvPr>
+            <p:ph type="title"/>
+          </p:nvPr>
+        </p:nvSpPr>
+        <p:spPr/>
+        <p:txBody>
+          <a:bodyPr/>
+          <a:lstStyle/>
+          <a:p>
+            <a:r>
+              <a:t>Apostles' Creed (180 AD)</a:t>
+            </a:r>
+          </a:p>
+        </p:txBody>
+      </p:sp>
+      <p:sp>
+        <p:nvSpPr>
+          <p:cNvPr id="3" name="Content Placeholder 2"/>
+          <p:cNvSpPr>
+            <a:spLocks noGrp="1"/>
+          </p:cNvSpPr>
+          <p:nvPr>
+            <p:ph sz="quarter" idx="10"/>
+          </p:nvPr>
+        </p:nvSpPr>
+        <p:spPr/>
+        <p:txBody>
+          <a:bodyPr/>
+          <a:lstStyle/>
+          <a:p>
+            <a:endParaRPr/>
+          </a:p>
+          <a:p>
+            <a:r>
+              <a:rPr sz="2800">
+                <a:solidFill>
+                  <a:srgbClr val="A12626"/>
+                </a:solidFill>
+              </a:rPr>
+              <a:t>All. </a:t>
+            </a:r>
+            <a:r>
+              <a:rPr sz="2800">
+                <a:solidFill>
+                  <a:srgbClr val="000000"/>
+                </a:solidFill>
+              </a:rPr>
+              <a:t>I believe in God, the Father Almighty, Creator of heaven and earth.
+I believe in Jesus Christ, his only Son our Lord. He was conceived by the Holy Spirit and born of the virgin Mary.
+He suffered under Pontius Pilate, was crucified, died, and was buried. He descended to the dead.</a:t>
+            </a:r>
+          </a:p>
+        </p:txBody>
+      </p:sp>
+    </p:spTree>
+  </p:cSld>
+  <p:clrMapOvr>
+    <a:masterClrMapping/>
+  </p:clrMapOvr>
+</p:sld>
+</file>
+
+<file path=ppt/slides/slide22.xml><?xml version="1.0" encoding="utf-8"?>
+<p:sld xmlns:a="http://schemas.openxmlformats.org/drawingml/2006/main" xmlns:r="http://schemas.openxmlformats.org/officeDocument/2006/relationships" xmlns:p="http://schemas.openxmlformats.org/presentationml/2006/main">
+  <p:cSld>
+    <p:spTree>
+      <p:nvGrpSpPr>
+        <p:cNvPr id="1" name=""/>
+        <p:cNvGrpSpPr/>
+        <p:nvPr/>
+      </p:nvGrpSpPr>
+      <p:grpSpPr>
+        <a:xfrm>
+          <a:off x="0" y="0"/>
+          <a:ext cx="0" cy="0"/>
+          <a:chOff x="0" y="0"/>
+          <a:chExt cx="0" cy="0"/>
+        </a:xfrm>
+      </p:grpSpPr>
+      <p:sp>
+        <p:nvSpPr>
+          <p:cNvPr id="2" name="Title 1"/>
+          <p:cNvSpPr>
+            <a:spLocks noGrp="1"/>
+          </p:cNvSpPr>
+          <p:nvPr>
+            <p:ph type="title"/>
+          </p:nvPr>
+        </p:nvSpPr>
+        <p:spPr/>
+        <p:txBody>
+          <a:bodyPr/>
+          <a:lstStyle/>
+          <a:p>
+            <a:r>
+              <a:t>Apostles' Creed (180 AD)</a:t>
+            </a:r>
+          </a:p>
+        </p:txBody>
+      </p:sp>
+      <p:sp>
+        <p:nvSpPr>
+          <p:cNvPr id="3" name="Content Placeholder 2"/>
+          <p:cNvSpPr>
+            <a:spLocks noGrp="1"/>
+          </p:cNvSpPr>
+          <p:nvPr>
+            <p:ph sz="quarter" idx="10"/>
+          </p:nvPr>
+        </p:nvSpPr>
+        <p:spPr/>
+        <p:txBody>
+          <a:bodyPr/>
+          <a:lstStyle/>
+          <a:p>
+            <a:endParaRPr/>
+          </a:p>
+          <a:p>
+            <a:r>
+              <a:rPr sz="2800">
+                <a:solidFill>
+                  <a:srgbClr val="A12626"/>
+                </a:solidFill>
+              </a:rPr>
+              <a:t>All. </a:t>
+            </a:r>
+            <a:r>
+              <a:rPr sz="2800">
+                <a:solidFill>
+                  <a:srgbClr val="000000"/>
+                </a:solidFill>
+              </a:rPr>
+              <a:t>On the third day he rose again.
+He ascended into heaven,
+and sits at the right hand of the Father.
+From there he shall come again to judge the living and the dead.
+I believe in the Holy Spirit, the holy catholic church, the communion of saints, the forgiveness of sins, the resurrection of the body, and the life everlasting. Amen.</a:t>
+            </a:r>
+          </a:p>
+        </p:txBody>
+      </p:sp>
+    </p:spTree>
+  </p:cSld>
+  <p:clrMapOvr>
+    <a:masterClrMapping/>
+  </p:clrMapOvr>
+</p:sld>
+</file>
+
+<file path=ppt/slides/slide23.xml><?xml version="1.0" encoding="utf-8"?>
+<p:sld xmlns:a="http://schemas.openxmlformats.org/drawingml/2006/main" xmlns:r="http://schemas.openxmlformats.org/officeDocument/2006/relationships" xmlns:p="http://schemas.openxmlformats.org/presentationml/2006/main">
+  <p:cSld>
+    <p:spTree>
+      <p:nvGrpSpPr>
+        <p:cNvPr id="1" name=""/>
+        <p:cNvGrpSpPr/>
+        <p:nvPr/>
+      </p:nvGrpSpPr>
+      <p:grpSpPr>
+        <a:xfrm>
+          <a:off x="0" y="0"/>
+          <a:ext cx="0" cy="0"/>
+          <a:chOff x="0" y="0"/>
+          <a:chExt cx="0" cy="0"/>
+        </a:xfrm>
+      </p:grpSpPr>
+      <p:sp>
+        <p:nvSpPr>
+          <p:cNvPr id="2" name="Title 1"/>
+          <p:cNvSpPr>
+            <a:spLocks noGrp="1"/>
+          </p:cNvSpPr>
+          <p:nvPr>
+            <p:ph type="title"/>
+          </p:nvPr>
+        </p:nvSpPr>
+        <p:spPr/>
+        <p:txBody>
+          <a:bodyPr/>
+          <a:lstStyle/>
+          <a:p>
+            <a:r>
+              <a:t>Prayers of Intercession</a:t>
+            </a:r>
+          </a:p>
+        </p:txBody>
+      </p:sp>
+      <p:sp>
+        <p:nvSpPr>
+          <p:cNvPr id="3" name="Content Placeholder 2"/>
+          <p:cNvSpPr>
+            <a:spLocks noGrp="1"/>
+          </p:cNvSpPr>
+          <p:nvPr>
+            <p:ph sz="quarter" idx="10"/>
+          </p:nvPr>
+        </p:nvSpPr>
+        <p:spPr/>
+        <p:txBody>
+          <a:bodyPr/>
+          <a:lstStyle/>
+          <a:p>
+            <a:endParaRPr/>
+          </a:p>
+        </p:txBody>
+      </p:sp>
+    </p:spTree>
+  </p:cSld>
+  <p:clrMapOvr>
+    <a:masterClrMapping/>
+  </p:clrMapOvr>
+</p:sld>
+</file>
+
+<file path=ppt/slides/slide24.xml><?xml version="1.0" encoding="utf-8"?>
+<p:sld xmlns:a="http://schemas.openxmlformats.org/drawingml/2006/main" xmlns:r="http://schemas.openxmlformats.org/officeDocument/2006/relationships" xmlns:p="http://schemas.openxmlformats.org/presentationml/2006/main">
+  <p:cSld>
+    <p:spTree>
+      <p:nvGrpSpPr>
+        <p:cNvPr id="1" name=""/>
+        <p:cNvGrpSpPr/>
+        <p:nvPr/>
+      </p:nvGrpSpPr>
+      <p:grpSpPr>
+        <a:xfrm>
+          <a:off x="0" y="0"/>
+          <a:ext cx="0" cy="0"/>
+          <a:chOff x="0" y="0"/>
+          <a:chExt cx="0" cy="0"/>
+        </a:xfrm>
+      </p:grpSpPr>
+      <p:sp>
+        <p:nvSpPr>
+          <p:cNvPr id="2" name="Title 1"/>
+          <p:cNvSpPr>
+            <a:spLocks noGrp="1"/>
+          </p:cNvSpPr>
+          <p:nvPr>
+            <p:ph type="title"/>
+          </p:nvPr>
+        </p:nvSpPr>
+        <p:spPr/>
+        <p:txBody>
+          <a:bodyPr/>
+          <a:lstStyle/>
+          <a:p>
+            <a:r>
+              <a:t>Before the Throne of God Above</a:t>
+            </a:r>
+          </a:p>
+        </p:txBody>
+      </p:sp>
+      <p:sp>
+        <p:nvSpPr>
+          <p:cNvPr id="3" name="Content Placeholder 2"/>
+          <p:cNvSpPr>
+            <a:spLocks noGrp="1"/>
+          </p:cNvSpPr>
+          <p:nvPr>
+            <p:ph sz="quarter" idx="10"/>
+          </p:nvPr>
+        </p:nvSpPr>
+        <p:spPr/>
+        <p:txBody>
+          <a:bodyPr>
+            <a:noAutofit/>
+          </a:bodyPr>
+          <a:lstStyle/>
+          <a:p>
+            <a:pPr>
+              <a:spcBef>
+                <a:spcPts val="600"/>
+              </a:spcBef>
+            </a:pPr>
+            <a:r>
+              <a:rPr sz="2400" dirty="0"/>
+              <a:t>Before the throne of God above</a:t>
+            </a:r>
+          </a:p>
+          <a:p>
+            <a:pPr>
+              <a:spcBef>
+                <a:spcPts val="600"/>
+              </a:spcBef>
+            </a:pPr>
+            <a:r>
+              <a:rPr sz="2400" dirty="0"/>
+              <a:t>I have a strong and perfect plea;</a:t>
+            </a:r>
+          </a:p>
+          <a:p>
+            <a:pPr>
+              <a:spcBef>
+                <a:spcPts val="600"/>
+              </a:spcBef>
+            </a:pPr>
+            <a:r>
+              <a:rPr sz="2400" dirty="0"/>
+              <a:t>a great High Priest whose name is Love,</a:t>
+            </a:r>
+          </a:p>
+          <a:p>
+            <a:pPr>
+              <a:spcBef>
+                <a:spcPts val="600"/>
+              </a:spcBef>
+            </a:pPr>
+            <a:r>
+              <a:rPr sz="2400" dirty="0"/>
+              <a:t>who ever lives and pleads for me.</a:t>
+            </a:r>
+          </a:p>
+          <a:p>
+            <a:pPr>
+              <a:spcBef>
+                <a:spcPts val="600"/>
+              </a:spcBef>
+            </a:pPr>
+            <a:r>
+              <a:rPr sz="2400" dirty="0"/>
+              <a:t>My name is graven on his hands,</a:t>
+            </a:r>
+          </a:p>
+          <a:p>
+            <a:pPr>
+              <a:spcBef>
+                <a:spcPts val="600"/>
+              </a:spcBef>
+            </a:pPr>
+            <a:r>
+              <a:rPr sz="2400" dirty="0"/>
+              <a:t>my name is written on his heart.</a:t>
+            </a:r>
+          </a:p>
+          <a:p>
+            <a:pPr>
+              <a:spcBef>
+                <a:spcPts val="600"/>
+              </a:spcBef>
+            </a:pPr>
+            <a:r>
+              <a:rPr sz="2400" dirty="0"/>
+              <a:t>I know that while in </a:t>
+            </a:r>
+            <a:r>
+              <a:rPr sz="2400" dirty="0" err="1"/>
+              <a:t>heav'n</a:t>
+            </a:r>
+            <a:r>
+              <a:rPr sz="2400" dirty="0"/>
+              <a:t> he stands</a:t>
+            </a:r>
+          </a:p>
+          <a:p>
+            <a:pPr>
+              <a:spcBef>
+                <a:spcPts val="600"/>
+              </a:spcBef>
+            </a:pPr>
+            <a:r>
+              <a:rPr sz="2400" dirty="0"/>
+              <a:t>no tongue can bid me thence depart,</a:t>
+            </a:r>
+          </a:p>
+          <a:p>
+            <a:pPr>
+              <a:spcBef>
+                <a:spcPts val="600"/>
+              </a:spcBef>
+            </a:pPr>
+            <a:r>
+              <a:rPr sz="2400" dirty="0"/>
+              <a:t>no tongue can bid me thence depart. </a:t>
+            </a:r>
+          </a:p>
+        </p:txBody>
+      </p:sp>
+      <p:sp>
+        <p:nvSpPr>
+          <p:cNvPr id="4" name="Content Placeholder 3"/>
+          <p:cNvSpPr>
+            <a:spLocks noGrp="1"/>
+          </p:cNvSpPr>
+          <p:nvPr>
+            <p:ph sz="quarter" idx="11"/>
+          </p:nvPr>
+        </p:nvSpPr>
+        <p:spPr/>
+        <p:txBody>
+          <a:bodyPr/>
+          <a:lstStyle/>
+          <a:p>
+            <a:r>
+              <a:t>Words: Charitie Lees Bancroft</a:t>
+            </a:r>
+          </a:p>
+          <a:p>
+            <a:r>
+              <a:t>Composer: Vikki Cook</a:t>
+            </a:r>
+          </a:p>
+          <a:p>
+            <a:r>
+              <a:t>Tune: [Before the throne of God above]</a:t>
+            </a:r>
+          </a:p>
+          <a:p>
+            <a:r>
+              <a:t>©: Public Domain</a:t>
+            </a:r>
+          </a:p>
+          <a:p>
+            <a:r>
+              <a:t>CCLI: 522221</a:t>
+            </a:r>
+          </a:p>
+        </p:txBody>
+      </p:sp>
+    </p:spTree>
+  </p:cSld>
+  <p:clrMapOvr>
+    <a:masterClrMapping/>
+  </p:clrMapOvr>
+</p:sld>
+</file>
+
+<file path=ppt/slides/slide25.xml><?xml version="1.0" encoding="utf-8"?>
+<p:sld xmlns:a="http://schemas.openxmlformats.org/drawingml/2006/main" xmlns:r="http://schemas.openxmlformats.org/officeDocument/2006/relationships" xmlns:p="http://schemas.openxmlformats.org/presentationml/2006/main">
+  <p:cSld>
+    <p:spTree>
+      <p:nvGrpSpPr>
+        <p:cNvPr id="1" name=""/>
+        <p:cNvGrpSpPr/>
+        <p:nvPr/>
+      </p:nvGrpSpPr>
+      <p:grpSpPr>
+        <a:xfrm>
+          <a:off x="0" y="0"/>
+          <a:ext cx="0" cy="0"/>
+          <a:chOff x="0" y="0"/>
+          <a:chExt cx="0" cy="0"/>
+        </a:xfrm>
+      </p:grpSpPr>
+      <p:sp>
+        <p:nvSpPr>
+          <p:cNvPr id="2" name="Title 1"/>
+          <p:cNvSpPr>
+            <a:spLocks noGrp="1"/>
+          </p:cNvSpPr>
+          <p:nvPr>
+            <p:ph type="title"/>
+          </p:nvPr>
+        </p:nvSpPr>
+        <p:spPr/>
+        <p:txBody>
+          <a:bodyPr/>
+          <a:lstStyle/>
+          <a:p>
+            <a:r>
+              <a:t>Before the Throne of God Above</a:t>
+            </a:r>
+          </a:p>
+        </p:txBody>
+      </p:sp>
+      <p:sp>
+        <p:nvSpPr>
+          <p:cNvPr id="3" name="Content Placeholder 2"/>
+          <p:cNvSpPr>
+            <a:spLocks noGrp="1"/>
+          </p:cNvSpPr>
+          <p:nvPr>
+            <p:ph sz="quarter" idx="10"/>
+          </p:nvPr>
+        </p:nvSpPr>
+        <p:spPr/>
+        <p:txBody>
+          <a:bodyPr/>
+          <a:lstStyle/>
+          <a:p>
+            <a:pPr>
+              <a:spcBef>
+                <a:spcPts val="600"/>
+              </a:spcBef>
+            </a:pPr>
+            <a:r>
+              <a:rPr sz="2400" dirty="0"/>
+              <a:t>When Satan tempts me to despair</a:t>
+            </a:r>
+          </a:p>
+          <a:p>
+            <a:pPr>
+              <a:spcBef>
+                <a:spcPts val="600"/>
+              </a:spcBef>
+            </a:pPr>
+            <a:r>
+              <a:rPr sz="2400" dirty="0"/>
+              <a:t>and tells me of the guilt within,</a:t>
+            </a:r>
+          </a:p>
+          <a:p>
+            <a:pPr>
+              <a:spcBef>
+                <a:spcPts val="600"/>
+              </a:spcBef>
+            </a:pPr>
+            <a:r>
+              <a:rPr sz="2400" dirty="0"/>
+              <a:t>upward I look and see him there</a:t>
+            </a:r>
+          </a:p>
+          <a:p>
+            <a:pPr>
+              <a:spcBef>
+                <a:spcPts val="600"/>
+              </a:spcBef>
+            </a:pPr>
+            <a:r>
+              <a:rPr sz="2400" dirty="0"/>
+              <a:t>who made an end of all my sin.</a:t>
+            </a:r>
+          </a:p>
+          <a:p>
+            <a:pPr>
+              <a:spcBef>
+                <a:spcPts val="600"/>
+              </a:spcBef>
+            </a:pPr>
+            <a:r>
+              <a:rPr sz="2400" dirty="0"/>
+              <a:t>Because the sinless Savior died,</a:t>
+            </a:r>
+          </a:p>
+          <a:p>
+            <a:pPr>
+              <a:spcBef>
+                <a:spcPts val="600"/>
+              </a:spcBef>
+            </a:pPr>
+            <a:r>
+              <a:rPr sz="2400" dirty="0"/>
+              <a:t>my sinful soul is counted free;</a:t>
+            </a:r>
+          </a:p>
+          <a:p>
+            <a:pPr>
+              <a:spcBef>
+                <a:spcPts val="600"/>
+              </a:spcBef>
+            </a:pPr>
+            <a:r>
+              <a:rPr sz="2400" dirty="0"/>
+              <a:t>for God the just is satisfied</a:t>
+            </a:r>
+          </a:p>
+          <a:p>
+            <a:pPr>
+              <a:spcBef>
+                <a:spcPts val="600"/>
+              </a:spcBef>
+            </a:pPr>
+            <a:r>
+              <a:rPr sz="2400" dirty="0"/>
+              <a:t>to look on him and pardon me,</a:t>
+            </a:r>
+          </a:p>
+          <a:p>
+            <a:pPr>
+              <a:spcBef>
+                <a:spcPts val="600"/>
+              </a:spcBef>
+            </a:pPr>
+            <a:r>
+              <a:rPr sz="2400" dirty="0"/>
+              <a:t>to look on him and pardon me. </a:t>
+            </a:r>
+          </a:p>
+        </p:txBody>
+      </p:sp>
+      <p:sp>
+        <p:nvSpPr>
+          <p:cNvPr id="4" name="Content Placeholder 3"/>
+          <p:cNvSpPr>
+            <a:spLocks noGrp="1"/>
+          </p:cNvSpPr>
+          <p:nvPr>
+            <p:ph sz="quarter" idx="11"/>
+          </p:nvPr>
+        </p:nvSpPr>
+        <p:spPr/>
+        <p:txBody>
+          <a:bodyPr/>
+          <a:lstStyle/>
+          <a:p>
+            <a:r>
+              <a:t>Words: Charitie Lees Bancroft</a:t>
+            </a:r>
+          </a:p>
+          <a:p>
+            <a:r>
+              <a:t>Composer: Vikki Cook</a:t>
+            </a:r>
+          </a:p>
+          <a:p>
+            <a:r>
+              <a:t>Tune: [Before the throne of God above]</a:t>
+            </a:r>
+          </a:p>
+          <a:p>
+            <a:r>
+              <a:t>©: Public Domain</a:t>
+            </a:r>
+          </a:p>
+          <a:p>
+            <a:r>
+              <a:t>CCLI: 522221</a:t>
+            </a:r>
+          </a:p>
+        </p:txBody>
+      </p:sp>
+    </p:spTree>
+  </p:cSld>
+  <p:clrMapOvr>
+    <a:masterClrMapping/>
+  </p:clrMapOvr>
+</p:sld>
+</file>
+
+<file path=ppt/slides/slide26.xml><?xml version="1.0" encoding="utf-8"?>
+<p:sld xmlns:a="http://schemas.openxmlformats.org/drawingml/2006/main" xmlns:r="http://schemas.openxmlformats.org/officeDocument/2006/relationships" xmlns:p="http://schemas.openxmlformats.org/presentationml/2006/main">
+  <p:cSld>
+    <p:spTree>
+      <p:nvGrpSpPr>
+        <p:cNvPr id="1" name=""/>
+        <p:cNvGrpSpPr/>
+        <p:nvPr/>
+      </p:nvGrpSpPr>
+      <p:grpSpPr>
+        <a:xfrm>
+          <a:off x="0" y="0"/>
+          <a:ext cx="0" cy="0"/>
+          <a:chOff x="0" y="0"/>
+          <a:chExt cx="0" cy="0"/>
+        </a:xfrm>
+      </p:grpSpPr>
+      <p:sp>
+        <p:nvSpPr>
+          <p:cNvPr id="2" name="Title 1"/>
+          <p:cNvSpPr>
+            <a:spLocks noGrp="1"/>
+          </p:cNvSpPr>
+          <p:nvPr>
+            <p:ph type="title"/>
+          </p:nvPr>
+        </p:nvSpPr>
+        <p:spPr/>
+        <p:txBody>
+          <a:bodyPr/>
+          <a:lstStyle/>
+          <a:p>
+            <a:r>
+              <a:t>Before the Throne of God Above</a:t>
+            </a:r>
+          </a:p>
+        </p:txBody>
+      </p:sp>
+      <p:sp>
+        <p:nvSpPr>
+          <p:cNvPr id="3" name="Content Placeholder 2"/>
+          <p:cNvSpPr>
+            <a:spLocks noGrp="1"/>
+          </p:cNvSpPr>
+          <p:nvPr>
+            <p:ph sz="quarter" idx="10"/>
+          </p:nvPr>
+        </p:nvSpPr>
+        <p:spPr/>
+        <p:txBody>
+          <a:bodyPr>
+            <a:normAutofit/>
+          </a:bodyPr>
+          <a:lstStyle/>
+          <a:p>
+            <a:pPr>
+              <a:spcBef>
+                <a:spcPts val="600"/>
+              </a:spcBef>
+            </a:pPr>
+            <a:r>
+              <a:rPr sz="2400" dirty="0"/>
+              <a:t>Behold him there, the risen Lamb,</a:t>
+            </a:r>
+          </a:p>
+          <a:p>
+            <a:pPr>
+              <a:spcBef>
+                <a:spcPts val="600"/>
+              </a:spcBef>
+            </a:pPr>
+            <a:r>
+              <a:rPr sz="2400" dirty="0"/>
+              <a:t>my perfect, spotless righteousness,</a:t>
+            </a:r>
+          </a:p>
+          <a:p>
+            <a:pPr>
+              <a:spcBef>
+                <a:spcPts val="600"/>
+              </a:spcBef>
+            </a:pPr>
+            <a:r>
+              <a:rPr sz="2400" dirty="0"/>
+              <a:t>the great unchangeable I AM,</a:t>
+            </a:r>
+          </a:p>
+          <a:p>
+            <a:pPr>
+              <a:spcBef>
+                <a:spcPts val="600"/>
+              </a:spcBef>
+            </a:pPr>
+            <a:r>
+              <a:rPr sz="2400" dirty="0"/>
+              <a:t>the King of glory and of grace.</a:t>
+            </a:r>
+          </a:p>
+          <a:p>
+            <a:pPr>
+              <a:spcBef>
+                <a:spcPts val="600"/>
+              </a:spcBef>
+            </a:pPr>
+            <a:r>
+              <a:rPr sz="2400" dirty="0"/>
+              <a:t>At one with him, I cannot die;</a:t>
+            </a:r>
+          </a:p>
+          <a:p>
+            <a:pPr>
+              <a:spcBef>
+                <a:spcPts val="600"/>
+              </a:spcBef>
+            </a:pPr>
+            <a:r>
+              <a:rPr sz="2400" dirty="0"/>
+              <a:t>my soul is purchased by his blood.</a:t>
+            </a:r>
+          </a:p>
+          <a:p>
+            <a:pPr>
+              <a:spcBef>
+                <a:spcPts val="600"/>
+              </a:spcBef>
+            </a:pPr>
+            <a:r>
+              <a:rPr sz="2400" dirty="0"/>
+              <a:t>My life is hid with Christ on high,</a:t>
+            </a:r>
+          </a:p>
+          <a:p>
+            <a:pPr>
+              <a:spcBef>
+                <a:spcPts val="600"/>
+              </a:spcBef>
+            </a:pPr>
+            <a:r>
+              <a:rPr sz="2400" dirty="0"/>
+              <a:t>with Christ my Savior and my God,</a:t>
+            </a:r>
+          </a:p>
+          <a:p>
+            <a:pPr>
+              <a:spcBef>
+                <a:spcPts val="600"/>
+              </a:spcBef>
+            </a:pPr>
+            <a:r>
+              <a:rPr sz="2400" dirty="0"/>
+              <a:t>with Christ my Savior and my God.</a:t>
+            </a:r>
+          </a:p>
+        </p:txBody>
+      </p:sp>
+      <p:sp>
+        <p:nvSpPr>
+          <p:cNvPr id="4" name="Content Placeholder 3"/>
+          <p:cNvSpPr>
+            <a:spLocks noGrp="1"/>
+          </p:cNvSpPr>
+          <p:nvPr>
+            <p:ph sz="quarter" idx="11"/>
+          </p:nvPr>
+        </p:nvSpPr>
+        <p:spPr/>
+        <p:txBody>
+          <a:bodyPr/>
+          <a:lstStyle/>
+          <a:p>
+            <a:r>
+              <a:rPr dirty="0"/>
+              <a:t>Words: Charitie Lees Bancroft</a:t>
+            </a:r>
+          </a:p>
+          <a:p>
+            <a:r>
+              <a:rPr dirty="0"/>
+              <a:t>Composer: Vikki Cook</a:t>
+            </a:r>
+          </a:p>
+          <a:p>
+            <a:r>
+              <a:rPr dirty="0"/>
+              <a:t>Tune: [Before the throne of God above]</a:t>
+            </a:r>
+          </a:p>
+          <a:p>
+            <a:r>
+              <a:rPr dirty="0"/>
+              <a:t>©: Public Domain</a:t>
+            </a:r>
+          </a:p>
+          <a:p>
+            <a:r>
+              <a:rPr dirty="0"/>
+              <a:t>CCLI: 522221</a:t>
+            </a:r>
+          </a:p>
+        </p:txBody>
+      </p:sp>
+    </p:spTree>
+  </p:cSld>
+  <p:clrMapOvr>
+    <a:masterClrMapping/>
+  </p:clrMapOvr>
+</p:sld>
+</file>
+
+<file path=ppt/slides/slide27.xml><?xml version="1.0" encoding="utf-8"?>
+<p:sld xmlns:a="http://schemas.openxmlformats.org/drawingml/2006/main" xmlns:r="http://schemas.openxmlformats.org/officeDocument/2006/relationships" xmlns:p="http://schemas.openxmlformats.org/presentationml/2006/main">
+  <p:cSld>
+    <p:spTree>
+      <p:nvGrpSpPr>
+        <p:cNvPr id="1" name=""/>
+        <p:cNvGrpSpPr/>
+        <p:nvPr/>
+      </p:nvGrpSpPr>
+      <p:grpSpPr>
+        <a:xfrm>
+          <a:off x="0" y="0"/>
+          <a:ext cx="0" cy="0"/>
+          <a:chOff x="0" y="0"/>
+          <a:chExt cx="0" cy="0"/>
+        </a:xfrm>
+      </p:grpSpPr>
+      <p:sp>
+        <p:nvSpPr>
+          <p:cNvPr id="2" name="Title 1"/>
+          <p:cNvSpPr>
+            <a:spLocks noGrp="1"/>
+          </p:cNvSpPr>
+          <p:nvPr>
+            <p:ph type="title"/>
+          </p:nvPr>
+        </p:nvSpPr>
+        <p:spPr/>
+        <p:txBody>
+          <a:bodyPr/>
+          <a:lstStyle/>
+          <a:p>
+            <a:r>
+              <a:t>The Grace</a:t>
+            </a:r>
+          </a:p>
+        </p:txBody>
+      </p:sp>
+      <p:sp>
+        <p:nvSpPr>
+          <p:cNvPr id="3" name="Content Placeholder 2"/>
+          <p:cNvSpPr>
+            <a:spLocks noGrp="1"/>
+          </p:cNvSpPr>
+          <p:nvPr>
+            <p:ph sz="quarter" idx="10"/>
+          </p:nvPr>
+        </p:nvSpPr>
+        <p:spPr/>
+        <p:txBody>
+          <a:bodyPr/>
+          <a:lstStyle/>
+          <a:p>
+            <a:endParaRPr/>
+          </a:p>
+          <a:p>
+            <a:r>
+              <a:rPr sz="2800">
+                <a:solidFill>
+                  <a:srgbClr val="A12626"/>
+                </a:solidFill>
+              </a:rPr>
+              <a:t>All. </a:t>
+            </a:r>
+            <a:r>
+              <a:rPr sz="2800">
+                <a:solidFill>
+                  <a:srgbClr val="000000"/>
+                </a:solidFill>
+              </a:rPr>
+              <a:t>The grace of the Lord Jesus Christ and the love of God and the fellowship of the Holy Spirit be with us all, evermore. Amen</a:t>
+            </a:r>
+          </a:p>
+        </p:txBody>
+      </p:sp>
+    </p:spTree>
+  </p:cSld>
+  <p:clrMapOvr>
+    <a:masterClrMapping/>
+  </p:clrMapOvr>
+</p:sld>
+</file>
+
+<file path=ppt/slides/slide28.xml><?xml version="1.0" encoding="utf-8"?>
+<p:sld xmlns:a="http://schemas.openxmlformats.org/drawingml/2006/main" xmlns:r="http://schemas.openxmlformats.org/officeDocument/2006/relationships" xmlns:p="http://schemas.openxmlformats.org/presentationml/2006/main">
+  <p:cSld>
+    <p:spTree>
+      <p:nvGrpSpPr>
+        <p:cNvPr id="1" name=""/>
+        <p:cNvGrpSpPr/>
+        <p:nvPr/>
+      </p:nvGrpSpPr>
+      <p:grpSpPr>
+        <a:xfrm>
+          <a:off x="0" y="0"/>
+          <a:ext cx="0" cy="0"/>
+          <a:chOff x="0" y="0"/>
+          <a:chExt cx="0" cy="0"/>
+        </a:xfrm>
+      </p:grpSpPr>
+    </p:spTree>
+  </p:cSld>
+  <p:clrMapOvr>
+    <a:masterClrMapping/>
+  </p:clrMapOvr>
+</p:sld>
+</file>
+
+<file path=ppt/slides/slide3.xml><?xml version="1.0" encoding="utf-8"?>
+<p:sld xmlns:a="http://schemas.openxmlformats.org/drawingml/2006/main" xmlns:r="http://schemas.openxmlformats.org/officeDocument/2006/relationships" xmlns:p="http://schemas.openxmlformats.org/presentationml/2006/main">
+  <p:cSld>
+    <p:spTree>
+      <p:nvGrpSpPr>
+        <p:cNvPr id="1" name=""/>
+        <p:cNvGrpSpPr/>
+        <p:nvPr/>
+      </p:nvGrpSpPr>
+      <p:grpSpPr>
+        <a:xfrm>
+          <a:off x="0" y="0"/>
+          <a:ext cx="0" cy="0"/>
+          <a:chOff x="0" y="0"/>
+          <a:chExt cx="0" cy="0"/>
+        </a:xfrm>
+      </p:grpSpPr>
+      <p:sp>
+        <p:nvSpPr>
+          <p:cNvPr id="2" name="Title 1"/>
+          <p:cNvSpPr>
+            <a:spLocks noGrp="1"/>
+          </p:cNvSpPr>
+          <p:nvPr>
+            <p:ph type="title"/>
+          </p:nvPr>
+        </p:nvSpPr>
+        <p:spPr/>
+        <p:txBody>
+          <a:bodyPr/>
+          <a:lstStyle/>
+          <a:p>
+            <a:r>
+              <a:t>Onward, Christian Soldiers</a:t>
+            </a:r>
+          </a:p>
+        </p:txBody>
+      </p:sp>
+      <p:sp>
+        <p:nvSpPr>
+          <p:cNvPr id="3" name="Content Placeholder 2"/>
+          <p:cNvSpPr>
+            <a:spLocks noGrp="1"/>
+          </p:cNvSpPr>
+          <p:nvPr>
+            <p:ph sz="quarter" idx="10"/>
+          </p:nvPr>
+        </p:nvSpPr>
+        <p:spPr/>
+        <p:txBody>
+          <a:bodyPr/>
+          <a:lstStyle/>
+          <a:p>
+            <a:r>
+              <a:t>Unable to find</a:t>
+            </a:r>
+          </a:p>
+        </p:txBody>
+      </p:sp>
+      <p:sp>
+        <p:nvSpPr>
+          <p:cNvPr id="4" name="Content Placeholder 3"/>
+          <p:cNvSpPr>
+            <a:spLocks noGrp="1"/>
+          </p:cNvSpPr>
+          <p:nvPr>
+            <p:ph sz="quarter" idx="11"/>
+          </p:nvPr>
+        </p:nvSpPr>
+        <p:spPr/>
+        <p:txBody>
+          <a:bodyPr/>
+          <a:lstStyle/>
+          <a:p>
+            <a:r>
+              <a:t>Words: S. Baring-Gould</a:t>
+            </a:r>
+          </a:p>
+          <a:p>
+            <a:r>
+              <a:t>Composer: Unknown</a:t>
+            </a:r>
+          </a:p>
+          <a:p>
+            <a:r>
+              <a:t>Tune: KINGSFOLD</a:t>
+            </a:r>
+          </a:p>
+          <a:p>
+            <a:r>
+              <a:t>©: Public Domain</a:t>
+            </a:r>
+          </a:p>
+          <a:p>
+            <a:r>
+              <a:t>CCLI: 522221</a:t>
+            </a:r>
+          </a:p>
+        </p:txBody>
+      </p:sp>
+    </p:spTree>
+  </p:cSld>
+  <p:clrMapOvr>
+    <a:masterClrMapping/>
+  </p:clrMapOvr>
+</p:sld>
+</file>
+
+<file path=ppt/slides/slide4.xml><?xml version="1.0" encoding="utf-8"?>
+<p:sld xmlns:a="http://schemas.openxmlformats.org/drawingml/2006/main" xmlns:r="http://schemas.openxmlformats.org/officeDocument/2006/relationships" xmlns:p="http://schemas.openxmlformats.org/presentationml/2006/main">
+  <p:cSld>
+    <p:spTree>
+      <p:nvGrpSpPr>
+        <p:cNvPr id="1" name=""/>
+        <p:cNvGrpSpPr/>
+        <p:nvPr/>
+      </p:nvGrpSpPr>
+      <p:grpSpPr>
+        <a:xfrm>
+          <a:off x="0" y="0"/>
+          <a:ext cx="0" cy="0"/>
+          <a:chOff x="0" y="0"/>
+          <a:chExt cx="0" cy="0"/>
+        </a:xfrm>
+      </p:grpSpPr>
+      <p:sp>
+        <p:nvSpPr>
+          <p:cNvPr id="2" name="Title 1"/>
+          <p:cNvSpPr>
+            <a:spLocks noGrp="1"/>
+          </p:cNvSpPr>
+          <p:nvPr>
+            <p:ph type="title"/>
+          </p:nvPr>
+        </p:nvSpPr>
+        <p:spPr/>
+        <p:txBody>
+          <a:bodyPr/>
+          <a:lstStyle/>
+          <a:p>
+            <a:r>
+              <a:t>Confession</a:t>
+            </a:r>
+          </a:p>
+        </p:txBody>
+      </p:sp>
+      <p:sp>
+        <p:nvSpPr>
+          <p:cNvPr id="3" name="Content Placeholder 2"/>
+          <p:cNvSpPr>
+            <a:spLocks noGrp="1"/>
+          </p:cNvSpPr>
+          <p:nvPr>
+            <p:ph sz="quarter" idx="10"/>
+          </p:nvPr>
+        </p:nvSpPr>
+        <p:spPr/>
+        <p:txBody>
+          <a:bodyPr/>
+          <a:lstStyle/>
+          <a:p>
+            <a:endParaRPr/>
+          </a:p>
+          <a:p>
+            <a:r>
+              <a:rPr sz="2800">
+                <a:solidFill>
+                  <a:srgbClr val="A12626"/>
+                </a:solidFill>
+              </a:rPr>
+              <a:t>All. </a:t>
+            </a:r>
+            <a:r>
+              <a:rPr sz="2800">
+                <a:solidFill>
+                  <a:srgbClr val="000000"/>
+                </a:solidFill>
+              </a:rPr>
+              <a:t>Almighty and most merciful Father, we have erred and strayed from your ways like lost sheep. We have followed too much the devices and desires of our own hearts. We have broken your holy laws. We have left undone what we ought to have done, and we have done what we ought not to have done.</a:t>
+            </a:r>
+          </a:p>
+        </p:txBody>
+      </p:sp>
+    </p:spTree>
+  </p:cSld>
+  <p:clrMapOvr>
+    <a:masterClrMapping/>
+  </p:clrMapOvr>
+</p:sld>
+</file>
+
+<file path=ppt/slides/slide5.xml><?xml version="1.0" encoding="utf-8"?>
+<p:sld xmlns:a="http://schemas.openxmlformats.org/drawingml/2006/main" xmlns:r="http://schemas.openxmlformats.org/officeDocument/2006/relationships" xmlns:p="http://schemas.openxmlformats.org/presentationml/2006/main">
+  <p:cSld>
+    <p:spTree>
+      <p:nvGrpSpPr>
+        <p:cNvPr id="1" name=""/>
+        <p:cNvGrpSpPr/>
+        <p:nvPr/>
+      </p:nvGrpSpPr>
+      <p:grpSpPr>
+        <a:xfrm>
+          <a:off x="0" y="0"/>
+          <a:ext cx="0" cy="0"/>
+          <a:chOff x="0" y="0"/>
+          <a:chExt cx="0" cy="0"/>
+        </a:xfrm>
+      </p:grpSpPr>
+      <p:sp>
+        <p:nvSpPr>
+          <p:cNvPr id="2" name="Title 1"/>
+          <p:cNvSpPr>
+            <a:spLocks noGrp="1"/>
+          </p:cNvSpPr>
+          <p:nvPr>
+            <p:ph type="title"/>
+          </p:nvPr>
+        </p:nvSpPr>
+        <p:spPr/>
+        <p:txBody>
+          <a:bodyPr/>
+          <a:lstStyle/>
+          <a:p>
+            <a:r>
+              <a:t>Confession</a:t>
+            </a:r>
+          </a:p>
+        </p:txBody>
+      </p:sp>
+      <p:sp>
+        <p:nvSpPr>
+          <p:cNvPr id="3" name="Content Placeholder 2"/>
+          <p:cNvSpPr>
+            <a:spLocks noGrp="1"/>
+          </p:cNvSpPr>
+          <p:nvPr>
+            <p:ph sz="quarter" idx="10"/>
+          </p:nvPr>
+        </p:nvSpPr>
+        <p:spPr/>
+        <p:txBody>
+          <a:bodyPr/>
+          <a:lstStyle/>
+          <a:p>
+            <a:endParaRPr/>
+          </a:p>
+          <a:p>
+            <a:r>
+              <a:rPr sz="2800">
+                <a:solidFill>
+                  <a:srgbClr val="A12626"/>
+                </a:solidFill>
+              </a:rPr>
+              <a:t>All. </a:t>
+            </a:r>
+            <a:r>
+              <a:rPr sz="2800">
+                <a:solidFill>
+                  <a:srgbClr val="000000"/>
+                </a:solidFill>
+              </a:rPr>
+              <a:t>O Lord, have mercy on us pitiful sinners.  Spare those, O God, who confess their faults. Restore those who truly repent, as you have promised through Jesus Christ our Lord. And grant, O merciful Father, for his sake, that we may live a godly, righteous and disciplined life, to the praise of your holy name. Amen.</a:t>
+            </a:r>
+          </a:p>
+        </p:txBody>
+      </p:sp>
+    </p:spTree>
+  </p:cSld>
+  <p:clrMapOvr>
+    <a:masterClrMapping/>
+  </p:clrMapOvr>
+</p:sld>
+</file>
+
+<file path=ppt/slides/slide6.xml><?xml version="1.0" encoding="utf-8"?>
+<p:sld xmlns:a="http://schemas.openxmlformats.org/drawingml/2006/main" xmlns:r="http://schemas.openxmlformats.org/officeDocument/2006/relationships" xmlns:p="http://schemas.openxmlformats.org/presentationml/2006/main">
+  <p:cSld>
+    <p:spTree>
+      <p:nvGrpSpPr>
+        <p:cNvPr id="1" name=""/>
+        <p:cNvGrpSpPr/>
+        <p:nvPr/>
+      </p:nvGrpSpPr>
+      <p:grpSpPr>
+        <a:xfrm>
+          <a:off x="0" y="0"/>
+          <a:ext cx="0" cy="0"/>
+          <a:chOff x="0" y="0"/>
+          <a:chExt cx="0" cy="0"/>
+        </a:xfrm>
+      </p:grpSpPr>
+      <p:sp>
+        <p:nvSpPr>
+          <p:cNvPr id="2" name="Title 1"/>
+          <p:cNvSpPr>
+            <a:spLocks noGrp="1"/>
+          </p:cNvSpPr>
+          <p:nvPr>
+            <p:ph type="title"/>
+          </p:nvPr>
+        </p:nvSpPr>
+        <p:spPr/>
+        <p:txBody>
+          <a:bodyPr/>
+          <a:lstStyle/>
+          <a:p>
+            <a:r>
+              <a:t>Assurance of Pardon</a:t>
+            </a:r>
+          </a:p>
+        </p:txBody>
+      </p:sp>
+      <p:sp>
+        <p:nvSpPr>
+          <p:cNvPr id="3" name="Content Placeholder 2"/>
+          <p:cNvSpPr>
+            <a:spLocks noGrp="1"/>
+          </p:cNvSpPr>
+          <p:nvPr>
+            <p:ph sz="quarter" idx="10"/>
+          </p:nvPr>
+        </p:nvSpPr>
+        <p:spPr/>
+        <p:txBody>
+          <a:bodyPr/>
+          <a:lstStyle/>
+          <a:p>
+            <a:endParaRPr/>
+          </a:p>
+          <a:p>
+            <a:r>
+              <a:rPr sz="2800">
+                <a:solidFill>
+                  <a:srgbClr val="A12626"/>
+                </a:solidFill>
+              </a:rPr>
+              <a:t>Minister. </a:t>
+            </a:r>
+            <a:r>
+              <a:rPr sz="2800">
+                <a:solidFill>
+                  <a:srgbClr val="000000"/>
+                </a:solidFill>
+              </a:rPr>
+              <a:t>Almighty God, the Father of our Lord Jesus Christ, does not desire the death of sinners but rather that they should turn from their wickedness and live. He has commanded and authorised his ministers to reassure his people that they will be forgiven when they repent of their sins. God pardons and forgives all who truly repent and sincerely believe his holy gospel.</a:t>
+            </a:r>
+          </a:p>
+        </p:txBody>
+      </p:sp>
+    </p:spTree>
+  </p:cSld>
+  <p:clrMapOvr>
+    <a:masterClrMapping/>
+  </p:clrMapOvr>
+</p:sld>
+</file>
+
+<file path=ppt/slides/slide7.xml><?xml version="1.0" encoding="utf-8"?>
+<p:sld xmlns:a="http://schemas.openxmlformats.org/drawingml/2006/main" xmlns:r="http://schemas.openxmlformats.org/officeDocument/2006/relationships" xmlns:p="http://schemas.openxmlformats.org/presentationml/2006/main">
+  <p:cSld>
+    <p:spTree>
+      <p:nvGrpSpPr>
+        <p:cNvPr id="1" name=""/>
+        <p:cNvGrpSpPr/>
+        <p:nvPr/>
+      </p:nvGrpSpPr>
+      <p:grpSpPr>
+        <a:xfrm>
+          <a:off x="0" y="0"/>
+          <a:ext cx="0" cy="0"/>
+          <a:chOff x="0" y="0"/>
+          <a:chExt cx="0" cy="0"/>
+        </a:xfrm>
+      </p:grpSpPr>
+      <p:sp>
+        <p:nvSpPr>
+          <p:cNvPr id="2" name="Title 1"/>
+          <p:cNvSpPr>
+            <a:spLocks noGrp="1"/>
+          </p:cNvSpPr>
+          <p:nvPr>
+            <p:ph type="title"/>
+          </p:nvPr>
+        </p:nvSpPr>
+        <p:spPr/>
+        <p:txBody>
+          <a:bodyPr/>
+          <a:lstStyle/>
+          <a:p>
+            <a:r>
+              <a:t>Assurance of Pardon</a:t>
+            </a:r>
+          </a:p>
+        </p:txBody>
+      </p:sp>
+      <p:sp>
+        <p:nvSpPr>
+          <p:cNvPr id="3" name="Content Placeholder 2"/>
+          <p:cNvSpPr>
+            <a:spLocks noGrp="1"/>
+          </p:cNvSpPr>
+          <p:nvPr>
+            <p:ph sz="quarter" idx="10"/>
+          </p:nvPr>
+        </p:nvSpPr>
+        <p:spPr/>
+        <p:txBody>
+          <a:bodyPr/>
+          <a:lstStyle/>
+          <a:p>
+            <a:endParaRPr/>
+          </a:p>
+          <a:p>
+            <a:r>
+              <a:rPr sz="2800">
+                <a:solidFill>
+                  <a:srgbClr val="A12626"/>
+                </a:solidFill>
+              </a:rPr>
+              <a:t>Minister. </a:t>
+            </a:r>
+            <a:r>
+              <a:rPr sz="2800">
+                <a:solidFill>
+                  <a:srgbClr val="000000"/>
+                </a:solidFill>
+              </a:rPr>
+              <a:t>Therefore let us beseech him to grant us true repentance and his Holy Spirit; so that what we do now may please him, that the rest of our lives may be pure and holy, and that finally we may come to his eternal joy; through Jesus Christ our Lord. Amen.</a:t>
+            </a:r>
+          </a:p>
+        </p:txBody>
+      </p:sp>
+    </p:spTree>
+  </p:cSld>
+  <p:clrMapOvr>
+    <a:masterClrMapping/>
+  </p:clrMapOvr>
+</p:sld>
+</file>
+
+<file path=ppt/slides/slide8.xml><?xml version="1.0" encoding="utf-8"?>
+<p:sld xmlns:a="http://schemas.openxmlformats.org/drawingml/2006/main" xmlns:r="http://schemas.openxmlformats.org/officeDocument/2006/relationships" xmlns:p="http://schemas.openxmlformats.org/presentationml/2006/main">
+  <p:cSld>
+    <p:spTree>
+      <p:nvGrpSpPr>
+        <p:cNvPr id="1" name=""/>
+        <p:cNvGrpSpPr/>
+        <p:nvPr/>
+      </p:nvGrpSpPr>
+      <p:grpSpPr>
+        <a:xfrm>
+          <a:off x="0" y="0"/>
+          <a:ext cx="0" cy="0"/>
+          <a:chOff x="0" y="0"/>
+          <a:chExt cx="0" cy="0"/>
+        </a:xfrm>
+      </p:grpSpPr>
+      <p:sp>
+        <p:nvSpPr>
+          <p:cNvPr id="2" name="Title 1"/>
+          <p:cNvSpPr>
+            <a:spLocks noGrp="1"/>
+          </p:cNvSpPr>
+          <p:nvPr>
+            <p:ph type="title"/>
+          </p:nvPr>
+        </p:nvSpPr>
+        <p:spPr/>
+        <p:txBody>
+          <a:bodyPr/>
+          <a:lstStyle/>
+          <a:p>
+            <a:r>
               <a:t>The Lord's Prayer</a:t>
             </a:r>
           </a:p>
@@ -5610,14 +8173,16 @@
             <a:spLocks noGrp="1"/>
           </p:cNvSpPr>
           <p:nvPr>
-            <p:ph idx="10" sz="quarter"/>
+            <p:ph sz="quarter" idx="10"/>
           </p:nvPr>
         </p:nvSpPr>
         <p:spPr/>
         <p:txBody>
           <a:bodyPr/>
           <a:lstStyle/>
-          <a:p/>
+          <a:p>
+            <a:endParaRPr/>
+          </a:p>
           <a:p>
             <a:r>
               <a:rPr sz="2800">
@@ -5650,8 +8215,8 @@
 </p:sld>
 </file>
 
-<file path=ppt/slides/slide15.xml><?xml version="1.0" encoding="utf-8"?>
-<p:sld xmlns:a="http://schemas.openxmlformats.org/drawingml/2006/main" xmlns:p="http://schemas.openxmlformats.org/presentationml/2006/main" xmlns:r="http://schemas.openxmlformats.org/officeDocument/2006/relationships">
+<file path=ppt/slides/slide9.xml><?xml version="1.0" encoding="utf-8"?>
+<p:sld xmlns:a="http://schemas.openxmlformats.org/drawingml/2006/main" xmlns:r="http://schemas.openxmlformats.org/officeDocument/2006/relationships" xmlns:p="http://schemas.openxmlformats.org/presentationml/2006/main">
   <p:cSld>
     <p:spTree>
       <p:nvGrpSpPr>
@@ -5659,7 +8224,14 @@
         <p:cNvGrpSpPr/>
         <p:nvPr/>
       </p:nvGrpSpPr>
-      <p:grpSpPr/>
+      <p:grpSpPr>
+        <a:xfrm>
+          <a:off x="0" y="0"/>
+          <a:ext cx="0" cy="0"/>
+          <a:chOff x="0" y="0"/>
+          <a:chExt cx="0" cy="0"/>
+        </a:xfrm>
+      </p:grpSpPr>
       <p:sp>
         <p:nvSpPr>
           <p:cNvPr id="2" name="Title 1"/>
@@ -5676,7 +8248,7 @@
           <a:lstStyle/>
           <a:p>
             <a:r>
-              <a:t>Psalm 91:1-10</a:t>
+              <a:t>Psalm 90:1-8</a:t>
             </a:r>
           </a:p>
         </p:txBody>
@@ -5688,7 +8260,7 @@
             <a:spLocks noGrp="1"/>
           </p:cNvSpPr>
           <p:nvPr>
-            <p:ph idx="10" sz="quarter"/>
+            <p:ph sz="quarter" idx="10"/>
           </p:nvPr>
         </p:nvSpPr>
         <p:spPr/>
@@ -5697,22 +8269,22 @@
           <a:lstStyle/>
           <a:p>
             <a:r>
-              <a:t>¹The one whose dwelling is with God Most High</a:t>
-            </a:r>
-          </a:p>
-          <a:p>
-            <a:r>
-              <a:t>In the Almighty’s shadow safe will rest.</a:t>
-            </a:r>
-          </a:p>
-          <a:p>
-            <a:r>
-              <a:t>²"He is my refuge," I say of the LORD,</a:t>
-            </a:r>
-          </a:p>
-          <a:p>
-            <a:r>
-              <a:t>"My fortress and my God; in him I trust."</a:t>
+              <a:t>¹Lord, you have ever been our dwelling place.</a:t>
+            </a:r>
+          </a:p>
+          <a:p>
+            <a:r>
+              <a:t>²Before you made the world of time and space,</a:t>
+            </a:r>
+          </a:p>
+          <a:p>
+            <a:r>
+              <a:t>Before you made the mountains and the earth,</a:t>
+            </a:r>
+          </a:p>
+          <a:p>
+            <a:r>
+              <a:t>You are eternal God; you gave them birth.</a:t>
             </a:r>
           </a:p>
         </p:txBody>
@@ -5724,7 +8296,7 @@
             <a:spLocks noGrp="1"/>
           </p:cNvSpPr>
           <p:nvPr>
-            <p:ph idx="11" sz="quarter"/>
+            <p:ph sz="quarter" idx="11"/>
           </p:nvPr>
         </p:nvSpPr>
         <p:spPr/>
@@ -5738,12 +8310,12 @@
           </a:p>
           <a:p>
             <a:r>
-              <a:t>Composer: Walter Greatorex (1919)</a:t>
-            </a:r>
-          </a:p>
-          <a:p>
-            <a:r>
-              <a:t>Tune: WOODLANDS (Greatorex)</a:t>
+              <a:t>Composer: Martin Luther (1529)</a:t>
+            </a:r>
+          </a:p>
+          <a:p>
+            <a:r>
+              <a:t>Tune: EIN FESTE BURG</a:t>
             </a:r>
           </a:p>
           <a:p>
@@ -5765,7 +8337,7 @@
             <a:spLocks noGrp="1"/>
           </p:cNvSpPr>
           <p:nvPr>
-            <p:ph type="body" idx="12" sz="quarter"/>
+            <p:ph type="body" sz="quarter" idx="12"/>
           </p:nvPr>
         </p:nvSpPr>
         <p:spPr/>
@@ -5775,2697 +8347,6 @@
           <a:p>
             <a:r>
               <a:t>Meter: 10 10 10 10</a:t>
-            </a:r>
-          </a:p>
-        </p:txBody>
-      </p:sp>
-    </p:spTree>
-  </p:cSld>
-  <p:clrMapOvr>
-    <a:masterClrMapping/>
-  </p:clrMapOvr>
-</p:sld>
-</file>
-
-<file path=ppt/slides/slide16.xml><?xml version="1.0" encoding="utf-8"?>
-<p:sld xmlns:a="http://schemas.openxmlformats.org/drawingml/2006/main" xmlns:p="http://schemas.openxmlformats.org/presentationml/2006/main" xmlns:r="http://schemas.openxmlformats.org/officeDocument/2006/relationships">
-  <p:cSld>
-    <p:spTree>
-      <p:nvGrpSpPr>
-        <p:cNvPr id="1" name=""/>
-        <p:cNvGrpSpPr/>
-        <p:nvPr/>
-      </p:nvGrpSpPr>
-      <p:grpSpPr/>
-      <p:sp>
-        <p:nvSpPr>
-          <p:cNvPr id="2" name="Title 1"/>
-          <p:cNvSpPr>
-            <a:spLocks noGrp="1"/>
-          </p:cNvSpPr>
-          <p:nvPr>
-            <p:ph type="title"/>
-          </p:nvPr>
-        </p:nvSpPr>
-        <p:spPr/>
-        <p:txBody>
-          <a:bodyPr/>
-          <a:lstStyle/>
-          <a:p>
-            <a:r>
-              <a:t>Psalm 91:1-10</a:t>
-            </a:r>
-          </a:p>
-        </p:txBody>
-      </p:sp>
-      <p:sp>
-        <p:nvSpPr>
-          <p:cNvPr id="3" name="Content Placeholder 2"/>
-          <p:cNvSpPr>
-            <a:spLocks noGrp="1"/>
-          </p:cNvSpPr>
-          <p:nvPr>
-            <p:ph idx="10" sz="quarter"/>
-          </p:nvPr>
-        </p:nvSpPr>
-        <p:spPr/>
-        <p:txBody>
-          <a:bodyPr/>
-          <a:lstStyle/>
-          <a:p>
-            <a:r>
-              <a:t>³Surely he saves you from the fowler’s snare</a:t>
-            </a:r>
-          </a:p>
-          <a:p>
-            <a:r>
-              <a:t>And rescues you from deadly pestilence.</a:t>
-            </a:r>
-          </a:p>
-          <a:p>
-            <a:r>
-              <a:t>⁴Under his wings a refuge you will find;</a:t>
-            </a:r>
-          </a:p>
-          <a:p>
-            <a:r>
-              <a:t>His faithfulness will be your strong defence.</a:t>
-            </a:r>
-          </a:p>
-        </p:txBody>
-      </p:sp>
-      <p:sp>
-        <p:nvSpPr>
-          <p:cNvPr id="4" name="Content Placeholder 3"/>
-          <p:cNvSpPr>
-            <a:spLocks noGrp="1"/>
-          </p:cNvSpPr>
-          <p:nvPr>
-            <p:ph idx="11" sz="quarter"/>
-          </p:nvPr>
-        </p:nvSpPr>
-        <p:spPr/>
-        <p:txBody>
-          <a:bodyPr/>
-          <a:lstStyle/>
-          <a:p>
-            <a:r>
-              <a:t>Words: Sing Psalms! © 2003 Free Church of Scotland</a:t>
-            </a:r>
-          </a:p>
-          <a:p>
-            <a:r>
-              <a:t>Composer: Walter Greatorex (1919)</a:t>
-            </a:r>
-          </a:p>
-          <a:p>
-            <a:r>
-              <a:t>Tune: WOODLANDS (Greatorex)</a:t>
-            </a:r>
-          </a:p>
-          <a:p>
-            <a:r>
-              <a:t>©: Public Domain</a:t>
-            </a:r>
-          </a:p>
-          <a:p>
-            <a:r>
-              <a:t>CCLI: 522221</a:t>
-            </a:r>
-          </a:p>
-        </p:txBody>
-      </p:sp>
-      <p:sp>
-        <p:nvSpPr>
-          <p:cNvPr id="5" name="Text Placeholder 4"/>
-          <p:cNvSpPr>
-            <a:spLocks noGrp="1"/>
-          </p:cNvSpPr>
-          <p:nvPr>
-            <p:ph type="body" idx="12" sz="quarter"/>
-          </p:nvPr>
-        </p:nvSpPr>
-        <p:spPr/>
-        <p:txBody>
-          <a:bodyPr/>
-          <a:lstStyle/>
-          <a:p>
-            <a:r>
-              <a:t>Meter: 10 10 10 10</a:t>
-            </a:r>
-          </a:p>
-        </p:txBody>
-      </p:sp>
-    </p:spTree>
-  </p:cSld>
-  <p:clrMapOvr>
-    <a:masterClrMapping/>
-  </p:clrMapOvr>
-</p:sld>
-</file>
-
-<file path=ppt/slides/slide17.xml><?xml version="1.0" encoding="utf-8"?>
-<p:sld xmlns:a="http://schemas.openxmlformats.org/drawingml/2006/main" xmlns:p="http://schemas.openxmlformats.org/presentationml/2006/main" xmlns:r="http://schemas.openxmlformats.org/officeDocument/2006/relationships">
-  <p:cSld>
-    <p:spTree>
-      <p:nvGrpSpPr>
-        <p:cNvPr id="1" name=""/>
-        <p:cNvGrpSpPr/>
-        <p:nvPr/>
-      </p:nvGrpSpPr>
-      <p:grpSpPr/>
-      <p:sp>
-        <p:nvSpPr>
-          <p:cNvPr id="2" name="Title 1"/>
-          <p:cNvSpPr>
-            <a:spLocks noGrp="1"/>
-          </p:cNvSpPr>
-          <p:nvPr>
-            <p:ph type="title"/>
-          </p:nvPr>
-        </p:nvSpPr>
-        <p:spPr/>
-        <p:txBody>
-          <a:bodyPr/>
-          <a:lstStyle/>
-          <a:p>
-            <a:r>
-              <a:t>Psalm 91:1-10</a:t>
-            </a:r>
-          </a:p>
-        </p:txBody>
-      </p:sp>
-      <p:sp>
-        <p:nvSpPr>
-          <p:cNvPr id="3" name="Content Placeholder 2"/>
-          <p:cNvSpPr>
-            <a:spLocks noGrp="1"/>
-          </p:cNvSpPr>
-          <p:nvPr>
-            <p:ph idx="10" sz="quarter"/>
-          </p:nvPr>
-        </p:nvSpPr>
-        <p:spPr/>
-        <p:txBody>
-          <a:bodyPr/>
-          <a:lstStyle/>
-          <a:p>
-            <a:r>
-              <a:t>⁵You will not fear the terror of the night,</a:t>
-            </a:r>
-          </a:p>
-          <a:p>
-            <a:r>
-              <a:t>Or dread the arrow flying in the day,</a:t>
-            </a:r>
-          </a:p>
-          <a:p>
-            <a:r>
-              <a:t>⁶Or pestilence that in the darkness stalks,</a:t>
-            </a:r>
-          </a:p>
-          <a:p>
-            <a:r>
-              <a:t>Or plague at noon that carries all away.</a:t>
-            </a:r>
-          </a:p>
-        </p:txBody>
-      </p:sp>
-      <p:sp>
-        <p:nvSpPr>
-          <p:cNvPr id="4" name="Content Placeholder 3"/>
-          <p:cNvSpPr>
-            <a:spLocks noGrp="1"/>
-          </p:cNvSpPr>
-          <p:nvPr>
-            <p:ph idx="11" sz="quarter"/>
-          </p:nvPr>
-        </p:nvSpPr>
-        <p:spPr/>
-        <p:txBody>
-          <a:bodyPr/>
-          <a:lstStyle/>
-          <a:p>
-            <a:r>
-              <a:t>Words: Sing Psalms! © 2003 Free Church of Scotland</a:t>
-            </a:r>
-          </a:p>
-          <a:p>
-            <a:r>
-              <a:t>Composer: Walter Greatorex (1919)</a:t>
-            </a:r>
-          </a:p>
-          <a:p>
-            <a:r>
-              <a:t>Tune: WOODLANDS (Greatorex)</a:t>
-            </a:r>
-          </a:p>
-          <a:p>
-            <a:r>
-              <a:t>©: Public Domain</a:t>
-            </a:r>
-          </a:p>
-          <a:p>
-            <a:r>
-              <a:t>CCLI: 522221</a:t>
-            </a:r>
-          </a:p>
-        </p:txBody>
-      </p:sp>
-      <p:sp>
-        <p:nvSpPr>
-          <p:cNvPr id="5" name="Text Placeholder 4"/>
-          <p:cNvSpPr>
-            <a:spLocks noGrp="1"/>
-          </p:cNvSpPr>
-          <p:nvPr>
-            <p:ph type="body" idx="12" sz="quarter"/>
-          </p:nvPr>
-        </p:nvSpPr>
-        <p:spPr/>
-        <p:txBody>
-          <a:bodyPr/>
-          <a:lstStyle/>
-          <a:p>
-            <a:r>
-              <a:t>Meter: 10 10 10 10</a:t>
-            </a:r>
-          </a:p>
-        </p:txBody>
-      </p:sp>
-    </p:spTree>
-  </p:cSld>
-  <p:clrMapOvr>
-    <a:masterClrMapping/>
-  </p:clrMapOvr>
-</p:sld>
-</file>
-
-<file path=ppt/slides/slide18.xml><?xml version="1.0" encoding="utf-8"?>
-<p:sld xmlns:a="http://schemas.openxmlformats.org/drawingml/2006/main" xmlns:p="http://schemas.openxmlformats.org/presentationml/2006/main" xmlns:r="http://schemas.openxmlformats.org/officeDocument/2006/relationships">
-  <p:cSld>
-    <p:spTree>
-      <p:nvGrpSpPr>
-        <p:cNvPr id="1" name=""/>
-        <p:cNvGrpSpPr/>
-        <p:nvPr/>
-      </p:nvGrpSpPr>
-      <p:grpSpPr/>
-      <p:sp>
-        <p:nvSpPr>
-          <p:cNvPr id="2" name="Title 1"/>
-          <p:cNvSpPr>
-            <a:spLocks noGrp="1"/>
-          </p:cNvSpPr>
-          <p:nvPr>
-            <p:ph type="title"/>
-          </p:nvPr>
-        </p:nvSpPr>
-        <p:spPr/>
-        <p:txBody>
-          <a:bodyPr/>
-          <a:lstStyle/>
-          <a:p>
-            <a:r>
-              <a:t>Psalm 91:1-10</a:t>
-            </a:r>
-          </a:p>
-        </p:txBody>
-      </p:sp>
-      <p:sp>
-        <p:nvSpPr>
-          <p:cNvPr id="3" name="Content Placeholder 2"/>
-          <p:cNvSpPr>
-            <a:spLocks noGrp="1"/>
-          </p:cNvSpPr>
-          <p:nvPr>
-            <p:ph idx="10" sz="quarter"/>
-          </p:nvPr>
-        </p:nvSpPr>
-        <p:spPr/>
-        <p:txBody>
-          <a:bodyPr/>
-          <a:lstStyle/>
-          <a:p>
-            <a:r>
-              <a:t>⁷No harm will touch you though a thousand fall,</a:t>
-            </a:r>
-          </a:p>
-          <a:p>
-            <a:r>
-              <a:t>Or yet ten thousand die at your right hand.</a:t>
-            </a:r>
-          </a:p>
-          <a:p>
-            <a:r>
-              <a:t>⁸Your eyes will then look on, and you will see</a:t>
-            </a:r>
-          </a:p>
-          <a:p>
-            <a:r>
-              <a:t>The wicked punished as their ways demand.</a:t>
-            </a:r>
-          </a:p>
-        </p:txBody>
-      </p:sp>
-      <p:sp>
-        <p:nvSpPr>
-          <p:cNvPr id="4" name="Content Placeholder 3"/>
-          <p:cNvSpPr>
-            <a:spLocks noGrp="1"/>
-          </p:cNvSpPr>
-          <p:nvPr>
-            <p:ph idx="11" sz="quarter"/>
-          </p:nvPr>
-        </p:nvSpPr>
-        <p:spPr/>
-        <p:txBody>
-          <a:bodyPr/>
-          <a:lstStyle/>
-          <a:p>
-            <a:r>
-              <a:t>Words: Sing Psalms! © 2003 Free Church of Scotland</a:t>
-            </a:r>
-          </a:p>
-          <a:p>
-            <a:r>
-              <a:t>Composer: Walter Greatorex (1919)</a:t>
-            </a:r>
-          </a:p>
-          <a:p>
-            <a:r>
-              <a:t>Tune: WOODLANDS (Greatorex)</a:t>
-            </a:r>
-          </a:p>
-          <a:p>
-            <a:r>
-              <a:t>©: Public Domain</a:t>
-            </a:r>
-          </a:p>
-          <a:p>
-            <a:r>
-              <a:t>CCLI: 522221</a:t>
-            </a:r>
-          </a:p>
-        </p:txBody>
-      </p:sp>
-      <p:sp>
-        <p:nvSpPr>
-          <p:cNvPr id="5" name="Text Placeholder 4"/>
-          <p:cNvSpPr>
-            <a:spLocks noGrp="1"/>
-          </p:cNvSpPr>
-          <p:nvPr>
-            <p:ph type="body" idx="12" sz="quarter"/>
-          </p:nvPr>
-        </p:nvSpPr>
-        <p:spPr/>
-        <p:txBody>
-          <a:bodyPr/>
-          <a:lstStyle/>
-          <a:p>
-            <a:r>
-              <a:t>Meter: 10 10 10 10</a:t>
-            </a:r>
-          </a:p>
-        </p:txBody>
-      </p:sp>
-    </p:spTree>
-  </p:cSld>
-  <p:clrMapOvr>
-    <a:masterClrMapping/>
-  </p:clrMapOvr>
-</p:sld>
-</file>
-
-<file path=ppt/slides/slide19.xml><?xml version="1.0" encoding="utf-8"?>
-<p:sld xmlns:a="http://schemas.openxmlformats.org/drawingml/2006/main" xmlns:p="http://schemas.openxmlformats.org/presentationml/2006/main" xmlns:r="http://schemas.openxmlformats.org/officeDocument/2006/relationships">
-  <p:cSld>
-    <p:spTree>
-      <p:nvGrpSpPr>
-        <p:cNvPr id="1" name=""/>
-        <p:cNvGrpSpPr/>
-        <p:nvPr/>
-      </p:nvGrpSpPr>
-      <p:grpSpPr/>
-      <p:sp>
-        <p:nvSpPr>
-          <p:cNvPr id="2" name="Title 1"/>
-          <p:cNvSpPr>
-            <a:spLocks noGrp="1"/>
-          </p:cNvSpPr>
-          <p:nvPr>
-            <p:ph type="title"/>
-          </p:nvPr>
-        </p:nvSpPr>
-        <p:spPr/>
-        <p:txBody>
-          <a:bodyPr/>
-          <a:lstStyle/>
-          <a:p>
-            <a:r>
-              <a:t>Psalm 91:1-10</a:t>
-            </a:r>
-          </a:p>
-        </p:txBody>
-      </p:sp>
-      <p:sp>
-        <p:nvSpPr>
-          <p:cNvPr id="3" name="Content Placeholder 2"/>
-          <p:cNvSpPr>
-            <a:spLocks noGrp="1"/>
-          </p:cNvSpPr>
-          <p:nvPr>
-            <p:ph idx="10" sz="quarter"/>
-          </p:nvPr>
-        </p:nvSpPr>
-        <p:spPr/>
-        <p:txBody>
-          <a:bodyPr/>
-          <a:lstStyle/>
-          <a:p>
-            <a:r>
-              <a:t>⁹If you make God Most High your dwelling-place—</a:t>
-            </a:r>
-          </a:p>
-          <a:p>
-            <a:r>
-              <a:t>Even the LORD, who is my refuge sure—</a:t>
-            </a:r>
-          </a:p>
-          <a:p>
-            <a:r>
-              <a:t>¹⁰No evil then will ever fall on you,</a:t>
-            </a:r>
-          </a:p>
-          <a:p>
-            <a:r>
-              <a:t>Nor dire calamity come near your door.</a:t>
-            </a:r>
-          </a:p>
-        </p:txBody>
-      </p:sp>
-      <p:sp>
-        <p:nvSpPr>
-          <p:cNvPr id="4" name="Content Placeholder 3"/>
-          <p:cNvSpPr>
-            <a:spLocks noGrp="1"/>
-          </p:cNvSpPr>
-          <p:nvPr>
-            <p:ph idx="11" sz="quarter"/>
-          </p:nvPr>
-        </p:nvSpPr>
-        <p:spPr/>
-        <p:txBody>
-          <a:bodyPr/>
-          <a:lstStyle/>
-          <a:p>
-            <a:r>
-              <a:t>Words: Sing Psalms! © 2003 Free Church of Scotland</a:t>
-            </a:r>
-          </a:p>
-          <a:p>
-            <a:r>
-              <a:t>Composer: Walter Greatorex (1919)</a:t>
-            </a:r>
-          </a:p>
-          <a:p>
-            <a:r>
-              <a:t>Tune: WOODLANDS (Greatorex)</a:t>
-            </a:r>
-          </a:p>
-          <a:p>
-            <a:r>
-              <a:t>©: Public Domain</a:t>
-            </a:r>
-          </a:p>
-          <a:p>
-            <a:r>
-              <a:t>CCLI: 522221</a:t>
-            </a:r>
-          </a:p>
-        </p:txBody>
-      </p:sp>
-      <p:sp>
-        <p:nvSpPr>
-          <p:cNvPr id="5" name="Text Placeholder 4"/>
-          <p:cNvSpPr>
-            <a:spLocks noGrp="1"/>
-          </p:cNvSpPr>
-          <p:nvPr>
-            <p:ph type="body" idx="12" sz="quarter"/>
-          </p:nvPr>
-        </p:nvSpPr>
-        <p:spPr/>
-        <p:txBody>
-          <a:bodyPr/>
-          <a:lstStyle/>
-          <a:p>
-            <a:r>
-              <a:t>Meter: 10 10 10 10</a:t>
-            </a:r>
-          </a:p>
-        </p:txBody>
-      </p:sp>
-    </p:spTree>
-  </p:cSld>
-  <p:clrMapOvr>
-    <a:masterClrMapping/>
-  </p:clrMapOvr>
-</p:sld>
-</file>
-
-<file path=ppt/slides/slide2.xml><?xml version="1.0" encoding="utf-8"?>
-<p:sld xmlns:a="http://schemas.openxmlformats.org/drawingml/2006/main" xmlns:p="http://schemas.openxmlformats.org/presentationml/2006/main" xmlns:r="http://schemas.openxmlformats.org/officeDocument/2006/relationships">
-  <p:cSld>
-    <p:spTree>
-      <p:nvGrpSpPr>
-        <p:cNvPr id="1" name=""/>
-        <p:cNvGrpSpPr/>
-        <p:nvPr/>
-      </p:nvGrpSpPr>
-      <p:grpSpPr/>
-      <p:sp>
-        <p:nvSpPr>
-          <p:cNvPr id="2" name="Title 1"/>
-          <p:cNvSpPr>
-            <a:spLocks noGrp="1"/>
-          </p:cNvSpPr>
-          <p:nvPr>
-            <p:ph type="title"/>
-          </p:nvPr>
-        </p:nvSpPr>
-        <p:spPr/>
-        <p:txBody>
-          <a:bodyPr/>
-          <a:lstStyle/>
-          <a:p>
-            <a:r>
-              <a:t>Call to worship</a:t>
-            </a:r>
-          </a:p>
-        </p:txBody>
-      </p:sp>
-      <p:sp>
-        <p:nvSpPr>
-          <p:cNvPr id="3" name="Content Placeholder 2"/>
-          <p:cNvSpPr>
-            <a:spLocks noGrp="1"/>
-          </p:cNvSpPr>
-          <p:nvPr>
-            <p:ph idx="10" sz="quarter"/>
-          </p:nvPr>
-        </p:nvSpPr>
-        <p:spPr/>
-        <p:txBody>
-          <a:bodyPr/>
-          <a:lstStyle/>
-          <a:p>
-            <a:r>
-              <a:t>To the choirmaster. A Psalm of David. A Song.</a:t>
-            </a:r>
-          </a:p>
-          <a:p/>
-          <a:p>
-            <a:r>
-              <a:t>    ¹Praise is due to you, O God, in Zion,</a:t>
-            </a:r>
-          </a:p>
-          <a:p>
-            <a:r>
-              <a:t>        and to you shall vows be performed.</a:t>
-            </a:r>
-          </a:p>
-        </p:txBody>
-      </p:sp>
-      <p:sp>
-        <p:nvSpPr>
-          <p:cNvPr id="4" name="Content Placeholder 3"/>
-          <p:cNvSpPr>
-            <a:spLocks noGrp="1"/>
-          </p:cNvSpPr>
-          <p:nvPr>
-            <p:ph idx="11" sz="quarter"/>
-          </p:nvPr>
-        </p:nvSpPr>
-        <p:spPr/>
-        <p:txBody>
-          <a:bodyPr/>
-          <a:lstStyle/>
-          <a:p>
-            <a:r>
-              <a:t>Psalm 65:1</a:t>
-            </a:r>
-          </a:p>
-        </p:txBody>
-      </p:sp>
-    </p:spTree>
-  </p:cSld>
-  <p:clrMapOvr>
-    <a:masterClrMapping/>
-  </p:clrMapOvr>
-</p:sld>
-</file>
-
-<file path=ppt/slides/slide20.xml><?xml version="1.0" encoding="utf-8"?>
-<p:sld xmlns:a="http://schemas.openxmlformats.org/drawingml/2006/main" xmlns:p="http://schemas.openxmlformats.org/presentationml/2006/main" xmlns:r="http://schemas.openxmlformats.org/officeDocument/2006/relationships">
-  <p:cSld>
-    <p:spTree>
-      <p:nvGrpSpPr>
-        <p:cNvPr id="1" name=""/>
-        <p:cNvGrpSpPr/>
-        <p:nvPr/>
-      </p:nvGrpSpPr>
-      <p:grpSpPr/>
-      <p:sp>
-        <p:nvSpPr>
-          <p:cNvPr id="2" name="Title 1"/>
-          <p:cNvSpPr>
-            <a:spLocks noGrp="1"/>
-          </p:cNvSpPr>
-          <p:nvPr>
-            <p:ph type="title"/>
-          </p:nvPr>
-        </p:nvSpPr>
-        <p:spPr/>
-        <p:txBody>
-          <a:bodyPr/>
-          <a:lstStyle/>
-          <a:p>
-            <a:r>
-              <a:t>First Reading</a:t>
-            </a:r>
-          </a:p>
-        </p:txBody>
-      </p:sp>
-      <p:sp>
-        <p:nvSpPr>
-          <p:cNvPr id="3" name="Content Placeholder 2"/>
-          <p:cNvSpPr>
-            <a:spLocks noGrp="1"/>
-          </p:cNvSpPr>
-          <p:nvPr>
-            <p:ph idx="10" sz="quarter"/>
-          </p:nvPr>
-        </p:nvSpPr>
-        <p:spPr/>
-        <p:txBody>
-          <a:bodyPr/>
-          <a:lstStyle/>
-          <a:p>
-            <a:r>
-              <a:t>Luke 1:67-80</a:t>
-            </a:r>
-          </a:p>
-          <a:p/>
-          <a:p>
-            <a:r>
-              <a:t>pg. X</a:t>
-            </a:r>
-          </a:p>
-        </p:txBody>
-      </p:sp>
-    </p:spTree>
-  </p:cSld>
-  <p:clrMapOvr>
-    <a:masterClrMapping/>
-  </p:clrMapOvr>
-</p:sld>
-</file>
-
-<file path=ppt/slides/slide21.xml><?xml version="1.0" encoding="utf-8"?>
-<p:sld xmlns:a="http://schemas.openxmlformats.org/drawingml/2006/main" xmlns:p="http://schemas.openxmlformats.org/presentationml/2006/main" xmlns:r="http://schemas.openxmlformats.org/officeDocument/2006/relationships">
-  <p:cSld>
-    <p:spTree>
-      <p:nvGrpSpPr>
-        <p:cNvPr id="1" name=""/>
-        <p:cNvGrpSpPr/>
-        <p:nvPr/>
-      </p:nvGrpSpPr>
-      <p:grpSpPr/>
-      <p:sp>
-        <p:nvSpPr>
-          <p:cNvPr id="2" name="Content Placeholder 1"/>
-          <p:cNvSpPr>
-            <a:spLocks noGrp="1"/>
-          </p:cNvSpPr>
-          <p:nvPr>
-            <p:ph idx="10" sz="quarter"/>
-          </p:nvPr>
-        </p:nvSpPr>
-        <p:spPr/>
-        <p:txBody>
-          <a:bodyPr/>
-          <a:lstStyle/>
-          <a:p/>
-          <a:p>
-            <a:r>
-              <a:rPr sz="2800">
-                <a:solidFill>
-                  <a:srgbClr val="A12626"/>
-                </a:solidFill>
-              </a:rPr>
-              <a:t>How doth Christ execute the office of a king? </a:t>
-            </a:r>
-            <a:r>
-              <a:rPr sz="2800">
-                <a:solidFill>
-                  <a:srgbClr val="000000"/>
-                </a:solidFill>
-              </a:rPr>
-              <a:t>
-Christ executeth the office of a king, in subduing us to himself, in ruling and defending us, and in restraining and conquering all his and our enemies.</a:t>
-            </a:r>
-          </a:p>
-        </p:txBody>
-      </p:sp>
-      <p:sp>
-        <p:nvSpPr>
-          <p:cNvPr id="3" name="Title 2"/>
-          <p:cNvSpPr>
-            <a:spLocks noGrp="1"/>
-          </p:cNvSpPr>
-          <p:nvPr>
-            <p:ph type="title"/>
-          </p:nvPr>
-        </p:nvSpPr>
-        <p:spPr/>
-        <p:txBody>
-          <a:bodyPr/>
-          <a:lstStyle/>
-          <a:p>
-            <a:r>
-              <a:t>Westminster Shorter Catechism 26</a:t>
-            </a:r>
-          </a:p>
-        </p:txBody>
-      </p:sp>
-    </p:spTree>
-  </p:cSld>
-  <p:clrMapOvr>
-    <a:masterClrMapping/>
-  </p:clrMapOvr>
-</p:sld>
-</file>
-
-<file path=ppt/slides/slide22.xml><?xml version="1.0" encoding="utf-8"?>
-<p:sld xmlns:a="http://schemas.openxmlformats.org/drawingml/2006/main" xmlns:p="http://schemas.openxmlformats.org/presentationml/2006/main" xmlns:r="http://schemas.openxmlformats.org/officeDocument/2006/relationships">
-  <p:cSld>
-    <p:spTree>
-      <p:nvGrpSpPr>
-        <p:cNvPr id="1" name=""/>
-        <p:cNvGrpSpPr/>
-        <p:nvPr/>
-      </p:nvGrpSpPr>
-      <p:grpSpPr/>
-      <p:sp>
-        <p:nvSpPr>
-          <p:cNvPr id="2" name="Content Placeholder 1"/>
-          <p:cNvSpPr>
-            <a:spLocks noGrp="1"/>
-          </p:cNvSpPr>
-          <p:nvPr>
-            <p:ph idx="10" sz="quarter"/>
-          </p:nvPr>
-        </p:nvSpPr>
-        <p:spPr/>
-        <p:txBody>
-          <a:bodyPr/>
-          <a:lstStyle/>
-          <a:p/>
-          <a:p>
-            <a:r>
-              <a:rPr sz="2800">
-                <a:solidFill>
-                  <a:srgbClr val="A12626"/>
-                </a:solidFill>
-              </a:rPr>
-              <a:t>Wherein did Christ's humiliation consist? </a:t>
-            </a:r>
-            <a:r>
-              <a:rPr sz="2800">
-                <a:solidFill>
-                  <a:srgbClr val="000000"/>
-                </a:solidFill>
-              </a:rPr>
-              <a:t>
-Christ's humiliation consisted in his being born, and that in a low condition, made under the law, undergoing the miseries of this life, the wrath of God, and the cursed death of the cross; in being buried, and continuing under the power of death for a time.</a:t>
-            </a:r>
-          </a:p>
-        </p:txBody>
-      </p:sp>
-      <p:sp>
-        <p:nvSpPr>
-          <p:cNvPr id="3" name="Title 2"/>
-          <p:cNvSpPr>
-            <a:spLocks noGrp="1"/>
-          </p:cNvSpPr>
-          <p:nvPr>
-            <p:ph type="title"/>
-          </p:nvPr>
-        </p:nvSpPr>
-        <p:spPr/>
-        <p:txBody>
-          <a:bodyPr/>
-          <a:lstStyle/>
-          <a:p>
-            <a:r>
-              <a:t>Westminster Shorter Catechism 27</a:t>
-            </a:r>
-          </a:p>
-        </p:txBody>
-      </p:sp>
-    </p:spTree>
-  </p:cSld>
-  <p:clrMapOvr>
-    <a:masterClrMapping/>
-  </p:clrMapOvr>
-</p:sld>
-</file>
-
-<file path=ppt/slides/slide23.xml><?xml version="1.0" encoding="utf-8"?>
-<p:sld xmlns:a="http://schemas.openxmlformats.org/drawingml/2006/main" xmlns:p="http://schemas.openxmlformats.org/presentationml/2006/main" xmlns:r="http://schemas.openxmlformats.org/officeDocument/2006/relationships">
-  <p:cSld>
-    <p:spTree>
-      <p:nvGrpSpPr>
-        <p:cNvPr id="1" name=""/>
-        <p:cNvGrpSpPr/>
-        <p:nvPr/>
-      </p:nvGrpSpPr>
-      <p:grpSpPr/>
-      <p:sp>
-        <p:nvSpPr>
-          <p:cNvPr id="2" name="Title 1"/>
-          <p:cNvSpPr>
-            <a:spLocks noGrp="1"/>
-          </p:cNvSpPr>
-          <p:nvPr>
-            <p:ph type="title"/>
-          </p:nvPr>
-        </p:nvSpPr>
-        <p:spPr/>
-        <p:txBody>
-          <a:bodyPr/>
-          <a:lstStyle/>
-          <a:p>
-            <a:r>
-              <a:t>Unable to find</a:t>
-            </a:r>
-          </a:p>
-        </p:txBody>
-      </p:sp>
-      <p:sp>
-        <p:nvSpPr>
-          <p:cNvPr id="3" name="Content Placeholder 2"/>
-          <p:cNvSpPr>
-            <a:spLocks noGrp="1"/>
-          </p:cNvSpPr>
-          <p:nvPr>
-            <p:ph idx="10" sz="quarter"/>
-          </p:nvPr>
-        </p:nvSpPr>
-        <p:spPr/>
-        <p:txBody>
-          <a:bodyPr/>
-          <a:lstStyle/>
-          <a:p>
-            <a:r>
-              <a:t>Unable to find</a:t>
-            </a:r>
-          </a:p>
-        </p:txBody>
-      </p:sp>
-      <p:sp>
-        <p:nvSpPr>
-          <p:cNvPr id="4" name="Content Placeholder 3"/>
-          <p:cNvSpPr>
-            <a:spLocks noGrp="1"/>
-          </p:cNvSpPr>
-          <p:nvPr>
-            <p:ph idx="11" sz="quarter"/>
-          </p:nvPr>
-        </p:nvSpPr>
-        <p:spPr/>
-        <p:txBody>
-          <a:bodyPr/>
-          <a:lstStyle/>
-          <a:p>
-            <a:r>
-              <a:t>Words: Stuart Townend (b. 1963)</a:t>
-            </a:r>
-          </a:p>
-          <a:p>
-            <a:r>
-              <a:t>Composer: Stuart Townend (b. 1963)</a:t>
-            </a:r>
-          </a:p>
-          <a:p>
-            <a:r>
-              <a:t>Tune: [There is a hope that burns within my heart]</a:t>
-            </a:r>
-          </a:p>
-          <a:p>
-            <a:r>
-              <a:t>©: © 2007, Administered by worshiptogether.com Songs excl. UK &amp; Europe, administered by Kingswaysongs, a division of David C Cook  Used by permission</a:t>
-            </a:r>
-          </a:p>
-          <a:p>
-            <a:r>
-              <a:t>CCLI: 522221</a:t>
-            </a:r>
-          </a:p>
-        </p:txBody>
-      </p:sp>
-    </p:spTree>
-  </p:cSld>
-  <p:clrMapOvr>
-    <a:masterClrMapping/>
-  </p:clrMapOvr>
-</p:sld>
-</file>
-
-<file path=ppt/slides/slide24.xml><?xml version="1.0" encoding="utf-8"?>
-<p:sld xmlns:a="http://schemas.openxmlformats.org/drawingml/2006/main" xmlns:p="http://schemas.openxmlformats.org/presentationml/2006/main" xmlns:r="http://schemas.openxmlformats.org/officeDocument/2006/relationships">
-  <p:cSld>
-    <p:spTree>
-      <p:nvGrpSpPr>
-        <p:cNvPr id="1" name=""/>
-        <p:cNvGrpSpPr/>
-        <p:nvPr/>
-      </p:nvGrpSpPr>
-      <p:grpSpPr/>
-      <p:sp>
-        <p:nvSpPr>
-          <p:cNvPr id="2" name="Title 1"/>
-          <p:cNvSpPr>
-            <a:spLocks noGrp="1"/>
-          </p:cNvSpPr>
-          <p:nvPr>
-            <p:ph type="title"/>
-          </p:nvPr>
-        </p:nvSpPr>
-        <p:spPr/>
-        <p:txBody>
-          <a:bodyPr/>
-          <a:lstStyle/>
-          <a:p>
-            <a:r>
-              <a:t>Second Reading</a:t>
-            </a:r>
-          </a:p>
-        </p:txBody>
-      </p:sp>
-      <p:sp>
-        <p:nvSpPr>
-          <p:cNvPr id="3" name="Content Placeholder 2"/>
-          <p:cNvSpPr>
-            <a:spLocks noGrp="1"/>
-          </p:cNvSpPr>
-          <p:nvPr>
-            <p:ph idx="10" sz="quarter"/>
-          </p:nvPr>
-        </p:nvSpPr>
-        <p:spPr/>
-        <p:txBody>
-          <a:bodyPr/>
-          <a:lstStyle/>
-          <a:p>
-            <a:r>
-              <a:t>Jeremiah 29:1-14</a:t>
-            </a:r>
-          </a:p>
-          <a:p/>
-          <a:p>
-            <a:r>
-              <a:t>pg. X</a:t>
-            </a:r>
-          </a:p>
-        </p:txBody>
-      </p:sp>
-    </p:spTree>
-  </p:cSld>
-  <p:clrMapOvr>
-    <a:masterClrMapping/>
-  </p:clrMapOvr>
-</p:sld>
-</file>
-
-<file path=ppt/slides/slide25.xml><?xml version="1.0" encoding="utf-8"?>
-<p:sld xmlns:a="http://schemas.openxmlformats.org/drawingml/2006/main" xmlns:p="http://schemas.openxmlformats.org/presentationml/2006/main" xmlns:r="http://schemas.openxmlformats.org/officeDocument/2006/relationships">
-  <p:cSld>
-    <p:spTree>
-      <p:nvGrpSpPr>
-        <p:cNvPr id="1" name=""/>
-        <p:cNvGrpSpPr/>
-        <p:nvPr/>
-      </p:nvGrpSpPr>
-      <p:grpSpPr/>
-      <p:sp>
-        <p:nvSpPr>
-          <p:cNvPr id="2" name="Title 1"/>
-          <p:cNvSpPr>
-            <a:spLocks noGrp="1"/>
-          </p:cNvSpPr>
-          <p:nvPr>
-            <p:ph type="title"/>
-          </p:nvPr>
-        </p:nvSpPr>
-        <p:spPr/>
-        <p:txBody>
-          <a:bodyPr/>
-          <a:lstStyle/>
-          <a:p>
-            <a:r>
-              <a:t>Apostles' Creed (180 AD)</a:t>
-            </a:r>
-          </a:p>
-        </p:txBody>
-      </p:sp>
-      <p:sp>
-        <p:nvSpPr>
-          <p:cNvPr id="3" name="Content Placeholder 2"/>
-          <p:cNvSpPr>
-            <a:spLocks noGrp="1"/>
-          </p:cNvSpPr>
-          <p:nvPr>
-            <p:ph idx="10" sz="quarter"/>
-          </p:nvPr>
-        </p:nvSpPr>
-        <p:spPr/>
-        <p:txBody>
-          <a:bodyPr/>
-          <a:lstStyle/>
-          <a:p/>
-          <a:p>
-            <a:r>
-              <a:rPr sz="2800">
-                <a:solidFill>
-                  <a:srgbClr val="A12626"/>
-                </a:solidFill>
-              </a:rPr>
-              <a:t>All. </a:t>
-            </a:r>
-            <a:r>
-              <a:rPr sz="2800">
-                <a:solidFill>
-                  <a:srgbClr val="000000"/>
-                </a:solidFill>
-              </a:rPr>
-              <a:t>I believe in God, the Father Almighty, Creator of heaven and earth.
-I believe in Jesus Christ, his only Son our Lord. He was conceived by the Holy Spirit and born of the virgin Mary.
-He suffered under Pontius Pilate, was crucified, died, and was buried. He descended to the dead.</a:t>
-            </a:r>
-          </a:p>
-        </p:txBody>
-      </p:sp>
-    </p:spTree>
-  </p:cSld>
-  <p:clrMapOvr>
-    <a:masterClrMapping/>
-  </p:clrMapOvr>
-</p:sld>
-</file>
-
-<file path=ppt/slides/slide26.xml><?xml version="1.0" encoding="utf-8"?>
-<p:sld xmlns:a="http://schemas.openxmlformats.org/drawingml/2006/main" xmlns:p="http://schemas.openxmlformats.org/presentationml/2006/main" xmlns:r="http://schemas.openxmlformats.org/officeDocument/2006/relationships">
-  <p:cSld>
-    <p:spTree>
-      <p:nvGrpSpPr>
-        <p:cNvPr id="1" name=""/>
-        <p:cNvGrpSpPr/>
-        <p:nvPr/>
-      </p:nvGrpSpPr>
-      <p:grpSpPr/>
-      <p:sp>
-        <p:nvSpPr>
-          <p:cNvPr id="2" name="Title 1"/>
-          <p:cNvSpPr>
-            <a:spLocks noGrp="1"/>
-          </p:cNvSpPr>
-          <p:nvPr>
-            <p:ph type="title"/>
-          </p:nvPr>
-        </p:nvSpPr>
-        <p:spPr/>
-        <p:txBody>
-          <a:bodyPr/>
-          <a:lstStyle/>
-          <a:p>
-            <a:r>
-              <a:t>Apostles' Creed (180 AD)</a:t>
-            </a:r>
-          </a:p>
-        </p:txBody>
-      </p:sp>
-      <p:sp>
-        <p:nvSpPr>
-          <p:cNvPr id="3" name="Content Placeholder 2"/>
-          <p:cNvSpPr>
-            <a:spLocks noGrp="1"/>
-          </p:cNvSpPr>
-          <p:nvPr>
-            <p:ph idx="10" sz="quarter"/>
-          </p:nvPr>
-        </p:nvSpPr>
-        <p:spPr/>
-        <p:txBody>
-          <a:bodyPr/>
-          <a:lstStyle/>
-          <a:p/>
-          <a:p>
-            <a:r>
-              <a:rPr sz="2800">
-                <a:solidFill>
-                  <a:srgbClr val="A12626"/>
-                </a:solidFill>
-              </a:rPr>
-              <a:t>All. </a:t>
-            </a:r>
-            <a:r>
-              <a:rPr sz="2800">
-                <a:solidFill>
-                  <a:srgbClr val="000000"/>
-                </a:solidFill>
-              </a:rPr>
-              <a:t>On the third day he rose again.
-He ascended into heaven,
-and sits at the right hand of the Father.
-From there he shall come again to judge the living and the dead.
-I believe in the Holy Spirit, the holy catholic church, the communion of saints, the forgiveness of sins, the resurrection of the body, and the life everlasting. Amen.</a:t>
-            </a:r>
-          </a:p>
-        </p:txBody>
-      </p:sp>
-    </p:spTree>
-  </p:cSld>
-  <p:clrMapOvr>
-    <a:masterClrMapping/>
-  </p:clrMapOvr>
-</p:sld>
-</file>
-
-<file path=ppt/slides/slide27.xml><?xml version="1.0" encoding="utf-8"?>
-<p:sld xmlns:a="http://schemas.openxmlformats.org/drawingml/2006/main" xmlns:p="http://schemas.openxmlformats.org/presentationml/2006/main" xmlns:r="http://schemas.openxmlformats.org/officeDocument/2006/relationships">
-  <p:cSld>
-    <p:spTree>
-      <p:nvGrpSpPr>
-        <p:cNvPr id="1" name=""/>
-        <p:cNvGrpSpPr/>
-        <p:nvPr/>
-      </p:nvGrpSpPr>
-      <p:grpSpPr/>
-      <p:sp>
-        <p:nvSpPr>
-          <p:cNvPr id="2" name="Title 1"/>
-          <p:cNvSpPr>
-            <a:spLocks noGrp="1"/>
-          </p:cNvSpPr>
-          <p:nvPr>
-            <p:ph type="title"/>
-          </p:nvPr>
-        </p:nvSpPr>
-        <p:spPr/>
-        <p:txBody>
-          <a:bodyPr/>
-          <a:lstStyle/>
-          <a:p>
-            <a:r>
-              <a:t>Prayers of Intercession</a:t>
-            </a:r>
-          </a:p>
-        </p:txBody>
-      </p:sp>
-      <p:sp>
-        <p:nvSpPr>
-          <p:cNvPr id="3" name="Content Placeholder 2"/>
-          <p:cNvSpPr>
-            <a:spLocks noGrp="1"/>
-          </p:cNvSpPr>
-          <p:nvPr>
-            <p:ph idx="10" sz="quarter"/>
-          </p:nvPr>
-        </p:nvSpPr>
-        <p:spPr/>
-        <p:txBody>
-          <a:bodyPr/>
-          <a:lstStyle/>
-          <a:p/>
-        </p:txBody>
-      </p:sp>
-    </p:spTree>
-  </p:cSld>
-  <p:clrMapOvr>
-    <a:masterClrMapping/>
-  </p:clrMapOvr>
-</p:sld>
-</file>
-
-<file path=ppt/slides/slide28.xml><?xml version="1.0" encoding="utf-8"?>
-<p:sld xmlns:a="http://schemas.openxmlformats.org/drawingml/2006/main" xmlns:p="http://schemas.openxmlformats.org/presentationml/2006/main" xmlns:r="http://schemas.openxmlformats.org/officeDocument/2006/relationships">
-  <p:cSld>
-    <p:spTree>
-      <p:nvGrpSpPr>
-        <p:cNvPr id="1" name=""/>
-        <p:cNvGrpSpPr/>
-        <p:nvPr/>
-      </p:nvGrpSpPr>
-      <p:grpSpPr/>
-      <p:sp>
-        <p:nvSpPr>
-          <p:cNvPr id="2" name="Title 1"/>
-          <p:cNvSpPr>
-            <a:spLocks noGrp="1"/>
-          </p:cNvSpPr>
-          <p:nvPr>
-            <p:ph type="title"/>
-          </p:nvPr>
-        </p:nvSpPr>
-        <p:spPr/>
-        <p:txBody>
-          <a:bodyPr/>
-          <a:lstStyle/>
-          <a:p>
-            <a:r>
-              <a:t>Glory be to God the Father!</a:t>
-            </a:r>
-          </a:p>
-        </p:txBody>
-      </p:sp>
-      <p:sp>
-        <p:nvSpPr>
-          <p:cNvPr id="3" name="Content Placeholder 2"/>
-          <p:cNvSpPr>
-            <a:spLocks noGrp="1"/>
-          </p:cNvSpPr>
-          <p:nvPr>
-            <p:ph idx="10" sz="quarter"/>
-          </p:nvPr>
-        </p:nvSpPr>
-        <p:spPr/>
-        <p:txBody>
-          <a:bodyPr/>
-          <a:lstStyle/>
-          <a:p>
-            <a:r>
-              <a:t>Glory be to God the Father,</a:t>
-            </a:r>
-          </a:p>
-          <a:p>
-            <a:r>
-              <a:t>glory be to God the Son,</a:t>
-            </a:r>
-          </a:p>
-          <a:p>
-            <a:r>
-              <a:t>glory be to God the Spirit:</a:t>
-            </a:r>
-          </a:p>
-          <a:p>
-            <a:r>
-              <a:t>great Jehovah, Three in One!</a:t>
-            </a:r>
-          </a:p>
-          <a:p>
-            <a:r>
-              <a:t>Glory, glory while eternal ages run! </a:t>
-            </a:r>
-          </a:p>
-        </p:txBody>
-      </p:sp>
-      <p:sp>
-        <p:nvSpPr>
-          <p:cNvPr id="4" name="Content Placeholder 3"/>
-          <p:cNvSpPr>
-            <a:spLocks noGrp="1"/>
-          </p:cNvSpPr>
-          <p:nvPr>
-            <p:ph idx="11" sz="quarter"/>
-          </p:nvPr>
-        </p:nvSpPr>
-        <p:spPr/>
-        <p:txBody>
-          <a:bodyPr/>
-          <a:lstStyle/>
-          <a:p>
-            <a:r>
-              <a:t>Words: Horatius Bonar (1866)</a:t>
-            </a:r>
-          </a:p>
-          <a:p>
-            <a:r>
-              <a:t>Composer: Henry Thomas Smart (1866)</a:t>
-            </a:r>
-          </a:p>
-          <a:p>
-            <a:r>
-              <a:t>Tune: REGENT SQUARE (Smart)</a:t>
-            </a:r>
-          </a:p>
-          <a:p>
-            <a:r>
-              <a:t>©: Public Domain</a:t>
-            </a:r>
-          </a:p>
-          <a:p>
-            <a:r>
-              <a:t>CCLI: 522221</a:t>
-            </a:r>
-          </a:p>
-        </p:txBody>
-      </p:sp>
-    </p:spTree>
-  </p:cSld>
-  <p:clrMapOvr>
-    <a:masterClrMapping/>
-  </p:clrMapOvr>
-</p:sld>
-</file>
-
-<file path=ppt/slides/slide29.xml><?xml version="1.0" encoding="utf-8"?>
-<p:sld xmlns:a="http://schemas.openxmlformats.org/drawingml/2006/main" xmlns:p="http://schemas.openxmlformats.org/presentationml/2006/main" xmlns:r="http://schemas.openxmlformats.org/officeDocument/2006/relationships">
-  <p:cSld>
-    <p:spTree>
-      <p:nvGrpSpPr>
-        <p:cNvPr id="1" name=""/>
-        <p:cNvGrpSpPr/>
-        <p:nvPr/>
-      </p:nvGrpSpPr>
-      <p:grpSpPr/>
-      <p:sp>
-        <p:nvSpPr>
-          <p:cNvPr id="2" name="Title 1"/>
-          <p:cNvSpPr>
-            <a:spLocks noGrp="1"/>
-          </p:cNvSpPr>
-          <p:nvPr>
-            <p:ph type="title"/>
-          </p:nvPr>
-        </p:nvSpPr>
-        <p:spPr/>
-        <p:txBody>
-          <a:bodyPr/>
-          <a:lstStyle/>
-          <a:p>
-            <a:r>
-              <a:t>Glory be to God the Father!</a:t>
-            </a:r>
-          </a:p>
-        </p:txBody>
-      </p:sp>
-      <p:sp>
-        <p:nvSpPr>
-          <p:cNvPr id="3" name="Content Placeholder 2"/>
-          <p:cNvSpPr>
-            <a:spLocks noGrp="1"/>
-          </p:cNvSpPr>
-          <p:nvPr>
-            <p:ph idx="10" sz="quarter"/>
-          </p:nvPr>
-        </p:nvSpPr>
-        <p:spPr/>
-        <p:txBody>
-          <a:bodyPr/>
-          <a:lstStyle/>
-          <a:p>
-            <a:r>
-              <a:t>Glory be to him who loved us,</a:t>
-            </a:r>
-          </a:p>
-          <a:p>
-            <a:r>
-              <a:t>washed us from each spot and stain;</a:t>
-            </a:r>
-          </a:p>
-          <a:p>
-            <a:r>
-              <a:t>glory be to him who bought us,</a:t>
-            </a:r>
-          </a:p>
-          <a:p>
-            <a:r>
-              <a:t>made us kings with him to reign!</a:t>
-            </a:r>
-          </a:p>
-          <a:p>
-            <a:r>
-              <a:t>Glory, glory to the Lamb that once was slain! </a:t>
-            </a:r>
-          </a:p>
-        </p:txBody>
-      </p:sp>
-      <p:sp>
-        <p:nvSpPr>
-          <p:cNvPr id="4" name="Content Placeholder 3"/>
-          <p:cNvSpPr>
-            <a:spLocks noGrp="1"/>
-          </p:cNvSpPr>
-          <p:nvPr>
-            <p:ph idx="11" sz="quarter"/>
-          </p:nvPr>
-        </p:nvSpPr>
-        <p:spPr/>
-        <p:txBody>
-          <a:bodyPr/>
-          <a:lstStyle/>
-          <a:p>
-            <a:r>
-              <a:t>Words: Horatius Bonar (1866)</a:t>
-            </a:r>
-          </a:p>
-          <a:p>
-            <a:r>
-              <a:t>Composer: Henry Thomas Smart (1866)</a:t>
-            </a:r>
-          </a:p>
-          <a:p>
-            <a:r>
-              <a:t>Tune: REGENT SQUARE (Smart)</a:t>
-            </a:r>
-          </a:p>
-          <a:p>
-            <a:r>
-              <a:t>©: Public Domain</a:t>
-            </a:r>
-          </a:p>
-          <a:p>
-            <a:r>
-              <a:t>CCLI: 522221</a:t>
-            </a:r>
-          </a:p>
-        </p:txBody>
-      </p:sp>
-    </p:spTree>
-  </p:cSld>
-  <p:clrMapOvr>
-    <a:masterClrMapping/>
-  </p:clrMapOvr>
-</p:sld>
-</file>
-
-<file path=ppt/slides/slide3.xml><?xml version="1.0" encoding="utf-8"?>
-<p:sld xmlns:a="http://schemas.openxmlformats.org/drawingml/2006/main" xmlns:p="http://schemas.openxmlformats.org/presentationml/2006/main" xmlns:r="http://schemas.openxmlformats.org/officeDocument/2006/relationships">
-  <p:cSld>
-    <p:spTree>
-      <p:nvGrpSpPr>
-        <p:cNvPr id="1" name=""/>
-        <p:cNvGrpSpPr/>
-        <p:nvPr/>
-      </p:nvGrpSpPr>
-      <p:grpSpPr/>
-      <p:sp>
-        <p:nvSpPr>
-          <p:cNvPr id="2" name="Title 1"/>
-          <p:cNvSpPr>
-            <a:spLocks noGrp="1"/>
-          </p:cNvSpPr>
-          <p:nvPr>
-            <p:ph type="title"/>
-          </p:nvPr>
-        </p:nvSpPr>
-        <p:spPr/>
-        <p:txBody>
-          <a:bodyPr/>
-          <a:lstStyle/>
-          <a:p>
-            <a:r>
-              <a:t>All Creatures of our God and King</a:t>
-            </a:r>
-          </a:p>
-        </p:txBody>
-      </p:sp>
-      <p:sp>
-        <p:nvSpPr>
-          <p:cNvPr id="3" name="Content Placeholder 2"/>
-          <p:cNvSpPr>
-            <a:spLocks noGrp="1"/>
-          </p:cNvSpPr>
-          <p:nvPr>
-            <p:ph idx="10" sz="quarter"/>
-          </p:nvPr>
-        </p:nvSpPr>
-        <p:spPr/>
-        <p:txBody>
-          <a:bodyPr/>
-          <a:lstStyle/>
-          <a:p>
-            <a:r>
-              <a:t>*All creatures worship God most high,</a:t>
-            </a:r>
-          </a:p>
-          <a:p>
-            <a:r>
-              <a:t>lift up your voice in earth and sky,</a:t>
-            </a:r>
-          </a:p>
-          <a:p>
-            <a:r>
-              <a:t>alleluia, alleluia!</a:t>
-            </a:r>
-          </a:p>
-          <a:p>
-            <a:r>
-              <a:t>Thou burning sun with golden beam,</a:t>
-            </a:r>
-          </a:p>
-          <a:p>
-            <a:r>
-              <a:t>thou silver moon with softer gleam,</a:t>
-            </a:r>
-          </a:p>
-          <a:p>
-            <a:r>
-              <a:t>O sing ye, O sing ye, alleluia, alleluia, alleluia! </a:t>
-            </a:r>
-          </a:p>
-        </p:txBody>
-      </p:sp>
-      <p:sp>
-        <p:nvSpPr>
-          <p:cNvPr id="4" name="Content Placeholder 3"/>
-          <p:cNvSpPr>
-            <a:spLocks noGrp="1"/>
-          </p:cNvSpPr>
-          <p:nvPr>
-            <p:ph idx="11" sz="quarter"/>
-          </p:nvPr>
-        </p:nvSpPr>
-        <p:spPr/>
-        <p:txBody>
-          <a:bodyPr/>
-          <a:lstStyle/>
-          <a:p>
-            <a:r>
-              <a:t>Words: St. Francis of Assisi (1225)</a:t>
-            </a:r>
-          </a:p>
-          <a:p>
-            <a:r>
-              <a:t>Composer: Unknown</a:t>
-            </a:r>
-          </a:p>
-          <a:p>
-            <a:r>
-              <a:t>Tune: LASST UNS ERFREUEN</a:t>
-            </a:r>
-          </a:p>
-          <a:p>
-            <a:r>
-              <a:t>©: Public Domain</a:t>
-            </a:r>
-          </a:p>
-          <a:p>
-            <a:r>
-              <a:t>CCLI: 522221</a:t>
-            </a:r>
-          </a:p>
-        </p:txBody>
-      </p:sp>
-    </p:spTree>
-  </p:cSld>
-  <p:clrMapOvr>
-    <a:masterClrMapping/>
-  </p:clrMapOvr>
-</p:sld>
-</file>
-
-<file path=ppt/slides/slide30.xml><?xml version="1.0" encoding="utf-8"?>
-<p:sld xmlns:a="http://schemas.openxmlformats.org/drawingml/2006/main" xmlns:p="http://schemas.openxmlformats.org/presentationml/2006/main" xmlns:r="http://schemas.openxmlformats.org/officeDocument/2006/relationships">
-  <p:cSld>
-    <p:spTree>
-      <p:nvGrpSpPr>
-        <p:cNvPr id="1" name=""/>
-        <p:cNvGrpSpPr/>
-        <p:nvPr/>
-      </p:nvGrpSpPr>
-      <p:grpSpPr/>
-      <p:sp>
-        <p:nvSpPr>
-          <p:cNvPr id="2" name="Title 1"/>
-          <p:cNvSpPr>
-            <a:spLocks noGrp="1"/>
-          </p:cNvSpPr>
-          <p:nvPr>
-            <p:ph type="title"/>
-          </p:nvPr>
-        </p:nvSpPr>
-        <p:spPr/>
-        <p:txBody>
-          <a:bodyPr/>
-          <a:lstStyle/>
-          <a:p>
-            <a:r>
-              <a:t>Glory be to God the Father!</a:t>
-            </a:r>
-          </a:p>
-        </p:txBody>
-      </p:sp>
-      <p:sp>
-        <p:nvSpPr>
-          <p:cNvPr id="3" name="Content Placeholder 2"/>
-          <p:cNvSpPr>
-            <a:spLocks noGrp="1"/>
-          </p:cNvSpPr>
-          <p:nvPr>
-            <p:ph idx="10" sz="quarter"/>
-          </p:nvPr>
-        </p:nvSpPr>
-        <p:spPr/>
-        <p:txBody>
-          <a:bodyPr/>
-          <a:lstStyle/>
-          <a:p>
-            <a:r>
-              <a:t>Glory to the King of angels,</a:t>
-            </a:r>
-          </a:p>
-          <a:p>
-            <a:r>
-              <a:t>glory to the Church’s King,</a:t>
-            </a:r>
-          </a:p>
-          <a:p>
-            <a:r>
-              <a:t>glory to the King of nations;</a:t>
-            </a:r>
-          </a:p>
-          <a:p>
-            <a:r>
-              <a:t>heav'n and earth your praises bring!</a:t>
-            </a:r>
-          </a:p>
-          <a:p>
-            <a:r>
-              <a:t>Glory, glory, to the King of glory sing! </a:t>
-            </a:r>
-          </a:p>
-        </p:txBody>
-      </p:sp>
-      <p:sp>
-        <p:nvSpPr>
-          <p:cNvPr id="4" name="Content Placeholder 3"/>
-          <p:cNvSpPr>
-            <a:spLocks noGrp="1"/>
-          </p:cNvSpPr>
-          <p:nvPr>
-            <p:ph idx="11" sz="quarter"/>
-          </p:nvPr>
-        </p:nvSpPr>
-        <p:spPr/>
-        <p:txBody>
-          <a:bodyPr/>
-          <a:lstStyle/>
-          <a:p>
-            <a:r>
-              <a:t>Words: Horatius Bonar (1866)</a:t>
-            </a:r>
-          </a:p>
-          <a:p>
-            <a:r>
-              <a:t>Composer: Henry Thomas Smart (1866)</a:t>
-            </a:r>
-          </a:p>
-          <a:p>
-            <a:r>
-              <a:t>Tune: REGENT SQUARE (Smart)</a:t>
-            </a:r>
-          </a:p>
-          <a:p>
-            <a:r>
-              <a:t>©: Public Domain</a:t>
-            </a:r>
-          </a:p>
-          <a:p>
-            <a:r>
-              <a:t>CCLI: 522221</a:t>
-            </a:r>
-          </a:p>
-        </p:txBody>
-      </p:sp>
-    </p:spTree>
-  </p:cSld>
-  <p:clrMapOvr>
-    <a:masterClrMapping/>
-  </p:clrMapOvr>
-</p:sld>
-</file>
-
-<file path=ppt/slides/slide31.xml><?xml version="1.0" encoding="utf-8"?>
-<p:sld xmlns:a="http://schemas.openxmlformats.org/drawingml/2006/main" xmlns:p="http://schemas.openxmlformats.org/presentationml/2006/main" xmlns:r="http://schemas.openxmlformats.org/officeDocument/2006/relationships">
-  <p:cSld>
-    <p:spTree>
-      <p:nvGrpSpPr>
-        <p:cNvPr id="1" name=""/>
-        <p:cNvGrpSpPr/>
-        <p:nvPr/>
-      </p:nvGrpSpPr>
-      <p:grpSpPr/>
-      <p:sp>
-        <p:nvSpPr>
-          <p:cNvPr id="2" name="Title 1"/>
-          <p:cNvSpPr>
-            <a:spLocks noGrp="1"/>
-          </p:cNvSpPr>
-          <p:nvPr>
-            <p:ph type="title"/>
-          </p:nvPr>
-        </p:nvSpPr>
-        <p:spPr/>
-        <p:txBody>
-          <a:bodyPr/>
-          <a:lstStyle/>
-          <a:p>
-            <a:r>
-              <a:t>Glory be to God the Father!</a:t>
-            </a:r>
-          </a:p>
-        </p:txBody>
-      </p:sp>
-      <p:sp>
-        <p:nvSpPr>
-          <p:cNvPr id="3" name="Content Placeholder 2"/>
-          <p:cNvSpPr>
-            <a:spLocks noGrp="1"/>
-          </p:cNvSpPr>
-          <p:nvPr>
-            <p:ph idx="10" sz="quarter"/>
-          </p:nvPr>
-        </p:nvSpPr>
-        <p:spPr/>
-        <p:txBody>
-          <a:bodyPr/>
-          <a:lstStyle/>
-          <a:p>
-            <a:r>
-              <a:t>Glory, blessing, praise eternal!</a:t>
-            </a:r>
-          </a:p>
-          <a:p>
-            <a:r>
-              <a:t>thus the choir of angels sings;</a:t>
-            </a:r>
-          </a:p>
-          <a:p>
-            <a:r>
-              <a:t>Honor, riches, pow'r, dominion!</a:t>
-            </a:r>
-          </a:p>
-          <a:p>
-            <a:r>
-              <a:t>thus its praise creation brings.</a:t>
-            </a:r>
-          </a:p>
-          <a:p>
-            <a:r>
-              <a:t>Glory, glory to the King of kings!Source: Christian Worship: Hymnal #608</a:t>
-            </a:r>
-          </a:p>
-        </p:txBody>
-      </p:sp>
-      <p:sp>
-        <p:nvSpPr>
-          <p:cNvPr id="4" name="Content Placeholder 3"/>
-          <p:cNvSpPr>
-            <a:spLocks noGrp="1"/>
-          </p:cNvSpPr>
-          <p:nvPr>
-            <p:ph idx="11" sz="quarter"/>
-          </p:nvPr>
-        </p:nvSpPr>
-        <p:spPr/>
-        <p:txBody>
-          <a:bodyPr/>
-          <a:lstStyle/>
-          <a:p>
-            <a:r>
-              <a:t>Words: Horatius Bonar (1866)</a:t>
-            </a:r>
-          </a:p>
-          <a:p>
-            <a:r>
-              <a:t>Composer: Henry Thomas Smart (1866)</a:t>
-            </a:r>
-          </a:p>
-          <a:p>
-            <a:r>
-              <a:t>Tune: REGENT SQUARE (Smart)</a:t>
-            </a:r>
-          </a:p>
-          <a:p>
-            <a:r>
-              <a:t>©: Public Domain</a:t>
-            </a:r>
-          </a:p>
-          <a:p>
-            <a:r>
-              <a:t>CCLI: 522221</a:t>
-            </a:r>
-          </a:p>
-        </p:txBody>
-      </p:sp>
-    </p:spTree>
-  </p:cSld>
-  <p:clrMapOvr>
-    <a:masterClrMapping/>
-  </p:clrMapOvr>
-</p:sld>
-</file>
-
-<file path=ppt/slides/slide32.xml><?xml version="1.0" encoding="utf-8"?>
-<p:sld xmlns:a="http://schemas.openxmlformats.org/drawingml/2006/main" xmlns:p="http://schemas.openxmlformats.org/presentationml/2006/main" xmlns:r="http://schemas.openxmlformats.org/officeDocument/2006/relationships">
-  <p:cSld>
-    <p:spTree>
-      <p:nvGrpSpPr>
-        <p:cNvPr id="1" name=""/>
-        <p:cNvGrpSpPr/>
-        <p:nvPr/>
-      </p:nvGrpSpPr>
-      <p:grpSpPr/>
-      <p:sp>
-        <p:nvSpPr>
-          <p:cNvPr id="2" name="Title 1"/>
-          <p:cNvSpPr>
-            <a:spLocks noGrp="1"/>
-          </p:cNvSpPr>
-          <p:nvPr>
-            <p:ph type="title"/>
-          </p:nvPr>
-        </p:nvSpPr>
-        <p:spPr/>
-        <p:txBody>
-          <a:bodyPr/>
-          <a:lstStyle/>
-          <a:p>
-            <a:r>
-              <a:t>The Grace</a:t>
-            </a:r>
-          </a:p>
-        </p:txBody>
-      </p:sp>
-      <p:sp>
-        <p:nvSpPr>
-          <p:cNvPr id="3" name="Content Placeholder 2"/>
-          <p:cNvSpPr>
-            <a:spLocks noGrp="1"/>
-          </p:cNvSpPr>
-          <p:nvPr>
-            <p:ph idx="10" sz="quarter"/>
-          </p:nvPr>
-        </p:nvSpPr>
-        <p:spPr/>
-        <p:txBody>
-          <a:bodyPr/>
-          <a:lstStyle/>
-          <a:p/>
-          <a:p>
-            <a:r>
-              <a:rPr sz="2800">
-                <a:solidFill>
-                  <a:srgbClr val="A12626"/>
-                </a:solidFill>
-              </a:rPr>
-              <a:t>All. </a:t>
-            </a:r>
-            <a:r>
-              <a:rPr sz="2800">
-                <a:solidFill>
-                  <a:srgbClr val="000000"/>
-                </a:solidFill>
-              </a:rPr>
-              <a:t>The grace of the Lord Jesus Christ and the love of God and the fellowship of the Holy Spirit be with us all, evermore. Amen</a:t>
-            </a:r>
-          </a:p>
-        </p:txBody>
-      </p:sp>
-    </p:spTree>
-  </p:cSld>
-  <p:clrMapOvr>
-    <a:masterClrMapping/>
-  </p:clrMapOvr>
-</p:sld>
-</file>
-
-<file path=ppt/slides/slide33.xml><?xml version="1.0" encoding="utf-8"?>
-<p:sld xmlns:a="http://schemas.openxmlformats.org/drawingml/2006/main" xmlns:p="http://schemas.openxmlformats.org/presentationml/2006/main" xmlns:r="http://schemas.openxmlformats.org/officeDocument/2006/relationships">
-  <p:cSld>
-    <p:spTree>
-      <p:nvGrpSpPr>
-        <p:cNvPr id="1" name=""/>
-        <p:cNvGrpSpPr/>
-        <p:nvPr/>
-      </p:nvGrpSpPr>
-      <p:grpSpPr/>
-    </p:spTree>
-  </p:cSld>
-  <p:clrMapOvr>
-    <a:masterClrMapping/>
-  </p:clrMapOvr>
-</p:sld>
-</file>
-
-<file path=ppt/slides/slide4.xml><?xml version="1.0" encoding="utf-8"?>
-<p:sld xmlns:a="http://schemas.openxmlformats.org/drawingml/2006/main" xmlns:p="http://schemas.openxmlformats.org/presentationml/2006/main" xmlns:r="http://schemas.openxmlformats.org/officeDocument/2006/relationships">
-  <p:cSld>
-    <p:spTree>
-      <p:nvGrpSpPr>
-        <p:cNvPr id="1" name=""/>
-        <p:cNvGrpSpPr/>
-        <p:nvPr/>
-      </p:nvGrpSpPr>
-      <p:grpSpPr/>
-      <p:sp>
-        <p:nvSpPr>
-          <p:cNvPr id="2" name="Title 1"/>
-          <p:cNvSpPr>
-            <a:spLocks noGrp="1"/>
-          </p:cNvSpPr>
-          <p:nvPr>
-            <p:ph type="title"/>
-          </p:nvPr>
-        </p:nvSpPr>
-        <p:spPr/>
-        <p:txBody>
-          <a:bodyPr/>
-          <a:lstStyle/>
-          <a:p>
-            <a:r>
-              <a:t>All Creatures of our God and King</a:t>
-            </a:r>
-          </a:p>
-        </p:txBody>
-      </p:sp>
-      <p:sp>
-        <p:nvSpPr>
-          <p:cNvPr id="3" name="Content Placeholder 2"/>
-          <p:cNvSpPr>
-            <a:spLocks noGrp="1"/>
-          </p:cNvSpPr>
-          <p:nvPr>
-            <p:ph idx="10" sz="quarter"/>
-          </p:nvPr>
-        </p:nvSpPr>
-        <p:spPr/>
-        <p:txBody>
-          <a:bodyPr/>
-          <a:lstStyle/>
-          <a:p>
-            <a:r>
-              <a:t>Thou rushing wind that art so strong, </a:t>
-            </a:r>
-          </a:p>
-          <a:p>
-            <a:r>
-              <a:t>ye clouds that sail in heav’n along,</a:t>
-            </a:r>
-          </a:p>
-          <a:p>
-            <a:r>
-              <a:t>alleluia, alleluia!</a:t>
-            </a:r>
-          </a:p>
-          <a:p>
-            <a:r>
-              <a:t>Thou rising morn in praise rejoice, </a:t>
-            </a:r>
-          </a:p>
-          <a:p>
-            <a:r>
-              <a:t>ye lights of evening, find a voice,</a:t>
-            </a:r>
-          </a:p>
-          <a:p>
-            <a:r>
-              <a:t>O sing ye, O sing ye, alleluia, alleluia, alleluia! </a:t>
-            </a:r>
-          </a:p>
-        </p:txBody>
-      </p:sp>
-      <p:sp>
-        <p:nvSpPr>
-          <p:cNvPr id="4" name="Content Placeholder 3"/>
-          <p:cNvSpPr>
-            <a:spLocks noGrp="1"/>
-          </p:cNvSpPr>
-          <p:nvPr>
-            <p:ph idx="11" sz="quarter"/>
-          </p:nvPr>
-        </p:nvSpPr>
-        <p:spPr/>
-        <p:txBody>
-          <a:bodyPr/>
-          <a:lstStyle/>
-          <a:p>
-            <a:r>
-              <a:t>Words: St. Francis of Assisi (1225)</a:t>
-            </a:r>
-          </a:p>
-          <a:p>
-            <a:r>
-              <a:t>Composer: Unknown</a:t>
-            </a:r>
-          </a:p>
-          <a:p>
-            <a:r>
-              <a:t>Tune: LASST UNS ERFREUEN</a:t>
-            </a:r>
-          </a:p>
-          <a:p>
-            <a:r>
-              <a:t>©: Public Domain</a:t>
-            </a:r>
-          </a:p>
-          <a:p>
-            <a:r>
-              <a:t>CCLI: 522221</a:t>
-            </a:r>
-          </a:p>
-        </p:txBody>
-      </p:sp>
-    </p:spTree>
-  </p:cSld>
-  <p:clrMapOvr>
-    <a:masterClrMapping/>
-  </p:clrMapOvr>
-</p:sld>
-</file>
-
-<file path=ppt/slides/slide5.xml><?xml version="1.0" encoding="utf-8"?>
-<p:sld xmlns:a="http://schemas.openxmlformats.org/drawingml/2006/main" xmlns:p="http://schemas.openxmlformats.org/presentationml/2006/main" xmlns:r="http://schemas.openxmlformats.org/officeDocument/2006/relationships">
-  <p:cSld>
-    <p:spTree>
-      <p:nvGrpSpPr>
-        <p:cNvPr id="1" name=""/>
-        <p:cNvGrpSpPr/>
-        <p:nvPr/>
-      </p:nvGrpSpPr>
-      <p:grpSpPr/>
-      <p:sp>
-        <p:nvSpPr>
-          <p:cNvPr id="2" name="Title 1"/>
-          <p:cNvSpPr>
-            <a:spLocks noGrp="1"/>
-          </p:cNvSpPr>
-          <p:nvPr>
-            <p:ph type="title"/>
-          </p:nvPr>
-        </p:nvSpPr>
-        <p:spPr/>
-        <p:txBody>
-          <a:bodyPr/>
-          <a:lstStyle/>
-          <a:p>
-            <a:r>
-              <a:t>All Creatures of our God and King</a:t>
-            </a:r>
-          </a:p>
-        </p:txBody>
-      </p:sp>
-      <p:sp>
-        <p:nvSpPr>
-          <p:cNvPr id="3" name="Content Placeholder 2"/>
-          <p:cNvSpPr>
-            <a:spLocks noGrp="1"/>
-          </p:cNvSpPr>
-          <p:nvPr>
-            <p:ph idx="10" sz="quarter"/>
-          </p:nvPr>
-        </p:nvSpPr>
-        <p:spPr/>
-        <p:txBody>
-          <a:bodyPr/>
-          <a:lstStyle/>
-          <a:p>
-            <a:r>
-              <a:t>Thou flowing water, pure and clear, </a:t>
-            </a:r>
-          </a:p>
-          <a:p>
-            <a:r>
-              <a:t>make music for thy God to hear,</a:t>
-            </a:r>
-          </a:p>
-          <a:p>
-            <a:r>
-              <a:t>alleluia, alleluia!</a:t>
-            </a:r>
-          </a:p>
-          <a:p>
-            <a:r>
-              <a:t>Thou fire so masterful and bright, </a:t>
-            </a:r>
-          </a:p>
-          <a:p>
-            <a:r>
-              <a:t>that givest all both warmth and light,</a:t>
-            </a:r>
-          </a:p>
-          <a:p>
-            <a:r>
-              <a:t>O sing ye, O sing ye, alleluia, alleluia, alleluia! </a:t>
-            </a:r>
-          </a:p>
-        </p:txBody>
-      </p:sp>
-      <p:sp>
-        <p:nvSpPr>
-          <p:cNvPr id="4" name="Content Placeholder 3"/>
-          <p:cNvSpPr>
-            <a:spLocks noGrp="1"/>
-          </p:cNvSpPr>
-          <p:nvPr>
-            <p:ph idx="11" sz="quarter"/>
-          </p:nvPr>
-        </p:nvSpPr>
-        <p:spPr/>
-        <p:txBody>
-          <a:bodyPr/>
-          <a:lstStyle/>
-          <a:p>
-            <a:r>
-              <a:t>Words: St. Francis of Assisi (1225)</a:t>
-            </a:r>
-          </a:p>
-          <a:p>
-            <a:r>
-              <a:t>Composer: Unknown</a:t>
-            </a:r>
-          </a:p>
-          <a:p>
-            <a:r>
-              <a:t>Tune: LASST UNS ERFREUEN</a:t>
-            </a:r>
-          </a:p>
-          <a:p>
-            <a:r>
-              <a:t>©: Public Domain</a:t>
-            </a:r>
-          </a:p>
-          <a:p>
-            <a:r>
-              <a:t>CCLI: 522221</a:t>
-            </a:r>
-          </a:p>
-        </p:txBody>
-      </p:sp>
-    </p:spTree>
-  </p:cSld>
-  <p:clrMapOvr>
-    <a:masterClrMapping/>
-  </p:clrMapOvr>
-</p:sld>
-</file>
-
-<file path=ppt/slides/slide6.xml><?xml version="1.0" encoding="utf-8"?>
-<p:sld xmlns:a="http://schemas.openxmlformats.org/drawingml/2006/main" xmlns:p="http://schemas.openxmlformats.org/presentationml/2006/main" xmlns:r="http://schemas.openxmlformats.org/officeDocument/2006/relationships">
-  <p:cSld>
-    <p:spTree>
-      <p:nvGrpSpPr>
-        <p:cNvPr id="1" name=""/>
-        <p:cNvGrpSpPr/>
-        <p:nvPr/>
-      </p:nvGrpSpPr>
-      <p:grpSpPr/>
-      <p:sp>
-        <p:nvSpPr>
-          <p:cNvPr id="2" name="Title 1"/>
-          <p:cNvSpPr>
-            <a:spLocks noGrp="1"/>
-          </p:cNvSpPr>
-          <p:nvPr>
-            <p:ph type="title"/>
-          </p:nvPr>
-        </p:nvSpPr>
-        <p:spPr/>
-        <p:txBody>
-          <a:bodyPr/>
-          <a:lstStyle/>
-          <a:p>
-            <a:r>
-              <a:t>All Creatures of our God and King</a:t>
-            </a:r>
-          </a:p>
-        </p:txBody>
-      </p:sp>
-      <p:sp>
-        <p:nvSpPr>
-          <p:cNvPr id="3" name="Content Placeholder 2"/>
-          <p:cNvSpPr>
-            <a:spLocks noGrp="1"/>
-          </p:cNvSpPr>
-          <p:nvPr>
-            <p:ph idx="10" sz="quarter"/>
-          </p:nvPr>
-        </p:nvSpPr>
-        <p:spPr/>
-        <p:txBody>
-          <a:bodyPr/>
-          <a:lstStyle/>
-          <a:p>
-            <a:r>
-              <a:t>Dear mother earth, who day by day, </a:t>
-            </a:r>
-          </a:p>
-          <a:p>
-            <a:r>
-              <a:t>unfoldest blessings on our way,</a:t>
-            </a:r>
-          </a:p>
-          <a:p>
-            <a:r>
-              <a:t>alleluia, alleluia!</a:t>
-            </a:r>
-          </a:p>
-          <a:p>
-            <a:r>
-              <a:t>The flow’rs and fruits that in thee grow, </a:t>
-            </a:r>
-          </a:p>
-          <a:p>
-            <a:r>
-              <a:t>let them God’s glory also show,</a:t>
-            </a:r>
-          </a:p>
-          <a:p>
-            <a:r>
-              <a:t>O sing ye, O sing ye, alleluia, alleluia, alleluia! </a:t>
-            </a:r>
-          </a:p>
-        </p:txBody>
-      </p:sp>
-      <p:sp>
-        <p:nvSpPr>
-          <p:cNvPr id="4" name="Content Placeholder 3"/>
-          <p:cNvSpPr>
-            <a:spLocks noGrp="1"/>
-          </p:cNvSpPr>
-          <p:nvPr>
-            <p:ph idx="11" sz="quarter"/>
-          </p:nvPr>
-        </p:nvSpPr>
-        <p:spPr/>
-        <p:txBody>
-          <a:bodyPr/>
-          <a:lstStyle/>
-          <a:p>
-            <a:r>
-              <a:t>Words: St. Francis of Assisi (1225)</a:t>
-            </a:r>
-          </a:p>
-          <a:p>
-            <a:r>
-              <a:t>Composer: Unknown</a:t>
-            </a:r>
-          </a:p>
-          <a:p>
-            <a:r>
-              <a:t>Tune: LASST UNS ERFREUEN</a:t>
-            </a:r>
-          </a:p>
-          <a:p>
-            <a:r>
-              <a:t>©: Public Domain</a:t>
-            </a:r>
-          </a:p>
-          <a:p>
-            <a:r>
-              <a:t>CCLI: 522221</a:t>
-            </a:r>
-          </a:p>
-        </p:txBody>
-      </p:sp>
-    </p:spTree>
-  </p:cSld>
-  <p:clrMapOvr>
-    <a:masterClrMapping/>
-  </p:clrMapOvr>
-</p:sld>
-</file>
-
-<file path=ppt/slides/slide7.xml><?xml version="1.0" encoding="utf-8"?>
-<p:sld xmlns:a="http://schemas.openxmlformats.org/drawingml/2006/main" xmlns:p="http://schemas.openxmlformats.org/presentationml/2006/main" xmlns:r="http://schemas.openxmlformats.org/officeDocument/2006/relationships">
-  <p:cSld>
-    <p:spTree>
-      <p:nvGrpSpPr>
-        <p:cNvPr id="1" name=""/>
-        <p:cNvGrpSpPr/>
-        <p:nvPr/>
-      </p:nvGrpSpPr>
-      <p:grpSpPr/>
-      <p:sp>
-        <p:nvSpPr>
-          <p:cNvPr id="2" name="Title 1"/>
-          <p:cNvSpPr>
-            <a:spLocks noGrp="1"/>
-          </p:cNvSpPr>
-          <p:nvPr>
-            <p:ph type="title"/>
-          </p:nvPr>
-        </p:nvSpPr>
-        <p:spPr/>
-        <p:txBody>
-          <a:bodyPr/>
-          <a:lstStyle/>
-          <a:p>
-            <a:r>
-              <a:t>All Creatures of our God and King</a:t>
-            </a:r>
-          </a:p>
-        </p:txBody>
-      </p:sp>
-      <p:sp>
-        <p:nvSpPr>
-          <p:cNvPr id="3" name="Content Placeholder 2"/>
-          <p:cNvSpPr>
-            <a:spLocks noGrp="1"/>
-          </p:cNvSpPr>
-          <p:nvPr>
-            <p:ph idx="10" sz="quarter"/>
-          </p:nvPr>
-        </p:nvSpPr>
-        <p:spPr/>
-        <p:txBody>
-          <a:bodyPr/>
-          <a:lstStyle/>
-          <a:p>
-            <a:r>
-              <a:t>And ev’ryone, with tender heart, </a:t>
-            </a:r>
-          </a:p>
-          <a:p>
-            <a:r>
-              <a:t>forgiving others, take your part,</a:t>
-            </a:r>
-          </a:p>
-          <a:p>
-            <a:r>
-              <a:t>alleluia, alleluia!</a:t>
-            </a:r>
-          </a:p>
-          <a:p>
-            <a:r>
-              <a:t>Ye who long pain and sorrow bear,</a:t>
-            </a:r>
-          </a:p>
-          <a:p>
-            <a:r>
-              <a:t>sing praise and cast on God your care,</a:t>
-            </a:r>
-          </a:p>
-          <a:p>
-            <a:r>
-              <a:t>O sing ye, O sing ye, alleluia, alleluia, alleluia! </a:t>
-            </a:r>
-          </a:p>
-        </p:txBody>
-      </p:sp>
-      <p:sp>
-        <p:nvSpPr>
-          <p:cNvPr id="4" name="Content Placeholder 3"/>
-          <p:cNvSpPr>
-            <a:spLocks noGrp="1"/>
-          </p:cNvSpPr>
-          <p:nvPr>
-            <p:ph idx="11" sz="quarter"/>
-          </p:nvPr>
-        </p:nvSpPr>
-        <p:spPr/>
-        <p:txBody>
-          <a:bodyPr/>
-          <a:lstStyle/>
-          <a:p>
-            <a:r>
-              <a:t>Words: St. Francis of Assisi (1225)</a:t>
-            </a:r>
-          </a:p>
-          <a:p>
-            <a:r>
-              <a:t>Composer: Unknown</a:t>
-            </a:r>
-          </a:p>
-          <a:p>
-            <a:r>
-              <a:t>Tune: LASST UNS ERFREUEN</a:t>
-            </a:r>
-          </a:p>
-          <a:p>
-            <a:r>
-              <a:t>©: Public Domain</a:t>
-            </a:r>
-          </a:p>
-          <a:p>
-            <a:r>
-              <a:t>CCLI: 522221</a:t>
-            </a:r>
-          </a:p>
-        </p:txBody>
-      </p:sp>
-    </p:spTree>
-  </p:cSld>
-  <p:clrMapOvr>
-    <a:masterClrMapping/>
-  </p:clrMapOvr>
-</p:sld>
-</file>
-
-<file path=ppt/slides/slide8.xml><?xml version="1.0" encoding="utf-8"?>
-<p:sld xmlns:a="http://schemas.openxmlformats.org/drawingml/2006/main" xmlns:p="http://schemas.openxmlformats.org/presentationml/2006/main" xmlns:r="http://schemas.openxmlformats.org/officeDocument/2006/relationships">
-  <p:cSld>
-    <p:spTree>
-      <p:nvGrpSpPr>
-        <p:cNvPr id="1" name=""/>
-        <p:cNvGrpSpPr/>
-        <p:nvPr/>
-      </p:nvGrpSpPr>
-      <p:grpSpPr/>
-      <p:sp>
-        <p:nvSpPr>
-          <p:cNvPr id="2" name="Title 1"/>
-          <p:cNvSpPr>
-            <a:spLocks noGrp="1"/>
-          </p:cNvSpPr>
-          <p:nvPr>
-            <p:ph type="title"/>
-          </p:nvPr>
-        </p:nvSpPr>
-        <p:spPr/>
-        <p:txBody>
-          <a:bodyPr/>
-          <a:lstStyle/>
-          <a:p>
-            <a:r>
-              <a:t>All Creatures of our God and King</a:t>
-            </a:r>
-          </a:p>
-        </p:txBody>
-      </p:sp>
-      <p:sp>
-        <p:nvSpPr>
-          <p:cNvPr id="3" name="Content Placeholder 2"/>
-          <p:cNvSpPr>
-            <a:spLocks noGrp="1"/>
-          </p:cNvSpPr>
-          <p:nvPr>
-            <p:ph idx="10" sz="quarter"/>
-          </p:nvPr>
-        </p:nvSpPr>
-        <p:spPr/>
-        <p:txBody>
-          <a:bodyPr/>
-          <a:lstStyle/>
-          <a:p>
-            <a:r>
-              <a:t>And thou, most kind and gentle death, </a:t>
-            </a:r>
-          </a:p>
-          <a:p>
-            <a:r>
-              <a:t>waiting to hush our final breath, </a:t>
-            </a:r>
-          </a:p>
-          <a:p>
-            <a:r>
-              <a:t>alleluia, alleluia!</a:t>
-            </a:r>
-          </a:p>
-          <a:p>
-            <a:r>
-              <a:t>Thou leadest home the child of God, </a:t>
-            </a:r>
-          </a:p>
-          <a:p>
-            <a:r>
-              <a:t>as Christ before that way hath trod,</a:t>
-            </a:r>
-          </a:p>
-          <a:p>
-            <a:r>
-              <a:t>O sing ye, O sing ye, alleluia, alleluia, alleluia! </a:t>
-            </a:r>
-          </a:p>
-        </p:txBody>
-      </p:sp>
-      <p:sp>
-        <p:nvSpPr>
-          <p:cNvPr id="4" name="Content Placeholder 3"/>
-          <p:cNvSpPr>
-            <a:spLocks noGrp="1"/>
-          </p:cNvSpPr>
-          <p:nvPr>
-            <p:ph idx="11" sz="quarter"/>
-          </p:nvPr>
-        </p:nvSpPr>
-        <p:spPr/>
-        <p:txBody>
-          <a:bodyPr/>
-          <a:lstStyle/>
-          <a:p>
-            <a:r>
-              <a:t>Words: St. Francis of Assisi (1225)</a:t>
-            </a:r>
-          </a:p>
-          <a:p>
-            <a:r>
-              <a:t>Composer: Unknown</a:t>
-            </a:r>
-          </a:p>
-          <a:p>
-            <a:r>
-              <a:t>Tune: LASST UNS ERFREUEN</a:t>
-            </a:r>
-          </a:p>
-          <a:p>
-            <a:r>
-              <a:t>©: Public Domain</a:t>
-            </a:r>
-          </a:p>
-          <a:p>
-            <a:r>
-              <a:t>CCLI: 522221</a:t>
-            </a:r>
-          </a:p>
-        </p:txBody>
-      </p:sp>
-    </p:spTree>
-  </p:cSld>
-  <p:clrMapOvr>
-    <a:masterClrMapping/>
-  </p:clrMapOvr>
-</p:sld>
-</file>
-
-<file path=ppt/slides/slide9.xml><?xml version="1.0" encoding="utf-8"?>
-<p:sld xmlns:a="http://schemas.openxmlformats.org/drawingml/2006/main" xmlns:p="http://schemas.openxmlformats.org/presentationml/2006/main" xmlns:r="http://schemas.openxmlformats.org/officeDocument/2006/relationships">
-  <p:cSld>
-    <p:spTree>
-      <p:nvGrpSpPr>
-        <p:cNvPr id="1" name=""/>
-        <p:cNvGrpSpPr/>
-        <p:nvPr/>
-      </p:nvGrpSpPr>
-      <p:grpSpPr/>
-      <p:sp>
-        <p:nvSpPr>
-          <p:cNvPr id="2" name="Title 1"/>
-          <p:cNvSpPr>
-            <a:spLocks noGrp="1"/>
-          </p:cNvSpPr>
-          <p:nvPr>
-            <p:ph type="title"/>
-          </p:nvPr>
-        </p:nvSpPr>
-        <p:spPr/>
-        <p:txBody>
-          <a:bodyPr/>
-          <a:lstStyle/>
-          <a:p>
-            <a:r>
-              <a:t>All Creatures of our God and King</a:t>
-            </a:r>
-          </a:p>
-        </p:txBody>
-      </p:sp>
-      <p:sp>
-        <p:nvSpPr>
-          <p:cNvPr id="3" name="Content Placeholder 2"/>
-          <p:cNvSpPr>
-            <a:spLocks noGrp="1"/>
-          </p:cNvSpPr>
-          <p:nvPr>
-            <p:ph idx="10" sz="quarter"/>
-          </p:nvPr>
-        </p:nvSpPr>
-        <p:spPr/>
-        <p:txBody>
-          <a:bodyPr/>
-          <a:lstStyle/>
-          <a:p>
-            <a:r>
-              <a:t>Let all things their Creator bless, </a:t>
-            </a:r>
-          </a:p>
-          <a:p>
-            <a:r>
-              <a:t>and worship God in humbleness,</a:t>
-            </a:r>
-          </a:p>
-          <a:p>
-            <a:r>
-              <a:t>alleluia, alleluia!</a:t>
-            </a:r>
-          </a:p>
-          <a:p>
-            <a:r>
-              <a:t>To God all thanks and praise belong!</a:t>
-            </a:r>
-          </a:p>
-          <a:p>
-            <a:r>
-              <a:t>Join in the everlasting song:</a:t>
-            </a:r>
-          </a:p>
-          <a:p>
-            <a:r>
-              <a:t>O sing ye, O sing ye, alleluia, alleluia, alleluia! </a:t>
-            </a:r>
-          </a:p>
-        </p:txBody>
-      </p:sp>
-      <p:sp>
-        <p:nvSpPr>
-          <p:cNvPr id="4" name="Content Placeholder 3"/>
-          <p:cNvSpPr>
-            <a:spLocks noGrp="1"/>
-          </p:cNvSpPr>
-          <p:nvPr>
-            <p:ph idx="11" sz="quarter"/>
-          </p:nvPr>
-        </p:nvSpPr>
-        <p:spPr/>
-        <p:txBody>
-          <a:bodyPr/>
-          <a:lstStyle/>
-          <a:p>
-            <a:r>
-              <a:t>Words: St. Francis of Assisi (1225)</a:t>
-            </a:r>
-          </a:p>
-          <a:p>
-            <a:r>
-              <a:t>Composer: Unknown</a:t>
-            </a:r>
-          </a:p>
-          <a:p>
-            <a:r>
-              <a:t>Tune: LASST UNS ERFREUEN</a:t>
-            </a:r>
-          </a:p>
-          <a:p>
-            <a:r>
-              <a:t>©: Public Domain</a:t>
-            </a:r>
-          </a:p>
-          <a:p>
-            <a:r>
-              <a:t>CCLI: 522221</a:t>
             </a:r>
           </a:p>
         </p:txBody>
